--- a/media/quickpbt.pptx
+++ b/media/quickpbt.pptx
@@ -188,6 +188,7 @@
           </a:p>
         </c:rich>
       </c:tx>
+      <c:layout/>
       <c:overlay val="0"/>
       <c:spPr>
         <a:noFill/>
@@ -314,6 +315,7 @@
             <c:showLeaderLines val="0"/>
             <c:extLst>
               <c:ext xmlns:c15="http://schemas.microsoft.com/office/drawing/2012/chart" uri="{CE6537A1-D6FC-4f65-9D91-7224C49458BB}">
+                <c15:layout/>
                 <c15:showLeaderLines val="1"/>
                 <c15:leaderLines>
                   <c:spPr>
@@ -444,11 +446,11 @@
         </c:dLbls>
         <c:gapWidth val="80"/>
         <c:overlap val="40"/>
-        <c:axId val="668636528"/>
-        <c:axId val="757573888"/>
+        <c:axId val="-894257664"/>
+        <c:axId val="-932749072"/>
       </c:barChart>
       <c:catAx>
-        <c:axId val="668636528"/>
+        <c:axId val="-894257664"/>
         <c:scaling>
           <c:orientation val="minMax"/>
         </c:scaling>
@@ -493,7 +495,7 @@
             <a:endParaRPr lang="en-US"/>
           </a:p>
         </c:txPr>
-        <c:crossAx val="757573888"/>
+        <c:crossAx val="-932749072"/>
         <c:crosses val="autoZero"/>
         <c:auto val="0"/>
         <c:lblAlgn val="ctr"/>
@@ -502,7 +504,7 @@
         <c:noMultiLvlLbl val="0"/>
       </c:catAx>
       <c:valAx>
-        <c:axId val="757573888"/>
+        <c:axId val="-932749072"/>
         <c:scaling>
           <c:orientation val="minMax"/>
         </c:scaling>
@@ -511,7 +513,7 @@
         <c:majorTickMark val="none"/>
         <c:minorTickMark val="none"/>
         <c:tickLblPos val="nextTo"/>
-        <c:crossAx val="668636528"/>
+        <c:crossAx val="-894257664"/>
         <c:crosses val="autoZero"/>
         <c:crossBetween val="between"/>
       </c:valAx>
@@ -602,6 +604,7 @@
           </a:p>
         </c:rich>
       </c:tx>
+      <c:layout/>
       <c:overlay val="0"/>
       <c:spPr>
         <a:noFill/>
@@ -728,6 +731,7 @@
             <c:showLeaderLines val="0"/>
             <c:extLst>
               <c:ext xmlns:c15="http://schemas.microsoft.com/office/drawing/2012/chart" uri="{CE6537A1-D6FC-4f65-9D91-7224C49458BB}">
+                <c15:layout/>
                 <c15:showLeaderLines val="1"/>
                 <c15:leaderLines>
                   <c:spPr>
@@ -858,11 +862,11 @@
         </c:dLbls>
         <c:gapWidth val="80"/>
         <c:overlap val="40"/>
-        <c:axId val="756554528"/>
-        <c:axId val="756557280"/>
+        <c:axId val="-862105664"/>
+        <c:axId val="-862102912"/>
       </c:barChart>
       <c:catAx>
-        <c:axId val="756554528"/>
+        <c:axId val="-862105664"/>
         <c:scaling>
           <c:orientation val="minMax"/>
         </c:scaling>
@@ -907,7 +911,7 @@
             <a:endParaRPr lang="en-US"/>
           </a:p>
         </c:txPr>
-        <c:crossAx val="756557280"/>
+        <c:crossAx val="-862102912"/>
         <c:crosses val="autoZero"/>
         <c:auto val="0"/>
         <c:lblAlgn val="ctr"/>
@@ -916,7 +920,7 @@
         <c:noMultiLvlLbl val="0"/>
       </c:catAx>
       <c:valAx>
-        <c:axId val="756557280"/>
+        <c:axId val="-862102912"/>
         <c:scaling>
           <c:orientation val="minMax"/>
         </c:scaling>
@@ -926,7 +930,7 @@
         <c:majorTickMark val="none"/>
         <c:minorTickMark val="none"/>
         <c:tickLblPos val="nextTo"/>
-        <c:crossAx val="756554528"/>
+        <c:crossAx val="-862105664"/>
         <c:crosses val="autoZero"/>
         <c:crossBetween val="between"/>
       </c:valAx>
@@ -3840,6 +3844,13 @@
         </dgm:presLayoutVars>
       </dgm:prSet>
       <dgm:spPr/>
+      <dgm:t>
+        <a:bodyPr/>
+        <a:lstStyle/>
+        <a:p>
+          <a:endParaRPr lang="en-US"/>
+        </a:p>
+      </dgm:t>
     </dgm:pt>
     <dgm:pt modelId="{6761BBEC-8A8A-9C4B-8867-3215FC7148D6}" type="pres">
       <dgm:prSet presAssocID="{D9D6FB09-4C2A-5642-B482-D13F44DCDFC8}" presName="composite" presStyleCnt="0"/>
@@ -3858,10 +3869,17 @@
           </a:blip>
           <a:srcRect/>
           <a:stretch>
-            <a:fillRect l="498" t="16552" r="498" b="16552"/>
+            <a:fillRect l="4205" t="19057" r="4205" b="19057"/>
           </a:stretch>
         </a:blipFill>
       </dgm:spPr>
+      <dgm:t>
+        <a:bodyPr/>
+        <a:lstStyle/>
+        <a:p>
+          <a:endParaRPr lang="en-US"/>
+        </a:p>
+      </dgm:t>
     </dgm:pt>
     <dgm:pt modelId="{9007A706-0EAE-2D49-BB80-CFB331F6F93F}" type="pres">
       <dgm:prSet presAssocID="{D9D6FB09-4C2A-5642-B482-D13F44DCDFC8}" presName="txShp" presStyleLbl="node1" presStyleIdx="0" presStyleCnt="3">
@@ -3899,10 +3917,17 @@
           </a:blip>
           <a:srcRect/>
           <a:stretch>
-            <a:fillRect l="210" t="16358" r="210" b="16358"/>
+            <a:fillRect l="4205" t="19057" r="4205" b="19057"/>
           </a:stretch>
         </a:blipFill>
       </dgm:spPr>
+      <dgm:t>
+        <a:bodyPr/>
+        <a:lstStyle/>
+        <a:p>
+          <a:endParaRPr lang="en-US"/>
+        </a:p>
+      </dgm:t>
     </dgm:pt>
     <dgm:pt modelId="{F1B26D47-E355-814D-AC3A-502F1B40906B}" type="pres">
       <dgm:prSet presAssocID="{A977063C-C80E-0048-8970-84FE7560885F}" presName="txShp" presStyleLbl="node1" presStyleIdx="1" presStyleCnt="3">
@@ -3940,10 +3965,17 @@
           </a:blip>
           <a:srcRect/>
           <a:stretch>
-            <a:fillRect l="-316" t="16003" r="-316" b="16003"/>
+            <a:fillRect l="3709" t="18722" r="3709" b="18722"/>
           </a:stretch>
         </a:blipFill>
       </dgm:spPr>
+      <dgm:t>
+        <a:bodyPr/>
+        <a:lstStyle/>
+        <a:p>
+          <a:endParaRPr lang="en-US"/>
+        </a:p>
+      </dgm:t>
     </dgm:pt>
     <dgm:pt modelId="{1E3115F4-2DE7-2546-9CAD-87A1DFDA85FE}" type="pres">
       <dgm:prSet presAssocID="{4C0B0734-9D2C-6C44-8DEC-81D7F5AD8976}" presName="txShp" presStyleLbl="node1" presStyleIdx="2" presStyleCnt="3">
@@ -3962,12 +3994,12 @@
     </dgm:pt>
   </dgm:ptLst>
   <dgm:cxnLst>
+    <dgm:cxn modelId="{306827C4-F7D6-8841-BACA-063F57F13683}" srcId="{1C54E76E-AEAA-6F44-BE4E-018E4678E405}" destId="{D9D6FB09-4C2A-5642-B482-D13F44DCDFC8}" srcOrd="0" destOrd="0" parTransId="{7F26D427-3FF8-984D-8D1A-4379DD812913}" sibTransId="{D57C58EE-1653-EA45-B28D-3DF615521348}"/>
     <dgm:cxn modelId="{8BEF2860-966D-3A48-A36E-CA1C544D240E}" type="presOf" srcId="{1C54E76E-AEAA-6F44-BE4E-018E4678E405}" destId="{1F43C831-CAC9-F647-9736-4EED381D9F06}" srcOrd="0" destOrd="0" presId="urn:microsoft.com/office/officeart/2005/8/layout/vList3"/>
+    <dgm:cxn modelId="{DA61D5B5-3FA1-7142-9DDB-0139B56EF823}" type="presOf" srcId="{D9D6FB09-4C2A-5642-B482-D13F44DCDFC8}" destId="{9007A706-0EAE-2D49-BB80-CFB331F6F93F}" srcOrd="0" destOrd="0" presId="urn:microsoft.com/office/officeart/2005/8/layout/vList3"/>
     <dgm:cxn modelId="{8729D1CF-775C-8345-83A3-3E14572A3681}" srcId="{1C54E76E-AEAA-6F44-BE4E-018E4678E405}" destId="{A977063C-C80E-0048-8970-84FE7560885F}" srcOrd="1" destOrd="0" parTransId="{B75D0403-771A-F449-855E-57C1C5B1AB15}" sibTransId="{3D56C6A9-AB5C-7B4E-B42E-A5D3BB5AEA61}"/>
-    <dgm:cxn modelId="{DA61D5B5-3FA1-7142-9DDB-0139B56EF823}" type="presOf" srcId="{D9D6FB09-4C2A-5642-B482-D13F44DCDFC8}" destId="{9007A706-0EAE-2D49-BB80-CFB331F6F93F}" srcOrd="0" destOrd="0" presId="urn:microsoft.com/office/officeart/2005/8/layout/vList3"/>
+    <dgm:cxn modelId="{95754982-D8FD-B84A-B126-1F548367607B}" type="presOf" srcId="{4C0B0734-9D2C-6C44-8DEC-81D7F5AD8976}" destId="{1E3115F4-2DE7-2546-9CAD-87A1DFDA85FE}" srcOrd="0" destOrd="0" presId="urn:microsoft.com/office/officeart/2005/8/layout/vList3"/>
     <dgm:cxn modelId="{6CA74CA9-A4A5-1C49-A964-77F77666A770}" srcId="{1C54E76E-AEAA-6F44-BE4E-018E4678E405}" destId="{4C0B0734-9D2C-6C44-8DEC-81D7F5AD8976}" srcOrd="2" destOrd="0" parTransId="{3F72E491-1303-CD40-A8C6-E96201A46FF4}" sibTransId="{0C235EBA-4EC7-D742-8298-11E390D682E6}"/>
-    <dgm:cxn modelId="{95754982-D8FD-B84A-B126-1F548367607B}" type="presOf" srcId="{4C0B0734-9D2C-6C44-8DEC-81D7F5AD8976}" destId="{1E3115F4-2DE7-2546-9CAD-87A1DFDA85FE}" srcOrd="0" destOrd="0" presId="urn:microsoft.com/office/officeart/2005/8/layout/vList3"/>
-    <dgm:cxn modelId="{306827C4-F7D6-8841-BACA-063F57F13683}" srcId="{1C54E76E-AEAA-6F44-BE4E-018E4678E405}" destId="{D9D6FB09-4C2A-5642-B482-D13F44DCDFC8}" srcOrd="0" destOrd="0" parTransId="{7F26D427-3FF8-984D-8D1A-4379DD812913}" sibTransId="{D57C58EE-1653-EA45-B28D-3DF615521348}"/>
     <dgm:cxn modelId="{EBF87BB8-F69C-B049-A6E6-657F3FE1E402}" type="presOf" srcId="{A977063C-C80E-0048-8970-84FE7560885F}" destId="{F1B26D47-E355-814D-AC3A-502F1B40906B}" srcOrd="0" destOrd="0" presId="urn:microsoft.com/office/officeart/2005/8/layout/vList3"/>
     <dgm:cxn modelId="{A7DCD0B2-CD4C-7C46-92FF-DDEEECE95530}" type="presParOf" srcId="{1F43C831-CAC9-F647-9736-4EED381D9F06}" destId="{6761BBEC-8A8A-9C4B-8867-3215FC7148D6}" srcOrd="0" destOrd="0" presId="urn:microsoft.com/office/officeart/2005/8/layout/vList3"/>
     <dgm:cxn modelId="{982E3776-C93A-0D49-A964-984F0482659D}" type="presParOf" srcId="{6761BBEC-8A8A-9C4B-8867-3215FC7148D6}" destId="{E70EAD7C-0549-3B42-B823-29990A43CDC5}" srcOrd="0" destOrd="0" presId="urn:microsoft.com/office/officeart/2005/8/layout/vList3"/>
@@ -3985,7 +4017,7 @@
   <dgm:whole/>
   <dgm:extLst>
     <a:ext uri="http://schemas.microsoft.com/office/drawing/2008/diagram">
-      <dsp:dataModelExt xmlns:dsp="http://schemas.microsoft.com/office/drawing/2008/diagram" relId="rId6" minVer="http://schemas.openxmlformats.org/drawingml/2006/diagram"/>
+      <dsp:dataModelExt xmlns:dsp="http://schemas.microsoft.com/office/drawing/2008/diagram" relId="rId7" minVer="http://schemas.openxmlformats.org/drawingml/2006/diagram"/>
     </a:ext>
   </dgm:extLst>
 </dgm:dataModel>
@@ -4331,7 +4363,7 @@
           </a:blip>
           <a:srcRect/>
           <a:stretch>
-            <a:fillRect l="498" t="16552" r="498" b="16552"/>
+            <a:fillRect l="4205" t="19057" r="4205" b="19057"/>
           </a:stretch>
         </a:blipFill>
         <a:ln>
@@ -4684,7 +4716,7 @@
           </a:blip>
           <a:srcRect/>
           <a:stretch>
-            <a:fillRect l="210" t="16358" r="210" b="16358"/>
+            <a:fillRect l="4205" t="19057" r="4205" b="19057"/>
           </a:stretch>
         </a:blipFill>
         <a:ln>
@@ -5048,7 +5080,7 @@
           </a:blip>
           <a:srcRect/>
           <a:stretch>
-            <a:fillRect l="-316" t="16003" r="-316" b="16003"/>
+            <a:fillRect l="3709" t="18722" r="3709" b="18722"/>
           </a:stretch>
         </a:blipFill>
         <a:ln>
@@ -6352,7 +6384,7 @@
           <a:p>
             <a:fld id="{BED210CC-96DD-F14B-BC04-06F542233C3C}" type="datetimeFigureOut">
               <a:rPr lang="en-US" smtClean="0"/>
-              <a:t>9/16/17</a:t>
+              <a:t>9/19/17</a:t>
             </a:fld>
             <a:endParaRPr lang="en-US"/>
           </a:p>
@@ -6664,7 +6696,131 @@
           <a:bodyPr/>
           <a:lstStyle/>
           <a:p>
-            <a:endParaRPr lang="en-US"/>
+            <a:r>
+              <a:rPr lang="en-US" sz="1200" u="none" kern="1200" baseline="0" dirty="0" smtClean="0">
+                <a:solidFill>
+                  <a:schemeClr val="tx1"/>
+                </a:solidFill>
+                <a:latin typeface="+mn-lt"/>
+                <a:ea typeface="+mn-ea"/>
+                <a:cs typeface="+mn-cs"/>
+              </a:rPr>
+              <a:t>About the presenter:</a:t>
+            </a:r>
+          </a:p>
+          <a:p>
+            <a:pPr marL="171450" marR="0" indent="-171450" algn="l" defTabSz="914400" rtl="0" eaLnBrk="1" fontAlgn="auto" latinLnBrk="0" hangingPunct="1">
+              <a:lnSpc>
+                <a:spcPct val="100000"/>
+              </a:lnSpc>
+              <a:spcBef>
+                <a:spcPts val="0"/>
+              </a:spcBef>
+              <a:spcAft>
+                <a:spcPts val="0"/>
+              </a:spcAft>
+              <a:buClrTx/>
+              <a:buSzTx/>
+              <a:buFont typeface="Arial" charset="0"/>
+              <a:buChar char="•"/>
+              <a:tabLst/>
+              <a:defRPr/>
+            </a:pPr>
+            <a:r>
+              <a:rPr lang="en-US" sz="1200" u="none" kern="1200" baseline="0" dirty="0" smtClean="0">
+                <a:solidFill>
+                  <a:schemeClr val="tx1"/>
+                </a:solidFill>
+                <a:latin typeface="+mn-lt"/>
+                <a:ea typeface="+mn-ea"/>
+                <a:cs typeface="+mn-cs"/>
+              </a:rPr>
+              <a:t>Putting C# into PROD since 2000</a:t>
+            </a:r>
+          </a:p>
+          <a:p>
+            <a:pPr marL="171450" marR="0" indent="-171450" algn="l" defTabSz="914400" rtl="0" eaLnBrk="1" fontAlgn="auto" latinLnBrk="0" hangingPunct="1">
+              <a:lnSpc>
+                <a:spcPct val="100000"/>
+              </a:lnSpc>
+              <a:spcBef>
+                <a:spcPts val="0"/>
+              </a:spcBef>
+              <a:spcAft>
+                <a:spcPts val="0"/>
+              </a:spcAft>
+              <a:buClrTx/>
+              <a:buSzTx/>
+              <a:buFont typeface="Arial" charset="0"/>
+              <a:buChar char="•"/>
+              <a:tabLst/>
+              <a:defRPr/>
+            </a:pPr>
+            <a:r>
+              <a:rPr lang="en-US" sz="1200" u="none" kern="1200" baseline="0" dirty="0" smtClean="0">
+                <a:solidFill>
+                  <a:schemeClr val="tx1"/>
+                </a:solidFill>
+                <a:latin typeface="+mn-lt"/>
+                <a:ea typeface="+mn-ea"/>
+                <a:cs typeface="+mn-cs"/>
+              </a:rPr>
+              <a:t>Putting VB into PROD since 2003</a:t>
+            </a:r>
+          </a:p>
+          <a:p>
+            <a:pPr marL="171450" indent="-171450">
+              <a:buFont typeface="Arial" charset="0"/>
+              <a:buChar char="•"/>
+            </a:pPr>
+            <a:r>
+              <a:rPr lang="en-US" sz="1200" u="none" kern="1200" baseline="0" dirty="0" smtClean="0">
+                <a:solidFill>
+                  <a:schemeClr val="tx1"/>
+                </a:solidFill>
+                <a:latin typeface="+mn-lt"/>
+                <a:ea typeface="+mn-ea"/>
+                <a:cs typeface="+mn-cs"/>
+              </a:rPr>
+              <a:t>Discovered F# in 2007</a:t>
+            </a:r>
+          </a:p>
+          <a:p>
+            <a:pPr marL="171450" indent="-171450">
+              <a:buFont typeface="Arial" charset="0"/>
+              <a:buChar char="•"/>
+            </a:pPr>
+            <a:r>
+              <a:rPr lang="en-US" sz="1200" u="none" kern="1200" baseline="0" dirty="0" smtClean="0">
+                <a:solidFill>
+                  <a:schemeClr val="tx1"/>
+                </a:solidFill>
+                <a:latin typeface="+mn-lt"/>
+                <a:ea typeface="+mn-ea"/>
+                <a:cs typeface="+mn-cs"/>
+              </a:rPr>
+              <a:t>Putting F# into PROD since 2009</a:t>
+            </a:r>
+          </a:p>
+          <a:p>
+            <a:pPr marL="171450" indent="-171450">
+              <a:buFont typeface="Arial" charset="0"/>
+              <a:buChar char="•"/>
+            </a:pPr>
+            <a:r>
+              <a:rPr lang="en-US" sz="1200" dirty="0" smtClean="0"/>
+              <a:t>Microsoft MVP 2014, 2015, 2016, 2017</a:t>
+            </a:r>
+          </a:p>
+          <a:p>
+            <a:pPr marL="171450" indent="-171450">
+              <a:buFont typeface="Arial" charset="0"/>
+              <a:buChar char="•"/>
+            </a:pPr>
+            <a:endParaRPr lang="en-US" sz="1200" dirty="0" smtClean="0"/>
+          </a:p>
+          <a:p>
+            <a:endParaRPr lang="en-US" dirty="0"/>
           </a:p>
         </p:txBody>
       </p:sp>
@@ -6695,6 +6851,1378 @@
     <p:extLst>
       <p:ext uri="{BB962C8B-B14F-4D97-AF65-F5344CB8AC3E}">
         <p14:creationId xmlns:p14="http://schemas.microsoft.com/office/powerpoint/2010/main" val="1213223803"/>
+      </p:ext>
+    </p:extLst>
+  </p:cSld>
+  <p:clrMapOvr>
+    <a:masterClrMapping/>
+  </p:clrMapOvr>
+</p:notes>
+</file>
+
+<file path=ppt/notesSlides/notesSlide10.xml><?xml version="1.0" encoding="utf-8"?>
+<p:notes xmlns:a="http://schemas.openxmlformats.org/drawingml/2006/main" xmlns:r="http://schemas.openxmlformats.org/officeDocument/2006/relationships" xmlns:p="http://schemas.openxmlformats.org/presentationml/2006/main">
+  <p:cSld>
+    <p:spTree>
+      <p:nvGrpSpPr>
+        <p:cNvPr id="1" name=""/>
+        <p:cNvGrpSpPr/>
+        <p:nvPr/>
+      </p:nvGrpSpPr>
+      <p:grpSpPr>
+        <a:xfrm>
+          <a:off x="0" y="0"/>
+          <a:ext cx="0" cy="0"/>
+          <a:chOff x="0" y="0"/>
+          <a:chExt cx="0" cy="0"/>
+        </a:xfrm>
+      </p:grpSpPr>
+      <p:sp>
+        <p:nvSpPr>
+          <p:cNvPr id="2" name="Slide Image Placeholder 1"/>
+          <p:cNvSpPr>
+            <a:spLocks noGrp="1" noRot="1" noChangeAspect="1"/>
+          </p:cNvSpPr>
+          <p:nvPr>
+            <p:ph type="sldImg"/>
+          </p:nvPr>
+        </p:nvSpPr>
+        <p:spPr/>
+      </p:sp>
+      <p:sp>
+        <p:nvSpPr>
+          <p:cNvPr id="3" name="Notes Placeholder 2"/>
+          <p:cNvSpPr>
+            <a:spLocks noGrp="1"/>
+          </p:cNvSpPr>
+          <p:nvPr>
+            <p:ph type="body" idx="1"/>
+          </p:nvPr>
+        </p:nvSpPr>
+        <p:spPr/>
+        <p:txBody>
+          <a:bodyPr/>
+          <a:lstStyle/>
+          <a:p>
+            <a:pPr marL="0" marR="0" indent="0" algn="l" defTabSz="914400" rtl="0" eaLnBrk="1" fontAlgn="auto" latinLnBrk="0" hangingPunct="1">
+              <a:lnSpc>
+                <a:spcPct val="100000"/>
+              </a:lnSpc>
+              <a:spcBef>
+                <a:spcPts val="0"/>
+              </a:spcBef>
+              <a:spcAft>
+                <a:spcPts val="0"/>
+              </a:spcAft>
+              <a:buClrTx/>
+              <a:buSzTx/>
+              <a:buFontTx/>
+              <a:buNone/>
+              <a:tabLst/>
+              <a:defRPr/>
+            </a:pPr>
+            <a:r>
+              <a:rPr lang="en-US" dirty="0" smtClean="0"/>
+              <a:t>AS SHOWN HERE: you</a:t>
+            </a:r>
+            <a:r>
+              <a:rPr lang="en-US" baseline="0" dirty="0" smtClean="0"/>
+              <a:t> can bake values into the “label string” as a form of tracing</a:t>
+            </a:r>
+          </a:p>
+          <a:p>
+            <a:endParaRPr lang="en-US" dirty="0"/>
+          </a:p>
+        </p:txBody>
+      </p:sp>
+      <p:sp>
+        <p:nvSpPr>
+          <p:cNvPr id="4" name="Slide Number Placeholder 3"/>
+          <p:cNvSpPr>
+            <a:spLocks noGrp="1"/>
+          </p:cNvSpPr>
+          <p:nvPr>
+            <p:ph type="sldNum" sz="quarter" idx="10"/>
+          </p:nvPr>
+        </p:nvSpPr>
+        <p:spPr/>
+        <p:txBody>
+          <a:bodyPr/>
+          <a:lstStyle/>
+          <a:p>
+            <a:fld id="{E0177CF1-FB2D-5E43-808C-4E6A5CAE4EDF}" type="slidenum">
+              <a:rPr lang="en-US" smtClean="0"/>
+              <a:t>10</a:t>
+            </a:fld>
+            <a:endParaRPr lang="en-US"/>
+          </a:p>
+        </p:txBody>
+      </p:sp>
+    </p:spTree>
+    <p:extLst>
+      <p:ext uri="{BB962C8B-B14F-4D97-AF65-F5344CB8AC3E}">
+        <p14:creationId xmlns:p14="http://schemas.microsoft.com/office/powerpoint/2010/main" val="1717292016"/>
+      </p:ext>
+    </p:extLst>
+  </p:cSld>
+  <p:clrMapOvr>
+    <a:masterClrMapping/>
+  </p:clrMapOvr>
+</p:notes>
+</file>
+
+<file path=ppt/notesSlides/notesSlide11.xml><?xml version="1.0" encoding="utf-8"?>
+<p:notes xmlns:a="http://schemas.openxmlformats.org/drawingml/2006/main" xmlns:r="http://schemas.openxmlformats.org/officeDocument/2006/relationships" xmlns:p="http://schemas.openxmlformats.org/presentationml/2006/main">
+  <p:cSld>
+    <p:spTree>
+      <p:nvGrpSpPr>
+        <p:cNvPr id="1" name=""/>
+        <p:cNvGrpSpPr/>
+        <p:nvPr/>
+      </p:nvGrpSpPr>
+      <p:grpSpPr>
+        <a:xfrm>
+          <a:off x="0" y="0"/>
+          <a:ext cx="0" cy="0"/>
+          <a:chOff x="0" y="0"/>
+          <a:chExt cx="0" cy="0"/>
+        </a:xfrm>
+      </p:grpSpPr>
+      <p:sp>
+        <p:nvSpPr>
+          <p:cNvPr id="2" name="Slide Image Placeholder 1"/>
+          <p:cNvSpPr>
+            <a:spLocks noGrp="1" noRot="1" noChangeAspect="1"/>
+          </p:cNvSpPr>
+          <p:nvPr>
+            <p:ph type="sldImg"/>
+          </p:nvPr>
+        </p:nvSpPr>
+        <p:spPr/>
+      </p:sp>
+      <p:sp>
+        <p:nvSpPr>
+          <p:cNvPr id="3" name="Notes Placeholder 2"/>
+          <p:cNvSpPr>
+            <a:spLocks noGrp="1"/>
+          </p:cNvSpPr>
+          <p:nvPr>
+            <p:ph type="body" idx="1"/>
+          </p:nvPr>
+        </p:nvSpPr>
+        <p:spPr/>
+        <p:txBody>
+          <a:bodyPr/>
+          <a:lstStyle/>
+          <a:p>
+            <a:pPr marL="0" marR="0" indent="0" algn="l" defTabSz="457200" rtl="0" eaLnBrk="1" fontAlgn="auto" latinLnBrk="0" hangingPunct="1">
+              <a:lnSpc>
+                <a:spcPct val="100000"/>
+              </a:lnSpc>
+              <a:spcBef>
+                <a:spcPts val="0"/>
+              </a:spcBef>
+              <a:spcAft>
+                <a:spcPts val="0"/>
+              </a:spcAft>
+              <a:buClrTx/>
+              <a:buSzTx/>
+              <a:buFontTx/>
+              <a:buNone/>
+              <a:tabLst/>
+              <a:defRPr/>
+            </a:pPr>
+            <a:r>
+              <a:rPr lang="en-US" dirty="0" smtClean="0"/>
+              <a:t>“meaningless to talk about random</a:t>
+            </a:r>
+            <a:r>
+              <a:rPr lang="en-US" baseline="0" dirty="0" smtClean="0"/>
+              <a:t> testing without discussing the distribution of test data. Random testing is most effective when the distribution of test data follows that of actual data… [when possible]</a:t>
+            </a:r>
+            <a:r>
+              <a:rPr lang="en-US" dirty="0" smtClean="0"/>
+              <a:t>”</a:t>
+            </a:r>
+          </a:p>
+          <a:p>
+            <a:pPr marL="0" marR="0" indent="0" algn="l" defTabSz="457200" rtl="0" eaLnBrk="1" fontAlgn="auto" latinLnBrk="0" hangingPunct="1">
+              <a:lnSpc>
+                <a:spcPct val="100000"/>
+              </a:lnSpc>
+              <a:spcBef>
+                <a:spcPts val="0"/>
+              </a:spcBef>
+              <a:spcAft>
+                <a:spcPts val="0"/>
+              </a:spcAft>
+              <a:buClrTx/>
+              <a:buSzTx/>
+              <a:buFontTx/>
+              <a:buNone/>
+              <a:tabLst/>
+              <a:defRPr/>
+            </a:pPr>
+            <a:endParaRPr lang="en-US" dirty="0" smtClean="0"/>
+          </a:p>
+          <a:p>
+            <a:pPr marL="0" marR="0" indent="0" algn="l" defTabSz="457200" rtl="0" eaLnBrk="1" fontAlgn="auto" latinLnBrk="0" hangingPunct="1">
+              <a:lnSpc>
+                <a:spcPct val="100000"/>
+              </a:lnSpc>
+              <a:spcBef>
+                <a:spcPts val="0"/>
+              </a:spcBef>
+              <a:spcAft>
+                <a:spcPts val="0"/>
+              </a:spcAft>
+              <a:buClrTx/>
+              <a:buSzTx/>
+              <a:buFontTx/>
+              <a:buNone/>
+              <a:tabLst/>
+              <a:defRPr/>
+            </a:pPr>
+            <a:r>
+              <a:rPr lang="en-US" dirty="0" smtClean="0"/>
+              <a:t>PRO TIP: "Correctness confidence" very dependent on test distributions!!!</a:t>
+            </a:r>
+          </a:p>
+          <a:p>
+            <a:pPr marL="0" marR="0" indent="0" algn="l" defTabSz="457200" rtl="0" eaLnBrk="1" fontAlgn="auto" latinLnBrk="0" hangingPunct="1">
+              <a:lnSpc>
+                <a:spcPct val="100000"/>
+              </a:lnSpc>
+              <a:spcBef>
+                <a:spcPts val="0"/>
+              </a:spcBef>
+              <a:spcAft>
+                <a:spcPts val="0"/>
+              </a:spcAft>
+              <a:buClrTx/>
+              <a:buSzTx/>
+              <a:buFontTx/>
+              <a:buNone/>
+              <a:tabLst/>
+              <a:defRPr/>
+            </a:pPr>
+            <a:endParaRPr lang="en-US" dirty="0" smtClean="0"/>
+          </a:p>
+          <a:p>
+            <a:pPr marL="0" marR="0" indent="0" algn="l" defTabSz="457200" rtl="0" eaLnBrk="1" fontAlgn="auto" latinLnBrk="0" hangingPunct="1">
+              <a:lnSpc>
+                <a:spcPct val="100000"/>
+              </a:lnSpc>
+              <a:spcBef>
+                <a:spcPts val="0"/>
+              </a:spcBef>
+              <a:spcAft>
+                <a:spcPts val="0"/>
+              </a:spcAft>
+              <a:buClrTx/>
+              <a:buSzTx/>
+              <a:buFontTx/>
+              <a:buNone/>
+              <a:tabLst/>
+              <a:defRPr/>
+            </a:pPr>
+            <a:r>
+              <a:rPr lang="en-US" dirty="0" err="1" smtClean="0"/>
+              <a:t>FsCheck</a:t>
+            </a:r>
+            <a:r>
+              <a:rPr lang="en-US" dirty="0" smtClean="0"/>
+              <a:t> does not measure coverage – dev</a:t>
+            </a:r>
+            <a:r>
+              <a:rPr lang="en-US" baseline="0" dirty="0" smtClean="0"/>
+              <a:t> MUST investigate distributions to ensure suitability</a:t>
+            </a:r>
+          </a:p>
+          <a:p>
+            <a:endParaRPr lang="en-US" dirty="0" smtClean="0"/>
+          </a:p>
+          <a:p>
+            <a:pPr marL="0" marR="0" indent="0" algn="l" defTabSz="914400" rtl="0" eaLnBrk="1" fontAlgn="auto" latinLnBrk="0" hangingPunct="1">
+              <a:lnSpc>
+                <a:spcPct val="100000"/>
+              </a:lnSpc>
+              <a:spcBef>
+                <a:spcPts val="0"/>
+              </a:spcBef>
+              <a:spcAft>
+                <a:spcPts val="0"/>
+              </a:spcAft>
+              <a:buClrTx/>
+              <a:buSzTx/>
+              <a:buFontTx/>
+              <a:buNone/>
+              <a:tabLst/>
+              <a:defRPr/>
+            </a:pPr>
+            <a:r>
+              <a:rPr lang="en-US" dirty="0" err="1" smtClean="0"/>
+              <a:t>Prop.trivial</a:t>
+            </a:r>
+            <a:r>
+              <a:rPr lang="en-US" dirty="0" smtClean="0"/>
+              <a:t> – a</a:t>
+            </a:r>
+            <a:r>
+              <a:rPr lang="en-US" baseline="0" dirty="0" smtClean="0"/>
+              <a:t> simple </a:t>
+            </a:r>
+            <a:r>
+              <a:rPr lang="en-US" baseline="0" dirty="0" err="1" smtClean="0"/>
+              <a:t>boolean</a:t>
+            </a:r>
+            <a:r>
+              <a:rPr lang="en-US" baseline="0" dirty="0" smtClean="0"/>
+              <a:t> qualification observed against a whole distribution… puts ALL tests into one of 2 buckets</a:t>
+            </a:r>
+            <a:endParaRPr lang="en-US" dirty="0" smtClean="0"/>
+          </a:p>
+          <a:p>
+            <a:endParaRPr lang="en-US" dirty="0"/>
+          </a:p>
+        </p:txBody>
+      </p:sp>
+      <p:sp>
+        <p:nvSpPr>
+          <p:cNvPr id="4" name="Slide Number Placeholder 3"/>
+          <p:cNvSpPr>
+            <a:spLocks noGrp="1"/>
+          </p:cNvSpPr>
+          <p:nvPr>
+            <p:ph type="sldNum" sz="quarter" idx="10"/>
+          </p:nvPr>
+        </p:nvSpPr>
+        <p:spPr/>
+        <p:txBody>
+          <a:bodyPr/>
+          <a:lstStyle/>
+          <a:p>
+            <a:fld id="{E0177CF1-FB2D-5E43-808C-4E6A5CAE4EDF}" type="slidenum">
+              <a:rPr lang="en-US" smtClean="0"/>
+              <a:t>11</a:t>
+            </a:fld>
+            <a:endParaRPr lang="en-US"/>
+          </a:p>
+        </p:txBody>
+      </p:sp>
+    </p:spTree>
+    <p:extLst>
+      <p:ext uri="{BB962C8B-B14F-4D97-AF65-F5344CB8AC3E}">
+        <p14:creationId xmlns:p14="http://schemas.microsoft.com/office/powerpoint/2010/main" val="1480660305"/>
+      </p:ext>
+    </p:extLst>
+  </p:cSld>
+  <p:clrMapOvr>
+    <a:masterClrMapping/>
+  </p:clrMapOvr>
+</p:notes>
+</file>
+
+<file path=ppt/notesSlides/notesSlide12.xml><?xml version="1.0" encoding="utf-8"?>
+<p:notes xmlns:a="http://schemas.openxmlformats.org/drawingml/2006/main" xmlns:r="http://schemas.openxmlformats.org/officeDocument/2006/relationships" xmlns:p="http://schemas.openxmlformats.org/presentationml/2006/main">
+  <p:cSld>
+    <p:spTree>
+      <p:nvGrpSpPr>
+        <p:cNvPr id="1" name=""/>
+        <p:cNvGrpSpPr/>
+        <p:nvPr/>
+      </p:nvGrpSpPr>
+      <p:grpSpPr>
+        <a:xfrm>
+          <a:off x="0" y="0"/>
+          <a:ext cx="0" cy="0"/>
+          <a:chOff x="0" y="0"/>
+          <a:chExt cx="0" cy="0"/>
+        </a:xfrm>
+      </p:grpSpPr>
+      <p:sp>
+        <p:nvSpPr>
+          <p:cNvPr id="2" name="Slide Image Placeholder 1"/>
+          <p:cNvSpPr>
+            <a:spLocks noGrp="1" noRot="1" noChangeAspect="1"/>
+          </p:cNvSpPr>
+          <p:nvPr>
+            <p:ph type="sldImg"/>
+          </p:nvPr>
+        </p:nvSpPr>
+        <p:spPr/>
+      </p:sp>
+      <p:sp>
+        <p:nvSpPr>
+          <p:cNvPr id="3" name="Notes Placeholder 2"/>
+          <p:cNvSpPr>
+            <a:spLocks noGrp="1"/>
+          </p:cNvSpPr>
+          <p:nvPr>
+            <p:ph type="body" idx="1"/>
+          </p:nvPr>
+        </p:nvSpPr>
+        <p:spPr/>
+        <p:txBody>
+          <a:bodyPr/>
+          <a:lstStyle/>
+          <a:p>
+            <a:pPr marL="0" marR="0" indent="0" algn="l" defTabSz="914400" rtl="0" eaLnBrk="1" fontAlgn="auto" latinLnBrk="0" hangingPunct="1">
+              <a:lnSpc>
+                <a:spcPct val="100000"/>
+              </a:lnSpc>
+              <a:spcBef>
+                <a:spcPts val="0"/>
+              </a:spcBef>
+              <a:spcAft>
+                <a:spcPts val="0"/>
+              </a:spcAft>
+              <a:buClrTx/>
+              <a:buSzTx/>
+              <a:buFontTx/>
+              <a:buNone/>
+              <a:tabLst/>
+              <a:defRPr/>
+            </a:pPr>
+            <a:r>
+              <a:rPr lang="en-US" dirty="0" err="1" smtClean="0"/>
+              <a:t>Prop.classify</a:t>
+            </a:r>
+            <a:r>
+              <a:rPr lang="en-US" baseline="0" dirty="0" smtClean="0"/>
+              <a:t> – arbitrary number of </a:t>
+            </a:r>
+            <a:r>
+              <a:rPr lang="en-US" baseline="0" dirty="0" err="1" smtClean="0"/>
+              <a:t>boolean</a:t>
+            </a:r>
+            <a:r>
+              <a:rPr lang="en-US" baseline="0" dirty="0" smtClean="0"/>
+              <a:t> qualifications observed (individually) against a whole distribution… puts SOME tests into one of N buckets</a:t>
+            </a:r>
+          </a:p>
+          <a:p>
+            <a:endParaRPr lang="en-US" dirty="0"/>
+          </a:p>
+        </p:txBody>
+      </p:sp>
+      <p:sp>
+        <p:nvSpPr>
+          <p:cNvPr id="4" name="Slide Number Placeholder 3"/>
+          <p:cNvSpPr>
+            <a:spLocks noGrp="1"/>
+          </p:cNvSpPr>
+          <p:nvPr>
+            <p:ph type="sldNum" sz="quarter" idx="10"/>
+          </p:nvPr>
+        </p:nvSpPr>
+        <p:spPr/>
+        <p:txBody>
+          <a:bodyPr/>
+          <a:lstStyle/>
+          <a:p>
+            <a:fld id="{E0177CF1-FB2D-5E43-808C-4E6A5CAE4EDF}" type="slidenum">
+              <a:rPr lang="en-US" smtClean="0"/>
+              <a:t>12</a:t>
+            </a:fld>
+            <a:endParaRPr lang="en-US"/>
+          </a:p>
+        </p:txBody>
+      </p:sp>
+    </p:spTree>
+    <p:extLst>
+      <p:ext uri="{BB962C8B-B14F-4D97-AF65-F5344CB8AC3E}">
+        <p14:creationId xmlns:p14="http://schemas.microsoft.com/office/powerpoint/2010/main" val="417244699"/>
+      </p:ext>
+    </p:extLst>
+  </p:cSld>
+  <p:clrMapOvr>
+    <a:masterClrMapping/>
+  </p:clrMapOvr>
+</p:notes>
+</file>
+
+<file path=ppt/notesSlides/notesSlide13.xml><?xml version="1.0" encoding="utf-8"?>
+<p:notes xmlns:a="http://schemas.openxmlformats.org/drawingml/2006/main" xmlns:r="http://schemas.openxmlformats.org/officeDocument/2006/relationships" xmlns:p="http://schemas.openxmlformats.org/presentationml/2006/main">
+  <p:cSld>
+    <p:spTree>
+      <p:nvGrpSpPr>
+        <p:cNvPr id="1" name=""/>
+        <p:cNvGrpSpPr/>
+        <p:nvPr/>
+      </p:nvGrpSpPr>
+      <p:grpSpPr>
+        <a:xfrm>
+          <a:off x="0" y="0"/>
+          <a:ext cx="0" cy="0"/>
+          <a:chOff x="0" y="0"/>
+          <a:chExt cx="0" cy="0"/>
+        </a:xfrm>
+      </p:grpSpPr>
+      <p:sp>
+        <p:nvSpPr>
+          <p:cNvPr id="2" name="Slide Image Placeholder 1"/>
+          <p:cNvSpPr>
+            <a:spLocks noGrp="1" noRot="1" noChangeAspect="1"/>
+          </p:cNvSpPr>
+          <p:nvPr>
+            <p:ph type="sldImg"/>
+          </p:nvPr>
+        </p:nvSpPr>
+        <p:spPr/>
+      </p:sp>
+      <p:sp>
+        <p:nvSpPr>
+          <p:cNvPr id="3" name="Notes Placeholder 2"/>
+          <p:cNvSpPr>
+            <a:spLocks noGrp="1"/>
+          </p:cNvSpPr>
+          <p:nvPr>
+            <p:ph type="body" idx="1"/>
+          </p:nvPr>
+        </p:nvSpPr>
+        <p:spPr/>
+        <p:txBody>
+          <a:bodyPr/>
+          <a:lstStyle/>
+          <a:p>
+            <a:pPr marL="0" marR="0" indent="0" algn="l" defTabSz="914400" rtl="0" eaLnBrk="1" fontAlgn="auto" latinLnBrk="0" hangingPunct="1">
+              <a:lnSpc>
+                <a:spcPct val="100000"/>
+              </a:lnSpc>
+              <a:spcBef>
+                <a:spcPts val="0"/>
+              </a:spcBef>
+              <a:spcAft>
+                <a:spcPts val="0"/>
+              </a:spcAft>
+              <a:buClrTx/>
+              <a:buSzTx/>
+              <a:buFontTx/>
+              <a:buNone/>
+              <a:tabLst/>
+              <a:defRPr/>
+            </a:pPr>
+            <a:r>
+              <a:rPr lang="en-US" dirty="0" err="1" smtClean="0"/>
+              <a:t>Prop.collect</a:t>
+            </a:r>
+            <a:r>
+              <a:rPr lang="en-US" baseline="0" dirty="0" smtClean="0"/>
+              <a:t> – compiles arbitrary value from each test; reported alongside percentage of overall distribution</a:t>
+            </a:r>
+          </a:p>
+          <a:p>
+            <a:endParaRPr lang="en-US" dirty="0"/>
+          </a:p>
+        </p:txBody>
+      </p:sp>
+      <p:sp>
+        <p:nvSpPr>
+          <p:cNvPr id="4" name="Slide Number Placeholder 3"/>
+          <p:cNvSpPr>
+            <a:spLocks noGrp="1"/>
+          </p:cNvSpPr>
+          <p:nvPr>
+            <p:ph type="sldNum" sz="quarter" idx="10"/>
+          </p:nvPr>
+        </p:nvSpPr>
+        <p:spPr/>
+        <p:txBody>
+          <a:bodyPr/>
+          <a:lstStyle/>
+          <a:p>
+            <a:fld id="{E0177CF1-FB2D-5E43-808C-4E6A5CAE4EDF}" type="slidenum">
+              <a:rPr lang="en-US" smtClean="0"/>
+              <a:t>13</a:t>
+            </a:fld>
+            <a:endParaRPr lang="en-US"/>
+          </a:p>
+        </p:txBody>
+      </p:sp>
+    </p:spTree>
+    <p:extLst>
+      <p:ext uri="{BB962C8B-B14F-4D97-AF65-F5344CB8AC3E}">
+        <p14:creationId xmlns:p14="http://schemas.microsoft.com/office/powerpoint/2010/main" val="1097548638"/>
+      </p:ext>
+    </p:extLst>
+  </p:cSld>
+  <p:clrMapOvr>
+    <a:masterClrMapping/>
+  </p:clrMapOvr>
+</p:notes>
+</file>
+
+<file path=ppt/notesSlides/notesSlide14.xml><?xml version="1.0" encoding="utf-8"?>
+<p:notes xmlns:a="http://schemas.openxmlformats.org/drawingml/2006/main" xmlns:r="http://schemas.openxmlformats.org/officeDocument/2006/relationships" xmlns:p="http://schemas.openxmlformats.org/presentationml/2006/main">
+  <p:cSld>
+    <p:spTree>
+      <p:nvGrpSpPr>
+        <p:cNvPr id="1" name=""/>
+        <p:cNvGrpSpPr/>
+        <p:nvPr/>
+      </p:nvGrpSpPr>
+      <p:grpSpPr>
+        <a:xfrm>
+          <a:off x="0" y="0"/>
+          <a:ext cx="0" cy="0"/>
+          <a:chOff x="0" y="0"/>
+          <a:chExt cx="0" cy="0"/>
+        </a:xfrm>
+      </p:grpSpPr>
+      <p:sp>
+        <p:nvSpPr>
+          <p:cNvPr id="2" name="Slide Image Placeholder 1"/>
+          <p:cNvSpPr>
+            <a:spLocks noGrp="1" noRot="1" noChangeAspect="1"/>
+          </p:cNvSpPr>
+          <p:nvPr>
+            <p:ph type="sldImg"/>
+          </p:nvPr>
+        </p:nvSpPr>
+        <p:spPr/>
+      </p:sp>
+      <p:sp>
+        <p:nvSpPr>
+          <p:cNvPr id="3" name="Notes Placeholder 2"/>
+          <p:cNvSpPr>
+            <a:spLocks noGrp="1"/>
+          </p:cNvSpPr>
+          <p:nvPr>
+            <p:ph type="body" idx="1"/>
+          </p:nvPr>
+        </p:nvSpPr>
+        <p:spPr/>
+        <p:txBody>
+          <a:bodyPr/>
+          <a:lstStyle/>
+          <a:p>
+            <a:pPr marL="0" marR="0" lvl="0" indent="0" algn="l" defTabSz="914400" rtl="0" eaLnBrk="1" fontAlgn="auto" latinLnBrk="0" hangingPunct="1">
+              <a:lnSpc>
+                <a:spcPct val="100000"/>
+              </a:lnSpc>
+              <a:spcBef>
+                <a:spcPts val="0"/>
+              </a:spcBef>
+              <a:spcAft>
+                <a:spcPts val="0"/>
+              </a:spcAft>
+              <a:buClrTx/>
+              <a:buSzTx/>
+              <a:buFontTx/>
+              <a:buNone/>
+              <a:tabLst/>
+              <a:defRPr/>
+            </a:pPr>
+            <a:r>
+              <a:rPr lang="en-US" baseline="0" dirty="0" smtClean="0"/>
+              <a:t>Combining observations – no limit; be as complex as you want/need (but be mindful of performance!)</a:t>
+            </a:r>
+          </a:p>
+          <a:p>
+            <a:endParaRPr lang="en-US" dirty="0"/>
+          </a:p>
+        </p:txBody>
+      </p:sp>
+      <p:sp>
+        <p:nvSpPr>
+          <p:cNvPr id="4" name="Slide Number Placeholder 3"/>
+          <p:cNvSpPr>
+            <a:spLocks noGrp="1"/>
+          </p:cNvSpPr>
+          <p:nvPr>
+            <p:ph type="sldNum" sz="quarter" idx="10"/>
+          </p:nvPr>
+        </p:nvSpPr>
+        <p:spPr/>
+        <p:txBody>
+          <a:bodyPr/>
+          <a:lstStyle/>
+          <a:p>
+            <a:fld id="{E0177CF1-FB2D-5E43-808C-4E6A5CAE4EDF}" type="slidenum">
+              <a:rPr lang="en-US" smtClean="0"/>
+              <a:t>14</a:t>
+            </a:fld>
+            <a:endParaRPr lang="en-US"/>
+          </a:p>
+        </p:txBody>
+      </p:sp>
+    </p:spTree>
+    <p:extLst>
+      <p:ext uri="{BB962C8B-B14F-4D97-AF65-F5344CB8AC3E}">
+        <p14:creationId xmlns:p14="http://schemas.microsoft.com/office/powerpoint/2010/main" val="1762914783"/>
+      </p:ext>
+    </p:extLst>
+  </p:cSld>
+  <p:clrMapOvr>
+    <a:masterClrMapping/>
+  </p:clrMapOvr>
+</p:notes>
+</file>
+
+<file path=ppt/notesSlides/notesSlide15.xml><?xml version="1.0" encoding="utf-8"?>
+<p:notes xmlns:a="http://schemas.openxmlformats.org/drawingml/2006/main" xmlns:r="http://schemas.openxmlformats.org/officeDocument/2006/relationships" xmlns:p="http://schemas.openxmlformats.org/presentationml/2006/main">
+  <p:cSld>
+    <p:spTree>
+      <p:nvGrpSpPr>
+        <p:cNvPr id="1" name=""/>
+        <p:cNvGrpSpPr/>
+        <p:nvPr/>
+      </p:nvGrpSpPr>
+      <p:grpSpPr>
+        <a:xfrm>
+          <a:off x="0" y="0"/>
+          <a:ext cx="0" cy="0"/>
+          <a:chOff x="0" y="0"/>
+          <a:chExt cx="0" cy="0"/>
+        </a:xfrm>
+      </p:grpSpPr>
+      <p:sp>
+        <p:nvSpPr>
+          <p:cNvPr id="2" name="Slide Image Placeholder 1"/>
+          <p:cNvSpPr>
+            <a:spLocks noGrp="1" noRot="1" noChangeAspect="1"/>
+          </p:cNvSpPr>
+          <p:nvPr>
+            <p:ph type="sldImg"/>
+          </p:nvPr>
+        </p:nvSpPr>
+        <p:spPr/>
+      </p:sp>
+      <p:sp>
+        <p:nvSpPr>
+          <p:cNvPr id="3" name="Notes Placeholder 2"/>
+          <p:cNvSpPr>
+            <a:spLocks noGrp="1"/>
+          </p:cNvSpPr>
+          <p:nvPr>
+            <p:ph type="body" idx="1"/>
+          </p:nvPr>
+        </p:nvSpPr>
+        <p:spPr/>
+        <p:txBody>
+          <a:bodyPr/>
+          <a:lstStyle/>
+          <a:p>
+            <a:r>
+              <a:rPr lang="en-US" dirty="0" smtClean="0"/>
+              <a:t>As with unit testing, property-based testing can be an excellent check of implicit (or</a:t>
+            </a:r>
+            <a:r>
+              <a:rPr lang="en-US" baseline="0" dirty="0" smtClean="0"/>
+              <a:t> even explicit) assumptions made about a code base.</a:t>
+            </a:r>
+          </a:p>
+          <a:p>
+            <a:endParaRPr lang="en-US" dirty="0" smtClean="0"/>
+          </a:p>
+          <a:p>
+            <a:r>
+              <a:rPr lang="en-US" dirty="0" smtClean="0"/>
+              <a:t>Conditionals allow pre-execution</a:t>
+            </a:r>
+            <a:r>
+              <a:rPr lang="en-US" baseline="0" dirty="0" smtClean="0"/>
+              <a:t> filtering... When a pre-condition isn’t met, the run is scraped and a new set of random inputs is generated (i.e. acts like a filter)</a:t>
+            </a:r>
+          </a:p>
+          <a:p>
+            <a:endParaRPr lang="en-US" dirty="0"/>
+          </a:p>
+        </p:txBody>
+      </p:sp>
+      <p:sp>
+        <p:nvSpPr>
+          <p:cNvPr id="4" name="Slide Number Placeholder 3"/>
+          <p:cNvSpPr>
+            <a:spLocks noGrp="1"/>
+          </p:cNvSpPr>
+          <p:nvPr>
+            <p:ph type="sldNum" sz="quarter" idx="10"/>
+          </p:nvPr>
+        </p:nvSpPr>
+        <p:spPr/>
+        <p:txBody>
+          <a:bodyPr/>
+          <a:lstStyle/>
+          <a:p>
+            <a:fld id="{E0177CF1-FB2D-5E43-808C-4E6A5CAE4EDF}" type="slidenum">
+              <a:rPr lang="en-US" smtClean="0"/>
+              <a:t>15</a:t>
+            </a:fld>
+            <a:endParaRPr lang="en-US"/>
+          </a:p>
+        </p:txBody>
+      </p:sp>
+    </p:spTree>
+    <p:extLst>
+      <p:ext uri="{BB962C8B-B14F-4D97-AF65-F5344CB8AC3E}">
+        <p14:creationId xmlns:p14="http://schemas.microsoft.com/office/powerpoint/2010/main" val="476880222"/>
+      </p:ext>
+    </p:extLst>
+  </p:cSld>
+  <p:clrMapOvr>
+    <a:masterClrMapping/>
+  </p:clrMapOvr>
+</p:notes>
+</file>
+
+<file path=ppt/notesSlides/notesSlide16.xml><?xml version="1.0" encoding="utf-8"?>
+<p:notes xmlns:a="http://schemas.openxmlformats.org/drawingml/2006/main" xmlns:r="http://schemas.openxmlformats.org/officeDocument/2006/relationships" xmlns:p="http://schemas.openxmlformats.org/presentationml/2006/main">
+  <p:cSld>
+    <p:spTree>
+      <p:nvGrpSpPr>
+        <p:cNvPr id="1" name=""/>
+        <p:cNvGrpSpPr/>
+        <p:nvPr/>
+      </p:nvGrpSpPr>
+      <p:grpSpPr>
+        <a:xfrm>
+          <a:off x="0" y="0"/>
+          <a:ext cx="0" cy="0"/>
+          <a:chOff x="0" y="0"/>
+          <a:chExt cx="0" cy="0"/>
+        </a:xfrm>
+      </p:grpSpPr>
+      <p:sp>
+        <p:nvSpPr>
+          <p:cNvPr id="2" name="Slide Image Placeholder 1"/>
+          <p:cNvSpPr>
+            <a:spLocks noGrp="1" noRot="1" noChangeAspect="1"/>
+          </p:cNvSpPr>
+          <p:nvPr>
+            <p:ph type="sldImg"/>
+          </p:nvPr>
+        </p:nvSpPr>
+        <p:spPr/>
+      </p:sp>
+      <p:sp>
+        <p:nvSpPr>
+          <p:cNvPr id="3" name="Notes Placeholder 2"/>
+          <p:cNvSpPr>
+            <a:spLocks noGrp="1"/>
+          </p:cNvSpPr>
+          <p:nvPr>
+            <p:ph type="body" idx="1"/>
+          </p:nvPr>
+        </p:nvSpPr>
+        <p:spPr/>
+        <p:txBody>
+          <a:bodyPr/>
+          <a:lstStyle/>
+          <a:p>
+            <a:r>
+              <a:rPr lang="en-US" dirty="0" smtClean="0"/>
+              <a:t>REMEMBER: “Property” = “</a:t>
+            </a:r>
+            <a:r>
+              <a:rPr lang="en-US" dirty="0" err="1" smtClean="0"/>
+              <a:t>boolean</a:t>
+            </a:r>
+            <a:r>
+              <a:rPr lang="en-US" dirty="0" smtClean="0"/>
+              <a:t> expression” (i.e. tests</a:t>
+            </a:r>
+            <a:r>
+              <a:rPr lang="en-US" baseline="0" dirty="0" smtClean="0"/>
+              <a:t> can be used as the pre-conditions to other tests</a:t>
+            </a:r>
+            <a:r>
+              <a:rPr lang="en-US" dirty="0" smtClean="0"/>
+              <a:t>)</a:t>
+            </a:r>
+          </a:p>
+          <a:p>
+            <a:endParaRPr lang="en-US" baseline="0" dirty="0" smtClean="0"/>
+          </a:p>
+          <a:p>
+            <a:r>
+              <a:rPr lang="en-US" baseline="0" dirty="0" smtClean="0"/>
+              <a:t>Useful for expressing SIMPLE invariants and SIMPLE business rules. In many scenarios, a custom data generator is more appropriate.</a:t>
+            </a:r>
+          </a:p>
+          <a:p>
+            <a:endParaRPr lang="en-US" dirty="0"/>
+          </a:p>
+        </p:txBody>
+      </p:sp>
+      <p:sp>
+        <p:nvSpPr>
+          <p:cNvPr id="4" name="Slide Number Placeholder 3"/>
+          <p:cNvSpPr>
+            <a:spLocks noGrp="1"/>
+          </p:cNvSpPr>
+          <p:nvPr>
+            <p:ph type="sldNum" sz="quarter" idx="10"/>
+          </p:nvPr>
+        </p:nvSpPr>
+        <p:spPr/>
+        <p:txBody>
+          <a:bodyPr/>
+          <a:lstStyle/>
+          <a:p>
+            <a:fld id="{E0177CF1-FB2D-5E43-808C-4E6A5CAE4EDF}" type="slidenum">
+              <a:rPr lang="en-US" smtClean="0"/>
+              <a:t>16</a:t>
+            </a:fld>
+            <a:endParaRPr lang="en-US"/>
+          </a:p>
+        </p:txBody>
+      </p:sp>
+    </p:spTree>
+    <p:extLst>
+      <p:ext uri="{BB962C8B-B14F-4D97-AF65-F5344CB8AC3E}">
+        <p14:creationId xmlns:p14="http://schemas.microsoft.com/office/powerpoint/2010/main" val="516920550"/>
+      </p:ext>
+    </p:extLst>
+  </p:cSld>
+  <p:clrMapOvr>
+    <a:masterClrMapping/>
+  </p:clrMapOvr>
+</p:notes>
+</file>
+
+<file path=ppt/notesSlides/notesSlide17.xml><?xml version="1.0" encoding="utf-8"?>
+<p:notes xmlns:a="http://schemas.openxmlformats.org/drawingml/2006/main" xmlns:r="http://schemas.openxmlformats.org/officeDocument/2006/relationships" xmlns:p="http://schemas.openxmlformats.org/presentationml/2006/main">
+  <p:cSld>
+    <p:spTree>
+      <p:nvGrpSpPr>
+        <p:cNvPr id="1" name=""/>
+        <p:cNvGrpSpPr/>
+        <p:nvPr/>
+      </p:nvGrpSpPr>
+      <p:grpSpPr>
+        <a:xfrm>
+          <a:off x="0" y="0"/>
+          <a:ext cx="0" cy="0"/>
+          <a:chOff x="0" y="0"/>
+          <a:chExt cx="0" cy="0"/>
+        </a:xfrm>
+      </p:grpSpPr>
+      <p:sp>
+        <p:nvSpPr>
+          <p:cNvPr id="2" name="Slide Image Placeholder 1"/>
+          <p:cNvSpPr>
+            <a:spLocks noGrp="1" noRot="1" noChangeAspect="1"/>
+          </p:cNvSpPr>
+          <p:nvPr>
+            <p:ph type="sldImg"/>
+          </p:nvPr>
+        </p:nvSpPr>
+        <p:spPr/>
+      </p:sp>
+      <p:sp>
+        <p:nvSpPr>
+          <p:cNvPr id="3" name="Notes Placeholder 2"/>
+          <p:cNvSpPr>
+            <a:spLocks noGrp="1"/>
+          </p:cNvSpPr>
+          <p:nvPr>
+            <p:ph type="body" idx="1"/>
+          </p:nvPr>
+        </p:nvSpPr>
+        <p:spPr/>
+        <p:txBody>
+          <a:bodyPr/>
+          <a:lstStyle/>
+          <a:p>
+            <a:r>
+              <a:rPr lang="en-US" dirty="0" smtClean="0"/>
+              <a:t>Just like the fancy</a:t>
+            </a:r>
+            <a:r>
+              <a:rPr lang="en-US" baseline="0" dirty="0" smtClean="0"/>
+              <a:t> “upside down capital A in formal logic”</a:t>
+            </a:r>
+            <a:r>
+              <a:rPr lang="is-IS" baseline="0" dirty="0" smtClean="0"/>
+              <a:t>…</a:t>
+            </a:r>
+          </a:p>
+          <a:p>
+            <a:endParaRPr lang="is-IS" baseline="0" dirty="0" smtClean="0"/>
+          </a:p>
+          <a:p>
+            <a:r>
+              <a:rPr lang="is-IS" baseline="0" dirty="0" smtClean="0"/>
+              <a:t>Useful for asserting properties of domains (in the mathematical sense)</a:t>
+            </a:r>
+            <a:endParaRPr lang="en-US" baseline="0" dirty="0" smtClean="0"/>
+          </a:p>
+          <a:p>
+            <a:endParaRPr lang="en-US" dirty="0"/>
+          </a:p>
+        </p:txBody>
+      </p:sp>
+      <p:sp>
+        <p:nvSpPr>
+          <p:cNvPr id="4" name="Slide Number Placeholder 3"/>
+          <p:cNvSpPr>
+            <a:spLocks noGrp="1"/>
+          </p:cNvSpPr>
+          <p:nvPr>
+            <p:ph type="sldNum" sz="quarter" idx="10"/>
+          </p:nvPr>
+        </p:nvSpPr>
+        <p:spPr/>
+        <p:txBody>
+          <a:bodyPr/>
+          <a:lstStyle/>
+          <a:p>
+            <a:fld id="{E0177CF1-FB2D-5E43-808C-4E6A5CAE4EDF}" type="slidenum">
+              <a:rPr lang="en-US" smtClean="0"/>
+              <a:t>17</a:t>
+            </a:fld>
+            <a:endParaRPr lang="en-US"/>
+          </a:p>
+        </p:txBody>
+      </p:sp>
+    </p:spTree>
+    <p:extLst>
+      <p:ext uri="{BB962C8B-B14F-4D97-AF65-F5344CB8AC3E}">
+        <p14:creationId xmlns:p14="http://schemas.microsoft.com/office/powerpoint/2010/main" val="1057932675"/>
+      </p:ext>
+    </p:extLst>
+  </p:cSld>
+  <p:clrMapOvr>
+    <a:masterClrMapping/>
+  </p:clrMapOvr>
+</p:notes>
+</file>
+
+<file path=ppt/notesSlides/notesSlide18.xml><?xml version="1.0" encoding="utf-8"?>
+<p:notes xmlns:a="http://schemas.openxmlformats.org/drawingml/2006/main" xmlns:r="http://schemas.openxmlformats.org/officeDocument/2006/relationships" xmlns:p="http://schemas.openxmlformats.org/presentationml/2006/main">
+  <p:cSld>
+    <p:spTree>
+      <p:nvGrpSpPr>
+        <p:cNvPr id="1" name=""/>
+        <p:cNvGrpSpPr/>
+        <p:nvPr/>
+      </p:nvGrpSpPr>
+      <p:grpSpPr>
+        <a:xfrm>
+          <a:off x="0" y="0"/>
+          <a:ext cx="0" cy="0"/>
+          <a:chOff x="0" y="0"/>
+          <a:chExt cx="0" cy="0"/>
+        </a:xfrm>
+      </p:grpSpPr>
+      <p:sp>
+        <p:nvSpPr>
+          <p:cNvPr id="2" name="Slide Image Placeholder 1"/>
+          <p:cNvSpPr>
+            <a:spLocks noGrp="1" noRot="1" noChangeAspect="1"/>
+          </p:cNvSpPr>
+          <p:nvPr>
+            <p:ph type="sldImg"/>
+          </p:nvPr>
+        </p:nvSpPr>
+        <p:spPr/>
+      </p:sp>
+      <p:sp>
+        <p:nvSpPr>
+          <p:cNvPr id="3" name="Notes Placeholder 2"/>
+          <p:cNvSpPr>
+            <a:spLocks noGrp="1"/>
+          </p:cNvSpPr>
+          <p:nvPr>
+            <p:ph type="body" idx="1"/>
+          </p:nvPr>
+        </p:nvSpPr>
+        <p:spPr/>
+        <p:txBody>
+          <a:bodyPr/>
+          <a:lstStyle/>
+          <a:p>
+            <a:r>
+              <a:rPr lang="en-US" dirty="0" err="1" smtClean="0"/>
+              <a:t>FsCheck</a:t>
+            </a:r>
+            <a:r>
+              <a:rPr lang="en-US" dirty="0" smtClean="0"/>
+              <a:t> provides many useful</a:t>
+            </a:r>
+            <a:r>
+              <a:rPr lang="en-US" baseline="0" dirty="0" smtClean="0"/>
+              <a:t> random generators out-of-the-box.</a:t>
+            </a:r>
+          </a:p>
+          <a:p>
+            <a:pPr marL="457200" lvl="1" indent="0">
+              <a:buFont typeface="Arial"/>
+              <a:buNone/>
+            </a:pPr>
+            <a:endParaRPr lang="en-US" baseline="0" dirty="0" smtClean="0"/>
+          </a:p>
+          <a:p>
+            <a:pPr marL="0" lvl="0" indent="0">
+              <a:buFont typeface="Arial"/>
+              <a:buNone/>
+            </a:pPr>
+            <a:r>
+              <a:rPr lang="en-US" baseline="0" dirty="0" smtClean="0"/>
+              <a:t>Container types can be generated so long as </a:t>
+            </a:r>
+            <a:r>
+              <a:rPr lang="en-US" baseline="0" dirty="0" err="1" smtClean="0"/>
+              <a:t>FsCheck</a:t>
+            </a:r>
+            <a:r>
+              <a:rPr lang="en-US" baseline="0" dirty="0" smtClean="0"/>
+              <a:t> knows how to generate the contained types</a:t>
+            </a:r>
+          </a:p>
+          <a:p>
+            <a:endParaRPr lang="en-US" baseline="0" dirty="0" smtClean="0"/>
+          </a:p>
+          <a:p>
+            <a:r>
+              <a:rPr lang="en-US" baseline="0" dirty="0" smtClean="0"/>
+              <a:t>Often necessary to define our own</a:t>
+            </a:r>
+          </a:p>
+          <a:p>
+            <a:pPr marL="628650" lvl="1" indent="-171450">
+              <a:buFont typeface="Arial"/>
+              <a:buChar char="•"/>
+            </a:pPr>
+            <a:r>
+              <a:rPr lang="en-US" baseline="0" dirty="0" err="1" smtClean="0"/>
+              <a:t>FsCheck</a:t>
+            </a:r>
+            <a:r>
+              <a:rPr lang="en-US" baseline="0" dirty="0" smtClean="0"/>
+              <a:t> has an API for generators and </a:t>
+            </a:r>
+            <a:r>
+              <a:rPr lang="en-US" baseline="0" dirty="0" err="1" smtClean="0"/>
+              <a:t>shrinkers</a:t>
+            </a:r>
+            <a:endParaRPr lang="en-US" baseline="0" dirty="0" smtClean="0"/>
+          </a:p>
+          <a:p>
+            <a:pPr marL="628650" lvl="1" indent="-171450">
+              <a:buFont typeface="Arial"/>
+              <a:buChar char="•"/>
+            </a:pPr>
+            <a:r>
+              <a:rPr lang="en-US" baseline="0" dirty="0" smtClean="0"/>
+              <a:t>Use for custom data types</a:t>
+            </a:r>
+          </a:p>
+          <a:p>
+            <a:pPr marL="628650" lvl="1" indent="-171450">
+              <a:buFont typeface="Arial"/>
+              <a:buChar char="•"/>
+            </a:pPr>
+            <a:r>
+              <a:rPr lang="en-US" baseline="0" dirty="0" smtClean="0"/>
+              <a:t>Use to formalize, encode business logic</a:t>
+            </a:r>
+          </a:p>
+          <a:p>
+            <a:pPr marL="0" lvl="0" indent="0">
+              <a:buFont typeface="Arial"/>
+              <a:buNone/>
+            </a:pPr>
+            <a:endParaRPr lang="en-US" baseline="0" dirty="0" smtClean="0"/>
+          </a:p>
+          <a:p>
+            <a:pPr marL="0" marR="0" lvl="0" indent="0" algn="l" defTabSz="914400" rtl="0" eaLnBrk="1" fontAlgn="auto" latinLnBrk="0" hangingPunct="1">
+              <a:lnSpc>
+                <a:spcPct val="100000"/>
+              </a:lnSpc>
+              <a:spcBef>
+                <a:spcPts val="0"/>
+              </a:spcBef>
+              <a:spcAft>
+                <a:spcPts val="0"/>
+              </a:spcAft>
+              <a:buClrTx/>
+              <a:buSzTx/>
+              <a:buFont typeface="Arial"/>
+              <a:buNone/>
+              <a:tabLst/>
+              <a:defRPr/>
+            </a:pPr>
+            <a:r>
+              <a:rPr lang="en-US" dirty="0" smtClean="0"/>
+              <a:t>Arbitrary</a:t>
+            </a:r>
+            <a:r>
+              <a:rPr lang="en-US" baseline="0" dirty="0" smtClean="0"/>
+              <a:t> = Generator + </a:t>
+            </a:r>
+            <a:r>
+              <a:rPr lang="en-US" baseline="0" dirty="0" err="1" smtClean="0"/>
+              <a:t>Shrinker</a:t>
+            </a:r>
+            <a:r>
+              <a:rPr lang="en-US" baseline="0" dirty="0" smtClean="0"/>
+              <a:t> for a particular type (often built from Arb module functions); defined as an interface </a:t>
+            </a:r>
+          </a:p>
+          <a:p>
+            <a:endParaRPr lang="en-US" dirty="0"/>
+          </a:p>
+        </p:txBody>
+      </p:sp>
+      <p:sp>
+        <p:nvSpPr>
+          <p:cNvPr id="4" name="Slide Number Placeholder 3"/>
+          <p:cNvSpPr>
+            <a:spLocks noGrp="1"/>
+          </p:cNvSpPr>
+          <p:nvPr>
+            <p:ph type="sldNum" sz="quarter" idx="10"/>
+          </p:nvPr>
+        </p:nvSpPr>
+        <p:spPr/>
+        <p:txBody>
+          <a:bodyPr/>
+          <a:lstStyle/>
+          <a:p>
+            <a:fld id="{E0177CF1-FB2D-5E43-808C-4E6A5CAE4EDF}" type="slidenum">
+              <a:rPr lang="en-US" smtClean="0"/>
+              <a:t>18</a:t>
+            </a:fld>
+            <a:endParaRPr lang="en-US"/>
+          </a:p>
+        </p:txBody>
+      </p:sp>
+    </p:spTree>
+    <p:extLst>
+      <p:ext uri="{BB962C8B-B14F-4D97-AF65-F5344CB8AC3E}">
+        <p14:creationId xmlns:p14="http://schemas.microsoft.com/office/powerpoint/2010/main" val="2049376652"/>
+      </p:ext>
+    </p:extLst>
+  </p:cSld>
+  <p:clrMapOvr>
+    <a:masterClrMapping/>
+  </p:clrMapOvr>
+</p:notes>
+</file>
+
+<file path=ppt/notesSlides/notesSlide19.xml><?xml version="1.0" encoding="utf-8"?>
+<p:notes xmlns:a="http://schemas.openxmlformats.org/drawingml/2006/main" xmlns:r="http://schemas.openxmlformats.org/officeDocument/2006/relationships" xmlns:p="http://schemas.openxmlformats.org/presentationml/2006/main">
+  <p:cSld>
+    <p:spTree>
+      <p:nvGrpSpPr>
+        <p:cNvPr id="1" name=""/>
+        <p:cNvGrpSpPr/>
+        <p:nvPr/>
+      </p:nvGrpSpPr>
+      <p:grpSpPr>
+        <a:xfrm>
+          <a:off x="0" y="0"/>
+          <a:ext cx="0" cy="0"/>
+          <a:chOff x="0" y="0"/>
+          <a:chExt cx="0" cy="0"/>
+        </a:xfrm>
+      </p:grpSpPr>
+      <p:sp>
+        <p:nvSpPr>
+          <p:cNvPr id="2" name="Slide Image Placeholder 1"/>
+          <p:cNvSpPr>
+            <a:spLocks noGrp="1" noRot="1" noChangeAspect="1"/>
+          </p:cNvSpPr>
+          <p:nvPr>
+            <p:ph type="sldImg"/>
+          </p:nvPr>
+        </p:nvSpPr>
+        <p:spPr/>
+      </p:sp>
+      <p:sp>
+        <p:nvSpPr>
+          <p:cNvPr id="3" name="Notes Placeholder 2"/>
+          <p:cNvSpPr>
+            <a:spLocks noGrp="1"/>
+          </p:cNvSpPr>
+          <p:nvPr>
+            <p:ph type="body" idx="1"/>
+          </p:nvPr>
+        </p:nvSpPr>
+        <p:spPr/>
+        <p:txBody>
+          <a:bodyPr/>
+          <a:lstStyle/>
+          <a:p>
+            <a:r>
+              <a:rPr lang="en-US" dirty="0" smtClean="0"/>
+              <a:t>Size – numeric</a:t>
+            </a:r>
+            <a:r>
+              <a:rPr lang="en-US" baseline="0" dirty="0" smtClean="0"/>
+              <a:t> value interpreted differently by each generator/</a:t>
+            </a:r>
+            <a:r>
+              <a:rPr lang="en-US" baseline="0" dirty="0" err="1" smtClean="0"/>
+              <a:t>shrinker</a:t>
+            </a:r>
+            <a:r>
+              <a:rPr lang="en-US" baseline="0" dirty="0" smtClean="0"/>
+              <a:t> (some even ignore it!); used to create a sense of “bigger” (or “smaller”) between generated type instances</a:t>
+            </a:r>
+            <a:endParaRPr lang="en-US" dirty="0" smtClean="0"/>
+          </a:p>
+          <a:p>
+            <a:endParaRPr lang="en-US" dirty="0" smtClean="0"/>
+          </a:p>
+          <a:p>
+            <a:r>
+              <a:rPr lang="en-US" dirty="0" smtClean="0"/>
+              <a:t>Generator</a:t>
+            </a:r>
+            <a:r>
+              <a:rPr lang="en-US" baseline="0" dirty="0" smtClean="0"/>
+              <a:t> – (optionally) interprets Size; provides actual generation logic; build from a mix of: Gen module functions, Gen computation expression, Arb module functions, and custom logic needed</a:t>
+            </a:r>
+          </a:p>
+          <a:p>
+            <a:endParaRPr lang="en-US" baseline="0" dirty="0" smtClean="0"/>
+          </a:p>
+          <a:p>
+            <a:r>
+              <a:rPr lang="en-US" baseline="0" dirty="0" err="1" smtClean="0"/>
+              <a:t>Shrinker</a:t>
+            </a:r>
+            <a:r>
+              <a:rPr lang="en-US" baseline="0" dirty="0" smtClean="0"/>
+              <a:t> – optional function which takes a randomly generated input and returns a sequence of “smaller” instances</a:t>
+            </a:r>
+          </a:p>
+          <a:p>
+            <a:endParaRPr lang="en-US" dirty="0"/>
+          </a:p>
+        </p:txBody>
+      </p:sp>
+      <p:sp>
+        <p:nvSpPr>
+          <p:cNvPr id="4" name="Slide Number Placeholder 3"/>
+          <p:cNvSpPr>
+            <a:spLocks noGrp="1"/>
+          </p:cNvSpPr>
+          <p:nvPr>
+            <p:ph type="sldNum" sz="quarter" idx="10"/>
+          </p:nvPr>
+        </p:nvSpPr>
+        <p:spPr/>
+        <p:txBody>
+          <a:bodyPr/>
+          <a:lstStyle/>
+          <a:p>
+            <a:fld id="{E0177CF1-FB2D-5E43-808C-4E6A5CAE4EDF}" type="slidenum">
+              <a:rPr lang="en-US" smtClean="0"/>
+              <a:t>19</a:t>
+            </a:fld>
+            <a:endParaRPr lang="en-US"/>
+          </a:p>
+        </p:txBody>
+      </p:sp>
+    </p:spTree>
+    <p:extLst>
+      <p:ext uri="{BB962C8B-B14F-4D97-AF65-F5344CB8AC3E}">
+        <p14:creationId xmlns:p14="http://schemas.microsoft.com/office/powerpoint/2010/main" val="383175931"/>
       </p:ext>
     </p:extLst>
   </p:cSld>
@@ -6748,7 +8276,15 @@
           <a:bodyPr/>
           <a:lstStyle/>
           <a:p>
-            <a:endParaRPr lang="en-US"/>
+            <a:r>
+              <a:rPr lang="en-US" dirty="0" smtClean="0"/>
+              <a:t>* If we run out of time, data</a:t>
+            </a:r>
+            <a:r>
+              <a:rPr lang="en-US" baseline="0" dirty="0" smtClean="0"/>
+              <a:t> generation may be elided. It's a complex-enough topic to be a talk all on its own.</a:t>
+            </a:r>
+            <a:endParaRPr lang="en-US" dirty="0"/>
           </a:p>
         </p:txBody>
       </p:sp>
@@ -6779,6 +8315,1767 @@
     <p:extLst>
       <p:ext uri="{BB962C8B-B14F-4D97-AF65-F5344CB8AC3E}">
         <p14:creationId xmlns:p14="http://schemas.microsoft.com/office/powerpoint/2010/main" val="735123538"/>
+      </p:ext>
+    </p:extLst>
+  </p:cSld>
+  <p:clrMapOvr>
+    <a:masterClrMapping/>
+  </p:clrMapOvr>
+</p:notes>
+</file>
+
+<file path=ppt/notesSlides/notesSlide20.xml><?xml version="1.0" encoding="utf-8"?>
+<p:notes xmlns:a="http://schemas.openxmlformats.org/drawingml/2006/main" xmlns:r="http://schemas.openxmlformats.org/officeDocument/2006/relationships" xmlns:p="http://schemas.openxmlformats.org/presentationml/2006/main">
+  <p:cSld>
+    <p:spTree>
+      <p:nvGrpSpPr>
+        <p:cNvPr id="1" name=""/>
+        <p:cNvGrpSpPr/>
+        <p:nvPr/>
+      </p:nvGrpSpPr>
+      <p:grpSpPr>
+        <a:xfrm>
+          <a:off x="0" y="0"/>
+          <a:ext cx="0" cy="0"/>
+          <a:chOff x="0" y="0"/>
+          <a:chExt cx="0" cy="0"/>
+        </a:xfrm>
+      </p:grpSpPr>
+      <p:sp>
+        <p:nvSpPr>
+          <p:cNvPr id="2" name="Slide Image Placeholder 1"/>
+          <p:cNvSpPr>
+            <a:spLocks noGrp="1" noRot="1" noChangeAspect="1"/>
+          </p:cNvSpPr>
+          <p:nvPr>
+            <p:ph type="sldImg"/>
+          </p:nvPr>
+        </p:nvSpPr>
+        <p:spPr/>
+      </p:sp>
+      <p:sp>
+        <p:nvSpPr>
+          <p:cNvPr id="3" name="Notes Placeholder 2"/>
+          <p:cNvSpPr>
+            <a:spLocks noGrp="1"/>
+          </p:cNvSpPr>
+          <p:nvPr>
+            <p:ph type="body" idx="1"/>
+          </p:nvPr>
+        </p:nvSpPr>
+        <p:spPr/>
+        <p:txBody>
+          <a:bodyPr/>
+          <a:lstStyle/>
+          <a:p>
+            <a:pPr marL="0" marR="0" lvl="0" indent="0" algn="l" defTabSz="914400" rtl="0" eaLnBrk="1" fontAlgn="auto" latinLnBrk="0" hangingPunct="1">
+              <a:lnSpc>
+                <a:spcPct val="100000"/>
+              </a:lnSpc>
+              <a:spcBef>
+                <a:spcPts val="0"/>
+              </a:spcBef>
+              <a:spcAft>
+                <a:spcPts val="0"/>
+              </a:spcAft>
+              <a:buClrTx/>
+              <a:buSzTx/>
+              <a:buFontTx/>
+              <a:buNone/>
+              <a:tabLst/>
+              <a:defRPr/>
+            </a:pPr>
+            <a:r>
+              <a:rPr lang="en-US" baseline="0" dirty="0" smtClean="0"/>
+              <a:t>Random data generation often identifies previously unknown edge cases; also helpful in guiding exploration of an existing codebase</a:t>
+            </a:r>
+          </a:p>
+          <a:p>
+            <a:endParaRPr lang="en-US" dirty="0" smtClean="0"/>
+          </a:p>
+          <a:p>
+            <a:pPr marL="0" marR="0" lvl="0" indent="0" algn="l" defTabSz="914400" rtl="0" eaLnBrk="1" fontAlgn="auto" latinLnBrk="0" hangingPunct="1">
+              <a:lnSpc>
+                <a:spcPct val="100000"/>
+              </a:lnSpc>
+              <a:spcBef>
+                <a:spcPts val="0"/>
+              </a:spcBef>
+              <a:spcAft>
+                <a:spcPts val="0"/>
+              </a:spcAft>
+              <a:buClrTx/>
+              <a:buSzTx/>
+              <a:buFontTx/>
+              <a:buNone/>
+              <a:tabLst/>
+              <a:defRPr/>
+            </a:pPr>
+            <a:r>
+              <a:rPr lang="en-US" baseline="0" dirty="0" smtClean="0"/>
+              <a:t>Could’ve used a conditional property, but custom arbitrary is more efficient and better captures (otherwise implicit) business constraint</a:t>
+            </a:r>
+          </a:p>
+          <a:p>
+            <a:pPr marL="0" marR="0" lvl="0" indent="0" algn="l" defTabSz="914400" rtl="0" eaLnBrk="1" fontAlgn="auto" latinLnBrk="0" hangingPunct="1">
+              <a:lnSpc>
+                <a:spcPct val="100000"/>
+              </a:lnSpc>
+              <a:spcBef>
+                <a:spcPts val="0"/>
+              </a:spcBef>
+              <a:spcAft>
+                <a:spcPts val="0"/>
+              </a:spcAft>
+              <a:buClrTx/>
+              <a:buSzTx/>
+              <a:buFontTx/>
+              <a:buNone/>
+              <a:tabLst/>
+              <a:defRPr/>
+            </a:pPr>
+            <a:endParaRPr lang="en-US" baseline="0" dirty="0" smtClean="0"/>
+          </a:p>
+          <a:p>
+            <a:pPr marL="0" marR="0" lvl="0" indent="0" algn="l" defTabSz="914400" rtl="0" eaLnBrk="1" fontAlgn="auto" latinLnBrk="0" hangingPunct="1">
+              <a:lnSpc>
+                <a:spcPct val="100000"/>
+              </a:lnSpc>
+              <a:spcBef>
+                <a:spcPts val="0"/>
+              </a:spcBef>
+              <a:spcAft>
+                <a:spcPts val="0"/>
+              </a:spcAft>
+              <a:buClrTx/>
+              <a:buSzTx/>
+              <a:buFontTx/>
+              <a:buNone/>
+              <a:tabLst/>
+              <a:defRPr/>
+            </a:pPr>
+            <a:r>
+              <a:rPr lang="en-US" baseline="0" dirty="0" smtClean="0"/>
+              <a:t>!!! Complex conditional generator (i.e. co-recursive types) can be convoluted !!!</a:t>
+            </a:r>
+          </a:p>
+          <a:p>
+            <a:endParaRPr lang="en-US" dirty="0"/>
+          </a:p>
+        </p:txBody>
+      </p:sp>
+      <p:sp>
+        <p:nvSpPr>
+          <p:cNvPr id="4" name="Slide Number Placeholder 3"/>
+          <p:cNvSpPr>
+            <a:spLocks noGrp="1"/>
+          </p:cNvSpPr>
+          <p:nvPr>
+            <p:ph type="sldNum" sz="quarter" idx="10"/>
+          </p:nvPr>
+        </p:nvSpPr>
+        <p:spPr/>
+        <p:txBody>
+          <a:bodyPr/>
+          <a:lstStyle/>
+          <a:p>
+            <a:fld id="{E0177CF1-FB2D-5E43-808C-4E6A5CAE4EDF}" type="slidenum">
+              <a:rPr lang="en-US" smtClean="0"/>
+              <a:t>20</a:t>
+            </a:fld>
+            <a:endParaRPr lang="en-US"/>
+          </a:p>
+        </p:txBody>
+      </p:sp>
+    </p:spTree>
+    <p:extLst>
+      <p:ext uri="{BB962C8B-B14F-4D97-AF65-F5344CB8AC3E}">
+        <p14:creationId xmlns:p14="http://schemas.microsoft.com/office/powerpoint/2010/main" val="823472508"/>
+      </p:ext>
+    </p:extLst>
+  </p:cSld>
+  <p:clrMapOvr>
+    <a:masterClrMapping/>
+  </p:clrMapOvr>
+</p:notes>
+</file>
+
+<file path=ppt/notesSlides/notesSlide21.xml><?xml version="1.0" encoding="utf-8"?>
+<p:notes xmlns:a="http://schemas.openxmlformats.org/drawingml/2006/main" xmlns:r="http://schemas.openxmlformats.org/officeDocument/2006/relationships" xmlns:p="http://schemas.openxmlformats.org/presentationml/2006/main">
+  <p:cSld>
+    <p:spTree>
+      <p:nvGrpSpPr>
+        <p:cNvPr id="1" name=""/>
+        <p:cNvGrpSpPr/>
+        <p:nvPr/>
+      </p:nvGrpSpPr>
+      <p:grpSpPr>
+        <a:xfrm>
+          <a:off x="0" y="0"/>
+          <a:ext cx="0" cy="0"/>
+          <a:chOff x="0" y="0"/>
+          <a:chExt cx="0" cy="0"/>
+        </a:xfrm>
+      </p:grpSpPr>
+      <p:sp>
+        <p:nvSpPr>
+          <p:cNvPr id="2" name="Slide Image Placeholder 1"/>
+          <p:cNvSpPr>
+            <a:spLocks noGrp="1" noRot="1" noChangeAspect="1"/>
+          </p:cNvSpPr>
+          <p:nvPr>
+            <p:ph type="sldImg"/>
+          </p:nvPr>
+        </p:nvSpPr>
+        <p:spPr/>
+      </p:sp>
+      <p:sp>
+        <p:nvSpPr>
+          <p:cNvPr id="3" name="Notes Placeholder 2"/>
+          <p:cNvSpPr>
+            <a:spLocks noGrp="1"/>
+          </p:cNvSpPr>
+          <p:nvPr>
+            <p:ph type="body" idx="1"/>
+          </p:nvPr>
+        </p:nvSpPr>
+        <p:spPr/>
+        <p:txBody>
+          <a:bodyPr/>
+          <a:lstStyle/>
+          <a:p>
+            <a:pPr marL="0" marR="0" lvl="0" indent="0" algn="l" defTabSz="914400" rtl="0" eaLnBrk="1" fontAlgn="auto" latinLnBrk="0" hangingPunct="1">
+              <a:lnSpc>
+                <a:spcPct val="100000"/>
+              </a:lnSpc>
+              <a:spcBef>
+                <a:spcPts val="0"/>
+              </a:spcBef>
+              <a:spcAft>
+                <a:spcPts val="0"/>
+              </a:spcAft>
+              <a:buClrTx/>
+              <a:buSzTx/>
+              <a:buFontTx/>
+              <a:buNone/>
+              <a:tabLst/>
+              <a:defRPr/>
+            </a:pPr>
+            <a:r>
+              <a:rPr lang="en-US" baseline="0" dirty="0" smtClean="0"/>
+              <a:t>Random data generation often identifies previously unknown edge cases; also helpful in guiding exploration of an existing codebase</a:t>
+            </a:r>
+          </a:p>
+          <a:p>
+            <a:endParaRPr lang="en-US" dirty="0" smtClean="0"/>
+          </a:p>
+          <a:p>
+            <a:pPr marL="0" marR="0" lvl="0" indent="0" algn="l" defTabSz="914400" rtl="0" eaLnBrk="1" fontAlgn="auto" latinLnBrk="0" hangingPunct="1">
+              <a:lnSpc>
+                <a:spcPct val="100000"/>
+              </a:lnSpc>
+              <a:spcBef>
+                <a:spcPts val="0"/>
+              </a:spcBef>
+              <a:spcAft>
+                <a:spcPts val="0"/>
+              </a:spcAft>
+              <a:buClrTx/>
+              <a:buSzTx/>
+              <a:buFontTx/>
+              <a:buNone/>
+              <a:tabLst/>
+              <a:defRPr/>
+            </a:pPr>
+            <a:r>
+              <a:rPr lang="en-US" baseline="0" dirty="0" smtClean="0"/>
+              <a:t>Could’ve used a conditional property, but custom arbitrary is more efficient and better captures (otherwise implicit) business constraint</a:t>
+            </a:r>
+          </a:p>
+          <a:p>
+            <a:pPr marL="0" marR="0" lvl="0" indent="0" algn="l" defTabSz="914400" rtl="0" eaLnBrk="1" fontAlgn="auto" latinLnBrk="0" hangingPunct="1">
+              <a:lnSpc>
+                <a:spcPct val="100000"/>
+              </a:lnSpc>
+              <a:spcBef>
+                <a:spcPts val="0"/>
+              </a:spcBef>
+              <a:spcAft>
+                <a:spcPts val="0"/>
+              </a:spcAft>
+              <a:buClrTx/>
+              <a:buSzTx/>
+              <a:buFontTx/>
+              <a:buNone/>
+              <a:tabLst/>
+              <a:defRPr/>
+            </a:pPr>
+            <a:endParaRPr lang="en-US" baseline="0" dirty="0" smtClean="0"/>
+          </a:p>
+          <a:p>
+            <a:pPr marL="0" marR="0" lvl="0" indent="0" algn="l" defTabSz="914400" rtl="0" eaLnBrk="1" fontAlgn="auto" latinLnBrk="0" hangingPunct="1">
+              <a:lnSpc>
+                <a:spcPct val="100000"/>
+              </a:lnSpc>
+              <a:spcBef>
+                <a:spcPts val="0"/>
+              </a:spcBef>
+              <a:spcAft>
+                <a:spcPts val="0"/>
+              </a:spcAft>
+              <a:buClrTx/>
+              <a:buSzTx/>
+              <a:buFontTx/>
+              <a:buNone/>
+              <a:tabLst/>
+              <a:defRPr/>
+            </a:pPr>
+            <a:r>
+              <a:rPr lang="en-US" baseline="0" dirty="0" smtClean="0"/>
+              <a:t>!!! Complex conditional generator (i.e. co-recursive types) can be convoluted !!!</a:t>
+            </a:r>
+          </a:p>
+          <a:p>
+            <a:endParaRPr lang="en-US" dirty="0"/>
+          </a:p>
+        </p:txBody>
+      </p:sp>
+      <p:sp>
+        <p:nvSpPr>
+          <p:cNvPr id="4" name="Slide Number Placeholder 3"/>
+          <p:cNvSpPr>
+            <a:spLocks noGrp="1"/>
+          </p:cNvSpPr>
+          <p:nvPr>
+            <p:ph type="sldNum" sz="quarter" idx="10"/>
+          </p:nvPr>
+        </p:nvSpPr>
+        <p:spPr/>
+        <p:txBody>
+          <a:bodyPr/>
+          <a:lstStyle/>
+          <a:p>
+            <a:fld id="{E0177CF1-FB2D-5E43-808C-4E6A5CAE4EDF}" type="slidenum">
+              <a:rPr lang="en-US" smtClean="0"/>
+              <a:t>21</a:t>
+            </a:fld>
+            <a:endParaRPr lang="en-US"/>
+          </a:p>
+        </p:txBody>
+      </p:sp>
+    </p:spTree>
+    <p:extLst>
+      <p:ext uri="{BB962C8B-B14F-4D97-AF65-F5344CB8AC3E}">
+        <p14:creationId xmlns:p14="http://schemas.microsoft.com/office/powerpoint/2010/main" val="1717820688"/>
+      </p:ext>
+    </p:extLst>
+  </p:cSld>
+  <p:clrMapOvr>
+    <a:masterClrMapping/>
+  </p:clrMapOvr>
+</p:notes>
+</file>
+
+<file path=ppt/notesSlides/notesSlide22.xml><?xml version="1.0" encoding="utf-8"?>
+<p:notes xmlns:a="http://schemas.openxmlformats.org/drawingml/2006/main" xmlns:r="http://schemas.openxmlformats.org/officeDocument/2006/relationships" xmlns:p="http://schemas.openxmlformats.org/presentationml/2006/main">
+  <p:cSld>
+    <p:spTree>
+      <p:nvGrpSpPr>
+        <p:cNvPr id="1" name=""/>
+        <p:cNvGrpSpPr/>
+        <p:nvPr/>
+      </p:nvGrpSpPr>
+      <p:grpSpPr>
+        <a:xfrm>
+          <a:off x="0" y="0"/>
+          <a:ext cx="0" cy="0"/>
+          <a:chOff x="0" y="0"/>
+          <a:chExt cx="0" cy="0"/>
+        </a:xfrm>
+      </p:grpSpPr>
+      <p:sp>
+        <p:nvSpPr>
+          <p:cNvPr id="2" name="Slide Image Placeholder 1"/>
+          <p:cNvSpPr>
+            <a:spLocks noGrp="1" noRot="1" noChangeAspect="1"/>
+          </p:cNvSpPr>
+          <p:nvPr>
+            <p:ph type="sldImg"/>
+          </p:nvPr>
+        </p:nvSpPr>
+        <p:spPr/>
+      </p:sp>
+      <p:sp>
+        <p:nvSpPr>
+          <p:cNvPr id="3" name="Notes Placeholder 2"/>
+          <p:cNvSpPr>
+            <a:spLocks noGrp="1"/>
+          </p:cNvSpPr>
+          <p:nvPr>
+            <p:ph type="body" idx="1"/>
+          </p:nvPr>
+        </p:nvSpPr>
+        <p:spPr/>
+        <p:txBody>
+          <a:bodyPr/>
+          <a:lstStyle/>
+          <a:p>
+            <a:r>
+              <a:rPr lang="en-US" sz="1200" dirty="0" smtClean="0"/>
+              <a:t>Not covered:</a:t>
+            </a:r>
+          </a:p>
+          <a:p>
+            <a:pPr marL="171450" lvl="0" indent="-171450">
+              <a:buFont typeface="Arial"/>
+              <a:buChar char="•"/>
+            </a:pPr>
+            <a:r>
+              <a:rPr lang="en-US" sz="1200" dirty="0" smtClean="0"/>
+              <a:t>Expecting exceptions – INCLUDED</a:t>
+            </a:r>
+            <a:r>
+              <a:rPr lang="en-US" sz="1200" baseline="0" dirty="0" smtClean="0"/>
+              <a:t> IN SAMPLES (F# only!)</a:t>
+            </a:r>
+            <a:endParaRPr lang="en-US" sz="1200" dirty="0" smtClean="0"/>
+          </a:p>
+          <a:p>
+            <a:pPr marL="171450" lvl="0" indent="-171450">
+              <a:buFont typeface="Arial"/>
+              <a:buChar char="•"/>
+            </a:pPr>
+            <a:r>
+              <a:rPr lang="en-US" sz="1200" dirty="0" smtClean="0"/>
+              <a:t>Time-dependent properties (F# only!)</a:t>
+            </a:r>
+          </a:p>
+          <a:p>
+            <a:pPr marL="171450" lvl="0" indent="-171450">
+              <a:buFont typeface="Arial"/>
+              <a:buChar char="•"/>
+            </a:pPr>
+            <a:r>
+              <a:rPr lang="en-US" sz="1200" dirty="0" smtClean="0"/>
+              <a:t>Model-based testing</a:t>
+            </a:r>
+          </a:p>
+          <a:p>
+            <a:pPr marL="171450" lvl="0" indent="-171450">
+              <a:buFont typeface="Arial"/>
+              <a:buChar char="•"/>
+            </a:pPr>
+            <a:r>
+              <a:rPr lang="en-US" sz="1200" dirty="0" smtClean="0"/>
+              <a:t>Fine-tuning test run configuration (number of runs, custom output, fixed seed, </a:t>
+            </a:r>
+            <a:r>
+              <a:rPr lang="en-US" sz="1200" dirty="0" err="1" smtClean="0"/>
+              <a:t>etc</a:t>
+            </a:r>
+            <a:r>
+              <a:rPr lang="en-US" sz="1200" dirty="0" smtClean="0"/>
+              <a:t>)</a:t>
+            </a:r>
+          </a:p>
+          <a:p>
+            <a:pPr marL="171450" lvl="0" indent="-171450">
+              <a:buFont typeface="Arial"/>
+              <a:buChar char="•"/>
+            </a:pPr>
+            <a:r>
+              <a:rPr lang="en-US" sz="1200" dirty="0" smtClean="0"/>
+              <a:t>Still more property patterns</a:t>
+            </a:r>
+          </a:p>
+          <a:p>
+            <a:endParaRPr lang="en-US" dirty="0"/>
+          </a:p>
+        </p:txBody>
+      </p:sp>
+      <p:sp>
+        <p:nvSpPr>
+          <p:cNvPr id="4" name="Slide Number Placeholder 3"/>
+          <p:cNvSpPr>
+            <a:spLocks noGrp="1"/>
+          </p:cNvSpPr>
+          <p:nvPr>
+            <p:ph type="sldNum" sz="quarter" idx="10"/>
+          </p:nvPr>
+        </p:nvSpPr>
+        <p:spPr/>
+        <p:txBody>
+          <a:bodyPr/>
+          <a:lstStyle/>
+          <a:p>
+            <a:fld id="{E0177CF1-FB2D-5E43-808C-4E6A5CAE4EDF}" type="slidenum">
+              <a:rPr lang="en-US" smtClean="0"/>
+              <a:t>22</a:t>
+            </a:fld>
+            <a:endParaRPr lang="en-US"/>
+          </a:p>
+        </p:txBody>
+      </p:sp>
+    </p:spTree>
+    <p:extLst>
+      <p:ext uri="{BB962C8B-B14F-4D97-AF65-F5344CB8AC3E}">
+        <p14:creationId xmlns:p14="http://schemas.microsoft.com/office/powerpoint/2010/main" val="642152948"/>
+      </p:ext>
+    </p:extLst>
+  </p:cSld>
+  <p:clrMapOvr>
+    <a:masterClrMapping/>
+  </p:clrMapOvr>
+</p:notes>
+</file>
+
+<file path=ppt/notesSlides/notesSlide3.xml><?xml version="1.0" encoding="utf-8"?>
+<p:notes xmlns:a="http://schemas.openxmlformats.org/drawingml/2006/main" xmlns:r="http://schemas.openxmlformats.org/officeDocument/2006/relationships" xmlns:p="http://schemas.openxmlformats.org/presentationml/2006/main">
+  <p:cSld>
+    <p:spTree>
+      <p:nvGrpSpPr>
+        <p:cNvPr id="1" name=""/>
+        <p:cNvGrpSpPr/>
+        <p:nvPr/>
+      </p:nvGrpSpPr>
+      <p:grpSpPr>
+        <a:xfrm>
+          <a:off x="0" y="0"/>
+          <a:ext cx="0" cy="0"/>
+          <a:chOff x="0" y="0"/>
+          <a:chExt cx="0" cy="0"/>
+        </a:xfrm>
+      </p:grpSpPr>
+      <p:sp>
+        <p:nvSpPr>
+          <p:cNvPr id="2" name="Slide Image Placeholder 1"/>
+          <p:cNvSpPr>
+            <a:spLocks noGrp="1" noRot="1" noChangeAspect="1"/>
+          </p:cNvSpPr>
+          <p:nvPr>
+            <p:ph type="sldImg"/>
+          </p:nvPr>
+        </p:nvSpPr>
+        <p:spPr/>
+      </p:sp>
+      <p:sp>
+        <p:nvSpPr>
+          <p:cNvPr id="3" name="Notes Placeholder 2"/>
+          <p:cNvSpPr>
+            <a:spLocks noGrp="1"/>
+          </p:cNvSpPr>
+          <p:nvPr>
+            <p:ph type="body" idx="1"/>
+          </p:nvPr>
+        </p:nvSpPr>
+        <p:spPr/>
+        <p:txBody>
+          <a:bodyPr/>
+          <a:lstStyle/>
+          <a:p>
+            <a:r>
+              <a:rPr lang="en-US" dirty="0" smtClean="0"/>
+              <a:t>PROPERTIES</a:t>
+            </a:r>
+            <a:r>
+              <a:rPr lang="en-US" baseline="0" dirty="0" smtClean="0"/>
+              <a:t> in the mathematical sense! Whence “property-based testing”.</a:t>
+            </a:r>
+          </a:p>
+          <a:p>
+            <a:endParaRPr lang="en-US" sz="1200" dirty="0" smtClean="0"/>
+          </a:p>
+          <a:p>
+            <a:pPr marL="171450" marR="0" indent="-171450" algn="l" defTabSz="914400" rtl="0" eaLnBrk="1" fontAlgn="auto" latinLnBrk="0" hangingPunct="1">
+              <a:lnSpc>
+                <a:spcPct val="100000"/>
+              </a:lnSpc>
+              <a:spcBef>
+                <a:spcPts val="0"/>
+              </a:spcBef>
+              <a:spcAft>
+                <a:spcPts val="0"/>
+              </a:spcAft>
+              <a:buClrTx/>
+              <a:buSzTx/>
+              <a:buFont typeface="Arial"/>
+              <a:buChar char="•"/>
+              <a:tabLst/>
+              <a:defRPr/>
+            </a:pPr>
+            <a:r>
+              <a:rPr lang="en-US" sz="1200" dirty="0" smtClean="0"/>
+              <a:t>Originated with </a:t>
+            </a:r>
+            <a:r>
+              <a:rPr lang="en-US" sz="1200" dirty="0" err="1" smtClean="0"/>
+              <a:t>QuickCheck</a:t>
+            </a:r>
+            <a:r>
+              <a:rPr lang="en-US" sz="1200" dirty="0" smtClean="0"/>
+              <a:t> (in Haskell) -- </a:t>
+            </a:r>
+            <a:r>
+              <a:rPr lang="en-US" dirty="0" smtClean="0"/>
+              <a:t>http://</a:t>
+            </a:r>
+            <a:r>
+              <a:rPr lang="en-US" dirty="0" err="1" smtClean="0"/>
+              <a:t>www.cs.tufts.edu</a:t>
+            </a:r>
+            <a:r>
+              <a:rPr lang="en-US" dirty="0" smtClean="0"/>
+              <a:t>/~</a:t>
+            </a:r>
+            <a:r>
+              <a:rPr lang="en-US" dirty="0" err="1" smtClean="0"/>
+              <a:t>nr</a:t>
+            </a:r>
+            <a:r>
+              <a:rPr lang="en-US" dirty="0" smtClean="0"/>
+              <a:t>/cs257/archive/john-</a:t>
+            </a:r>
+            <a:r>
+              <a:rPr lang="en-US" dirty="0" err="1" smtClean="0"/>
+              <a:t>hughes</a:t>
+            </a:r>
+            <a:r>
+              <a:rPr lang="en-US" dirty="0" smtClean="0"/>
+              <a:t>/</a:t>
+            </a:r>
+            <a:r>
+              <a:rPr lang="en-US" dirty="0" err="1" smtClean="0"/>
+              <a:t>quick.pdf</a:t>
+            </a:r>
+            <a:endParaRPr lang="en-US" sz="1200" dirty="0" smtClean="0"/>
+          </a:p>
+          <a:p>
+            <a:pPr marL="628650" lvl="1" indent="-171450">
+              <a:buFont typeface="Arial"/>
+              <a:buChar char="•"/>
+            </a:pPr>
+            <a:r>
+              <a:rPr lang="en-US" sz="1200" dirty="0" smtClean="0"/>
+              <a:t>Since ported to many many languages</a:t>
+            </a:r>
+          </a:p>
+          <a:p>
+            <a:pPr marL="628650" lvl="1" indent="-171450">
+              <a:buFont typeface="Arial"/>
+              <a:buChar char="•"/>
+            </a:pPr>
+            <a:r>
+              <a:rPr lang="en-US" sz="1200" dirty="0" smtClean="0"/>
+              <a:t>This session covers library for use with F#, C#, VB.NET, et cetera</a:t>
+            </a:r>
+          </a:p>
+          <a:p>
+            <a:pPr marL="171450" indent="-171450">
+              <a:buFont typeface="Arial"/>
+              <a:buChar char="•"/>
+            </a:pPr>
+            <a:r>
+              <a:rPr lang="en-US" sz="1200" dirty="0" smtClean="0"/>
+              <a:t>Well-suited to functional programming, but useful with other paradigms</a:t>
+            </a:r>
+          </a:p>
+          <a:p>
+            <a:pPr marL="628650" lvl="1" indent="-171450">
+              <a:buFont typeface="Arial"/>
+              <a:buChar char="•"/>
+            </a:pPr>
+            <a:r>
+              <a:rPr lang="en-US" sz="1200" dirty="0" smtClean="0"/>
+              <a:t>Especially with pure functions (also referentially transparent functions)</a:t>
+            </a:r>
+          </a:p>
+          <a:p>
+            <a:pPr marL="628650" lvl="1" indent="-171450">
+              <a:buFont typeface="Arial"/>
+              <a:buChar char="•"/>
+            </a:pPr>
+            <a:r>
+              <a:rPr lang="en-US" sz="1200" dirty="0" smtClean="0"/>
+              <a:t>Allows very granular testing (and implicit guarantees via composition)</a:t>
+            </a:r>
+          </a:p>
+          <a:p>
+            <a:pPr marL="171450" lvl="0" indent="-171450">
+              <a:buFont typeface="Arial"/>
+              <a:buChar char="•"/>
+            </a:pPr>
+            <a:r>
+              <a:rPr lang="en-US" sz="1200" dirty="0" smtClean="0"/>
+              <a:t>Data</a:t>
+            </a:r>
+            <a:r>
+              <a:rPr lang="en-US" sz="1200" baseline="0" dirty="0" smtClean="0"/>
+              <a:t> generation capabilities also useful outside of property-based testing</a:t>
+            </a:r>
+          </a:p>
+          <a:p>
+            <a:pPr marL="628650" lvl="1" indent="-171450">
+              <a:buFont typeface="Arial"/>
+              <a:buChar char="•"/>
+            </a:pPr>
+            <a:r>
+              <a:rPr lang="en-US" sz="1200" baseline="0" dirty="0" smtClean="0"/>
+              <a:t>Mocking… if you do that sort of thing</a:t>
+            </a:r>
+          </a:p>
+          <a:p>
+            <a:pPr marL="628650" lvl="1" indent="-171450">
+              <a:buFont typeface="Arial"/>
+              <a:buChar char="•"/>
+            </a:pPr>
+            <a:r>
+              <a:rPr lang="en-US" sz="1200" baseline="0" dirty="0" smtClean="0"/>
+              <a:t>Domain exploration</a:t>
+            </a:r>
+            <a:endParaRPr lang="en-US" sz="1200" dirty="0" smtClean="0"/>
+          </a:p>
+          <a:p>
+            <a:endParaRPr lang="en-US" dirty="0"/>
+          </a:p>
+        </p:txBody>
+      </p:sp>
+      <p:sp>
+        <p:nvSpPr>
+          <p:cNvPr id="4" name="Slide Number Placeholder 3"/>
+          <p:cNvSpPr>
+            <a:spLocks noGrp="1"/>
+          </p:cNvSpPr>
+          <p:nvPr>
+            <p:ph type="sldNum" sz="quarter" idx="10"/>
+          </p:nvPr>
+        </p:nvSpPr>
+        <p:spPr/>
+        <p:txBody>
+          <a:bodyPr/>
+          <a:lstStyle/>
+          <a:p>
+            <a:fld id="{E0177CF1-FB2D-5E43-808C-4E6A5CAE4EDF}" type="slidenum">
+              <a:rPr lang="en-US" smtClean="0"/>
+              <a:t>3</a:t>
+            </a:fld>
+            <a:endParaRPr lang="en-US"/>
+          </a:p>
+        </p:txBody>
+      </p:sp>
+    </p:spTree>
+    <p:extLst>
+      <p:ext uri="{BB962C8B-B14F-4D97-AF65-F5344CB8AC3E}">
+        <p14:creationId xmlns:p14="http://schemas.microsoft.com/office/powerpoint/2010/main" val="185921393"/>
+      </p:ext>
+    </p:extLst>
+  </p:cSld>
+  <p:clrMapOvr>
+    <a:masterClrMapping/>
+  </p:clrMapOvr>
+</p:notes>
+</file>
+
+<file path=ppt/notesSlides/notesSlide4.xml><?xml version="1.0" encoding="utf-8"?>
+<p:notes xmlns:a="http://schemas.openxmlformats.org/drawingml/2006/main" xmlns:r="http://schemas.openxmlformats.org/officeDocument/2006/relationships" xmlns:p="http://schemas.openxmlformats.org/presentationml/2006/main">
+  <p:cSld>
+    <p:spTree>
+      <p:nvGrpSpPr>
+        <p:cNvPr id="1" name=""/>
+        <p:cNvGrpSpPr/>
+        <p:nvPr/>
+      </p:nvGrpSpPr>
+      <p:grpSpPr>
+        <a:xfrm>
+          <a:off x="0" y="0"/>
+          <a:ext cx="0" cy="0"/>
+          <a:chOff x="0" y="0"/>
+          <a:chExt cx="0" cy="0"/>
+        </a:xfrm>
+      </p:grpSpPr>
+      <p:sp>
+        <p:nvSpPr>
+          <p:cNvPr id="2" name="Slide Image Placeholder 1"/>
+          <p:cNvSpPr>
+            <a:spLocks noGrp="1" noRot="1" noChangeAspect="1"/>
+          </p:cNvSpPr>
+          <p:nvPr>
+            <p:ph type="sldImg"/>
+          </p:nvPr>
+        </p:nvSpPr>
+        <p:spPr/>
+      </p:sp>
+      <p:sp>
+        <p:nvSpPr>
+          <p:cNvPr id="3" name="Notes Placeholder 2"/>
+          <p:cNvSpPr>
+            <a:spLocks noGrp="1"/>
+          </p:cNvSpPr>
+          <p:nvPr>
+            <p:ph type="body" idx="1"/>
+          </p:nvPr>
+        </p:nvSpPr>
+        <p:spPr/>
+        <p:txBody>
+          <a:bodyPr/>
+          <a:lstStyle/>
+          <a:p>
+            <a:r>
+              <a:rPr lang="en-US" dirty="0" smtClean="0"/>
+              <a:t>Introducing</a:t>
+            </a:r>
+            <a:r>
+              <a:rPr lang="en-US" baseline="0" dirty="0" smtClean="0"/>
+              <a:t> </a:t>
+            </a:r>
+            <a:r>
+              <a:rPr lang="en-US" baseline="0" dirty="0" err="1" smtClean="0"/>
+              <a:t>FsCheck</a:t>
+            </a:r>
+            <a:endParaRPr lang="en-US" baseline="0" dirty="0" smtClean="0"/>
+          </a:p>
+          <a:p>
+            <a:endParaRPr lang="en-US" baseline="0" dirty="0" smtClean="0"/>
+          </a:p>
+          <a:p>
+            <a:pPr marL="171450" marR="0" indent="-171450" algn="l" defTabSz="457200" rtl="0" eaLnBrk="1" fontAlgn="auto" latinLnBrk="0" hangingPunct="1">
+              <a:lnSpc>
+                <a:spcPct val="100000"/>
+              </a:lnSpc>
+              <a:spcBef>
+                <a:spcPts val="0"/>
+              </a:spcBef>
+              <a:spcAft>
+                <a:spcPts val="0"/>
+              </a:spcAft>
+              <a:buClrTx/>
+              <a:buSzTx/>
+              <a:buFont typeface="Arial"/>
+              <a:buChar char="•"/>
+              <a:tabLst/>
+              <a:defRPr/>
+            </a:pPr>
+            <a:r>
+              <a:rPr lang="en-US" sz="1200" dirty="0" smtClean="0"/>
+              <a:t>Uses random data and logical propositions to prove or disprove behavior</a:t>
+            </a:r>
+          </a:p>
+          <a:p>
+            <a:pPr marL="171450" marR="0" indent="-171450" algn="l" defTabSz="457200" rtl="0" eaLnBrk="1" fontAlgn="auto" latinLnBrk="0" hangingPunct="1">
+              <a:lnSpc>
+                <a:spcPct val="100000"/>
+              </a:lnSpc>
+              <a:spcBef>
+                <a:spcPts val="0"/>
+              </a:spcBef>
+              <a:spcAft>
+                <a:spcPts val="0"/>
+              </a:spcAft>
+              <a:buClrTx/>
+              <a:buSzTx/>
+              <a:buFont typeface="Arial"/>
+              <a:buChar char="•"/>
+              <a:tabLst/>
+              <a:defRPr/>
+            </a:pPr>
+            <a:r>
+              <a:rPr lang="en-US" sz="1200" dirty="0" smtClean="0"/>
+              <a:t>Simple </a:t>
+            </a:r>
+            <a:r>
+              <a:rPr lang="en-US" sz="1200" dirty="0" err="1" smtClean="0"/>
+              <a:t>eDSL</a:t>
+            </a:r>
+            <a:r>
+              <a:rPr lang="en-US" sz="1200" dirty="0" smtClean="0"/>
+              <a:t> for logical propositions</a:t>
+            </a:r>
+          </a:p>
+          <a:p>
+            <a:pPr marL="171450" marR="0" indent="-171450" algn="l" defTabSz="457200" rtl="0" eaLnBrk="1" fontAlgn="auto" latinLnBrk="0" hangingPunct="1">
+              <a:lnSpc>
+                <a:spcPct val="100000"/>
+              </a:lnSpc>
+              <a:spcBef>
+                <a:spcPts val="0"/>
+              </a:spcBef>
+              <a:spcAft>
+                <a:spcPts val="0"/>
+              </a:spcAft>
+              <a:buClrTx/>
+              <a:buSzTx/>
+              <a:buFont typeface="Arial"/>
+              <a:buChar char="•"/>
+              <a:tabLst/>
+              <a:defRPr/>
+            </a:pPr>
+            <a:r>
+              <a:rPr lang="en-US" sz="1200" dirty="0" smtClean="0"/>
+              <a:t>API for steering data generation</a:t>
+            </a:r>
+          </a:p>
+          <a:p>
+            <a:pPr marL="171450" marR="0" indent="-171450" algn="l" defTabSz="457200" rtl="0" eaLnBrk="1" fontAlgn="auto" latinLnBrk="0" hangingPunct="1">
+              <a:lnSpc>
+                <a:spcPct val="100000"/>
+              </a:lnSpc>
+              <a:spcBef>
+                <a:spcPts val="0"/>
+              </a:spcBef>
+              <a:spcAft>
+                <a:spcPts val="0"/>
+              </a:spcAft>
+              <a:buClrTx/>
+              <a:buSzTx/>
+              <a:buFont typeface="Arial"/>
+              <a:buChar char="•"/>
+              <a:tabLst/>
+              <a:defRPr/>
+            </a:pPr>
+            <a:r>
+              <a:rPr lang="en-US" sz="1200" dirty="0" smtClean="0"/>
+              <a:t>API for observing distributions of generated data</a:t>
+            </a:r>
+          </a:p>
+          <a:p>
+            <a:pPr marL="171450" marR="0" indent="-171450" algn="l" defTabSz="457200" rtl="0" eaLnBrk="1" fontAlgn="auto" latinLnBrk="0" hangingPunct="1">
+              <a:lnSpc>
+                <a:spcPct val="100000"/>
+              </a:lnSpc>
+              <a:spcBef>
+                <a:spcPts val="0"/>
+              </a:spcBef>
+              <a:spcAft>
+                <a:spcPts val="0"/>
+              </a:spcAft>
+              <a:buClrTx/>
+              <a:buSzTx/>
+              <a:buFont typeface="Arial"/>
+              <a:buChar char="•"/>
+              <a:tabLst/>
+              <a:defRPr/>
+            </a:pPr>
+            <a:endParaRPr lang="en-US" sz="1200" dirty="0" smtClean="0"/>
+          </a:p>
+          <a:p>
+            <a:pPr marL="171450" marR="0" indent="-171450" algn="l" defTabSz="457200" rtl="0" eaLnBrk="1" fontAlgn="auto" latinLnBrk="0" hangingPunct="1">
+              <a:lnSpc>
+                <a:spcPct val="100000"/>
+              </a:lnSpc>
+              <a:spcBef>
+                <a:spcPts val="0"/>
+              </a:spcBef>
+              <a:spcAft>
+                <a:spcPts val="0"/>
+              </a:spcAft>
+              <a:buClrTx/>
+              <a:buSzTx/>
+              <a:buFont typeface="Arial"/>
+              <a:buChar char="•"/>
+              <a:tabLst/>
+              <a:defRPr/>
+            </a:pPr>
+            <a:r>
+              <a:rPr lang="en-US" sz="1200" dirty="0" smtClean="0"/>
+              <a:t>With or without other testing tools</a:t>
+            </a:r>
+          </a:p>
+          <a:p>
+            <a:pPr marL="628650" marR="0" lvl="1" indent="-171450" algn="l" defTabSz="457200" rtl="0" eaLnBrk="1" fontAlgn="auto" latinLnBrk="0" hangingPunct="1">
+              <a:lnSpc>
+                <a:spcPct val="100000"/>
+              </a:lnSpc>
+              <a:spcBef>
+                <a:spcPts val="0"/>
+              </a:spcBef>
+              <a:spcAft>
+                <a:spcPts val="0"/>
+              </a:spcAft>
+              <a:buClrTx/>
+              <a:buSzTx/>
+              <a:buFont typeface="Arial"/>
+              <a:buChar char="•"/>
+              <a:tabLst/>
+              <a:defRPr/>
+            </a:pPr>
+            <a:r>
+              <a:rPr lang="en-US" sz="1200" dirty="0" smtClean="0"/>
+              <a:t>Failing tests can raise exceptions,</a:t>
+            </a:r>
+            <a:r>
+              <a:rPr lang="en-US" sz="1200" baseline="0" dirty="0" smtClean="0"/>
+              <a:t> providing compatibility with: </a:t>
+            </a:r>
+            <a:r>
+              <a:rPr lang="en-US" sz="1200" baseline="0" dirty="0" err="1" smtClean="0"/>
+              <a:t>xUnit</a:t>
+            </a:r>
+            <a:r>
+              <a:rPr lang="en-US" sz="1200" baseline="0" dirty="0" smtClean="0"/>
+              <a:t>, </a:t>
+            </a:r>
+            <a:r>
+              <a:rPr lang="en-US" sz="1200" baseline="0" dirty="0" err="1" smtClean="0"/>
+              <a:t>Nunit</a:t>
+            </a:r>
+            <a:r>
+              <a:rPr lang="en-US" sz="1200" baseline="0" dirty="0" smtClean="0"/>
+              <a:t>, et cetera </a:t>
+            </a:r>
+          </a:p>
+          <a:p>
+            <a:pPr marL="628650" marR="0" lvl="1" indent="-171450" algn="l" defTabSz="457200" rtl="0" eaLnBrk="1" fontAlgn="auto" latinLnBrk="0" hangingPunct="1">
+              <a:lnSpc>
+                <a:spcPct val="100000"/>
+              </a:lnSpc>
+              <a:spcBef>
+                <a:spcPts val="0"/>
+              </a:spcBef>
+              <a:spcAft>
+                <a:spcPts val="0"/>
+              </a:spcAft>
+              <a:buClrTx/>
+              <a:buSzTx/>
+              <a:buFont typeface="Arial"/>
+              <a:buChar char="•"/>
+              <a:tabLst/>
+              <a:defRPr/>
+            </a:pPr>
+            <a:r>
+              <a:rPr lang="en-US" sz="1200" baseline="0" dirty="0" smtClean="0"/>
+              <a:t>Does not obviate the need for other types of testing</a:t>
+            </a:r>
+            <a:endParaRPr lang="en-US" sz="1200" dirty="0" smtClean="0"/>
+          </a:p>
+          <a:p>
+            <a:endParaRPr lang="en-US" dirty="0" smtClean="0"/>
+          </a:p>
+          <a:p>
+            <a:pPr marL="171450" indent="-171450">
+              <a:buFont typeface="Arial"/>
+              <a:buChar char="•"/>
+            </a:pPr>
+            <a:r>
+              <a:rPr lang="en-US" dirty="0" smtClean="0"/>
+              <a:t>TDD works with specific examples, while PBT works with universal properties</a:t>
+            </a:r>
+          </a:p>
+          <a:p>
+            <a:endParaRPr lang="en-US" dirty="0"/>
+          </a:p>
+        </p:txBody>
+      </p:sp>
+      <p:sp>
+        <p:nvSpPr>
+          <p:cNvPr id="4" name="Slide Number Placeholder 3"/>
+          <p:cNvSpPr>
+            <a:spLocks noGrp="1"/>
+          </p:cNvSpPr>
+          <p:nvPr>
+            <p:ph type="sldNum" sz="quarter" idx="10"/>
+          </p:nvPr>
+        </p:nvSpPr>
+        <p:spPr/>
+        <p:txBody>
+          <a:bodyPr/>
+          <a:lstStyle/>
+          <a:p>
+            <a:fld id="{E0177CF1-FB2D-5E43-808C-4E6A5CAE4EDF}" type="slidenum">
+              <a:rPr lang="en-US" smtClean="0"/>
+              <a:t>4</a:t>
+            </a:fld>
+            <a:endParaRPr lang="en-US"/>
+          </a:p>
+        </p:txBody>
+      </p:sp>
+    </p:spTree>
+    <p:extLst>
+      <p:ext uri="{BB962C8B-B14F-4D97-AF65-F5344CB8AC3E}">
+        <p14:creationId xmlns:p14="http://schemas.microsoft.com/office/powerpoint/2010/main" val="1416342224"/>
+      </p:ext>
+    </p:extLst>
+  </p:cSld>
+  <p:clrMapOvr>
+    <a:masterClrMapping/>
+  </p:clrMapOvr>
+</p:notes>
+</file>
+
+<file path=ppt/notesSlides/notesSlide5.xml><?xml version="1.0" encoding="utf-8"?>
+<p:notes xmlns:a="http://schemas.openxmlformats.org/drawingml/2006/main" xmlns:r="http://schemas.openxmlformats.org/officeDocument/2006/relationships" xmlns:p="http://schemas.openxmlformats.org/presentationml/2006/main">
+  <p:cSld>
+    <p:spTree>
+      <p:nvGrpSpPr>
+        <p:cNvPr id="1" name=""/>
+        <p:cNvGrpSpPr/>
+        <p:nvPr/>
+      </p:nvGrpSpPr>
+      <p:grpSpPr>
+        <a:xfrm>
+          <a:off x="0" y="0"/>
+          <a:ext cx="0" cy="0"/>
+          <a:chOff x="0" y="0"/>
+          <a:chExt cx="0" cy="0"/>
+        </a:xfrm>
+      </p:grpSpPr>
+      <p:sp>
+        <p:nvSpPr>
+          <p:cNvPr id="2" name="Slide Image Placeholder 1"/>
+          <p:cNvSpPr>
+            <a:spLocks noGrp="1" noRot="1" noChangeAspect="1"/>
+          </p:cNvSpPr>
+          <p:nvPr>
+            <p:ph type="sldImg"/>
+          </p:nvPr>
+        </p:nvSpPr>
+        <p:spPr/>
+      </p:sp>
+      <p:sp>
+        <p:nvSpPr>
+          <p:cNvPr id="3" name="Notes Placeholder 2"/>
+          <p:cNvSpPr>
+            <a:spLocks noGrp="1"/>
+          </p:cNvSpPr>
+          <p:nvPr>
+            <p:ph type="body" idx="1"/>
+          </p:nvPr>
+        </p:nvSpPr>
+        <p:spPr/>
+        <p:txBody>
+          <a:bodyPr/>
+          <a:lstStyle/>
+          <a:p>
+            <a:r>
+              <a:rPr lang="en-US" dirty="0" smtClean="0"/>
+              <a:t>NOTE: code may appear slightly differently in the repo than</a:t>
+            </a:r>
+            <a:r>
+              <a:rPr lang="en-US" baseline="0" dirty="0" smtClean="0"/>
+              <a:t> in the presentation (i.e. space constraints necessitate reformatting, renaming). Also, in some cases, redundant type information has been added (to the slides) for clarity.</a:t>
+            </a:r>
+            <a:endParaRPr lang="en-US" dirty="0" smtClean="0"/>
+          </a:p>
+          <a:p>
+            <a:endParaRPr lang="en-US" dirty="0" smtClean="0"/>
+          </a:p>
+          <a:p>
+            <a:r>
+              <a:rPr lang="en-US" dirty="0" smtClean="0"/>
+              <a:t>---</a:t>
+            </a:r>
+          </a:p>
+          <a:p>
+            <a:endParaRPr lang="en-US" dirty="0" smtClean="0"/>
+          </a:p>
+          <a:p>
+            <a:r>
+              <a:rPr lang="en-US" dirty="0" smtClean="0"/>
+              <a:t>I like aliases because I get lazy typing out full class names, and short names are easier to fit on slides.</a:t>
+            </a:r>
+          </a:p>
+          <a:p>
+            <a:endParaRPr lang="en-US" dirty="0" smtClean="0"/>
+          </a:p>
+          <a:p>
+            <a:r>
+              <a:rPr lang="en-US" dirty="0" smtClean="0"/>
+              <a:t>:-D</a:t>
+            </a:r>
+            <a:endParaRPr lang="en-US" dirty="0"/>
+          </a:p>
+        </p:txBody>
+      </p:sp>
+      <p:sp>
+        <p:nvSpPr>
+          <p:cNvPr id="4" name="Slide Number Placeholder 3"/>
+          <p:cNvSpPr>
+            <a:spLocks noGrp="1"/>
+          </p:cNvSpPr>
+          <p:nvPr>
+            <p:ph type="sldNum" sz="quarter" idx="10"/>
+          </p:nvPr>
+        </p:nvSpPr>
+        <p:spPr/>
+        <p:txBody>
+          <a:bodyPr/>
+          <a:lstStyle/>
+          <a:p>
+            <a:fld id="{E0177CF1-FB2D-5E43-808C-4E6A5CAE4EDF}" type="slidenum">
+              <a:rPr lang="en-US" smtClean="0"/>
+              <a:t>5</a:t>
+            </a:fld>
+            <a:endParaRPr lang="en-US"/>
+          </a:p>
+        </p:txBody>
+      </p:sp>
+    </p:spTree>
+    <p:extLst>
+      <p:ext uri="{BB962C8B-B14F-4D97-AF65-F5344CB8AC3E}">
+        <p14:creationId xmlns:p14="http://schemas.microsoft.com/office/powerpoint/2010/main" val="1755015420"/>
+      </p:ext>
+    </p:extLst>
+  </p:cSld>
+  <p:clrMapOvr>
+    <a:masterClrMapping/>
+  </p:clrMapOvr>
+</p:notes>
+</file>
+
+<file path=ppt/notesSlides/notesSlide6.xml><?xml version="1.0" encoding="utf-8"?>
+<p:notes xmlns:a="http://schemas.openxmlformats.org/drawingml/2006/main" xmlns:r="http://schemas.openxmlformats.org/officeDocument/2006/relationships" xmlns:p="http://schemas.openxmlformats.org/presentationml/2006/main">
+  <p:cSld>
+    <p:spTree>
+      <p:nvGrpSpPr>
+        <p:cNvPr id="1" name=""/>
+        <p:cNvGrpSpPr/>
+        <p:nvPr/>
+      </p:nvGrpSpPr>
+      <p:grpSpPr>
+        <a:xfrm>
+          <a:off x="0" y="0"/>
+          <a:ext cx="0" cy="0"/>
+          <a:chOff x="0" y="0"/>
+          <a:chExt cx="0" cy="0"/>
+        </a:xfrm>
+      </p:grpSpPr>
+      <p:sp>
+        <p:nvSpPr>
+          <p:cNvPr id="2" name="Slide Image Placeholder 1"/>
+          <p:cNvSpPr>
+            <a:spLocks noGrp="1" noRot="1" noChangeAspect="1"/>
+          </p:cNvSpPr>
+          <p:nvPr>
+            <p:ph type="sldImg"/>
+          </p:nvPr>
+        </p:nvSpPr>
+        <p:spPr/>
+      </p:sp>
+      <p:sp>
+        <p:nvSpPr>
+          <p:cNvPr id="3" name="Notes Placeholder 2"/>
+          <p:cNvSpPr>
+            <a:spLocks noGrp="1"/>
+          </p:cNvSpPr>
+          <p:nvPr>
+            <p:ph type="body" idx="1"/>
+          </p:nvPr>
+        </p:nvSpPr>
+        <p:spPr/>
+        <p:txBody>
+          <a:bodyPr/>
+          <a:lstStyle/>
+          <a:p>
+            <a:r>
+              <a:rPr lang="en-US" dirty="0" smtClean="0"/>
+              <a:t>Because properties</a:t>
+            </a:r>
+            <a:r>
+              <a:rPr lang="en-US" baseline="0" dirty="0" smtClean="0"/>
+              <a:t> are just functions, we have the full power of first-class functions at our disposal</a:t>
+            </a:r>
+          </a:p>
+          <a:p>
+            <a:endParaRPr lang="en-US" dirty="0" smtClean="0"/>
+          </a:p>
+          <a:p>
+            <a:r>
+              <a:rPr lang="en-US" dirty="0" smtClean="0"/>
+              <a:t>We can</a:t>
+            </a:r>
+            <a:r>
+              <a:rPr lang="en-US" baseline="0" dirty="0" smtClean="0"/>
+              <a:t> even test the properties of higher-order functions because </a:t>
+            </a:r>
+            <a:r>
+              <a:rPr lang="en-US" baseline="0" dirty="0" err="1" smtClean="0"/>
+              <a:t>FsCheck</a:t>
+            </a:r>
+            <a:r>
+              <a:rPr lang="en-US" baseline="0" dirty="0" smtClean="0"/>
+              <a:t> can GENERATE FIRST-CLASS FUNCTION VALUES AS INPUT DATA!!!!</a:t>
+            </a:r>
+            <a:endParaRPr lang="en-US" dirty="0" smtClean="0"/>
+          </a:p>
+          <a:p>
+            <a:endParaRPr lang="en-US" dirty="0" smtClean="0"/>
+          </a:p>
+          <a:p>
+            <a:r>
+              <a:rPr lang="en-US" dirty="0" smtClean="0"/>
+              <a:t>Interchange is especially</a:t>
+            </a:r>
+            <a:r>
+              <a:rPr lang="en-US" baseline="0" dirty="0" smtClean="0"/>
+              <a:t> useful for proving referential transparency (purity?)</a:t>
+            </a:r>
+            <a:endParaRPr lang="en-US" dirty="0" smtClean="0"/>
+          </a:p>
+          <a:p>
+            <a:endParaRPr lang="en-US" dirty="0"/>
+          </a:p>
+        </p:txBody>
+      </p:sp>
+      <p:sp>
+        <p:nvSpPr>
+          <p:cNvPr id="4" name="Slide Number Placeholder 3"/>
+          <p:cNvSpPr>
+            <a:spLocks noGrp="1"/>
+          </p:cNvSpPr>
+          <p:nvPr>
+            <p:ph type="sldNum" sz="quarter" idx="10"/>
+          </p:nvPr>
+        </p:nvSpPr>
+        <p:spPr/>
+        <p:txBody>
+          <a:bodyPr/>
+          <a:lstStyle/>
+          <a:p>
+            <a:fld id="{E0177CF1-FB2D-5E43-808C-4E6A5CAE4EDF}" type="slidenum">
+              <a:rPr lang="en-US" smtClean="0"/>
+              <a:t>6</a:t>
+            </a:fld>
+            <a:endParaRPr lang="en-US"/>
+          </a:p>
+        </p:txBody>
+      </p:sp>
+    </p:spTree>
+    <p:extLst>
+      <p:ext uri="{BB962C8B-B14F-4D97-AF65-F5344CB8AC3E}">
+        <p14:creationId xmlns:p14="http://schemas.microsoft.com/office/powerpoint/2010/main" val="1720824826"/>
+      </p:ext>
+    </p:extLst>
+  </p:cSld>
+  <p:clrMapOvr>
+    <a:masterClrMapping/>
+  </p:clrMapOvr>
+</p:notes>
+</file>
+
+<file path=ppt/notesSlides/notesSlide7.xml><?xml version="1.0" encoding="utf-8"?>
+<p:notes xmlns:a="http://schemas.openxmlformats.org/drawingml/2006/main" xmlns:r="http://schemas.openxmlformats.org/officeDocument/2006/relationships" xmlns:p="http://schemas.openxmlformats.org/presentationml/2006/main">
+  <p:cSld>
+    <p:spTree>
+      <p:nvGrpSpPr>
+        <p:cNvPr id="1" name=""/>
+        <p:cNvGrpSpPr/>
+        <p:nvPr/>
+      </p:nvGrpSpPr>
+      <p:grpSpPr>
+        <a:xfrm>
+          <a:off x="0" y="0"/>
+          <a:ext cx="0" cy="0"/>
+          <a:chOff x="0" y="0"/>
+          <a:chExt cx="0" cy="0"/>
+        </a:xfrm>
+      </p:grpSpPr>
+      <p:sp>
+        <p:nvSpPr>
+          <p:cNvPr id="2" name="Slide Image Placeholder 1"/>
+          <p:cNvSpPr>
+            <a:spLocks noGrp="1" noRot="1" noChangeAspect="1"/>
+          </p:cNvSpPr>
+          <p:nvPr>
+            <p:ph type="sldImg"/>
+          </p:nvPr>
+        </p:nvSpPr>
+        <p:spPr/>
+      </p:sp>
+      <p:sp>
+        <p:nvSpPr>
+          <p:cNvPr id="3" name="Notes Placeholder 2"/>
+          <p:cNvSpPr>
+            <a:spLocks noGrp="1"/>
+          </p:cNvSpPr>
+          <p:nvPr>
+            <p:ph type="body" idx="1"/>
+          </p:nvPr>
+        </p:nvSpPr>
+        <p:spPr/>
+        <p:txBody>
+          <a:bodyPr/>
+          <a:lstStyle/>
+          <a:p>
+            <a:r>
+              <a:rPr lang="en-US" dirty="0" smtClean="0"/>
+              <a:t>Think of property-based testing not as a testing process, but as a design process -- a technique that helps you clarify what your system is really trying to do.</a:t>
+            </a:r>
+          </a:p>
+          <a:p>
+            <a:endParaRPr lang="en-US" dirty="0" smtClean="0"/>
+          </a:p>
+          <a:p>
+            <a:r>
+              <a:rPr lang="en-US" dirty="0" smtClean="0"/>
+              <a:t>PRO TIP: Make sure your property checks are very fast. You will be running them a LOT!!!</a:t>
+            </a:r>
+          </a:p>
+          <a:p>
+            <a:endParaRPr lang="en-US" dirty="0" smtClean="0"/>
+          </a:p>
+          <a:p>
+            <a:pPr marL="0" marR="0" indent="0" algn="l" defTabSz="914400" rtl="0" eaLnBrk="1" fontAlgn="auto" latinLnBrk="0" hangingPunct="1">
+              <a:lnSpc>
+                <a:spcPct val="100000"/>
+              </a:lnSpc>
+              <a:spcBef>
+                <a:spcPts val="0"/>
+              </a:spcBef>
+              <a:spcAft>
+                <a:spcPts val="0"/>
+              </a:spcAft>
+              <a:buClrTx/>
+              <a:buSzTx/>
+              <a:buFontTx/>
+              <a:buNone/>
+              <a:tabLst/>
+              <a:defRPr/>
+            </a:pPr>
+            <a:r>
+              <a:rPr lang="en-US" dirty="0" err="1" smtClean="0"/>
+              <a:t>Idempotence</a:t>
+            </a:r>
+            <a:r>
+              <a:rPr lang="en-US" dirty="0" smtClean="0"/>
+              <a:t> is essential for reliable systems and is a key aspect of service oriented and message-based architectures.</a:t>
+            </a:r>
+          </a:p>
+          <a:p>
+            <a:endParaRPr lang="en-US" dirty="0" smtClean="0"/>
+          </a:p>
+        </p:txBody>
+      </p:sp>
+      <p:sp>
+        <p:nvSpPr>
+          <p:cNvPr id="4" name="Slide Number Placeholder 3"/>
+          <p:cNvSpPr>
+            <a:spLocks noGrp="1"/>
+          </p:cNvSpPr>
+          <p:nvPr>
+            <p:ph type="sldNum" sz="quarter" idx="10"/>
+          </p:nvPr>
+        </p:nvSpPr>
+        <p:spPr/>
+        <p:txBody>
+          <a:bodyPr/>
+          <a:lstStyle/>
+          <a:p>
+            <a:fld id="{E0177CF1-FB2D-5E43-808C-4E6A5CAE4EDF}" type="slidenum">
+              <a:rPr lang="en-US" smtClean="0"/>
+              <a:t>7</a:t>
+            </a:fld>
+            <a:endParaRPr lang="en-US"/>
+          </a:p>
+        </p:txBody>
+      </p:sp>
+    </p:spTree>
+    <p:extLst>
+      <p:ext uri="{BB962C8B-B14F-4D97-AF65-F5344CB8AC3E}">
+        <p14:creationId xmlns:p14="http://schemas.microsoft.com/office/powerpoint/2010/main" val="195296439"/>
+      </p:ext>
+    </p:extLst>
+  </p:cSld>
+  <p:clrMapOvr>
+    <a:masterClrMapping/>
+  </p:clrMapOvr>
+</p:notes>
+</file>
+
+<file path=ppt/notesSlides/notesSlide8.xml><?xml version="1.0" encoding="utf-8"?>
+<p:notes xmlns:a="http://schemas.openxmlformats.org/drawingml/2006/main" xmlns:r="http://schemas.openxmlformats.org/officeDocument/2006/relationships" xmlns:p="http://schemas.openxmlformats.org/presentationml/2006/main">
+  <p:cSld>
+    <p:spTree>
+      <p:nvGrpSpPr>
+        <p:cNvPr id="1" name=""/>
+        <p:cNvGrpSpPr/>
+        <p:nvPr/>
+      </p:nvGrpSpPr>
+      <p:grpSpPr>
+        <a:xfrm>
+          <a:off x="0" y="0"/>
+          <a:ext cx="0" cy="0"/>
+          <a:chOff x="0" y="0"/>
+          <a:chExt cx="0" cy="0"/>
+        </a:xfrm>
+      </p:grpSpPr>
+      <p:sp>
+        <p:nvSpPr>
+          <p:cNvPr id="2" name="Slide Image Placeholder 1"/>
+          <p:cNvSpPr>
+            <a:spLocks noGrp="1" noRot="1" noChangeAspect="1"/>
+          </p:cNvSpPr>
+          <p:nvPr>
+            <p:ph type="sldImg"/>
+          </p:nvPr>
+        </p:nvSpPr>
+        <p:spPr/>
+      </p:sp>
+      <p:sp>
+        <p:nvSpPr>
+          <p:cNvPr id="3" name="Notes Placeholder 2"/>
+          <p:cNvSpPr>
+            <a:spLocks noGrp="1"/>
+          </p:cNvSpPr>
+          <p:nvPr>
+            <p:ph type="body" idx="1"/>
+          </p:nvPr>
+        </p:nvSpPr>
+        <p:spPr/>
+        <p:txBody>
+          <a:bodyPr/>
+          <a:lstStyle/>
+          <a:p>
+            <a:pPr marL="0" marR="0" lvl="0" indent="0" algn="l" defTabSz="914400" rtl="0" eaLnBrk="1" fontAlgn="auto" latinLnBrk="0" hangingPunct="1">
+              <a:lnSpc>
+                <a:spcPct val="100000"/>
+              </a:lnSpc>
+              <a:spcBef>
+                <a:spcPts val="0"/>
+              </a:spcBef>
+              <a:spcAft>
+                <a:spcPts val="0"/>
+              </a:spcAft>
+              <a:buClrTx/>
+              <a:buSzTx/>
+              <a:buFontTx/>
+              <a:buNone/>
+              <a:tabLst/>
+              <a:defRPr/>
+            </a:pPr>
+            <a:r>
+              <a:rPr lang="en-US" dirty="0" err="1" smtClean="0"/>
+              <a:t>StdGen</a:t>
+            </a:r>
+            <a:r>
+              <a:rPr lang="en-US" dirty="0" smtClean="0"/>
+              <a:t> seeds can be used to demonstrably re-create (replay) a given run of </a:t>
+            </a:r>
+            <a:r>
+              <a:rPr lang="en-US" dirty="0" err="1" smtClean="0"/>
+              <a:t>FsCheck</a:t>
+            </a:r>
+            <a:endParaRPr lang="en-US" dirty="0" smtClean="0"/>
+          </a:p>
+          <a:p>
+            <a:pPr marL="0" marR="0" lvl="0" indent="0" algn="l" defTabSz="914400" rtl="0" eaLnBrk="1" fontAlgn="auto" latinLnBrk="0" hangingPunct="1">
+              <a:lnSpc>
+                <a:spcPct val="100000"/>
+              </a:lnSpc>
+              <a:spcBef>
+                <a:spcPts val="0"/>
+              </a:spcBef>
+              <a:spcAft>
+                <a:spcPts val="0"/>
+              </a:spcAft>
+              <a:buClrTx/>
+              <a:buSzTx/>
+              <a:buFontTx/>
+              <a:buNone/>
+              <a:tabLst/>
+              <a:defRPr/>
+            </a:pPr>
+            <a:endParaRPr lang="en-US" dirty="0" smtClean="0"/>
+          </a:p>
+          <a:p>
+            <a:pPr marL="0" marR="0" lvl="0" indent="0" algn="l" defTabSz="914400" rtl="0" eaLnBrk="1" fontAlgn="auto" latinLnBrk="0" hangingPunct="1">
+              <a:lnSpc>
+                <a:spcPct val="100000"/>
+              </a:lnSpc>
+              <a:spcBef>
+                <a:spcPts val="0"/>
+              </a:spcBef>
+              <a:spcAft>
+                <a:spcPts val="0"/>
+              </a:spcAft>
+              <a:buClrTx/>
+              <a:buSzTx/>
+              <a:buFontTx/>
+              <a:buNone/>
+              <a:tabLst/>
+              <a:defRPr/>
+            </a:pPr>
+            <a:r>
+              <a:rPr lang="en-US" dirty="0" smtClean="0"/>
+              <a:t>Simple </a:t>
+            </a:r>
+            <a:r>
+              <a:rPr lang="en-US" dirty="0" err="1" smtClean="0"/>
+              <a:t>boolean</a:t>
+            </a:r>
+            <a:r>
+              <a:rPr lang="en-US" dirty="0" smtClean="0"/>
+              <a:t> operations (AND</a:t>
+            </a:r>
+            <a:r>
+              <a:rPr lang="en-US" baseline="0" dirty="0" smtClean="0"/>
+              <a:t>, OR) work… but don’t help us identify where failure occurred</a:t>
+            </a:r>
+          </a:p>
+          <a:p>
+            <a:endParaRPr lang="en-US" dirty="0"/>
+          </a:p>
+        </p:txBody>
+      </p:sp>
+      <p:sp>
+        <p:nvSpPr>
+          <p:cNvPr id="4" name="Slide Number Placeholder 3"/>
+          <p:cNvSpPr>
+            <a:spLocks noGrp="1"/>
+          </p:cNvSpPr>
+          <p:nvPr>
+            <p:ph type="sldNum" sz="quarter" idx="10"/>
+          </p:nvPr>
+        </p:nvSpPr>
+        <p:spPr/>
+        <p:txBody>
+          <a:bodyPr/>
+          <a:lstStyle/>
+          <a:p>
+            <a:fld id="{E0177CF1-FB2D-5E43-808C-4E6A5CAE4EDF}" type="slidenum">
+              <a:rPr lang="en-US" smtClean="0"/>
+              <a:t>8</a:t>
+            </a:fld>
+            <a:endParaRPr lang="en-US"/>
+          </a:p>
+        </p:txBody>
+      </p:sp>
+    </p:spTree>
+    <p:extLst>
+      <p:ext uri="{BB962C8B-B14F-4D97-AF65-F5344CB8AC3E}">
+        <p14:creationId xmlns:p14="http://schemas.microsoft.com/office/powerpoint/2010/main" val="1455940956"/>
+      </p:ext>
+    </p:extLst>
+  </p:cSld>
+  <p:clrMapOvr>
+    <a:masterClrMapping/>
+  </p:clrMapOvr>
+</p:notes>
+</file>
+
+<file path=ppt/notesSlides/notesSlide9.xml><?xml version="1.0" encoding="utf-8"?>
+<p:notes xmlns:a="http://schemas.openxmlformats.org/drawingml/2006/main" xmlns:r="http://schemas.openxmlformats.org/officeDocument/2006/relationships" xmlns:p="http://schemas.openxmlformats.org/presentationml/2006/main">
+  <p:cSld>
+    <p:spTree>
+      <p:nvGrpSpPr>
+        <p:cNvPr id="1" name=""/>
+        <p:cNvGrpSpPr/>
+        <p:nvPr/>
+      </p:nvGrpSpPr>
+      <p:grpSpPr>
+        <a:xfrm>
+          <a:off x="0" y="0"/>
+          <a:ext cx="0" cy="0"/>
+          <a:chOff x="0" y="0"/>
+          <a:chExt cx="0" cy="0"/>
+        </a:xfrm>
+      </p:grpSpPr>
+      <p:sp>
+        <p:nvSpPr>
+          <p:cNvPr id="2" name="Slide Image Placeholder 1"/>
+          <p:cNvSpPr>
+            <a:spLocks noGrp="1" noRot="1" noChangeAspect="1"/>
+          </p:cNvSpPr>
+          <p:nvPr>
+            <p:ph type="sldImg"/>
+          </p:nvPr>
+        </p:nvSpPr>
+        <p:spPr/>
+      </p:sp>
+      <p:sp>
+        <p:nvSpPr>
+          <p:cNvPr id="3" name="Notes Placeholder 2"/>
+          <p:cNvSpPr>
+            <a:spLocks noGrp="1"/>
+          </p:cNvSpPr>
+          <p:nvPr>
+            <p:ph type="body" idx="1"/>
+          </p:nvPr>
+        </p:nvSpPr>
+        <p:spPr/>
+        <p:txBody>
+          <a:bodyPr/>
+          <a:lstStyle/>
+          <a:p>
+            <a:r>
+              <a:rPr lang="en-US" dirty="0" err="1" smtClean="0"/>
+              <a:t>FsCheck</a:t>
+            </a:r>
+            <a:r>
+              <a:rPr lang="en-US" dirty="0" smtClean="0"/>
+              <a:t> provides (AND,OR) for properties… main purpose is to use with LABELS,</a:t>
+            </a:r>
+            <a:r>
+              <a:rPr lang="en-US" baseline="0" dirty="0" smtClean="0"/>
+              <a:t> so properties don’t amalgamate into a useless bool</a:t>
+            </a:r>
+          </a:p>
+          <a:p>
+            <a:endParaRPr lang="en-US" baseline="0" dirty="0" smtClean="0"/>
+          </a:p>
+          <a:p>
+            <a:r>
+              <a:rPr lang="en-US" baseline="0" dirty="0" smtClean="0"/>
+              <a:t>(.&amp;.) (.And) </a:t>
+            </a:r>
+            <a:r>
+              <a:rPr lang="en-US" baseline="0" dirty="0" err="1" smtClean="0"/>
+              <a:t>boolean</a:t>
+            </a:r>
+            <a:r>
+              <a:rPr lang="en-US" baseline="0" dirty="0" smtClean="0"/>
+              <a:t> AND for properties</a:t>
+            </a:r>
+          </a:p>
+          <a:p>
+            <a:r>
+              <a:rPr lang="en-US" baseline="0" dirty="0" smtClean="0"/>
+              <a:t>(.|.)  (.Or) </a:t>
+            </a:r>
+            <a:r>
+              <a:rPr lang="en-US" baseline="0" dirty="0" err="1" smtClean="0"/>
+              <a:t>boolean</a:t>
+            </a:r>
+            <a:r>
+              <a:rPr lang="en-US" baseline="0" dirty="0" smtClean="0"/>
+              <a:t> OR for properties</a:t>
+            </a:r>
+          </a:p>
+          <a:p>
+            <a:r>
+              <a:rPr lang="en-US" baseline="0" dirty="0" smtClean="0"/>
+              <a:t>(@|) (.Label) adds an arbitrary label, which is reported for falsifiable tests</a:t>
+            </a:r>
+          </a:p>
+          <a:p>
+            <a:endParaRPr lang="en-US" dirty="0"/>
+          </a:p>
+        </p:txBody>
+      </p:sp>
+      <p:sp>
+        <p:nvSpPr>
+          <p:cNvPr id="4" name="Slide Number Placeholder 3"/>
+          <p:cNvSpPr>
+            <a:spLocks noGrp="1"/>
+          </p:cNvSpPr>
+          <p:nvPr>
+            <p:ph type="sldNum" sz="quarter" idx="10"/>
+          </p:nvPr>
+        </p:nvSpPr>
+        <p:spPr/>
+        <p:txBody>
+          <a:bodyPr/>
+          <a:lstStyle/>
+          <a:p>
+            <a:fld id="{E0177CF1-FB2D-5E43-808C-4E6A5CAE4EDF}" type="slidenum">
+              <a:rPr lang="en-US" smtClean="0"/>
+              <a:t>9</a:t>
+            </a:fld>
+            <a:endParaRPr lang="en-US"/>
+          </a:p>
+        </p:txBody>
+      </p:sp>
+    </p:spTree>
+    <p:extLst>
+      <p:ext uri="{BB962C8B-B14F-4D97-AF65-F5344CB8AC3E}">
+        <p14:creationId xmlns:p14="http://schemas.microsoft.com/office/powerpoint/2010/main" val="1570973574"/>
       </p:ext>
     </p:extLst>
   </p:cSld>
@@ -10996,7 +14293,7 @@
         <p:spPr>
           <a:xfrm>
             <a:off x="838200" y="1261641"/>
-            <a:ext cx="5257800" cy="4914409"/>
+            <a:ext cx="10515600" cy="4914409"/>
           </a:xfrm>
         </p:spPr>
         <p:txBody>
@@ -11049,6 +14346,86 @@
               </a:rPr>
               <a:t> ``trivial daylight savings support`` </a:t>
             </a:r>
+            <a:r>
+              <a:rPr lang="en-US" sz="1200" dirty="0" smtClean="0">
+                <a:latin typeface="Courier" charset="0"/>
+                <a:ea typeface="Courier" charset="0"/>
+                <a:cs typeface="Courier" charset="0"/>
+              </a:rPr>
+              <a:t>(</a:t>
+            </a:r>
+            <a:r>
+              <a:rPr lang="en-US" sz="1200" dirty="0" err="1" smtClean="0">
+                <a:latin typeface="Courier" charset="0"/>
+                <a:ea typeface="Courier" charset="0"/>
+                <a:cs typeface="Courier" charset="0"/>
+              </a:rPr>
+              <a:t>aDate</a:t>
+            </a:r>
+            <a:r>
+              <a:rPr lang="en-US" sz="1200" dirty="0" smtClean="0">
+                <a:latin typeface="Courier" charset="0"/>
+                <a:ea typeface="Courier" charset="0"/>
+                <a:cs typeface="Courier" charset="0"/>
+              </a:rPr>
+              <a:t> :Date) </a:t>
+            </a:r>
+            <a:r>
+              <a:rPr lang="en-US" sz="1200" dirty="0" smtClean="0">
+                <a:latin typeface="Courier" charset="0"/>
+                <a:ea typeface="Courier" charset="0"/>
+                <a:cs typeface="Courier" charset="0"/>
+              </a:rPr>
+              <a:t>(</a:t>
+            </a:r>
+            <a:r>
+              <a:rPr lang="en-US" sz="1200" dirty="0" err="1" smtClean="0">
+                <a:latin typeface="Courier" charset="0"/>
+                <a:ea typeface="Courier" charset="0"/>
+                <a:cs typeface="Courier" charset="0"/>
+              </a:rPr>
+              <a:t>aZone</a:t>
+            </a:r>
+            <a:r>
+              <a:rPr lang="en-US" sz="1200" dirty="0" smtClean="0">
+                <a:latin typeface="Courier" charset="0"/>
+                <a:ea typeface="Courier" charset="0"/>
+                <a:cs typeface="Courier" charset="0"/>
+              </a:rPr>
+              <a:t> :Zone</a:t>
+            </a:r>
+            <a:r>
+              <a:rPr lang="en-US" sz="1200" dirty="0" smtClean="0">
+                <a:latin typeface="Courier" charset="0"/>
+                <a:ea typeface="Courier" charset="0"/>
+                <a:cs typeface="Courier" charset="0"/>
+              </a:rPr>
+              <a:t>) (</a:t>
+            </a:r>
+            <a:r>
+              <a:rPr lang="en-US" sz="1200" dirty="0" err="1" smtClean="0">
+                <a:latin typeface="Courier" charset="0"/>
+                <a:ea typeface="Courier" charset="0"/>
+                <a:cs typeface="Courier" charset="0"/>
+              </a:rPr>
+              <a:t>NonNegativeInt</a:t>
+            </a:r>
+            <a:r>
+              <a:rPr lang="en-US" sz="1200" dirty="0" smtClean="0">
+                <a:latin typeface="Courier" charset="0"/>
+                <a:ea typeface="Courier" charset="0"/>
+                <a:cs typeface="Courier" charset="0"/>
+              </a:rPr>
+              <a:t> total) </a:t>
+            </a:r>
+            <a:r>
+              <a:rPr lang="en-US" sz="1200" dirty="0" smtClean="0">
+                <a:latin typeface="Courier" charset="0"/>
+                <a:ea typeface="Courier" charset="0"/>
+                <a:cs typeface="Courier" charset="0"/>
+              </a:rPr>
+              <a:t>=</a:t>
+            </a:r>
           </a:p>
           <a:p>
             <a:pPr marL="0" indent="0">
@@ -11057,118 +14434,11 @@
               </a:lnSpc>
               <a:buNone/>
             </a:pPr>
-            <a:r>
-              <a:rPr lang="en-US" sz="1200" dirty="0">
-                <a:latin typeface="Courier" charset="0"/>
-                <a:ea typeface="Courier" charset="0"/>
-                <a:cs typeface="Courier" charset="0"/>
-              </a:rPr>
-              <a:t> </a:t>
-            </a:r>
-            <a:r>
-              <a:rPr lang="en-US" sz="1200" dirty="0" smtClean="0">
-                <a:latin typeface="Courier" charset="0"/>
-                <a:ea typeface="Courier" charset="0"/>
-                <a:cs typeface="Courier" charset="0"/>
-              </a:rPr>
-              <a:t> (</a:t>
-            </a:r>
-            <a:r>
-              <a:rPr lang="en-US" sz="1200" dirty="0" err="1" smtClean="0">
-                <a:latin typeface="Courier" charset="0"/>
-                <a:ea typeface="Courier" charset="0"/>
-                <a:cs typeface="Courier" charset="0"/>
-              </a:rPr>
-              <a:t>aDate</a:t>
-            </a:r>
-            <a:r>
-              <a:rPr lang="en-US" sz="1200" dirty="0" smtClean="0">
-                <a:latin typeface="Courier" charset="0"/>
-                <a:ea typeface="Courier" charset="0"/>
-                <a:cs typeface="Courier" charset="0"/>
-              </a:rPr>
-              <a:t> :Date) </a:t>
-            </a:r>
-          </a:p>
-          <a:p>
-            <a:pPr marL="0" indent="0">
-              <a:lnSpc>
-                <a:spcPct val="100000"/>
-              </a:lnSpc>
-              <a:buNone/>
-            </a:pPr>
-            <a:r>
-              <a:rPr lang="en-US" sz="1200" dirty="0">
-                <a:latin typeface="Courier" charset="0"/>
-                <a:ea typeface="Courier" charset="0"/>
-                <a:cs typeface="Courier" charset="0"/>
-              </a:rPr>
-              <a:t> </a:t>
-            </a:r>
-            <a:r>
-              <a:rPr lang="en-US" sz="1200" dirty="0" smtClean="0">
-                <a:latin typeface="Courier" charset="0"/>
-                <a:ea typeface="Courier" charset="0"/>
-                <a:cs typeface="Courier" charset="0"/>
-              </a:rPr>
-              <a:t> (</a:t>
-            </a:r>
-            <a:r>
-              <a:rPr lang="en-US" sz="1200" dirty="0" err="1" smtClean="0">
-                <a:latin typeface="Courier" charset="0"/>
-                <a:ea typeface="Courier" charset="0"/>
-                <a:cs typeface="Courier" charset="0"/>
-              </a:rPr>
-              <a:t>aZone</a:t>
-            </a:r>
-            <a:r>
-              <a:rPr lang="en-US" sz="1200" dirty="0" smtClean="0">
-                <a:latin typeface="Courier" charset="0"/>
-                <a:ea typeface="Courier" charset="0"/>
-                <a:cs typeface="Courier" charset="0"/>
-              </a:rPr>
-              <a:t> :Zone)</a:t>
-            </a:r>
-          </a:p>
-          <a:p>
-            <a:pPr marL="0" indent="0">
-              <a:lnSpc>
-                <a:spcPct val="100000"/>
-              </a:lnSpc>
-              <a:buNone/>
-            </a:pPr>
-            <a:r>
-              <a:rPr lang="en-US" sz="1200" dirty="0">
-                <a:latin typeface="Courier" charset="0"/>
-                <a:ea typeface="Courier" charset="0"/>
-                <a:cs typeface="Courier" charset="0"/>
-              </a:rPr>
-              <a:t> </a:t>
-            </a:r>
-            <a:r>
-              <a:rPr lang="en-US" sz="1200" dirty="0" smtClean="0">
-                <a:latin typeface="Courier" charset="0"/>
-                <a:ea typeface="Courier" charset="0"/>
-                <a:cs typeface="Courier" charset="0"/>
-              </a:rPr>
-              <a:t> (</a:t>
-            </a:r>
-            <a:r>
-              <a:rPr lang="en-US" sz="1200" dirty="0" err="1" smtClean="0">
-                <a:latin typeface="Courier" charset="0"/>
-                <a:ea typeface="Courier" charset="0"/>
-                <a:cs typeface="Courier" charset="0"/>
-              </a:rPr>
-              <a:t>NonNegativeInt</a:t>
-            </a:r>
-            <a:r>
-              <a:rPr lang="en-US" sz="1200" dirty="0" smtClean="0">
-                <a:latin typeface="Courier" charset="0"/>
-                <a:ea typeface="Courier" charset="0"/>
-                <a:cs typeface="Courier" charset="0"/>
-              </a:rPr>
-              <a:t> total) =</a:t>
-            </a:r>
+            <a:endParaRPr lang="en-US" sz="1200" dirty="0" smtClean="0">
+              <a:latin typeface="Courier" charset="0"/>
+              <a:ea typeface="Courier" charset="0"/>
+              <a:cs typeface="Courier" charset="0"/>
+            </a:endParaRPr>
           </a:p>
           <a:p>
             <a:pPr marL="0" indent="0">
@@ -12240,7 +15510,7 @@
         <p:spPr>
           <a:xfrm>
             <a:off x="838200" y="1261641"/>
-            <a:ext cx="5257800" cy="4914409"/>
+            <a:ext cx="10515600" cy="4914409"/>
           </a:xfrm>
         </p:spPr>
         <p:txBody>
@@ -12301,6 +15571,154 @@
               </a:rPr>
               <a:t>(</a:t>
             </a:r>
+            <a:r>
+              <a:rPr lang="en-US" sz="1200" dirty="0" err="1" smtClean="0">
+                <a:latin typeface="Courier" charset="0"/>
+                <a:ea typeface="Courier" charset="0"/>
+                <a:cs typeface="Courier" charset="0"/>
+              </a:rPr>
+              <a:t>aDate</a:t>
+            </a:r>
+            <a:r>
+              <a:rPr lang="en-US" sz="1200" dirty="0" smtClean="0">
+                <a:latin typeface="Courier" charset="0"/>
+                <a:ea typeface="Courier" charset="0"/>
+                <a:cs typeface="Courier" charset="0"/>
+              </a:rPr>
+              <a:t> </a:t>
+            </a:r>
+            <a:r>
+              <a:rPr lang="en-US" sz="1200" dirty="0" smtClean="0">
+                <a:solidFill>
+                  <a:srgbClr val="0000FF"/>
+                </a:solidFill>
+                <a:latin typeface="Courier" charset="0"/>
+                <a:ea typeface="Courier" charset="0"/>
+                <a:cs typeface="Courier" charset="0"/>
+              </a:rPr>
+              <a:t>As</a:t>
+            </a:r>
+            <a:r>
+              <a:rPr lang="en-US" sz="1200" dirty="0" smtClean="0">
+                <a:latin typeface="Courier" charset="0"/>
+                <a:ea typeface="Courier" charset="0"/>
+                <a:cs typeface="Courier" charset="0"/>
+              </a:rPr>
+              <a:t> </a:t>
+            </a:r>
+            <a:r>
+              <a:rPr lang="en-US" sz="1200" dirty="0" smtClean="0">
+                <a:latin typeface="Courier" charset="0"/>
+                <a:ea typeface="Courier" charset="0"/>
+                <a:cs typeface="Courier" charset="0"/>
+              </a:rPr>
+              <a:t>Dated, </a:t>
+            </a:r>
+            <a:r>
+              <a:rPr lang="en-US" sz="1200" dirty="0" err="1" smtClean="0">
+                <a:latin typeface="Courier" charset="0"/>
+                <a:ea typeface="Courier" charset="0"/>
+                <a:cs typeface="Courier" charset="0"/>
+              </a:rPr>
+              <a:t>aZone</a:t>
+            </a:r>
+            <a:r>
+              <a:rPr lang="en-US" sz="1200" dirty="0" smtClean="0">
+                <a:latin typeface="Courier" charset="0"/>
+                <a:ea typeface="Courier" charset="0"/>
+                <a:cs typeface="Courier" charset="0"/>
+              </a:rPr>
+              <a:t> </a:t>
+            </a:r>
+            <a:r>
+              <a:rPr lang="en-US" sz="1200" dirty="0" smtClean="0">
+                <a:solidFill>
+                  <a:srgbClr val="0000FF"/>
+                </a:solidFill>
+                <a:latin typeface="Courier" charset="0"/>
+                <a:ea typeface="Courier" charset="0"/>
+                <a:cs typeface="Courier" charset="0"/>
+              </a:rPr>
+              <a:t>As</a:t>
+            </a:r>
+            <a:r>
+              <a:rPr lang="en-US" sz="1200" dirty="0" smtClean="0">
+                <a:latin typeface="Courier" charset="0"/>
+                <a:ea typeface="Courier" charset="0"/>
+                <a:cs typeface="Courier" charset="0"/>
+              </a:rPr>
+              <a:t> </a:t>
+            </a:r>
+            <a:r>
+              <a:rPr lang="en-US" sz="1200" dirty="0" err="1" smtClean="0">
+                <a:latin typeface="Courier" charset="0"/>
+                <a:ea typeface="Courier" charset="0"/>
+                <a:cs typeface="Courier" charset="0"/>
+              </a:rPr>
+              <a:t>ZOned</a:t>
+            </a:r>
+            <a:r>
+              <a:rPr lang="en-US" sz="1200" dirty="0" smtClean="0">
+                <a:latin typeface="Courier" charset="0"/>
+                <a:ea typeface="Courier" charset="0"/>
+                <a:cs typeface="Courier" charset="0"/>
+              </a:rPr>
+              <a:t>, total </a:t>
+            </a:r>
+            <a:r>
+              <a:rPr lang="en-US" sz="1200" dirty="0" smtClean="0">
+                <a:solidFill>
+                  <a:srgbClr val="0000FF"/>
+                </a:solidFill>
+                <a:latin typeface="Courier" charset="0"/>
+                <a:ea typeface="Courier" charset="0"/>
+                <a:cs typeface="Courier" charset="0"/>
+              </a:rPr>
+              <a:t>As</a:t>
+            </a:r>
+            <a:r>
+              <a:rPr lang="en-US" sz="1200" dirty="0" smtClean="0">
+                <a:latin typeface="Courier" charset="0"/>
+                <a:ea typeface="Courier" charset="0"/>
+                <a:cs typeface="Courier" charset="0"/>
+              </a:rPr>
+              <a:t> </a:t>
+            </a:r>
+            <a:r>
+              <a:rPr lang="en-US" sz="1200" dirty="0" err="1" smtClean="0">
+                <a:latin typeface="Courier" charset="0"/>
+                <a:ea typeface="Courier" charset="0"/>
+                <a:cs typeface="Courier" charset="0"/>
+              </a:rPr>
+              <a:t>NonNegativeInt</a:t>
+            </a:r>
+            <a:r>
+              <a:rPr lang="en-US" sz="1200" dirty="0" smtClean="0">
+                <a:latin typeface="Courier" charset="0"/>
+                <a:ea typeface="Courier" charset="0"/>
+                <a:cs typeface="Courier" charset="0"/>
+              </a:rPr>
+              <a:t>) </a:t>
+            </a:r>
+            <a:r>
+              <a:rPr lang="en-US" sz="1200" dirty="0" smtClean="0">
+                <a:solidFill>
+                  <a:srgbClr val="0000FF"/>
+                </a:solidFill>
+                <a:latin typeface="Courier" charset="0"/>
+                <a:ea typeface="Courier" charset="0"/>
+                <a:cs typeface="Courier" charset="0"/>
+              </a:rPr>
+              <a:t>As</a:t>
+            </a:r>
+            <a:r>
+              <a:rPr lang="en-US" sz="1200" dirty="0" smtClean="0">
+                <a:latin typeface="Courier" charset="0"/>
+                <a:ea typeface="Courier" charset="0"/>
+                <a:cs typeface="Courier" charset="0"/>
+              </a:rPr>
+              <a:t> [Property]</a:t>
+            </a:r>
           </a:p>
           <a:p>
             <a:pPr marL="0" indent="0">
@@ -12311,47 +15729,23 @@
             </a:pPr>
             <a:r>
               <a:rPr lang="en-US" sz="1200" dirty="0" smtClean="0">
+                <a:solidFill>
+                  <a:srgbClr val="0000FF"/>
+                </a:solidFill>
                 <a:latin typeface="Courier" charset="0"/>
                 <a:ea typeface="Courier" charset="0"/>
                 <a:cs typeface="Courier" charset="0"/>
               </a:rPr>
               <a:t>  </a:t>
             </a:r>
-            <a:r>
-              <a:rPr lang="en-US" sz="1200" dirty="0" err="1" smtClean="0">
-                <a:latin typeface="Courier" charset="0"/>
-                <a:ea typeface="Courier" charset="0"/>
-                <a:cs typeface="Courier" charset="0"/>
-              </a:rPr>
-              <a:t>aDate</a:t>
-            </a:r>
-            <a:r>
-              <a:rPr lang="en-US" sz="1200" dirty="0" smtClean="0">
-                <a:latin typeface="Courier" charset="0"/>
-                <a:ea typeface="Courier" charset="0"/>
-                <a:cs typeface="Courier" charset="0"/>
-              </a:rPr>
-              <a:t> </a:t>
-            </a:r>
-            <a:r>
-              <a:rPr lang="en-US" sz="1200" dirty="0" smtClean="0">
-                <a:solidFill>
-                  <a:srgbClr val="0000FF"/>
-                </a:solidFill>
-                <a:latin typeface="Courier" charset="0"/>
-                <a:ea typeface="Courier" charset="0"/>
-                <a:cs typeface="Courier" charset="0"/>
-              </a:rPr>
-              <a:t>As</a:t>
-            </a:r>
-            <a:r>
-              <a:rPr lang="en-US" sz="1200" dirty="0" smtClean="0">
-                <a:latin typeface="Courier" charset="0"/>
-                <a:ea typeface="Courier" charset="0"/>
-                <a:cs typeface="Courier" charset="0"/>
-              </a:rPr>
-              <a:t> Dated,</a:t>
-            </a:r>
+            <a:endParaRPr lang="en-US" sz="1200" dirty="0" smtClean="0">
+              <a:solidFill>
+                <a:srgbClr val="0000FF"/>
+              </a:solidFill>
+              <a:latin typeface="Courier" charset="0"/>
+              <a:ea typeface="Courier" charset="0"/>
+              <a:cs typeface="Courier" charset="0"/>
+            </a:endParaRPr>
           </a:p>
           <a:p>
             <a:pPr marL="0" indent="0">
@@ -12361,12 +15755,45 @@
               <a:buNone/>
             </a:pPr>
             <a:r>
-              <a:rPr lang="en-US" sz="1200" dirty="0" smtClean="0">
-                <a:latin typeface="Courier" charset="0"/>
-                <a:ea typeface="Courier" charset="0"/>
-                <a:cs typeface="Courier" charset="0"/>
-              </a:rPr>
-              <a:t>  </a:t>
+              <a:rPr lang="en-US" sz="1200" dirty="0">
+                <a:solidFill>
+                  <a:srgbClr val="0000FF"/>
+                </a:solidFill>
+                <a:latin typeface="Courier" charset="0"/>
+                <a:ea typeface="Courier" charset="0"/>
+                <a:cs typeface="Courier" charset="0"/>
+              </a:rPr>
+              <a:t> </a:t>
+            </a:r>
+            <a:r>
+              <a:rPr lang="en-US" sz="1200" dirty="0" smtClean="0">
+                <a:solidFill>
+                  <a:srgbClr val="0000FF"/>
+                </a:solidFill>
+                <a:latin typeface="Courier" charset="0"/>
+                <a:ea typeface="Courier" charset="0"/>
+                <a:cs typeface="Courier" charset="0"/>
+              </a:rPr>
+              <a:t> </a:t>
+            </a:r>
+            <a:r>
+              <a:rPr lang="en-US" sz="1200" dirty="0" smtClean="0">
+                <a:solidFill>
+                  <a:srgbClr val="0000FF"/>
+                </a:solidFill>
+                <a:latin typeface="Courier" charset="0"/>
+                <a:ea typeface="Courier" charset="0"/>
+                <a:cs typeface="Courier" charset="0"/>
+              </a:rPr>
+              <a:t>Dim </a:t>
+            </a:r>
+            <a:r>
+              <a:rPr lang="en-US" sz="1200" dirty="0" smtClean="0">
+                <a:latin typeface="Courier" charset="0"/>
+                <a:ea typeface="Courier" charset="0"/>
+                <a:cs typeface="Courier" charset="0"/>
+              </a:rPr>
+              <a:t>days = </a:t>
             </a:r>
             <a:r>
               <a:rPr lang="en-US" sz="1200" dirty="0" err="1" smtClean="0">
@@ -12374,18 +15801,18 @@
                 <a:ea typeface="Courier" charset="0"/>
                 <a:cs typeface="Courier" charset="0"/>
               </a:rPr>
-              <a:t>aZone</a:t>
-            </a:r>
-            <a:r>
-              <a:rPr lang="en-US" sz="1200" dirty="0" smtClean="0">
-                <a:latin typeface="Courier" charset="0"/>
-                <a:ea typeface="Courier" charset="0"/>
-                <a:cs typeface="Courier" charset="0"/>
-              </a:rPr>
-              <a:t> </a:t>
-            </a:r>
-            <a:r>
-              <a:rPr lang="en-US" sz="1200" dirty="0" smtClean="0">
+              <a:t>Timed.FromDays</a:t>
+            </a:r>
+            <a:r>
+              <a:rPr lang="en-US" sz="1200" dirty="0" smtClean="0">
+                <a:latin typeface="Courier" charset="0"/>
+                <a:ea typeface="Courier" charset="0"/>
+                <a:cs typeface="Courier" charset="0"/>
+              </a:rPr>
+              <a:t>(</a:t>
+            </a:r>
+            <a:r>
+              <a:rPr lang="en-US" sz="1200" dirty="0" err="1" smtClean="0">
                 <a:solidFill>
                   <a:srgbClr val="0000FF"/>
                 </a:solidFill>
@@ -12393,31 +15820,15 @@
                 <a:ea typeface="Courier" charset="0"/>
                 <a:cs typeface="Courier" charset="0"/>
               </a:rPr>
-              <a:t>As</a:t>
-            </a:r>
-            <a:r>
-              <a:rPr lang="en-US" sz="1200" dirty="0" smtClean="0">
-                <a:latin typeface="Courier" charset="0"/>
-                <a:ea typeface="Courier" charset="0"/>
-                <a:cs typeface="Courier" charset="0"/>
-              </a:rPr>
-              <a:t> </a:t>
-            </a:r>
-            <a:r>
-              <a:rPr lang="en-US" sz="1200" dirty="0" err="1" smtClean="0">
-                <a:latin typeface="Courier" charset="0"/>
-                <a:ea typeface="Courier" charset="0"/>
-                <a:cs typeface="Courier" charset="0"/>
-              </a:rPr>
-              <a:t>ZOned</a:t>
-            </a:r>
-            <a:r>
-              <a:rPr lang="en-US" sz="1200" dirty="0" smtClean="0">
-                <a:latin typeface="Courier" charset="0"/>
-                <a:ea typeface="Courier" charset="0"/>
-                <a:cs typeface="Courier" charset="0"/>
-              </a:rPr>
-              <a:t>,</a:t>
+              <a:t>CInt</a:t>
+            </a:r>
+            <a:r>
+              <a:rPr lang="en-US" sz="1200" dirty="0" smtClean="0">
+                <a:latin typeface="Courier" charset="0"/>
+                <a:ea typeface="Courier" charset="0"/>
+                <a:cs typeface="Courier" charset="0"/>
+              </a:rPr>
+              <a:t>(total))</a:t>
             </a:r>
           </a:p>
           <a:p>
@@ -12429,14 +15840,6 @@
             </a:pPr>
             <a:r>
               <a:rPr lang="en-US" sz="1200" dirty="0" smtClean="0">
-                <a:latin typeface="Courier" charset="0"/>
-                <a:ea typeface="Courier" charset="0"/>
-                <a:cs typeface="Courier" charset="0"/>
-              </a:rPr>
-              <a:t>  total </a:t>
-            </a:r>
-            <a:r>
-              <a:rPr lang="en-US" sz="1200" dirty="0" smtClean="0">
                 <a:solidFill>
                   <a:srgbClr val="0000FF"/>
                 </a:solidFill>
@@ -12444,15 +15847,7 @@
                 <a:ea typeface="Courier" charset="0"/>
                 <a:cs typeface="Courier" charset="0"/>
               </a:rPr>
-              <a:t>As</a:t>
-            </a:r>
-            <a:r>
-              <a:rPr lang="en-US" sz="1200" dirty="0" smtClean="0">
-                <a:latin typeface="Courier" charset="0"/>
-                <a:ea typeface="Courier" charset="0"/>
-                <a:cs typeface="Courier" charset="0"/>
-              </a:rPr>
-              <a:t> </a:t>
+              <a:t>  Dim </a:t>
             </a:r>
             <a:r>
               <a:rPr lang="en-US" sz="1200" dirty="0" err="1" smtClean="0">
@@ -12460,13 +15855,75 @@
                 <a:ea typeface="Courier" charset="0"/>
                 <a:cs typeface="Courier" charset="0"/>
               </a:rPr>
-              <a:t>NonNegativeInt</a:t>
-            </a:r>
-            <a:endParaRPr lang="en-US" sz="1200" dirty="0" smtClean="0">
-              <a:latin typeface="Courier" charset="0"/>
-              <a:ea typeface="Courier" charset="0"/>
-              <a:cs typeface="Courier" charset="0"/>
-            </a:endParaRPr>
+              <a:t>addShift</a:t>
+            </a:r>
+            <a:r>
+              <a:rPr lang="en-US" sz="1200" dirty="0" smtClean="0">
+                <a:latin typeface="Courier" charset="0"/>
+                <a:ea typeface="Courier" charset="0"/>
+                <a:cs typeface="Courier" charset="0"/>
+              </a:rPr>
+              <a:t> = </a:t>
+            </a:r>
+            <a:r>
+              <a:rPr lang="en-US" sz="1200" dirty="0" err="1" smtClean="0">
+                <a:latin typeface="Courier" charset="0"/>
+                <a:ea typeface="Courier" charset="0"/>
+                <a:cs typeface="Courier" charset="0"/>
+              </a:rPr>
+              <a:t>Zoned.ConvertTime</a:t>
+            </a:r>
+            <a:r>
+              <a:rPr lang="en-US" sz="1200" dirty="0" smtClean="0">
+                <a:latin typeface="Courier" charset="0"/>
+                <a:ea typeface="Courier" charset="0"/>
+                <a:cs typeface="Courier" charset="0"/>
+              </a:rPr>
+              <a:t>(</a:t>
+            </a:r>
+            <a:r>
+              <a:rPr lang="en-US" sz="1200" dirty="0" err="1" smtClean="0">
+                <a:latin typeface="Courier" charset="0"/>
+                <a:ea typeface="Courier" charset="0"/>
+                <a:cs typeface="Courier" charset="0"/>
+              </a:rPr>
+              <a:t>aDate</a:t>
+            </a:r>
+            <a:r>
+              <a:rPr lang="en-US" sz="1200" dirty="0" smtClean="0">
+                <a:latin typeface="Courier" charset="0"/>
+                <a:ea typeface="Courier" charset="0"/>
+                <a:cs typeface="Courier" charset="0"/>
+              </a:rPr>
+              <a:t> + days, </a:t>
+            </a:r>
+            <a:r>
+              <a:rPr lang="en-US" sz="1200" dirty="0" err="1" smtClean="0">
+                <a:latin typeface="Courier" charset="0"/>
+                <a:ea typeface="Courier" charset="0"/>
+                <a:cs typeface="Courier" charset="0"/>
+              </a:rPr>
+              <a:t>aZone</a:t>
+            </a:r>
+            <a:r>
+              <a:rPr lang="en-US" sz="1200" dirty="0" smtClean="0">
+                <a:latin typeface="Courier" charset="0"/>
+                <a:ea typeface="Courier" charset="0"/>
+                <a:cs typeface="Courier" charset="0"/>
+              </a:rPr>
+              <a:t>)</a:t>
+            </a:r>
+            <a:r>
+              <a:rPr lang="en-US" sz="1200" dirty="0" smtClean="0">
+                <a:solidFill>
+                  <a:srgbClr val="0000FF"/>
+                </a:solidFill>
+                <a:latin typeface="Courier" charset="0"/>
+                <a:ea typeface="Courier" charset="0"/>
+                <a:cs typeface="Courier" charset="0"/>
+              </a:rPr>
+              <a:t>   </a:t>
+            </a:r>
           </a:p>
           <a:p>
             <a:pPr marL="0" indent="0">
@@ -12476,15 +15933,7 @@
               <a:buNone/>
             </a:pPr>
             <a:r>
-              <a:rPr lang="en-US" sz="1200" dirty="0" smtClean="0">
-                <a:latin typeface="Courier" charset="0"/>
-                <a:ea typeface="Courier" charset="0"/>
-                <a:cs typeface="Courier" charset="0"/>
-              </a:rPr>
-              <a:t>) </a:t>
-            </a:r>
-            <a:r>
-              <a:rPr lang="en-US" sz="1200" dirty="0" smtClean="0">
+              <a:rPr lang="en-US" sz="1200" dirty="0">
                 <a:solidFill>
                   <a:srgbClr val="0000FF"/>
                 </a:solidFill>
@@ -12492,15 +15941,82 @@
                 <a:ea typeface="Courier" charset="0"/>
                 <a:cs typeface="Courier" charset="0"/>
               </a:rPr>
-              <a:t>As</a:t>
-            </a:r>
-            <a:r>
-              <a:rPr lang="en-US" sz="1200" dirty="0" smtClean="0">
-                <a:latin typeface="Courier" charset="0"/>
-                <a:ea typeface="Courier" charset="0"/>
-                <a:cs typeface="Courier" charset="0"/>
-              </a:rPr>
-              <a:t> [Property]</a:t>
+              <a:t> </a:t>
+            </a:r>
+            <a:r>
+              <a:rPr lang="en-US" sz="1200" dirty="0" smtClean="0">
+                <a:solidFill>
+                  <a:srgbClr val="0000FF"/>
+                </a:solidFill>
+                <a:latin typeface="Courier" charset="0"/>
+                <a:ea typeface="Courier" charset="0"/>
+                <a:cs typeface="Courier" charset="0"/>
+              </a:rPr>
+              <a:t> Dim </a:t>
+            </a:r>
+            <a:r>
+              <a:rPr lang="en-US" sz="1200" dirty="0" err="1" smtClean="0">
+                <a:latin typeface="Courier" charset="0"/>
+                <a:ea typeface="Courier" charset="0"/>
+                <a:cs typeface="Courier" charset="0"/>
+              </a:rPr>
+              <a:t>shiftAdd</a:t>
+            </a:r>
+            <a:r>
+              <a:rPr lang="en-US" sz="1200" dirty="0" smtClean="0">
+                <a:latin typeface="Courier" charset="0"/>
+                <a:ea typeface="Courier" charset="0"/>
+                <a:cs typeface="Courier" charset="0"/>
+              </a:rPr>
+              <a:t> = </a:t>
+            </a:r>
+            <a:r>
+              <a:rPr lang="en-US" sz="1200" dirty="0" err="1" smtClean="0">
+                <a:latin typeface="Courier" charset="0"/>
+                <a:ea typeface="Courier" charset="0"/>
+                <a:cs typeface="Courier" charset="0"/>
+              </a:rPr>
+              <a:t>Zoned.ConvertTime</a:t>
+            </a:r>
+            <a:r>
+              <a:rPr lang="en-US" sz="1200" dirty="0" smtClean="0">
+                <a:latin typeface="Courier" charset="0"/>
+                <a:ea typeface="Courier" charset="0"/>
+                <a:cs typeface="Courier" charset="0"/>
+              </a:rPr>
+              <a:t>(</a:t>
+            </a:r>
+            <a:r>
+              <a:rPr lang="en-US" sz="1200" dirty="0" err="1" smtClean="0">
+                <a:latin typeface="Courier" charset="0"/>
+                <a:ea typeface="Courier" charset="0"/>
+                <a:cs typeface="Courier" charset="0"/>
+              </a:rPr>
+              <a:t>aDate</a:t>
+            </a:r>
+            <a:r>
+              <a:rPr lang="en-US" sz="1200" dirty="0" smtClean="0">
+                <a:latin typeface="Courier" charset="0"/>
+                <a:ea typeface="Courier" charset="0"/>
+                <a:cs typeface="Courier" charset="0"/>
+              </a:rPr>
+              <a:t>, </a:t>
+            </a:r>
+            <a:r>
+              <a:rPr lang="en-US" sz="1200" dirty="0" err="1" smtClean="0">
+                <a:latin typeface="Courier" charset="0"/>
+                <a:ea typeface="Courier" charset="0"/>
+                <a:cs typeface="Courier" charset="0"/>
+              </a:rPr>
+              <a:t>aZone</a:t>
+            </a:r>
+            <a:r>
+              <a:rPr lang="en-US" sz="1200" dirty="0" smtClean="0">
+                <a:latin typeface="Courier" charset="0"/>
+                <a:ea typeface="Courier" charset="0"/>
+                <a:cs typeface="Courier" charset="0"/>
+              </a:rPr>
+              <a:t>) + days</a:t>
             </a:r>
           </a:p>
           <a:p>
@@ -12511,7 +16027,7 @@
               <a:buNone/>
             </a:pPr>
             <a:r>
-              <a:rPr lang="en-US" sz="1200" dirty="0" smtClean="0">
+              <a:rPr lang="en-US" sz="1200" dirty="0">
                 <a:solidFill>
                   <a:srgbClr val="0000FF"/>
                 </a:solidFill>
@@ -12519,34 +16035,10 @@
                 <a:ea typeface="Courier" charset="0"/>
                 <a:cs typeface="Courier" charset="0"/>
               </a:rPr>
-              <a:t>  Dim </a:t>
-            </a:r>
-            <a:r>
-              <a:rPr lang="en-US" sz="1200" dirty="0" smtClean="0">
-                <a:latin typeface="Courier" charset="0"/>
-                <a:ea typeface="Courier" charset="0"/>
-                <a:cs typeface="Courier" charset="0"/>
-              </a:rPr>
-              <a:t>days = </a:t>
-            </a:r>
-            <a:r>
-              <a:rPr lang="en-US" sz="1200" dirty="0" err="1" smtClean="0">
-                <a:latin typeface="Courier" charset="0"/>
-                <a:ea typeface="Courier" charset="0"/>
-                <a:cs typeface="Courier" charset="0"/>
-              </a:rPr>
-              <a:t>Timed.FromDays</a:t>
-            </a:r>
-            <a:r>
-              <a:rPr lang="en-US" sz="1200" dirty="0" smtClean="0">
-                <a:latin typeface="Courier" charset="0"/>
-                <a:ea typeface="Courier" charset="0"/>
-                <a:cs typeface="Courier" charset="0"/>
-              </a:rPr>
-              <a:t>(</a:t>
-            </a:r>
-            <a:r>
-              <a:rPr lang="en-US" sz="1200" dirty="0" err="1" smtClean="0">
+              <a:t> </a:t>
+            </a:r>
+            <a:r>
+              <a:rPr lang="en-US" sz="1200" dirty="0" smtClean="0">
                 <a:solidFill>
                   <a:srgbClr val="0000FF"/>
                 </a:solidFill>
@@ -12554,16 +16046,16 @@
                 <a:ea typeface="Courier" charset="0"/>
                 <a:cs typeface="Courier" charset="0"/>
               </a:rPr>
-              <a:t>CInt</a:t>
-            </a:r>
-            <a:r>
-              <a:rPr lang="en-US" sz="1200" dirty="0" smtClean="0">
-                <a:latin typeface="Courier" charset="0"/>
-                <a:ea typeface="Courier" charset="0"/>
-                <a:cs typeface="Courier" charset="0"/>
-              </a:rPr>
-              <a:t>(total))</a:t>
-            </a:r>
+              <a:t> </a:t>
+            </a:r>
+            <a:endParaRPr lang="en-US" sz="1200" dirty="0" smtClean="0">
+              <a:solidFill>
+                <a:srgbClr val="0000FF"/>
+              </a:solidFill>
+              <a:latin typeface="Courier" charset="0"/>
+              <a:ea typeface="Courier" charset="0"/>
+              <a:cs typeface="Courier" charset="0"/>
+            </a:endParaRPr>
           </a:p>
           <a:p>
             <a:pPr marL="0" indent="0">
@@ -12573,7 +16065,7 @@
               <a:buNone/>
             </a:pPr>
             <a:r>
-              <a:rPr lang="en-US" sz="1200" dirty="0" smtClean="0">
+              <a:rPr lang="en-US" sz="1200" dirty="0">
                 <a:solidFill>
                   <a:srgbClr val="0000FF"/>
                 </a:solidFill>
@@ -12581,71 +16073,7 @@
                 <a:ea typeface="Courier" charset="0"/>
                 <a:cs typeface="Courier" charset="0"/>
               </a:rPr>
-              <a:t>  Dim </a:t>
-            </a:r>
-            <a:r>
-              <a:rPr lang="en-US" sz="1200" dirty="0" err="1" smtClean="0">
-                <a:latin typeface="Courier" charset="0"/>
-                <a:ea typeface="Courier" charset="0"/>
-                <a:cs typeface="Courier" charset="0"/>
-              </a:rPr>
-              <a:t>addShift</a:t>
-            </a:r>
-            <a:r>
-              <a:rPr lang="en-US" sz="1200" dirty="0" smtClean="0">
-                <a:latin typeface="Courier" charset="0"/>
-                <a:ea typeface="Courier" charset="0"/>
-                <a:cs typeface="Courier" charset="0"/>
-              </a:rPr>
-              <a:t> = </a:t>
-            </a:r>
-            <a:r>
-              <a:rPr lang="en-US" sz="1200" dirty="0" err="1" smtClean="0">
-                <a:latin typeface="Courier" charset="0"/>
-                <a:ea typeface="Courier" charset="0"/>
-                <a:cs typeface="Courier" charset="0"/>
-              </a:rPr>
-              <a:t>Zoned.ConvertTime</a:t>
-            </a:r>
-            <a:r>
-              <a:rPr lang="en-US" sz="1200" dirty="0" smtClean="0">
-                <a:latin typeface="Courier" charset="0"/>
-                <a:ea typeface="Courier" charset="0"/>
-                <a:cs typeface="Courier" charset="0"/>
-              </a:rPr>
-              <a:t>(</a:t>
-            </a:r>
-            <a:r>
-              <a:rPr lang="en-US" sz="1200" dirty="0" err="1" smtClean="0">
-                <a:latin typeface="Courier" charset="0"/>
-                <a:ea typeface="Courier" charset="0"/>
-                <a:cs typeface="Courier" charset="0"/>
-              </a:rPr>
-              <a:t>aDate</a:t>
-            </a:r>
-            <a:r>
-              <a:rPr lang="en-US" sz="1200" dirty="0" smtClean="0">
-                <a:latin typeface="Courier" charset="0"/>
-                <a:ea typeface="Courier" charset="0"/>
-                <a:cs typeface="Courier" charset="0"/>
-              </a:rPr>
-              <a:t> + days, </a:t>
-            </a:r>
-            <a:r>
-              <a:rPr lang="en-US" sz="1200" dirty="0" err="1" smtClean="0">
-                <a:latin typeface="Courier" charset="0"/>
-                <a:ea typeface="Courier" charset="0"/>
-                <a:cs typeface="Courier" charset="0"/>
-              </a:rPr>
-              <a:t>aZone</a:t>
-            </a:r>
-            <a:r>
-              <a:rPr lang="en-US" sz="1200" dirty="0" smtClean="0">
-                <a:latin typeface="Courier" charset="0"/>
-                <a:ea typeface="Courier" charset="0"/>
-                <a:cs typeface="Courier" charset="0"/>
-              </a:rPr>
-              <a:t>)</a:t>
+              <a:t> </a:t>
             </a:r>
             <a:r>
               <a:rPr lang="en-US" sz="1200" dirty="0" smtClean="0">
@@ -12656,18 +16084,10 @@
                 <a:ea typeface="Courier" charset="0"/>
                 <a:cs typeface="Courier" charset="0"/>
               </a:rPr>
-              <a:t>   </a:t>
-            </a:r>
-          </a:p>
-          <a:p>
-            <a:pPr marL="0" indent="0">
-              <a:lnSpc>
-                <a:spcPct val="100000"/>
-              </a:lnSpc>
-              <a:buNone/>
-            </a:pPr>
-            <a:r>
-              <a:rPr lang="en-US" sz="1200" dirty="0">
+              <a:t> </a:t>
+            </a:r>
+            <a:r>
+              <a:rPr lang="en-US" sz="1200" dirty="0" smtClean="0">
                 <a:solidFill>
                   <a:srgbClr val="0000FF"/>
                 </a:solidFill>
@@ -12675,112 +16095,7 @@
                 <a:ea typeface="Courier" charset="0"/>
                 <a:cs typeface="Courier" charset="0"/>
               </a:rPr>
-              <a:t> </a:t>
-            </a:r>
-            <a:r>
-              <a:rPr lang="en-US" sz="1200" dirty="0" smtClean="0">
-                <a:solidFill>
-                  <a:srgbClr val="0000FF"/>
-                </a:solidFill>
-                <a:latin typeface="Courier" charset="0"/>
-                <a:ea typeface="Courier" charset="0"/>
-                <a:cs typeface="Courier" charset="0"/>
-              </a:rPr>
-              <a:t> Dim </a:t>
-            </a:r>
-            <a:r>
-              <a:rPr lang="en-US" sz="1200" dirty="0" err="1" smtClean="0">
-                <a:latin typeface="Courier" charset="0"/>
-                <a:ea typeface="Courier" charset="0"/>
-                <a:cs typeface="Courier" charset="0"/>
-              </a:rPr>
-              <a:t>shiftAdd</a:t>
-            </a:r>
-            <a:r>
-              <a:rPr lang="en-US" sz="1200" dirty="0" smtClean="0">
-                <a:latin typeface="Courier" charset="0"/>
-                <a:ea typeface="Courier" charset="0"/>
-                <a:cs typeface="Courier" charset="0"/>
-              </a:rPr>
-              <a:t> = </a:t>
-            </a:r>
-            <a:r>
-              <a:rPr lang="en-US" sz="1200" dirty="0" err="1" smtClean="0">
-                <a:latin typeface="Courier" charset="0"/>
-                <a:ea typeface="Courier" charset="0"/>
-                <a:cs typeface="Courier" charset="0"/>
-              </a:rPr>
-              <a:t>Zoned.ConvertTime</a:t>
-            </a:r>
-            <a:r>
-              <a:rPr lang="en-US" sz="1200" dirty="0" smtClean="0">
-                <a:latin typeface="Courier" charset="0"/>
-                <a:ea typeface="Courier" charset="0"/>
-                <a:cs typeface="Courier" charset="0"/>
-              </a:rPr>
-              <a:t>(</a:t>
-            </a:r>
-            <a:r>
-              <a:rPr lang="en-US" sz="1200" dirty="0" err="1" smtClean="0">
-                <a:latin typeface="Courier" charset="0"/>
-                <a:ea typeface="Courier" charset="0"/>
-                <a:cs typeface="Courier" charset="0"/>
-              </a:rPr>
-              <a:t>aDate</a:t>
-            </a:r>
-            <a:r>
-              <a:rPr lang="en-US" sz="1200" dirty="0" smtClean="0">
-                <a:latin typeface="Courier" charset="0"/>
-                <a:ea typeface="Courier" charset="0"/>
-                <a:cs typeface="Courier" charset="0"/>
-              </a:rPr>
-              <a:t>, </a:t>
-            </a:r>
-            <a:r>
-              <a:rPr lang="en-US" sz="1200" dirty="0" err="1" smtClean="0">
-                <a:latin typeface="Courier" charset="0"/>
-                <a:ea typeface="Courier" charset="0"/>
-                <a:cs typeface="Courier" charset="0"/>
-              </a:rPr>
-              <a:t>aZone</a:t>
-            </a:r>
-            <a:r>
-              <a:rPr lang="en-US" sz="1200" dirty="0" smtClean="0">
-                <a:latin typeface="Courier" charset="0"/>
-                <a:ea typeface="Courier" charset="0"/>
-                <a:cs typeface="Courier" charset="0"/>
-              </a:rPr>
-              <a:t>) + days</a:t>
-            </a:r>
-          </a:p>
-          <a:p>
-            <a:pPr marL="0" indent="0">
-              <a:lnSpc>
-                <a:spcPct val="100000"/>
-              </a:lnSpc>
-              <a:buNone/>
-            </a:pPr>
-            <a:r>
-              <a:rPr lang="en-US" sz="1200" dirty="0">
-                <a:solidFill>
-                  <a:srgbClr val="0000FF"/>
-                </a:solidFill>
-                <a:latin typeface="Courier" charset="0"/>
-                <a:ea typeface="Courier" charset="0"/>
-                <a:cs typeface="Courier" charset="0"/>
-              </a:rPr>
-              <a:t> </a:t>
-            </a:r>
-            <a:r>
-              <a:rPr lang="en-US" sz="1200" dirty="0" smtClean="0">
-                <a:solidFill>
-                  <a:srgbClr val="0000FF"/>
-                </a:solidFill>
-                <a:latin typeface="Courier" charset="0"/>
-                <a:ea typeface="Courier" charset="0"/>
-                <a:cs typeface="Courier" charset="0"/>
-              </a:rPr>
-              <a:t> Return </a:t>
+              <a:t>Return </a:t>
             </a:r>
             <a:r>
               <a:rPr lang="en-US" sz="1200" dirty="0" smtClean="0">
@@ -13834,7 +17149,7 @@
         <p:spPr>
           <a:xfrm>
             <a:off x="838200" y="1261641"/>
-            <a:ext cx="5257800" cy="4914409"/>
+            <a:ext cx="10515600" cy="4914409"/>
           </a:xfrm>
         </p:spPr>
         <p:txBody>
@@ -13923,7 +17238,63 @@
                 <a:ea typeface="Courier" charset="0"/>
                 <a:cs typeface="Courier" charset="0"/>
               </a:rPr>
-              <a:t>(</a:t>
+              <a:t>(Date </a:t>
+            </a:r>
+            <a:r>
+              <a:rPr lang="en-US" sz="1200" dirty="0" err="1" smtClean="0">
+                <a:latin typeface="Courier" charset="0"/>
+                <a:ea typeface="Courier" charset="0"/>
+                <a:cs typeface="Courier" charset="0"/>
+              </a:rPr>
+              <a:t>aDate</a:t>
+            </a:r>
+            <a:r>
+              <a:rPr lang="en-US" sz="1200" dirty="0" smtClean="0">
+                <a:latin typeface="Courier" charset="0"/>
+                <a:ea typeface="Courier" charset="0"/>
+                <a:cs typeface="Courier" charset="0"/>
+              </a:rPr>
+              <a:t>, </a:t>
+            </a:r>
+            <a:r>
+              <a:rPr lang="en-US" sz="1200" dirty="0" smtClean="0">
+                <a:latin typeface="Courier" charset="0"/>
+                <a:ea typeface="Courier" charset="0"/>
+                <a:cs typeface="Courier" charset="0"/>
+              </a:rPr>
+              <a:t>Zone </a:t>
+            </a:r>
+            <a:r>
+              <a:rPr lang="en-US" sz="1200" dirty="0" err="1" smtClean="0">
+                <a:latin typeface="Courier" charset="0"/>
+                <a:ea typeface="Courier" charset="0"/>
+                <a:cs typeface="Courier" charset="0"/>
+              </a:rPr>
+              <a:t>aZone</a:t>
+            </a:r>
+            <a:r>
+              <a:rPr lang="en-US" sz="1200" dirty="0" smtClean="0">
+                <a:latin typeface="Courier" charset="0"/>
+                <a:ea typeface="Courier" charset="0"/>
+                <a:cs typeface="Courier" charset="0"/>
+              </a:rPr>
+              <a:t>, </a:t>
+            </a:r>
+            <a:r>
+              <a:rPr lang="en-US" sz="1200" dirty="0" err="1" smtClean="0">
+                <a:latin typeface="Courier" charset="0"/>
+                <a:ea typeface="Courier" charset="0"/>
+                <a:cs typeface="Courier" charset="0"/>
+              </a:rPr>
+              <a:t>NonNegativeInt</a:t>
+            </a:r>
+            <a:r>
+              <a:rPr lang="en-US" sz="1200" dirty="0" smtClean="0">
+                <a:latin typeface="Courier" charset="0"/>
+                <a:ea typeface="Courier" charset="0"/>
+                <a:cs typeface="Courier" charset="0"/>
+              </a:rPr>
+              <a:t> total)</a:t>
             </a:r>
           </a:p>
           <a:p>
@@ -13934,37 +17305,18 @@
               <a:buNone/>
             </a:pPr>
             <a:r>
-              <a:rPr lang="en-US" sz="1200" dirty="0">
-                <a:latin typeface="Courier" charset="0"/>
-                <a:ea typeface="Courier" charset="0"/>
-                <a:cs typeface="Courier" charset="0"/>
-              </a:rPr>
-              <a:t> </a:t>
-            </a:r>
-            <a:r>
-              <a:rPr lang="en-US" sz="1200" dirty="0" smtClean="0">
-                <a:latin typeface="Courier" charset="0"/>
-                <a:ea typeface="Courier" charset="0"/>
-                <a:cs typeface="Courier" charset="0"/>
-              </a:rPr>
-              <a:t> Date </a:t>
-            </a:r>
-            <a:r>
-              <a:rPr lang="en-US" sz="1200" dirty="0" err="1" smtClean="0">
-                <a:latin typeface="Courier" charset="0"/>
-                <a:ea typeface="Courier" charset="0"/>
-                <a:cs typeface="Courier" charset="0"/>
-              </a:rPr>
-              <a:t>aDate</a:t>
-            </a:r>
-            <a:r>
-              <a:rPr lang="en-US" sz="1200" dirty="0" smtClean="0">
-                <a:latin typeface="Courier" charset="0"/>
-                <a:ea typeface="Courier" charset="0"/>
-                <a:cs typeface="Courier" charset="0"/>
-              </a:rPr>
-              <a:t>, </a:t>
-            </a:r>
+              <a:rPr lang="en-US" sz="1200" dirty="0" smtClean="0">
+                <a:latin typeface="Courier" charset="0"/>
+                <a:ea typeface="Courier" charset="0"/>
+                <a:cs typeface="Courier" charset="0"/>
+              </a:rPr>
+              <a:t>{</a:t>
+            </a:r>
+            <a:endParaRPr lang="en-US" sz="1200" dirty="0" smtClean="0">
+              <a:latin typeface="Courier" charset="0"/>
+              <a:ea typeface="Courier" charset="0"/>
+              <a:cs typeface="Courier" charset="0"/>
+            </a:endParaRPr>
           </a:p>
           <a:p>
             <a:pPr marL="0" indent="0">
@@ -13974,28 +17326,85 @@
               <a:buNone/>
             </a:pPr>
             <a:r>
-              <a:rPr lang="en-US" sz="1200" dirty="0" smtClean="0">
-                <a:latin typeface="Courier" charset="0"/>
-                <a:ea typeface="Courier" charset="0"/>
-                <a:cs typeface="Courier" charset="0"/>
-              </a:rPr>
-              <a:t>  Zone </a:t>
+              <a:rPr lang="en-US" sz="1200" dirty="0">
+                <a:latin typeface="Courier" charset="0"/>
+                <a:ea typeface="Courier" charset="0"/>
+                <a:cs typeface="Courier" charset="0"/>
+              </a:rPr>
+              <a:t> </a:t>
+            </a:r>
+            <a:r>
+              <a:rPr lang="en-US" sz="1200" dirty="0" smtClean="0">
+                <a:latin typeface="Courier" charset="0"/>
+                <a:ea typeface="Courier" charset="0"/>
+                <a:cs typeface="Courier" charset="0"/>
+              </a:rPr>
+              <a:t> </a:t>
             </a:r>
             <a:r>
               <a:rPr lang="en-US" sz="1200" dirty="0" err="1" smtClean="0">
-                <a:latin typeface="Courier" charset="0"/>
-                <a:ea typeface="Courier" charset="0"/>
-                <a:cs typeface="Courier" charset="0"/>
-              </a:rPr>
-              <a:t>aZone</a:t>
-            </a:r>
-            <a:r>
-              <a:rPr lang="en-US" sz="1200" dirty="0" smtClean="0">
-                <a:latin typeface="Courier" charset="0"/>
-                <a:ea typeface="Courier" charset="0"/>
-                <a:cs typeface="Courier" charset="0"/>
-              </a:rPr>
-              <a:t>, </a:t>
+                <a:solidFill>
+                  <a:srgbClr val="0000FF"/>
+                </a:solidFill>
+                <a:latin typeface="Courier" charset="0"/>
+                <a:ea typeface="Courier" charset="0"/>
+                <a:cs typeface="Courier" charset="0"/>
+              </a:rPr>
+              <a:t>var</a:t>
+            </a:r>
+            <a:r>
+              <a:rPr lang="en-US" sz="1200" dirty="0" smtClean="0">
+                <a:solidFill>
+                  <a:srgbClr val="0000FF"/>
+                </a:solidFill>
+                <a:latin typeface="Courier" charset="0"/>
+                <a:ea typeface="Courier" charset="0"/>
+                <a:cs typeface="Courier" charset="0"/>
+              </a:rPr>
+              <a:t> </a:t>
+            </a:r>
+            <a:r>
+              <a:rPr lang="en-US" sz="1200" dirty="0" smtClean="0">
+                <a:latin typeface="Courier" charset="0"/>
+                <a:ea typeface="Courier" charset="0"/>
+                <a:cs typeface="Courier" charset="0"/>
+              </a:rPr>
+              <a:t>days = </a:t>
+            </a:r>
+            <a:r>
+              <a:rPr lang="en-US" sz="1200" dirty="0" err="1" smtClean="0">
+                <a:latin typeface="Courier" charset="0"/>
+                <a:ea typeface="Courier" charset="0"/>
+                <a:cs typeface="Courier" charset="0"/>
+              </a:rPr>
+              <a:t>Time.FromDays</a:t>
+            </a:r>
+            <a:r>
+              <a:rPr lang="en-US" sz="1200" dirty="0" smtClean="0">
+                <a:latin typeface="Courier" charset="0"/>
+                <a:ea typeface="Courier" charset="0"/>
+                <a:cs typeface="Courier" charset="0"/>
+              </a:rPr>
+              <a:t>((</a:t>
+            </a:r>
+            <a:r>
+              <a:rPr lang="en-US" sz="1200" dirty="0" err="1" smtClean="0">
+                <a:solidFill>
+                  <a:srgbClr val="0000FF"/>
+                </a:solidFill>
+                <a:latin typeface="Courier" charset="0"/>
+                <a:ea typeface="Courier" charset="0"/>
+                <a:cs typeface="Courier" charset="0"/>
+              </a:rPr>
+              <a:t>int</a:t>
+            </a:r>
+            <a:r>
+              <a:rPr lang="en-US" sz="1200" dirty="0" smtClean="0">
+                <a:latin typeface="Courier" charset="0"/>
+                <a:ea typeface="Courier" charset="0"/>
+                <a:cs typeface="Courier" charset="0"/>
+              </a:rPr>
+              <a:t>) total);</a:t>
             </a:r>
           </a:p>
           <a:p>
@@ -14015,19 +17424,89 @@
             </a:r>
             <a:r>
               <a:rPr lang="en-US" sz="1200" dirty="0" err="1" smtClean="0">
-                <a:latin typeface="Courier" charset="0"/>
-                <a:ea typeface="Courier" charset="0"/>
-                <a:cs typeface="Courier" charset="0"/>
-              </a:rPr>
-              <a:t>NonNegativeInt</a:t>
-            </a:r>
-            <a:r>
-              <a:rPr lang="en-US" sz="1200" dirty="0" smtClean="0">
-                <a:latin typeface="Courier" charset="0"/>
-                <a:ea typeface="Courier" charset="0"/>
-                <a:cs typeface="Courier" charset="0"/>
-              </a:rPr>
-              <a:t> total</a:t>
+                <a:solidFill>
+                  <a:srgbClr val="0000FF"/>
+                </a:solidFill>
+                <a:latin typeface="Courier" charset="0"/>
+                <a:ea typeface="Courier" charset="0"/>
+                <a:cs typeface="Courier" charset="0"/>
+              </a:rPr>
+              <a:t>var</a:t>
+            </a:r>
+            <a:r>
+              <a:rPr lang="en-US" sz="1200" dirty="0" smtClean="0">
+                <a:solidFill>
+                  <a:srgbClr val="0000FF"/>
+                </a:solidFill>
+                <a:latin typeface="Courier" charset="0"/>
+                <a:ea typeface="Courier" charset="0"/>
+                <a:cs typeface="Courier" charset="0"/>
+              </a:rPr>
+              <a:t> </a:t>
+            </a:r>
+            <a:r>
+              <a:rPr lang="en-US" sz="1200" dirty="0" err="1" smtClean="0">
+                <a:latin typeface="Courier" charset="0"/>
+                <a:ea typeface="Courier" charset="0"/>
+                <a:cs typeface="Courier" charset="0"/>
+              </a:rPr>
+              <a:t>addShift</a:t>
+            </a:r>
+            <a:r>
+              <a:rPr lang="en-US" sz="1200" dirty="0" smtClean="0">
+                <a:latin typeface="Courier" charset="0"/>
+                <a:ea typeface="Courier" charset="0"/>
+                <a:cs typeface="Courier" charset="0"/>
+              </a:rPr>
+              <a:t> = </a:t>
+            </a:r>
+            <a:r>
+              <a:rPr lang="en-US" sz="1200" dirty="0" err="1" smtClean="0">
+                <a:latin typeface="Courier" charset="0"/>
+                <a:ea typeface="Courier" charset="0"/>
+                <a:cs typeface="Courier" charset="0"/>
+              </a:rPr>
+              <a:t>Zone.ConvertTime</a:t>
+            </a:r>
+            <a:r>
+              <a:rPr lang="en-US" sz="1200" dirty="0" smtClean="0">
+                <a:latin typeface="Courier" charset="0"/>
+                <a:ea typeface="Courier" charset="0"/>
+                <a:cs typeface="Courier" charset="0"/>
+              </a:rPr>
+              <a:t>(</a:t>
+            </a:r>
+            <a:r>
+              <a:rPr lang="en-US" sz="1200" dirty="0" err="1" smtClean="0">
+                <a:latin typeface="Courier" charset="0"/>
+                <a:ea typeface="Courier" charset="0"/>
+                <a:cs typeface="Courier" charset="0"/>
+              </a:rPr>
+              <a:t>aDate</a:t>
+            </a:r>
+            <a:r>
+              <a:rPr lang="en-US" sz="1200" dirty="0" smtClean="0">
+                <a:latin typeface="Courier" charset="0"/>
+                <a:ea typeface="Courier" charset="0"/>
+                <a:cs typeface="Courier" charset="0"/>
+              </a:rPr>
+              <a:t> + days, </a:t>
+            </a:r>
+            <a:r>
+              <a:rPr lang="en-US" sz="1200" dirty="0" err="1" smtClean="0">
+                <a:latin typeface="Courier" charset="0"/>
+                <a:ea typeface="Courier" charset="0"/>
+                <a:cs typeface="Courier" charset="0"/>
+              </a:rPr>
+              <a:t>aZone</a:t>
+            </a:r>
+            <a:r>
+              <a:rPr lang="en-US" sz="1200" dirty="0" smtClean="0">
+                <a:latin typeface="Courier" charset="0"/>
+                <a:ea typeface="Courier" charset="0"/>
+                <a:cs typeface="Courier" charset="0"/>
+              </a:rPr>
+              <a:t>);</a:t>
             </a:r>
           </a:p>
           <a:p>
@@ -14043,7 +17522,101 @@
                 <a:ea typeface="Courier" charset="0"/>
                 <a:cs typeface="Courier" charset="0"/>
               </a:rPr>
-              <a:t>){</a:t>
+              <a:t>  </a:t>
+            </a:r>
+            <a:r>
+              <a:rPr lang="en-US" sz="1200" dirty="0" err="1" smtClean="0">
+                <a:solidFill>
+                  <a:srgbClr val="0000FF"/>
+                </a:solidFill>
+                <a:latin typeface="Courier" charset="0"/>
+                <a:ea typeface="Courier" charset="0"/>
+                <a:cs typeface="Courier" charset="0"/>
+              </a:rPr>
+              <a:t>var</a:t>
+            </a:r>
+            <a:r>
+              <a:rPr lang="en-US" sz="1200" dirty="0" smtClean="0">
+                <a:solidFill>
+                  <a:srgbClr val="0000FF"/>
+                </a:solidFill>
+                <a:latin typeface="Courier" charset="0"/>
+                <a:ea typeface="Courier" charset="0"/>
+                <a:cs typeface="Courier" charset="0"/>
+              </a:rPr>
+              <a:t> </a:t>
+            </a:r>
+            <a:r>
+              <a:rPr lang="en-US" sz="1200" dirty="0" err="1" smtClean="0">
+                <a:latin typeface="Courier" charset="0"/>
+                <a:ea typeface="Courier" charset="0"/>
+                <a:cs typeface="Courier" charset="0"/>
+              </a:rPr>
+              <a:t>shiftAdd</a:t>
+            </a:r>
+            <a:r>
+              <a:rPr lang="en-US" sz="1200" dirty="0" smtClean="0">
+                <a:latin typeface="Courier" charset="0"/>
+                <a:ea typeface="Courier" charset="0"/>
+                <a:cs typeface="Courier" charset="0"/>
+              </a:rPr>
+              <a:t> = </a:t>
+            </a:r>
+            <a:r>
+              <a:rPr lang="en-US" sz="1200" dirty="0" err="1" smtClean="0">
+                <a:latin typeface="Courier" charset="0"/>
+                <a:ea typeface="Courier" charset="0"/>
+                <a:cs typeface="Courier" charset="0"/>
+              </a:rPr>
+              <a:t>Zone.ConvertTime</a:t>
+            </a:r>
+            <a:r>
+              <a:rPr lang="en-US" sz="1200" dirty="0" smtClean="0">
+                <a:latin typeface="Courier" charset="0"/>
+                <a:ea typeface="Courier" charset="0"/>
+                <a:cs typeface="Courier" charset="0"/>
+              </a:rPr>
+              <a:t>(</a:t>
+            </a:r>
+            <a:r>
+              <a:rPr lang="en-US" sz="1200" dirty="0" err="1" smtClean="0">
+                <a:latin typeface="Courier" charset="0"/>
+                <a:ea typeface="Courier" charset="0"/>
+                <a:cs typeface="Courier" charset="0"/>
+              </a:rPr>
+              <a:t>aDate</a:t>
+            </a:r>
+            <a:r>
+              <a:rPr lang="en-US" sz="1200" dirty="0" smtClean="0">
+                <a:latin typeface="Courier" charset="0"/>
+                <a:ea typeface="Courier" charset="0"/>
+                <a:cs typeface="Courier" charset="0"/>
+              </a:rPr>
+              <a:t>, </a:t>
+            </a:r>
+            <a:r>
+              <a:rPr lang="en-US" sz="1200" dirty="0" err="1" smtClean="0">
+                <a:latin typeface="Courier" charset="0"/>
+                <a:ea typeface="Courier" charset="0"/>
+                <a:cs typeface="Courier" charset="0"/>
+              </a:rPr>
+              <a:t>aZone</a:t>
+            </a:r>
+            <a:r>
+              <a:rPr lang="en-US" sz="1200" dirty="0" smtClean="0">
+                <a:latin typeface="Courier" charset="0"/>
+                <a:ea typeface="Courier" charset="0"/>
+                <a:cs typeface="Courier" charset="0"/>
+              </a:rPr>
+              <a:t>) + days</a:t>
+            </a:r>
+            <a:r>
+              <a:rPr lang="en-US" sz="1200" dirty="0" smtClean="0">
+                <a:latin typeface="Courier" charset="0"/>
+                <a:ea typeface="Courier" charset="0"/>
+                <a:cs typeface="Courier" charset="0"/>
+              </a:rPr>
+              <a:t>;</a:t>
             </a:r>
           </a:p>
           <a:p>
@@ -14053,291 +17626,11 @@
               </a:lnSpc>
               <a:buNone/>
             </a:pPr>
-            <a:r>
-              <a:rPr lang="en-US" sz="1200" dirty="0">
-                <a:latin typeface="Courier" charset="0"/>
-                <a:ea typeface="Courier" charset="0"/>
-                <a:cs typeface="Courier" charset="0"/>
-              </a:rPr>
-              <a:t> </a:t>
-            </a:r>
-            <a:r>
-              <a:rPr lang="en-US" sz="1200" dirty="0" smtClean="0">
-                <a:latin typeface="Courier" charset="0"/>
-                <a:ea typeface="Courier" charset="0"/>
-                <a:cs typeface="Courier" charset="0"/>
-              </a:rPr>
-              <a:t> </a:t>
-            </a:r>
-            <a:r>
-              <a:rPr lang="en-US" sz="1200" dirty="0" err="1" smtClean="0">
-                <a:solidFill>
-                  <a:srgbClr val="0000FF"/>
-                </a:solidFill>
-                <a:latin typeface="Courier" charset="0"/>
-                <a:ea typeface="Courier" charset="0"/>
-                <a:cs typeface="Courier" charset="0"/>
-              </a:rPr>
-              <a:t>var</a:t>
-            </a:r>
-            <a:r>
-              <a:rPr lang="en-US" sz="1200" dirty="0" smtClean="0">
-                <a:solidFill>
-                  <a:srgbClr val="0000FF"/>
-                </a:solidFill>
-                <a:latin typeface="Courier" charset="0"/>
-                <a:ea typeface="Courier" charset="0"/>
-                <a:cs typeface="Courier" charset="0"/>
-              </a:rPr>
-              <a:t> </a:t>
-            </a:r>
-            <a:r>
-              <a:rPr lang="en-US" sz="1200" dirty="0" smtClean="0">
-                <a:latin typeface="Courier" charset="0"/>
-                <a:ea typeface="Courier" charset="0"/>
-                <a:cs typeface="Courier" charset="0"/>
-              </a:rPr>
-              <a:t>days = </a:t>
-            </a:r>
-            <a:r>
-              <a:rPr lang="en-US" sz="1200" dirty="0" err="1" smtClean="0">
-                <a:latin typeface="Courier" charset="0"/>
-                <a:ea typeface="Courier" charset="0"/>
-                <a:cs typeface="Courier" charset="0"/>
-              </a:rPr>
-              <a:t>Time.FromDays</a:t>
-            </a:r>
-            <a:r>
-              <a:rPr lang="en-US" sz="1200" dirty="0" smtClean="0">
-                <a:latin typeface="Courier" charset="0"/>
-                <a:ea typeface="Courier" charset="0"/>
-                <a:cs typeface="Courier" charset="0"/>
-              </a:rPr>
-              <a:t>((</a:t>
-            </a:r>
-            <a:r>
-              <a:rPr lang="en-US" sz="1200" dirty="0" err="1" smtClean="0">
-                <a:solidFill>
-                  <a:srgbClr val="0000FF"/>
-                </a:solidFill>
-                <a:latin typeface="Courier" charset="0"/>
-                <a:ea typeface="Courier" charset="0"/>
-                <a:cs typeface="Courier" charset="0"/>
-              </a:rPr>
-              <a:t>int</a:t>
-            </a:r>
-            <a:r>
-              <a:rPr lang="en-US" sz="1200" dirty="0" smtClean="0">
-                <a:latin typeface="Courier" charset="0"/>
-                <a:ea typeface="Courier" charset="0"/>
-                <a:cs typeface="Courier" charset="0"/>
-              </a:rPr>
-              <a:t>) total);</a:t>
-            </a:r>
-          </a:p>
-          <a:p>
-            <a:pPr marL="0" indent="0">
-              <a:lnSpc>
-                <a:spcPct val="100000"/>
-              </a:lnSpc>
-              <a:buNone/>
-            </a:pPr>
-            <a:r>
-              <a:rPr lang="en-US" sz="1200" dirty="0" smtClean="0">
-                <a:latin typeface="Courier" charset="0"/>
-                <a:ea typeface="Courier" charset="0"/>
-                <a:cs typeface="Courier" charset="0"/>
-              </a:rPr>
-              <a:t>  </a:t>
-            </a:r>
-            <a:r>
-              <a:rPr lang="en-US" sz="1200" dirty="0" err="1" smtClean="0">
-                <a:solidFill>
-                  <a:srgbClr val="0000FF"/>
-                </a:solidFill>
-                <a:latin typeface="Courier" charset="0"/>
-                <a:ea typeface="Courier" charset="0"/>
-                <a:cs typeface="Courier" charset="0"/>
-              </a:rPr>
-              <a:t>var</a:t>
-            </a:r>
-            <a:r>
-              <a:rPr lang="en-US" sz="1200" dirty="0" smtClean="0">
-                <a:solidFill>
-                  <a:srgbClr val="0000FF"/>
-                </a:solidFill>
-                <a:latin typeface="Courier" charset="0"/>
-                <a:ea typeface="Courier" charset="0"/>
-                <a:cs typeface="Courier" charset="0"/>
-              </a:rPr>
-              <a:t> </a:t>
-            </a:r>
-            <a:r>
-              <a:rPr lang="en-US" sz="1200" dirty="0" err="1" smtClean="0">
-                <a:latin typeface="Courier" charset="0"/>
-                <a:ea typeface="Courier" charset="0"/>
-                <a:cs typeface="Courier" charset="0"/>
-              </a:rPr>
-              <a:t>addShift</a:t>
-            </a:r>
-            <a:r>
-              <a:rPr lang="en-US" sz="1200" dirty="0" smtClean="0">
-                <a:latin typeface="Courier" charset="0"/>
-                <a:ea typeface="Courier" charset="0"/>
-                <a:cs typeface="Courier" charset="0"/>
-              </a:rPr>
-              <a:t> = </a:t>
-            </a:r>
-            <a:r>
-              <a:rPr lang="en-US" sz="1200" dirty="0" err="1" smtClean="0">
-                <a:latin typeface="Courier" charset="0"/>
-                <a:ea typeface="Courier" charset="0"/>
-                <a:cs typeface="Courier" charset="0"/>
-              </a:rPr>
-              <a:t>Zone.ConvertTime</a:t>
-            </a:r>
-            <a:r>
-              <a:rPr lang="en-US" sz="1200" dirty="0" smtClean="0">
-                <a:latin typeface="Courier" charset="0"/>
-                <a:ea typeface="Courier" charset="0"/>
-                <a:cs typeface="Courier" charset="0"/>
-              </a:rPr>
-              <a:t>(</a:t>
-            </a:r>
-            <a:r>
-              <a:rPr lang="en-US" sz="1200" dirty="0" err="1" smtClean="0">
-                <a:latin typeface="Courier" charset="0"/>
-                <a:ea typeface="Courier" charset="0"/>
-                <a:cs typeface="Courier" charset="0"/>
-              </a:rPr>
-              <a:t>aDate</a:t>
-            </a:r>
-            <a:r>
-              <a:rPr lang="en-US" sz="1200" dirty="0" smtClean="0">
-                <a:latin typeface="Courier" charset="0"/>
-                <a:ea typeface="Courier" charset="0"/>
-                <a:cs typeface="Courier" charset="0"/>
-              </a:rPr>
-              <a:t> + days, </a:t>
-            </a:r>
-            <a:r>
-              <a:rPr lang="en-US" sz="1200" dirty="0" err="1" smtClean="0">
-                <a:latin typeface="Courier" charset="0"/>
-                <a:ea typeface="Courier" charset="0"/>
-                <a:cs typeface="Courier" charset="0"/>
-              </a:rPr>
-              <a:t>aZone</a:t>
-            </a:r>
-            <a:r>
-              <a:rPr lang="en-US" sz="1200" dirty="0" smtClean="0">
-                <a:latin typeface="Courier" charset="0"/>
-                <a:ea typeface="Courier" charset="0"/>
-                <a:cs typeface="Courier" charset="0"/>
-              </a:rPr>
-              <a:t>);</a:t>
-            </a:r>
-          </a:p>
-          <a:p>
-            <a:pPr marL="0" indent="0">
-              <a:lnSpc>
-                <a:spcPct val="100000"/>
-              </a:lnSpc>
-              <a:buNone/>
-            </a:pPr>
-            <a:r>
-              <a:rPr lang="en-US" sz="1200" dirty="0" smtClean="0">
-                <a:latin typeface="Courier" charset="0"/>
-                <a:ea typeface="Courier" charset="0"/>
-                <a:cs typeface="Courier" charset="0"/>
-              </a:rPr>
-              <a:t>  </a:t>
-            </a:r>
-            <a:r>
-              <a:rPr lang="en-US" sz="1200" dirty="0" err="1" smtClean="0">
-                <a:solidFill>
-                  <a:srgbClr val="0000FF"/>
-                </a:solidFill>
-                <a:latin typeface="Courier" charset="0"/>
-                <a:ea typeface="Courier" charset="0"/>
-                <a:cs typeface="Courier" charset="0"/>
-              </a:rPr>
-              <a:t>var</a:t>
-            </a:r>
-            <a:r>
-              <a:rPr lang="en-US" sz="1200" dirty="0" smtClean="0">
-                <a:solidFill>
-                  <a:srgbClr val="0000FF"/>
-                </a:solidFill>
-                <a:latin typeface="Courier" charset="0"/>
-                <a:ea typeface="Courier" charset="0"/>
-                <a:cs typeface="Courier" charset="0"/>
-              </a:rPr>
-              <a:t> </a:t>
-            </a:r>
-            <a:r>
-              <a:rPr lang="en-US" sz="1200" dirty="0" err="1" smtClean="0">
-                <a:latin typeface="Courier" charset="0"/>
-                <a:ea typeface="Courier" charset="0"/>
-                <a:cs typeface="Courier" charset="0"/>
-              </a:rPr>
-              <a:t>shiftAdd</a:t>
-            </a:r>
-            <a:r>
-              <a:rPr lang="en-US" sz="1200" dirty="0" smtClean="0">
-                <a:latin typeface="Courier" charset="0"/>
-                <a:ea typeface="Courier" charset="0"/>
-                <a:cs typeface="Courier" charset="0"/>
-              </a:rPr>
-              <a:t> = </a:t>
-            </a:r>
-            <a:r>
-              <a:rPr lang="en-US" sz="1200" dirty="0" err="1" smtClean="0">
-                <a:latin typeface="Courier" charset="0"/>
-                <a:ea typeface="Courier" charset="0"/>
-                <a:cs typeface="Courier" charset="0"/>
-              </a:rPr>
-              <a:t>Zone.ConvertTime</a:t>
-            </a:r>
-            <a:r>
-              <a:rPr lang="en-US" sz="1200" dirty="0" smtClean="0">
-                <a:latin typeface="Courier" charset="0"/>
-                <a:ea typeface="Courier" charset="0"/>
-                <a:cs typeface="Courier" charset="0"/>
-              </a:rPr>
-              <a:t>(</a:t>
-            </a:r>
-            <a:r>
-              <a:rPr lang="en-US" sz="1200" dirty="0" err="1" smtClean="0">
-                <a:latin typeface="Courier" charset="0"/>
-                <a:ea typeface="Courier" charset="0"/>
-                <a:cs typeface="Courier" charset="0"/>
-              </a:rPr>
-              <a:t>aDate</a:t>
-            </a:r>
-            <a:r>
-              <a:rPr lang="en-US" sz="1200" dirty="0" smtClean="0">
-                <a:latin typeface="Courier" charset="0"/>
-                <a:ea typeface="Courier" charset="0"/>
-                <a:cs typeface="Courier" charset="0"/>
-              </a:rPr>
-              <a:t>, </a:t>
-            </a:r>
-            <a:r>
-              <a:rPr lang="en-US" sz="1200" dirty="0" err="1" smtClean="0">
-                <a:latin typeface="Courier" charset="0"/>
-                <a:ea typeface="Courier" charset="0"/>
-                <a:cs typeface="Courier" charset="0"/>
-              </a:rPr>
-              <a:t>aZone</a:t>
-            </a:r>
-            <a:r>
-              <a:rPr lang="en-US" sz="1200" dirty="0" smtClean="0">
-                <a:latin typeface="Courier" charset="0"/>
-                <a:ea typeface="Courier" charset="0"/>
-                <a:cs typeface="Courier" charset="0"/>
-              </a:rPr>
-              <a:t>) + days;</a:t>
-            </a:r>
+            <a:endParaRPr lang="en-US" sz="1200" dirty="0" smtClean="0">
+              <a:latin typeface="Courier" charset="0"/>
+              <a:ea typeface="Courier" charset="0"/>
+              <a:cs typeface="Courier" charset="0"/>
+            </a:endParaRPr>
           </a:p>
           <a:p>
             <a:pPr marL="0" indent="0">
@@ -15229,8 +18522,8 @@
         </p:nvSpPr>
         <p:spPr>
           <a:xfrm>
-            <a:off x="838200" y="1261641"/>
-            <a:ext cx="5257800" cy="4914409"/>
+            <a:off x="838199" y="1261641"/>
+            <a:ext cx="10515599" cy="4914409"/>
           </a:xfrm>
         </p:spPr>
         <p:txBody>
@@ -15283,6 +18576,86 @@
               </a:rPr>
               <a:t> ``many observations combined`` </a:t>
             </a:r>
+            <a:r>
+              <a:rPr lang="en-US" sz="1200" dirty="0" smtClean="0">
+                <a:latin typeface="Courier" charset="0"/>
+                <a:ea typeface="Courier" charset="0"/>
+                <a:cs typeface="Courier" charset="0"/>
+              </a:rPr>
+              <a:t>(</a:t>
+            </a:r>
+            <a:r>
+              <a:rPr lang="en-US" sz="1200" dirty="0" err="1" smtClean="0">
+                <a:latin typeface="Courier" charset="0"/>
+                <a:ea typeface="Courier" charset="0"/>
+                <a:cs typeface="Courier" charset="0"/>
+              </a:rPr>
+              <a:t>aDate</a:t>
+            </a:r>
+            <a:r>
+              <a:rPr lang="en-US" sz="1200" dirty="0" smtClean="0">
+                <a:latin typeface="Courier" charset="0"/>
+                <a:ea typeface="Courier" charset="0"/>
+                <a:cs typeface="Courier" charset="0"/>
+              </a:rPr>
+              <a:t> :Date) </a:t>
+            </a:r>
+            <a:r>
+              <a:rPr lang="en-US" sz="1200" dirty="0" smtClean="0">
+                <a:latin typeface="Courier" charset="0"/>
+                <a:ea typeface="Courier" charset="0"/>
+                <a:cs typeface="Courier" charset="0"/>
+              </a:rPr>
+              <a:t>(</a:t>
+            </a:r>
+            <a:r>
+              <a:rPr lang="en-US" sz="1200" dirty="0" err="1" smtClean="0">
+                <a:latin typeface="Courier" charset="0"/>
+                <a:ea typeface="Courier" charset="0"/>
+                <a:cs typeface="Courier" charset="0"/>
+              </a:rPr>
+              <a:t>aZone</a:t>
+            </a:r>
+            <a:r>
+              <a:rPr lang="en-US" sz="1200" dirty="0" smtClean="0">
+                <a:latin typeface="Courier" charset="0"/>
+                <a:ea typeface="Courier" charset="0"/>
+                <a:cs typeface="Courier" charset="0"/>
+              </a:rPr>
+              <a:t> :Zone</a:t>
+            </a:r>
+            <a:r>
+              <a:rPr lang="en-US" sz="1200" dirty="0" smtClean="0">
+                <a:latin typeface="Courier" charset="0"/>
+                <a:ea typeface="Courier" charset="0"/>
+                <a:cs typeface="Courier" charset="0"/>
+              </a:rPr>
+              <a:t>) (</a:t>
+            </a:r>
+            <a:r>
+              <a:rPr lang="en-US" sz="1200" dirty="0" err="1" smtClean="0">
+                <a:latin typeface="Courier" charset="0"/>
+                <a:ea typeface="Courier" charset="0"/>
+                <a:cs typeface="Courier" charset="0"/>
+              </a:rPr>
+              <a:t>NonNegativeInt</a:t>
+            </a:r>
+            <a:r>
+              <a:rPr lang="en-US" sz="1200" dirty="0" smtClean="0">
+                <a:latin typeface="Courier" charset="0"/>
+                <a:ea typeface="Courier" charset="0"/>
+                <a:cs typeface="Courier" charset="0"/>
+              </a:rPr>
+              <a:t> total) </a:t>
+            </a:r>
+            <a:r>
+              <a:rPr lang="en-US" sz="1200" dirty="0" smtClean="0">
+                <a:latin typeface="Courier" charset="0"/>
+                <a:ea typeface="Courier" charset="0"/>
+                <a:cs typeface="Courier" charset="0"/>
+              </a:rPr>
+              <a:t>=</a:t>
+            </a:r>
           </a:p>
           <a:p>
             <a:pPr marL="0" indent="0">
@@ -15291,118 +18664,11 @@
               </a:lnSpc>
               <a:buNone/>
             </a:pPr>
-            <a:r>
-              <a:rPr lang="en-US" sz="1200" dirty="0">
-                <a:latin typeface="Courier" charset="0"/>
-                <a:ea typeface="Courier" charset="0"/>
-                <a:cs typeface="Courier" charset="0"/>
-              </a:rPr>
-              <a:t> </a:t>
-            </a:r>
-            <a:r>
-              <a:rPr lang="en-US" sz="1200" dirty="0" smtClean="0">
-                <a:latin typeface="Courier" charset="0"/>
-                <a:ea typeface="Courier" charset="0"/>
-                <a:cs typeface="Courier" charset="0"/>
-              </a:rPr>
-              <a:t> (</a:t>
-            </a:r>
-            <a:r>
-              <a:rPr lang="en-US" sz="1200" dirty="0" err="1" smtClean="0">
-                <a:latin typeface="Courier" charset="0"/>
-                <a:ea typeface="Courier" charset="0"/>
-                <a:cs typeface="Courier" charset="0"/>
-              </a:rPr>
-              <a:t>aDate</a:t>
-            </a:r>
-            <a:r>
-              <a:rPr lang="en-US" sz="1200" dirty="0" smtClean="0">
-                <a:latin typeface="Courier" charset="0"/>
-                <a:ea typeface="Courier" charset="0"/>
-                <a:cs typeface="Courier" charset="0"/>
-              </a:rPr>
-              <a:t> :Date) </a:t>
-            </a:r>
-          </a:p>
-          <a:p>
-            <a:pPr marL="0" indent="0">
-              <a:lnSpc>
-                <a:spcPct val="100000"/>
-              </a:lnSpc>
-              <a:buNone/>
-            </a:pPr>
-            <a:r>
-              <a:rPr lang="en-US" sz="1200" dirty="0">
-                <a:latin typeface="Courier" charset="0"/>
-                <a:ea typeface="Courier" charset="0"/>
-                <a:cs typeface="Courier" charset="0"/>
-              </a:rPr>
-              <a:t> </a:t>
-            </a:r>
-            <a:r>
-              <a:rPr lang="en-US" sz="1200" dirty="0" smtClean="0">
-                <a:latin typeface="Courier" charset="0"/>
-                <a:ea typeface="Courier" charset="0"/>
-                <a:cs typeface="Courier" charset="0"/>
-              </a:rPr>
-              <a:t> (</a:t>
-            </a:r>
-            <a:r>
-              <a:rPr lang="en-US" sz="1200" dirty="0" err="1" smtClean="0">
-                <a:latin typeface="Courier" charset="0"/>
-                <a:ea typeface="Courier" charset="0"/>
-                <a:cs typeface="Courier" charset="0"/>
-              </a:rPr>
-              <a:t>aZone</a:t>
-            </a:r>
-            <a:r>
-              <a:rPr lang="en-US" sz="1200" dirty="0" smtClean="0">
-                <a:latin typeface="Courier" charset="0"/>
-                <a:ea typeface="Courier" charset="0"/>
-                <a:cs typeface="Courier" charset="0"/>
-              </a:rPr>
-              <a:t> :Zone)</a:t>
-            </a:r>
-          </a:p>
-          <a:p>
-            <a:pPr marL="0" indent="0">
-              <a:lnSpc>
-                <a:spcPct val="100000"/>
-              </a:lnSpc>
-              <a:buNone/>
-            </a:pPr>
-            <a:r>
-              <a:rPr lang="en-US" sz="1200" dirty="0">
-                <a:latin typeface="Courier" charset="0"/>
-                <a:ea typeface="Courier" charset="0"/>
-                <a:cs typeface="Courier" charset="0"/>
-              </a:rPr>
-              <a:t> </a:t>
-            </a:r>
-            <a:r>
-              <a:rPr lang="en-US" sz="1200" dirty="0" smtClean="0">
-                <a:latin typeface="Courier" charset="0"/>
-                <a:ea typeface="Courier" charset="0"/>
-                <a:cs typeface="Courier" charset="0"/>
-              </a:rPr>
-              <a:t> (</a:t>
-            </a:r>
-            <a:r>
-              <a:rPr lang="en-US" sz="1200" dirty="0" err="1" smtClean="0">
-                <a:latin typeface="Courier" charset="0"/>
-                <a:ea typeface="Courier" charset="0"/>
-                <a:cs typeface="Courier" charset="0"/>
-              </a:rPr>
-              <a:t>NonNegativeInt</a:t>
-            </a:r>
-            <a:r>
-              <a:rPr lang="en-US" sz="1200" dirty="0" smtClean="0">
-                <a:latin typeface="Courier" charset="0"/>
-                <a:ea typeface="Courier" charset="0"/>
-                <a:cs typeface="Courier" charset="0"/>
-              </a:rPr>
-              <a:t> total) =</a:t>
-            </a:r>
+            <a:endParaRPr lang="en-US" sz="1200" dirty="0" smtClean="0">
+              <a:latin typeface="Courier" charset="0"/>
+              <a:ea typeface="Courier" charset="0"/>
+              <a:cs typeface="Courier" charset="0"/>
+            </a:endParaRPr>
           </a:p>
           <a:p>
             <a:pPr marL="0" indent="0">
@@ -19642,6 +22908,32 @@
           <a:chExt cx="0" cy="0"/>
         </a:xfrm>
       </p:grpSpPr>
+      <p:pic>
+        <p:nvPicPr>
+          <p:cNvPr id="11" name="Picture 10"/>
+          <p:cNvPicPr>
+            <a:picLocks noChangeAspect="1"/>
+          </p:cNvPicPr>
+          <p:nvPr/>
+        </p:nvPicPr>
+        <p:blipFill>
+          <a:blip r:embed="rId3">
+            <a:alphaModFix amt="10000"/>
+          </a:blip>
+          <a:stretch>
+            <a:fillRect/>
+          </a:stretch>
+        </p:blipFill>
+        <p:spPr>
+          <a:xfrm>
+            <a:off x="7563394" y="1892059"/>
+            <a:ext cx="3790406" cy="4277247"/>
+          </a:xfrm>
+          <a:prstGeom prst="rect">
+            <a:avLst/>
+          </a:prstGeom>
+        </p:spPr>
+      </p:pic>
       <p:sp>
         <p:nvSpPr>
           <p:cNvPr id="3" name="Content Placeholder 2"/>
@@ -19739,7 +23031,7 @@
               <a:buNone/>
             </a:pPr>
             <a:r>
-              <a:rPr lang="en-US" sz="1200" dirty="0" smtClean="0">
+              <a:rPr lang="en-US" sz="1200" dirty="0">
                 <a:solidFill>
                   <a:srgbClr val="0000FF"/>
                 </a:solidFill>
@@ -19747,7 +23039,18 @@
                 <a:ea typeface="Courier" charset="0"/>
                 <a:cs typeface="Courier" charset="0"/>
               </a:rPr>
-              <a:t>  </a:t>
+              <a:t> </a:t>
+            </a:r>
+            <a:r>
+              <a:rPr lang="en-US" sz="1200" dirty="0" smtClean="0">
+                <a:solidFill>
+                  <a:srgbClr val="0000FF"/>
+                </a:solidFill>
+                <a:latin typeface="Courier" charset="0"/>
+                <a:ea typeface="Courier" charset="0"/>
+                <a:cs typeface="Courier" charset="0"/>
+              </a:rPr>
+              <a:t> </a:t>
             </a:r>
             <a:r>
               <a:rPr lang="en-US" sz="1200" dirty="0" smtClean="0">
@@ -19769,7 +23072,7 @@
               <a:buNone/>
             </a:pPr>
             <a:r>
-              <a:rPr lang="en-US" sz="1200" dirty="0">
+              <a:rPr lang="en-US" sz="1200" dirty="0" smtClean="0">
                 <a:solidFill>
                   <a:srgbClr val="0000FF"/>
                 </a:solidFill>
@@ -19777,26 +23080,50 @@
                 <a:ea typeface="Courier" charset="0"/>
                 <a:cs typeface="Courier" charset="0"/>
               </a:rPr>
+              <a:t>  bool </a:t>
+            </a:r>
+            <a:r>
+              <a:rPr lang="en-US" sz="1200" dirty="0" smtClean="0">
+                <a:latin typeface="Courier" charset="0"/>
+                <a:ea typeface="Courier" charset="0"/>
+                <a:cs typeface="Courier" charset="0"/>
+              </a:rPr>
+              <a:t>check (</a:t>
+            </a:r>
+            <a:r>
+              <a:rPr lang="en-US" sz="1200" dirty="0" smtClean="0">
+                <a:solidFill>
+                  <a:srgbClr val="408080"/>
+                </a:solidFill>
+                <a:latin typeface="Courier" charset="0"/>
+                <a:ea typeface="Courier" charset="0"/>
+                <a:cs typeface="Courier" charset="0"/>
+              </a:rPr>
+              <a:t>Zone</a:t>
+            </a:r>
+            <a:r>
+              <a:rPr lang="en-US" sz="1200" dirty="0" smtClean="0">
+                <a:latin typeface="Courier" charset="0"/>
+                <a:ea typeface="Courier" charset="0"/>
+                <a:cs typeface="Courier" charset="0"/>
+              </a:rPr>
               <a:t> </a:t>
             </a:r>
             <a:r>
-              <a:rPr lang="en-US" sz="1200" dirty="0" smtClean="0">
-                <a:solidFill>
-                  <a:srgbClr val="0000FF"/>
-                </a:solidFill>
-                <a:latin typeface="Courier" charset="0"/>
-                <a:ea typeface="Courier" charset="0"/>
-                <a:cs typeface="Courier" charset="0"/>
-              </a:rPr>
-              <a:t> let </a:t>
-            </a:r>
-            <a:r>
-              <a:rPr lang="en-US" sz="1200" dirty="0" smtClean="0">
-                <a:latin typeface="Courier" charset="0"/>
-                <a:ea typeface="Courier" charset="0"/>
-                <a:cs typeface="Courier" charset="0"/>
-              </a:rPr>
-              <a:t>check (zone :Zone) =</a:t>
+              <a:rPr lang="en-US" sz="1200" dirty="0" err="1" smtClean="0">
+                <a:latin typeface="Courier" charset="0"/>
+                <a:ea typeface="Courier" charset="0"/>
+                <a:cs typeface="Courier" charset="0"/>
+              </a:rPr>
+              <a:t>anyZone</a:t>
+            </a:r>
+            <a:r>
+              <a:rPr lang="en-US" sz="1200" dirty="0" smtClean="0">
+                <a:latin typeface="Courier" charset="0"/>
+                <a:ea typeface="Courier" charset="0"/>
+                <a:cs typeface="Courier" charset="0"/>
+              </a:rPr>
+              <a:t>) </a:t>
             </a:r>
           </a:p>
           <a:p>
@@ -19809,75 +23136,254 @@
             <a:r>
               <a:rPr lang="en-US" sz="1200" dirty="0">
                 <a:solidFill>
+                  <a:srgbClr val="408080"/>
+                </a:solidFill>
+                <a:latin typeface="Courier" charset="0"/>
+                <a:ea typeface="Courier" charset="0"/>
+                <a:cs typeface="Courier" charset="0"/>
+              </a:rPr>
+              <a:t> </a:t>
+            </a:r>
+            <a:r>
+              <a:rPr lang="en-US" sz="1200" dirty="0" smtClean="0">
+                <a:solidFill>
+                  <a:srgbClr val="408080"/>
+                </a:solidFill>
+                <a:latin typeface="Courier" charset="0"/>
+                <a:ea typeface="Courier" charset="0"/>
+                <a:cs typeface="Courier" charset="0"/>
+              </a:rPr>
+              <a:t> {</a:t>
+            </a:r>
+          </a:p>
+          <a:p>
+            <a:pPr marL="0" indent="0">
+              <a:lnSpc>
+                <a:spcPct val="100000"/>
+              </a:lnSpc>
+              <a:buNone/>
+            </a:pPr>
+            <a:r>
+              <a:rPr lang="en-US" sz="1200" dirty="0">
+                <a:solidFill>
+                  <a:srgbClr val="408080"/>
+                </a:solidFill>
+                <a:latin typeface="Courier" charset="0"/>
+                <a:ea typeface="Courier" charset="0"/>
+                <a:cs typeface="Courier" charset="0"/>
+              </a:rPr>
+              <a:t> </a:t>
+            </a:r>
+            <a:r>
+              <a:rPr lang="en-US" sz="1200" dirty="0" smtClean="0">
+                <a:solidFill>
+                  <a:srgbClr val="408080"/>
+                </a:solidFill>
+                <a:latin typeface="Courier" charset="0"/>
+                <a:ea typeface="Courier" charset="0"/>
+                <a:cs typeface="Courier" charset="0"/>
+              </a:rPr>
+              <a:t>   </a:t>
+            </a:r>
+            <a:r>
+              <a:rPr lang="en-US" sz="1200" dirty="0" err="1" smtClean="0">
+                <a:solidFill>
+                  <a:srgbClr val="408080"/>
+                </a:solidFill>
+                <a:latin typeface="Courier" charset="0"/>
+                <a:ea typeface="Courier" charset="0"/>
+                <a:cs typeface="Courier" charset="0"/>
+              </a:rPr>
+              <a:t>var</a:t>
+            </a:r>
+            <a:r>
+              <a:rPr lang="en-US" sz="1200" dirty="0" smtClean="0">
+                <a:solidFill>
+                  <a:srgbClr val="408080"/>
+                </a:solidFill>
+                <a:latin typeface="Courier" charset="0"/>
+                <a:ea typeface="Courier" charset="0"/>
+                <a:cs typeface="Courier" charset="0"/>
+              </a:rPr>
+              <a:t> deflated = </a:t>
+            </a:r>
+            <a:r>
+              <a:rPr lang="en-US" sz="1200" dirty="0" err="1">
+                <a:latin typeface="Courier" charset="0"/>
+                <a:ea typeface="Courier" charset="0"/>
+                <a:cs typeface="Courier" charset="0"/>
+              </a:rPr>
+              <a:t>anyZone.ToSerializedString</a:t>
+            </a:r>
+            <a:r>
+              <a:rPr lang="en-US" sz="1200" dirty="0" smtClean="0">
+                <a:latin typeface="Courier" charset="0"/>
+                <a:ea typeface="Courier" charset="0"/>
+                <a:cs typeface="Courier" charset="0"/>
+              </a:rPr>
+              <a:t>();</a:t>
+            </a:r>
+          </a:p>
+          <a:p>
+            <a:pPr marL="0" indent="0">
+              <a:lnSpc>
+                <a:spcPct val="100000"/>
+              </a:lnSpc>
+              <a:buNone/>
+            </a:pPr>
+            <a:r>
+              <a:rPr lang="en-US" sz="1200" dirty="0">
+                <a:solidFill>
+                  <a:srgbClr val="408080"/>
+                </a:solidFill>
+                <a:latin typeface="Courier" charset="0"/>
+                <a:ea typeface="Courier" charset="0"/>
+                <a:cs typeface="Courier" charset="0"/>
+              </a:rPr>
+              <a:t> </a:t>
+            </a:r>
+            <a:r>
+              <a:rPr lang="en-US" sz="1200" dirty="0" smtClean="0">
+                <a:solidFill>
+                  <a:srgbClr val="408080"/>
+                </a:solidFill>
+                <a:latin typeface="Courier" charset="0"/>
+                <a:ea typeface="Courier" charset="0"/>
+                <a:cs typeface="Courier" charset="0"/>
+              </a:rPr>
+              <a:t>   </a:t>
+            </a:r>
+            <a:r>
+              <a:rPr lang="en-US" sz="1200" dirty="0" err="1" smtClean="0">
+                <a:solidFill>
+                  <a:srgbClr val="408080"/>
+                </a:solidFill>
+                <a:latin typeface="Courier" charset="0"/>
+                <a:ea typeface="Courier" charset="0"/>
+                <a:cs typeface="Courier" charset="0"/>
+              </a:rPr>
+              <a:t>var</a:t>
+            </a:r>
+            <a:r>
+              <a:rPr lang="en-US" sz="1200" dirty="0" smtClean="0">
+                <a:solidFill>
+                  <a:srgbClr val="408080"/>
+                </a:solidFill>
+                <a:latin typeface="Courier" charset="0"/>
+                <a:ea typeface="Courier" charset="0"/>
+                <a:cs typeface="Courier" charset="0"/>
+              </a:rPr>
+              <a:t> inflated = </a:t>
+            </a:r>
+            <a:r>
+              <a:rPr lang="en-US" sz="1200" dirty="0" err="1" smtClean="0">
+                <a:solidFill>
+                  <a:srgbClr val="408080"/>
+                </a:solidFill>
+                <a:latin typeface="Courier" charset="0"/>
+                <a:ea typeface="Courier" charset="0"/>
+                <a:cs typeface="Courier" charset="0"/>
+              </a:rPr>
+              <a:t>Zone</a:t>
+            </a:r>
+            <a:r>
+              <a:rPr lang="en-US" sz="1200" dirty="0" err="1" smtClean="0">
+                <a:latin typeface="Courier" charset="0"/>
+                <a:ea typeface="Courier" charset="0"/>
+                <a:cs typeface="Courier" charset="0"/>
+              </a:rPr>
+              <a:t>.FromSerializedString</a:t>
+            </a:r>
+            <a:r>
+              <a:rPr lang="en-US" sz="1200" dirty="0" smtClean="0">
+                <a:latin typeface="Courier" charset="0"/>
+                <a:ea typeface="Courier" charset="0"/>
+                <a:cs typeface="Courier" charset="0"/>
+              </a:rPr>
+              <a:t>(deflated);</a:t>
+            </a:r>
+          </a:p>
+          <a:p>
+            <a:pPr marL="0" indent="0">
+              <a:lnSpc>
+                <a:spcPct val="100000"/>
+              </a:lnSpc>
+              <a:buNone/>
+            </a:pPr>
+            <a:r>
+              <a:rPr lang="en-US" sz="1200" dirty="0">
+                <a:latin typeface="Courier" charset="0"/>
+                <a:ea typeface="Courier" charset="0"/>
+                <a:cs typeface="Courier" charset="0"/>
+              </a:rPr>
+              <a:t> </a:t>
+            </a:r>
+            <a:r>
+              <a:rPr lang="en-US" sz="1200" dirty="0" smtClean="0">
+                <a:latin typeface="Courier" charset="0"/>
+                <a:ea typeface="Courier" charset="0"/>
+                <a:cs typeface="Courier" charset="0"/>
+              </a:rPr>
+              <a:t>   return </a:t>
+            </a:r>
+            <a:r>
+              <a:rPr lang="en-US" sz="1200" dirty="0" err="1" smtClean="0">
+                <a:latin typeface="Courier" charset="0"/>
+                <a:ea typeface="Courier" charset="0"/>
+                <a:cs typeface="Courier" charset="0"/>
+              </a:rPr>
+              <a:t>inflated.</a:t>
+            </a:r>
+            <a:r>
+              <a:rPr lang="en-US" sz="1200" dirty="0" err="1" smtClean="0">
+                <a:latin typeface="Courier" charset="0"/>
+                <a:ea typeface="Courier" charset="0"/>
+                <a:cs typeface="Courier" charset="0"/>
+              </a:rPr>
+              <a:t>Equals</a:t>
+            </a:r>
+            <a:r>
+              <a:rPr lang="en-US" sz="1200" dirty="0" smtClean="0">
+                <a:latin typeface="Courier" charset="0"/>
+                <a:ea typeface="Courier" charset="0"/>
+                <a:cs typeface="Courier" charset="0"/>
+              </a:rPr>
+              <a:t>(</a:t>
+            </a:r>
+            <a:r>
+              <a:rPr lang="en-US" sz="1200" dirty="0" err="1" smtClean="0">
+                <a:latin typeface="Courier" charset="0"/>
+                <a:ea typeface="Courier" charset="0"/>
+                <a:cs typeface="Courier" charset="0"/>
+              </a:rPr>
+              <a:t>anyZone</a:t>
+            </a:r>
+            <a:r>
+              <a:rPr lang="en-US" sz="1200" dirty="0" smtClean="0">
+                <a:latin typeface="Courier" charset="0"/>
+                <a:ea typeface="Courier" charset="0"/>
+                <a:cs typeface="Courier" charset="0"/>
+              </a:rPr>
+              <a:t>);</a:t>
+            </a:r>
+          </a:p>
+          <a:p>
+            <a:pPr marL="0" indent="0">
+              <a:lnSpc>
+                <a:spcPct val="100000"/>
+              </a:lnSpc>
+              <a:buNone/>
+            </a:pPr>
+            <a:r>
+              <a:rPr lang="en-US" sz="1200" dirty="0" smtClean="0">
+                <a:solidFill>
                   <a:srgbClr val="0000FF"/>
                 </a:solidFill>
                 <a:latin typeface="Courier" charset="0"/>
                 <a:ea typeface="Courier" charset="0"/>
                 <a:cs typeface="Courier" charset="0"/>
               </a:rPr>
-              <a:t> </a:t>
-            </a:r>
-            <a:r>
-              <a:rPr lang="en-US" sz="1200" dirty="0" smtClean="0">
-                <a:solidFill>
-                  <a:srgbClr val="0000FF"/>
-                </a:solidFill>
-                <a:latin typeface="Courier" charset="0"/>
-                <a:ea typeface="Courier" charset="0"/>
-                <a:cs typeface="Courier" charset="0"/>
-              </a:rPr>
-              <a:t>    let </a:t>
-            </a:r>
-            <a:r>
-              <a:rPr lang="en-US" sz="1200" dirty="0" smtClean="0">
-                <a:latin typeface="Courier" charset="0"/>
-                <a:ea typeface="Courier" charset="0"/>
-                <a:cs typeface="Courier" charset="0"/>
-              </a:rPr>
-              <a:t>deflated = </a:t>
-            </a:r>
-            <a:r>
-              <a:rPr lang="en-US" sz="1200" dirty="0" err="1" smtClean="0">
-                <a:latin typeface="Courier" charset="0"/>
-                <a:ea typeface="Courier" charset="0"/>
-                <a:cs typeface="Courier" charset="0"/>
-              </a:rPr>
-              <a:t>zone.ToSerializedString</a:t>
-            </a:r>
-            <a:r>
-              <a:rPr lang="en-US" sz="1200" dirty="0" smtClean="0">
-                <a:latin typeface="Courier" charset="0"/>
-                <a:ea typeface="Courier" charset="0"/>
-                <a:cs typeface="Courier" charset="0"/>
-              </a:rPr>
-              <a:t>()</a:t>
-            </a:r>
-            <a:r>
-              <a:rPr lang="en-US" sz="1200" dirty="0" smtClean="0">
-                <a:solidFill>
-                  <a:srgbClr val="0000FF"/>
-                </a:solidFill>
-                <a:latin typeface="Courier" charset="0"/>
-                <a:ea typeface="Courier" charset="0"/>
-                <a:cs typeface="Courier" charset="0"/>
-              </a:rPr>
-              <a:t> in </a:t>
-            </a:r>
-            <a:r>
-              <a:rPr lang="en-US" sz="1200" dirty="0" err="1" smtClean="0">
-                <a:latin typeface="Courier" charset="0"/>
-                <a:ea typeface="Courier" charset="0"/>
-                <a:cs typeface="Courier" charset="0"/>
-              </a:rPr>
-              <a:t>Zone.FromSerializedString</a:t>
-            </a:r>
-            <a:r>
-              <a:rPr lang="en-US" sz="1200" dirty="0" smtClean="0">
-                <a:latin typeface="Courier" charset="0"/>
-                <a:ea typeface="Courier" charset="0"/>
-                <a:cs typeface="Courier" charset="0"/>
-              </a:rPr>
-              <a:t>(deflated) = zone</a:t>
+              <a:t>  }</a:t>
             </a:r>
           </a:p>
           <a:p>
@@ -19904,7 +23410,7 @@
               <a:buNone/>
             </a:pPr>
             <a:r>
-              <a:rPr lang="en-US" sz="1200" dirty="0">
+              <a:rPr lang="en-US" sz="1200" dirty="0" smtClean="0">
                 <a:solidFill>
                   <a:srgbClr val="0000FF"/>
                 </a:solidFill>
@@ -19912,18 +23418,7 @@
                 <a:ea typeface="Courier" charset="0"/>
                 <a:cs typeface="Courier" charset="0"/>
               </a:rPr>
-              <a:t> </a:t>
-            </a:r>
-            <a:r>
-              <a:rPr lang="en-US" sz="1200" dirty="0" smtClean="0">
-                <a:solidFill>
-                  <a:srgbClr val="0000FF"/>
-                </a:solidFill>
-                <a:latin typeface="Courier" charset="0"/>
-                <a:ea typeface="Courier" charset="0"/>
-                <a:cs typeface="Courier" charset="0"/>
-              </a:rPr>
-              <a:t> </a:t>
+              <a:t>  </a:t>
             </a:r>
             <a:r>
               <a:rPr lang="en-US" sz="1200" dirty="0" smtClean="0">
@@ -19953,69 +23448,116 @@
                 <a:ea typeface="Courier" charset="0"/>
                 <a:cs typeface="Courier" charset="0"/>
               </a:rPr>
-              <a:t>  let </a:t>
-            </a:r>
-            <a:r>
-              <a:rPr lang="en-US" sz="1200" dirty="0" smtClean="0">
-                <a:latin typeface="Courier" charset="0"/>
-                <a:ea typeface="Courier" charset="0"/>
-                <a:cs typeface="Courier" charset="0"/>
-              </a:rPr>
-              <a:t>zones = </a:t>
+              <a:t>  </a:t>
             </a:r>
             <a:r>
               <a:rPr lang="en-US" sz="1200" dirty="0" err="1" smtClean="0">
-                <a:latin typeface="Courier" charset="0"/>
-                <a:ea typeface="Courier" charset="0"/>
-                <a:cs typeface="Courier" charset="0"/>
-              </a:rPr>
-              <a:t>Zone.GetSystemTimeZones</a:t>
-            </a:r>
-            <a:r>
-              <a:rPr lang="en-US" sz="1200" dirty="0" smtClean="0">
-                <a:latin typeface="Courier" charset="0"/>
-                <a:ea typeface="Courier" charset="0"/>
-                <a:cs typeface="Courier" charset="0"/>
-              </a:rPr>
-              <a:t>() |&gt; </a:t>
-            </a:r>
-            <a:r>
-              <a:rPr lang="en-US" sz="1200" dirty="0" err="1" smtClean="0">
-                <a:latin typeface="Courier" charset="0"/>
-                <a:ea typeface="Courier" charset="0"/>
-                <a:cs typeface="Courier" charset="0"/>
-              </a:rPr>
-              <a:t>Gen.elements</a:t>
-            </a:r>
-            <a:r>
-              <a:rPr lang="en-US" sz="1200" dirty="0" smtClean="0">
-                <a:latin typeface="Courier" charset="0"/>
-                <a:ea typeface="Courier" charset="0"/>
-                <a:cs typeface="Courier" charset="0"/>
-              </a:rPr>
-              <a:t> |&gt; </a:t>
-            </a:r>
-            <a:r>
-              <a:rPr lang="en-US" sz="1200" dirty="0" err="1" smtClean="0">
-                <a:latin typeface="Courier" charset="0"/>
-                <a:ea typeface="Courier" charset="0"/>
-                <a:cs typeface="Courier" charset="0"/>
-              </a:rPr>
-              <a:t>Arb.fromGen</a:t>
-            </a:r>
-            <a:endParaRPr lang="en-US" sz="1200" dirty="0" smtClean="0">
-              <a:latin typeface="Courier" charset="0"/>
-              <a:ea typeface="Courier" charset="0"/>
-              <a:cs typeface="Courier" charset="0"/>
-            </a:endParaRPr>
-          </a:p>
-          <a:p>
-            <a:pPr marL="0" indent="0">
-              <a:lnSpc>
-                <a:spcPct val="100000"/>
-              </a:lnSpc>
-              <a:buNone/>
-            </a:pPr>
+                <a:solidFill>
+                  <a:srgbClr val="0000FF"/>
+                </a:solidFill>
+                <a:latin typeface="Courier" charset="0"/>
+                <a:ea typeface="Courier" charset="0"/>
+                <a:cs typeface="Courier" charset="0"/>
+              </a:rPr>
+              <a:t>var</a:t>
+            </a:r>
+            <a:r>
+              <a:rPr lang="en-US" sz="1200" dirty="0" smtClean="0">
+                <a:solidFill>
+                  <a:srgbClr val="0000FF"/>
+                </a:solidFill>
+                <a:latin typeface="Courier" charset="0"/>
+                <a:ea typeface="Courier" charset="0"/>
+                <a:cs typeface="Courier" charset="0"/>
+              </a:rPr>
+              <a:t> </a:t>
+            </a:r>
+            <a:r>
+              <a:rPr lang="en-US" sz="1200" dirty="0" smtClean="0">
+                <a:latin typeface="Courier" charset="0"/>
+                <a:ea typeface="Courier" charset="0"/>
+                <a:cs typeface="Courier" charset="0"/>
+              </a:rPr>
+              <a:t>zones </a:t>
+            </a:r>
+            <a:r>
+              <a:rPr lang="en-US" sz="1200" dirty="0">
+                <a:latin typeface="Courier" charset="0"/>
+                <a:ea typeface="Courier" charset="0"/>
+                <a:cs typeface="Courier" charset="0"/>
+              </a:rPr>
+              <a:t>= </a:t>
+            </a:r>
+            <a:r>
+              <a:rPr lang="en-US" sz="1200" dirty="0" err="1">
+                <a:solidFill>
+                  <a:srgbClr val="408080"/>
+                </a:solidFill>
+                <a:latin typeface="Courier" charset="0"/>
+                <a:ea typeface="Courier" charset="0"/>
+                <a:cs typeface="Courier" charset="0"/>
+              </a:rPr>
+              <a:t>Gen</a:t>
+            </a:r>
+            <a:r>
+              <a:rPr lang="en-US" sz="1200" dirty="0" err="1">
+                <a:latin typeface="Courier" charset="0"/>
+                <a:ea typeface="Courier" charset="0"/>
+                <a:cs typeface="Courier" charset="0"/>
+              </a:rPr>
+              <a:t>.Elements</a:t>
+            </a:r>
+            <a:r>
+              <a:rPr lang="en-US" sz="1200" dirty="0">
+                <a:latin typeface="Courier" charset="0"/>
+                <a:ea typeface="Courier" charset="0"/>
+                <a:cs typeface="Courier" charset="0"/>
+              </a:rPr>
+              <a:t>(from z in </a:t>
+            </a:r>
+            <a:r>
+              <a:rPr lang="en-US" sz="1200" dirty="0" err="1">
+                <a:solidFill>
+                  <a:srgbClr val="408080"/>
+                </a:solidFill>
+                <a:latin typeface="Courier" charset="0"/>
+                <a:ea typeface="Courier" charset="0"/>
+                <a:cs typeface="Courier" charset="0"/>
+              </a:rPr>
+              <a:t>Zone</a:t>
+            </a:r>
+            <a:r>
+              <a:rPr lang="en-US" sz="1200" dirty="0" err="1">
+                <a:latin typeface="Courier" charset="0"/>
+                <a:ea typeface="Courier" charset="0"/>
+                <a:cs typeface="Courier" charset="0"/>
+              </a:rPr>
+              <a:t>.GetSystemTimeZones</a:t>
+            </a:r>
+            <a:r>
+              <a:rPr lang="en-US" sz="1200" dirty="0">
+                <a:latin typeface="Courier" charset="0"/>
+                <a:ea typeface="Courier" charset="0"/>
+                <a:cs typeface="Courier" charset="0"/>
+              </a:rPr>
+              <a:t>() select z).</a:t>
+            </a:r>
+            <a:r>
+              <a:rPr lang="en-US" sz="1200" dirty="0" err="1">
+                <a:latin typeface="Courier" charset="0"/>
+                <a:ea typeface="Courier" charset="0"/>
+                <a:cs typeface="Courier" charset="0"/>
+              </a:rPr>
+              <a:t>ToArbitrary</a:t>
+            </a:r>
+            <a:r>
+              <a:rPr lang="en-US" sz="1200" dirty="0" smtClean="0">
+                <a:latin typeface="Courier" charset="0"/>
+                <a:ea typeface="Courier" charset="0"/>
+                <a:cs typeface="Courier" charset="0"/>
+              </a:rPr>
+              <a:t>();</a:t>
+            </a:r>
             <a:endParaRPr lang="en-US" sz="1200" dirty="0" smtClean="0">
               <a:solidFill>
                 <a:srgbClr val="0000FF"/>
@@ -20043,6 +23585,36 @@
               </a:rPr>
               <a:t>  </a:t>
             </a:r>
+          </a:p>
+          <a:p>
+            <a:pPr marL="0" indent="0">
+              <a:lnSpc>
+                <a:spcPct val="100000"/>
+              </a:lnSpc>
+              <a:buNone/>
+            </a:pPr>
+            <a:r>
+              <a:rPr lang="en-US" sz="1200" dirty="0">
+                <a:solidFill>
+                  <a:srgbClr val="0000FF"/>
+                </a:solidFill>
+                <a:latin typeface="Courier" charset="0"/>
+                <a:ea typeface="Courier" charset="0"/>
+                <a:cs typeface="Courier" charset="0"/>
+              </a:rPr>
+              <a:t> </a:t>
+            </a:r>
+            <a:r>
+              <a:rPr lang="en-US" sz="1200" dirty="0" smtClean="0">
+                <a:solidFill>
+                  <a:srgbClr val="0000FF"/>
+                </a:solidFill>
+                <a:latin typeface="Courier" charset="0"/>
+                <a:ea typeface="Courier" charset="0"/>
+                <a:cs typeface="Courier" charset="0"/>
+              </a:rPr>
+              <a:t> </a:t>
+            </a:r>
             <a:r>
               <a:rPr lang="en-US" sz="1200" dirty="0" smtClean="0">
                 <a:solidFill>
@@ -20052,7 +23624,18 @@
                 <a:ea typeface="Courier" charset="0"/>
                 <a:cs typeface="Courier" charset="0"/>
               </a:rPr>
-              <a:t>// "for all" zones, run a test...</a:t>
+              <a:t>// </a:t>
+            </a:r>
+            <a:r>
+              <a:rPr lang="en-US" sz="1200" dirty="0" smtClean="0">
+                <a:solidFill>
+                  <a:srgbClr val="008000"/>
+                </a:solidFill>
+                <a:latin typeface="Courier" charset="0"/>
+                <a:ea typeface="Courier" charset="0"/>
+                <a:cs typeface="Courier" charset="0"/>
+              </a:rPr>
+              <a:t>"for all" zones, run a test...</a:t>
             </a:r>
             <a:endParaRPr lang="en-US" sz="1200" dirty="0" smtClean="0">
               <a:solidFill>
@@ -20093,58 +23676,47 @@
               <a:t> </a:t>
             </a:r>
             <a:r>
-              <a:rPr lang="en-US" sz="1200" dirty="0" err="1" smtClean="0">
-                <a:latin typeface="Courier" charset="0"/>
-                <a:ea typeface="Courier" charset="0"/>
-                <a:cs typeface="Courier" charset="0"/>
-              </a:rPr>
-              <a:t>Prop.forAll</a:t>
-            </a:r>
-            <a:r>
-              <a:rPr lang="en-US" sz="1200" dirty="0" smtClean="0">
-                <a:latin typeface="Courier" charset="0"/>
-                <a:ea typeface="Courier" charset="0"/>
-                <a:cs typeface="Courier" charset="0"/>
-              </a:rPr>
-              <a:t> zones (</a:t>
-            </a:r>
-            <a:r>
-              <a:rPr lang="en-US" sz="1200" dirty="0" smtClean="0">
-                <a:solidFill>
-                  <a:srgbClr val="0000FF"/>
-                </a:solidFill>
-                <a:latin typeface="Courier" charset="0"/>
-                <a:ea typeface="Courier" charset="0"/>
-                <a:cs typeface="Courier" charset="0"/>
-              </a:rPr>
-              <a:t>fun </a:t>
-            </a:r>
-            <a:r>
-              <a:rPr lang="en-US" sz="1200" dirty="0" smtClean="0">
-                <a:latin typeface="Courier" charset="0"/>
-                <a:ea typeface="Courier" charset="0"/>
-                <a:cs typeface="Courier" charset="0"/>
-              </a:rPr>
-              <a:t>z</a:t>
-            </a:r>
-            <a:r>
-              <a:rPr lang="en-US" sz="1200" dirty="0" smtClean="0">
-                <a:solidFill>
-                  <a:srgbClr val="0000FF"/>
-                </a:solidFill>
-                <a:latin typeface="Courier" charset="0"/>
-                <a:ea typeface="Courier" charset="0"/>
-                <a:cs typeface="Courier" charset="0"/>
-              </a:rPr>
-              <a:t> -&gt; lazy </a:t>
-            </a:r>
-            <a:r>
-              <a:rPr lang="en-US" sz="1200" dirty="0" smtClean="0">
-                <a:latin typeface="Courier" charset="0"/>
-                <a:ea typeface="Courier" charset="0"/>
-                <a:cs typeface="Courier" charset="0"/>
-              </a:rPr>
-              <a:t>(check z))</a:t>
+              <a:rPr lang="en-US" sz="1200" dirty="0">
+                <a:latin typeface="Courier" charset="0"/>
+                <a:ea typeface="Courier" charset="0"/>
+                <a:cs typeface="Courier" charset="0"/>
+              </a:rPr>
+              <a:t>return </a:t>
+            </a:r>
+            <a:r>
+              <a:rPr lang="en-US" sz="1200" dirty="0" err="1">
+                <a:solidFill>
+                  <a:srgbClr val="408080"/>
+                </a:solidFill>
+                <a:latin typeface="Courier" charset="0"/>
+                <a:ea typeface="Courier" charset="0"/>
+                <a:cs typeface="Courier" charset="0"/>
+              </a:rPr>
+              <a:t>Prop</a:t>
+            </a:r>
+            <a:r>
+              <a:rPr lang="en-US" sz="1200" dirty="0" err="1">
+                <a:latin typeface="Courier" charset="0"/>
+                <a:ea typeface="Courier" charset="0"/>
+                <a:cs typeface="Courier" charset="0"/>
+              </a:rPr>
+              <a:t>.ForAll</a:t>
+            </a:r>
+            <a:r>
+              <a:rPr lang="en-US" sz="1200" dirty="0">
+                <a:latin typeface="Courier" charset="0"/>
+                <a:ea typeface="Courier" charset="0"/>
+                <a:cs typeface="Courier" charset="0"/>
+              </a:rPr>
+              <a:t>(zones, </a:t>
+            </a:r>
+            <a:r>
+              <a:rPr lang="en-US" sz="1200" dirty="0" smtClean="0">
+                <a:latin typeface="Courier" charset="0"/>
+                <a:ea typeface="Courier" charset="0"/>
+                <a:cs typeface="Courier" charset="0"/>
+              </a:rPr>
+              <a:t>check);</a:t>
             </a:r>
             <a:endParaRPr lang="en-US" sz="1200" dirty="0">
               <a:latin typeface="Courier" charset="0"/>
@@ -20362,10 +23934,10 @@
         </p:nvGrpSpPr>
         <p:grpSpPr>
           <a:xfrm>
-            <a:off x="1046543" y="3423659"/>
-            <a:ext cx="6419128" cy="1244953"/>
-            <a:chOff x="4947208" y="2320524"/>
-            <a:chExt cx="6419128" cy="1244953"/>
+            <a:off x="1033481" y="4655999"/>
+            <a:ext cx="7953765" cy="1253298"/>
+            <a:chOff x="4947209" y="2058074"/>
+            <a:chExt cx="7953765" cy="1253298"/>
           </a:xfrm>
         </p:grpSpPr>
         <p:sp>
@@ -20376,8 +23948,8 @@
           </p:nvSpPr>
           <p:spPr>
             <a:xfrm>
-              <a:off x="4947208" y="2320524"/>
-              <a:ext cx="6419128" cy="291814"/>
+              <a:off x="4947209" y="2058074"/>
+              <a:ext cx="7953765" cy="352696"/>
             </a:xfrm>
             <a:prstGeom prst="rect">
               <a:avLst/>
@@ -20426,8 +23998,8 @@
           </p:nvSpPr>
           <p:spPr>
             <a:xfrm>
-              <a:off x="4947208" y="3264536"/>
-              <a:ext cx="4069467" cy="300941"/>
+              <a:off x="4947209" y="3011662"/>
+              <a:ext cx="3198886" cy="299710"/>
             </a:xfrm>
             <a:prstGeom prst="rect">
               <a:avLst/>
@@ -25351,13 +28923,8 @@
             </a:pPr>
             <a:r>
               <a:rPr lang="en-US" sz="2400" dirty="0" smtClean="0"/>
-              <a:t> </a:t>
-            </a:r>
-            <a:r>
-              <a:rPr lang="en-US" sz="2400" dirty="0" smtClean="0"/>
-              <a:t>Common Patterns</a:t>
-            </a:r>
-            <a:endParaRPr lang="en-US" sz="2400" dirty="0" smtClean="0"/>
+              <a:t> Common Patterns</a:t>
+            </a:r>
           </a:p>
           <a:p>
             <a:pPr>
@@ -26619,7 +30186,7 @@
         </p:xfrm>
         <a:graphic>
           <a:graphicData uri="http://schemas.openxmlformats.org/drawingml/2006/chart">
-            <c:chart xmlns:c="http://schemas.openxmlformats.org/drawingml/2006/chart" xmlns:r="http://schemas.openxmlformats.org/officeDocument/2006/relationships" r:id="rId2"/>
+            <c:chart xmlns:c="http://schemas.openxmlformats.org/drawingml/2006/chart" xmlns:r="http://schemas.openxmlformats.org/officeDocument/2006/relationships" r:id="rId3"/>
           </a:graphicData>
         </a:graphic>
       </p:graphicFrame>
@@ -27571,7 +31138,7 @@
         </p:xfrm>
         <a:graphic>
           <a:graphicData uri="http://schemas.openxmlformats.org/drawingml/2006/chart">
-            <c:chart xmlns:c="http://schemas.openxmlformats.org/drawingml/2006/chart" xmlns:r="http://schemas.openxmlformats.org/officeDocument/2006/relationships" r:id="rId2"/>
+            <c:chart xmlns:c="http://schemas.openxmlformats.org/drawingml/2006/chart" xmlns:r="http://schemas.openxmlformats.org/officeDocument/2006/relationships" r:id="rId3"/>
           </a:graphicData>
         </a:graphic>
       </p:graphicFrame>
@@ -30715,7 +34282,7 @@
             <p:ph idx="1"/>
             <p:extLst>
               <p:ext uri="{D42A27DB-BD31-4B8C-83A1-F6EECF244321}">
-                <p14:modId xmlns:p14="http://schemas.microsoft.com/office/powerpoint/2010/main" val="1669970704"/>
+                <p14:modId xmlns:p14="http://schemas.microsoft.com/office/powerpoint/2010/main" val="1928455050"/>
               </p:ext>
             </p:extLst>
           </p:nvPr>
@@ -30726,7 +34293,7 @@
         </p:xfrm>
         <a:graphic>
           <a:graphicData uri="http://schemas.openxmlformats.org/drawingml/2006/diagram">
-            <dgm:relIds xmlns:dgm="http://schemas.openxmlformats.org/drawingml/2006/diagram" xmlns:r="http://schemas.openxmlformats.org/officeDocument/2006/relationships" r:dm="rId2" r:lo="rId3" r:qs="rId4" r:cs="rId5"/>
+            <dgm:relIds xmlns:dgm="http://schemas.openxmlformats.org/drawingml/2006/diagram" xmlns:r="http://schemas.openxmlformats.org/officeDocument/2006/relationships" r:dm="rId3" r:lo="rId4" r:qs="rId5" r:cs="rId6"/>
           </a:graphicData>
         </a:graphic>
       </p:graphicFrame>
@@ -35797,10 +39364,10 @@
         </p:nvGrpSpPr>
         <p:grpSpPr>
           <a:xfrm>
-            <a:off x="1051571" y="2194945"/>
-            <a:ext cx="8011405" cy="3465975"/>
-            <a:chOff x="4894363" y="1676330"/>
-            <a:chExt cx="8011405" cy="3465975"/>
+            <a:off x="1051571" y="2208008"/>
+            <a:ext cx="8011405" cy="3452912"/>
+            <a:chOff x="4894363" y="1689393"/>
+            <a:chExt cx="8011405" cy="3452912"/>
           </a:xfrm>
         </p:grpSpPr>
         <p:sp>
@@ -35811,8 +39378,8 @@
           </p:nvSpPr>
           <p:spPr>
             <a:xfrm>
-              <a:off x="4894363" y="1676330"/>
-              <a:ext cx="5708044" cy="582979"/>
+              <a:off x="4894363" y="1689393"/>
+              <a:ext cx="5708044" cy="556303"/>
             </a:xfrm>
             <a:prstGeom prst="rect">
               <a:avLst/>
@@ -35861,8 +39428,8 @@
           </p:nvSpPr>
           <p:spPr>
             <a:xfrm>
-              <a:off x="6597567" y="2318569"/>
-              <a:ext cx="6308201" cy="542623"/>
+              <a:off x="6597567" y="2299529"/>
+              <a:ext cx="6308201" cy="591262"/>
             </a:xfrm>
             <a:prstGeom prst="rect">
               <a:avLst/>

--- a/media/quickpbt.pptx
+++ b/media/quickpbt.pptx
@@ -446,11 +446,11 @@
         </c:dLbls>
         <c:gapWidth val="80"/>
         <c:overlap val="40"/>
-        <c:axId val="-894257664"/>
-        <c:axId val="-932749072"/>
+        <c:axId val="1838639728"/>
+        <c:axId val="1838660240"/>
       </c:barChart>
       <c:catAx>
-        <c:axId val="-894257664"/>
+        <c:axId val="1838639728"/>
         <c:scaling>
           <c:orientation val="minMax"/>
         </c:scaling>
@@ -495,7 +495,7 @@
             <a:endParaRPr lang="en-US"/>
           </a:p>
         </c:txPr>
-        <c:crossAx val="-932749072"/>
+        <c:crossAx val="1838660240"/>
         <c:crosses val="autoZero"/>
         <c:auto val="0"/>
         <c:lblAlgn val="ctr"/>
@@ -504,7 +504,7 @@
         <c:noMultiLvlLbl val="0"/>
       </c:catAx>
       <c:valAx>
-        <c:axId val="-932749072"/>
+        <c:axId val="1838660240"/>
         <c:scaling>
           <c:orientation val="minMax"/>
         </c:scaling>
@@ -513,7 +513,7 @@
         <c:majorTickMark val="none"/>
         <c:minorTickMark val="none"/>
         <c:tickLblPos val="nextTo"/>
-        <c:crossAx val="-894257664"/>
+        <c:crossAx val="1838639728"/>
         <c:crosses val="autoZero"/>
         <c:crossBetween val="between"/>
       </c:valAx>
@@ -862,11 +862,11 @@
         </c:dLbls>
         <c:gapWidth val="80"/>
         <c:overlap val="40"/>
-        <c:axId val="-862105664"/>
-        <c:axId val="-862102912"/>
+        <c:axId val="1838782608"/>
+        <c:axId val="1838797968"/>
       </c:barChart>
       <c:catAx>
-        <c:axId val="-862105664"/>
+        <c:axId val="1838782608"/>
         <c:scaling>
           <c:orientation val="minMax"/>
         </c:scaling>
@@ -911,7 +911,7 @@
             <a:endParaRPr lang="en-US"/>
           </a:p>
         </c:txPr>
-        <c:crossAx val="-862102912"/>
+        <c:crossAx val="1838797968"/>
         <c:crosses val="autoZero"/>
         <c:auto val="0"/>
         <c:lblAlgn val="ctr"/>
@@ -920,7 +920,7 @@
         <c:noMultiLvlLbl val="0"/>
       </c:catAx>
       <c:valAx>
-        <c:axId val="-862102912"/>
+        <c:axId val="1838797968"/>
         <c:scaling>
           <c:orientation val="minMax"/>
         </c:scaling>
@@ -930,7 +930,7 @@
         <c:majorTickMark val="none"/>
         <c:minorTickMark val="none"/>
         <c:tickLblPos val="nextTo"/>
-        <c:crossAx val="-862105664"/>
+        <c:crossAx val="1838782608"/>
         <c:crosses val="autoZero"/>
         <c:crossBetween val="between"/>
       </c:valAx>
@@ -6384,7 +6384,7 @@
           <a:p>
             <a:fld id="{BED210CC-96DD-F14B-BC04-06F542233C3C}" type="datetimeFigureOut">
               <a:rPr lang="en-US" smtClean="0"/>
-              <a:t>9/19/17</a:t>
+              <a:t>9/21/17</a:t>
             </a:fld>
             <a:endParaRPr lang="en-US"/>
           </a:p>
@@ -8731,12 +8731,20 @@
               <a:buChar char="•"/>
             </a:pPr>
             <a:r>
-              <a:rPr lang="en-US" sz="1200" dirty="0" smtClean="0"/>
-              <a:t>Expecting exceptions – INCLUDED</a:t>
+              <a:rPr lang="en-US" sz="1200" smtClean="0"/>
+              <a:t>Expecting </a:t>
+            </a:r>
+            <a:r>
+              <a:rPr lang="en-US" sz="1200" smtClean="0"/>
+              <a:t>exceptions</a:t>
+            </a:r>
+            <a:r>
+              <a:rPr lang="en-US" sz="1200" baseline="0" smtClean="0"/>
+              <a:t> </a:t>
             </a:r>
             <a:r>
               <a:rPr lang="en-US" sz="1200" baseline="0" dirty="0" smtClean="0"/>
-              <a:t> IN SAMPLES (F# only!)</a:t>
+              <a:t>(F# only!)</a:t>
             </a:r>
             <a:endParaRPr lang="en-US" sz="1200" dirty="0" smtClean="0"/>
           </a:p>
@@ -14344,15 +14352,7 @@
                 <a:ea typeface="Courier" charset="0"/>
                 <a:cs typeface="Courier" charset="0"/>
               </a:rPr>
-              <a:t> ``trivial daylight savings support`` </a:t>
-            </a:r>
-            <a:r>
-              <a:rPr lang="en-US" sz="1200" dirty="0" smtClean="0">
-                <a:latin typeface="Courier" charset="0"/>
-                <a:ea typeface="Courier" charset="0"/>
-                <a:cs typeface="Courier" charset="0"/>
-              </a:rPr>
-              <a:t>(</a:t>
+              <a:t> ``trivial daylight savings support`` (</a:t>
             </a:r>
             <a:r>
               <a:rPr lang="en-US" sz="1200" dirty="0" err="1" smtClean="0">
@@ -14368,15 +14368,7 @@
                 <a:ea typeface="Courier" charset="0"/>
                 <a:cs typeface="Courier" charset="0"/>
               </a:rPr>
-              <a:t> :Date) </a:t>
-            </a:r>
-            <a:r>
-              <a:rPr lang="en-US" sz="1200" dirty="0" smtClean="0">
-                <a:latin typeface="Courier" charset="0"/>
-                <a:ea typeface="Courier" charset="0"/>
-                <a:cs typeface="Courier" charset="0"/>
-              </a:rPr>
-              <a:t>(</a:t>
+              <a:t> :Date) (</a:t>
             </a:r>
             <a:r>
               <a:rPr lang="en-US" sz="1200" dirty="0" err="1" smtClean="0">
@@ -14392,15 +14384,7 @@
                 <a:ea typeface="Courier" charset="0"/>
                 <a:cs typeface="Courier" charset="0"/>
               </a:rPr>
-              <a:t> :Zone</a:t>
-            </a:r>
-            <a:r>
-              <a:rPr lang="en-US" sz="1200" dirty="0" smtClean="0">
-                <a:latin typeface="Courier" charset="0"/>
-                <a:ea typeface="Courier" charset="0"/>
-                <a:cs typeface="Courier" charset="0"/>
-              </a:rPr>
-              <a:t>) (</a:t>
+              <a:t> :Zone) (</a:t>
             </a:r>
             <a:r>
               <a:rPr lang="en-US" sz="1200" dirty="0" err="1" smtClean="0">
@@ -14416,15 +14400,7 @@
                 <a:ea typeface="Courier" charset="0"/>
                 <a:cs typeface="Courier" charset="0"/>
               </a:rPr>
-              <a:t> total) </a:t>
-            </a:r>
-            <a:r>
-              <a:rPr lang="en-US" sz="1200" dirty="0" smtClean="0">
-                <a:latin typeface="Courier" charset="0"/>
-                <a:ea typeface="Courier" charset="0"/>
-                <a:cs typeface="Courier" charset="0"/>
-              </a:rPr>
-              <a:t>=</a:t>
+              <a:t> total) =</a:t>
             </a:r>
           </a:p>
           <a:p>
@@ -15604,15 +15580,7 @@
                 <a:ea typeface="Courier" charset="0"/>
                 <a:cs typeface="Courier" charset="0"/>
               </a:rPr>
-              <a:t> </a:t>
-            </a:r>
-            <a:r>
-              <a:rPr lang="en-US" sz="1200" dirty="0" smtClean="0">
-                <a:latin typeface="Courier" charset="0"/>
-                <a:ea typeface="Courier" charset="0"/>
-                <a:cs typeface="Courier" charset="0"/>
-              </a:rPr>
-              <a:t>Dated, </a:t>
+              <a:t> Dated, </a:t>
             </a:r>
             <a:r>
               <a:rPr lang="en-US" sz="1200" dirty="0" err="1" smtClean="0">
@@ -15738,14 +15706,6 @@
               </a:rPr>
               <a:t>  </a:t>
             </a:r>
-            <a:endParaRPr lang="en-US" sz="1200" dirty="0" smtClean="0">
-              <a:solidFill>
-                <a:srgbClr val="0000FF"/>
-              </a:solidFill>
-              <a:latin typeface="Courier" charset="0"/>
-              <a:ea typeface="Courier" charset="0"/>
-              <a:cs typeface="Courier" charset="0"/>
-            </a:endParaRPr>
           </a:p>
           <a:p>
             <a:pPr marL="0" indent="0">
@@ -15774,18 +15734,7 @@
                 <a:ea typeface="Courier" charset="0"/>
                 <a:cs typeface="Courier" charset="0"/>
               </a:rPr>
-              <a:t> </a:t>
-            </a:r>
-            <a:r>
-              <a:rPr lang="en-US" sz="1200" dirty="0" smtClean="0">
-                <a:solidFill>
-                  <a:srgbClr val="0000FF"/>
-                </a:solidFill>
-                <a:latin typeface="Courier" charset="0"/>
-                <a:ea typeface="Courier" charset="0"/>
-                <a:cs typeface="Courier" charset="0"/>
-              </a:rPr>
-              <a:t>Dim </a:t>
+              <a:t> Dim </a:t>
             </a:r>
             <a:r>
               <a:rPr lang="en-US" sz="1200" dirty="0" smtClean="0">
@@ -16048,14 +15997,6 @@
               </a:rPr>
               <a:t> </a:t>
             </a:r>
-            <a:endParaRPr lang="en-US" sz="1200" dirty="0" smtClean="0">
-              <a:solidFill>
-                <a:srgbClr val="0000FF"/>
-              </a:solidFill>
-              <a:latin typeface="Courier" charset="0"/>
-              <a:ea typeface="Courier" charset="0"/>
-              <a:cs typeface="Courier" charset="0"/>
-            </a:endParaRPr>
           </a:p>
           <a:p>
             <a:pPr marL="0" indent="0">
@@ -16084,18 +16025,7 @@
                 <a:ea typeface="Courier" charset="0"/>
                 <a:cs typeface="Courier" charset="0"/>
               </a:rPr>
-              <a:t> </a:t>
-            </a:r>
-            <a:r>
-              <a:rPr lang="en-US" sz="1200" dirty="0" smtClean="0">
-                <a:solidFill>
-                  <a:srgbClr val="0000FF"/>
-                </a:solidFill>
-                <a:latin typeface="Courier" charset="0"/>
-                <a:ea typeface="Courier" charset="0"/>
-                <a:cs typeface="Courier" charset="0"/>
-              </a:rPr>
-              <a:t>Return </a:t>
+              <a:t> Return </a:t>
             </a:r>
             <a:r>
               <a:rPr lang="en-US" sz="1200" dirty="0" smtClean="0">
@@ -17254,15 +17184,7 @@
                 <a:ea typeface="Courier" charset="0"/>
                 <a:cs typeface="Courier" charset="0"/>
               </a:rPr>
-              <a:t>, </a:t>
-            </a:r>
-            <a:r>
-              <a:rPr lang="en-US" sz="1200" dirty="0" smtClean="0">
-                <a:latin typeface="Courier" charset="0"/>
-                <a:ea typeface="Courier" charset="0"/>
-                <a:cs typeface="Courier" charset="0"/>
-              </a:rPr>
-              <a:t>Zone </a:t>
+              <a:t>, Zone </a:t>
             </a:r>
             <a:r>
               <a:rPr lang="en-US" sz="1200" dirty="0" err="1" smtClean="0">
@@ -17312,11 +17234,6 @@
               </a:rPr>
               <a:t>{</a:t>
             </a:r>
-            <a:endParaRPr lang="en-US" sz="1200" dirty="0" smtClean="0">
-              <a:latin typeface="Courier" charset="0"/>
-              <a:ea typeface="Courier" charset="0"/>
-              <a:cs typeface="Courier" charset="0"/>
-            </a:endParaRPr>
           </a:p>
           <a:p>
             <a:pPr marL="0" indent="0">
@@ -17608,15 +17525,7 @@
                 <a:ea typeface="Courier" charset="0"/>
                 <a:cs typeface="Courier" charset="0"/>
               </a:rPr>
-              <a:t>) + days</a:t>
-            </a:r>
-            <a:r>
-              <a:rPr lang="en-US" sz="1200" dirty="0" smtClean="0">
-                <a:latin typeface="Courier" charset="0"/>
-                <a:ea typeface="Courier" charset="0"/>
-                <a:cs typeface="Courier" charset="0"/>
-              </a:rPr>
-              <a:t>;</a:t>
+              <a:t>) + days;</a:t>
             </a:r>
           </a:p>
           <a:p>
@@ -18574,15 +18483,7 @@
                 <a:ea typeface="Courier" charset="0"/>
                 <a:cs typeface="Courier" charset="0"/>
               </a:rPr>
-              <a:t> ``many observations combined`` </a:t>
-            </a:r>
-            <a:r>
-              <a:rPr lang="en-US" sz="1200" dirty="0" smtClean="0">
-                <a:latin typeface="Courier" charset="0"/>
-                <a:ea typeface="Courier" charset="0"/>
-                <a:cs typeface="Courier" charset="0"/>
-              </a:rPr>
-              <a:t>(</a:t>
+              <a:t> ``many observations combined`` (</a:t>
             </a:r>
             <a:r>
               <a:rPr lang="en-US" sz="1200" dirty="0" err="1" smtClean="0">
@@ -18598,15 +18499,7 @@
                 <a:ea typeface="Courier" charset="0"/>
                 <a:cs typeface="Courier" charset="0"/>
               </a:rPr>
-              <a:t> :Date) </a:t>
-            </a:r>
-            <a:r>
-              <a:rPr lang="en-US" sz="1200" dirty="0" smtClean="0">
-                <a:latin typeface="Courier" charset="0"/>
-                <a:ea typeface="Courier" charset="0"/>
-                <a:cs typeface="Courier" charset="0"/>
-              </a:rPr>
-              <a:t>(</a:t>
+              <a:t> :Date) (</a:t>
             </a:r>
             <a:r>
               <a:rPr lang="en-US" sz="1200" dirty="0" err="1" smtClean="0">
@@ -18622,15 +18515,7 @@
                 <a:ea typeface="Courier" charset="0"/>
                 <a:cs typeface="Courier" charset="0"/>
               </a:rPr>
-              <a:t> :Zone</a:t>
-            </a:r>
-            <a:r>
-              <a:rPr lang="en-US" sz="1200" dirty="0" smtClean="0">
-                <a:latin typeface="Courier" charset="0"/>
-                <a:ea typeface="Courier" charset="0"/>
-                <a:cs typeface="Courier" charset="0"/>
-              </a:rPr>
-              <a:t>) (</a:t>
+              <a:t> :Zone) (</a:t>
             </a:r>
             <a:r>
               <a:rPr lang="en-US" sz="1200" dirty="0" err="1" smtClean="0">
@@ -18646,15 +18531,7 @@
                 <a:ea typeface="Courier" charset="0"/>
                 <a:cs typeface="Courier" charset="0"/>
               </a:rPr>
-              <a:t> total) </a:t>
-            </a:r>
-            <a:r>
-              <a:rPr lang="en-US" sz="1200" dirty="0" smtClean="0">
-                <a:latin typeface="Courier" charset="0"/>
-                <a:ea typeface="Courier" charset="0"/>
-                <a:cs typeface="Courier" charset="0"/>
-              </a:rPr>
-              <a:t>=</a:t>
+              <a:t> total) =</a:t>
             </a:r>
           </a:p>
           <a:p>
@@ -22971,7 +22848,18 @@
                 <a:ea typeface="Courier" charset="0"/>
                 <a:cs typeface="Courier" charset="0"/>
               </a:rPr>
-              <a:t>// instead of a conditional property, here we use a </a:t>
+              <a:t>// instead of a conditional property, here we use </a:t>
+            </a:r>
+            <a:r>
+              <a:rPr lang="en-US" sz="1200" dirty="0" smtClean="0">
+                <a:solidFill>
+                  <a:srgbClr val="008000"/>
+                </a:solidFill>
+                <a:latin typeface="Courier" charset="0"/>
+                <a:ea typeface="Courier" charset="0"/>
+                <a:cs typeface="Courier" charset="0"/>
+              </a:rPr>
+              <a:t>an </a:t>
             </a:r>
             <a:r>
               <a:rPr lang="en-US" sz="1200" dirty="0" err="1" smtClean="0">
@@ -23004,7 +22892,7 @@
               <a:buNone/>
             </a:pPr>
             <a:r>
-              <a:rPr lang="en-US" sz="1200" dirty="0" smtClean="0">
+              <a:rPr lang="en-US" sz="1200" dirty="0">
                 <a:solidFill>
                   <a:srgbClr val="0000FF"/>
                 </a:solidFill>
@@ -23012,15 +22900,45 @@
                 <a:ea typeface="Courier" charset="0"/>
                 <a:cs typeface="Courier" charset="0"/>
               </a:rPr>
-              <a:t>let </a:t>
-            </a:r>
-            <a:r>
-              <a:rPr lang="en-US" sz="1200" dirty="0" smtClean="0">
-                <a:latin typeface="Courier" charset="0"/>
-                <a:ea typeface="Courier" charset="0"/>
-                <a:cs typeface="Courier" charset="0"/>
-              </a:rPr>
-              <a:t>``zone is unchanged through round-trip serialization`` () =</a:t>
+              <a:t>public </a:t>
+            </a:r>
+            <a:r>
+              <a:rPr lang="en-US" sz="1200" dirty="0">
+                <a:solidFill>
+                  <a:srgbClr val="408080"/>
+                </a:solidFill>
+                <a:latin typeface="Courier" charset="0"/>
+                <a:ea typeface="Courier" charset="0"/>
+                <a:cs typeface="Courier" charset="0"/>
+              </a:rPr>
+              <a:t>Property</a:t>
+            </a:r>
+            <a:r>
+              <a:rPr lang="en-US" sz="1200" dirty="0">
+                <a:solidFill>
+                  <a:srgbClr val="0000FF"/>
+                </a:solidFill>
+                <a:latin typeface="Courier" charset="0"/>
+                <a:ea typeface="Courier" charset="0"/>
+                <a:cs typeface="Courier" charset="0"/>
+              </a:rPr>
+              <a:t> </a:t>
+            </a:r>
+            <a:r>
+              <a:rPr lang="en-US" sz="1200" dirty="0" err="1">
+                <a:latin typeface="Courier" charset="0"/>
+                <a:ea typeface="Courier" charset="0"/>
+                <a:cs typeface="Courier" charset="0"/>
+              </a:rPr>
+              <a:t>zone_is_unchanged_through_round_trip_serialization</a:t>
+            </a:r>
+            <a:r>
+              <a:rPr lang="en-US" sz="1200" dirty="0" smtClean="0">
+                <a:latin typeface="Courier" charset="0"/>
+                <a:ea typeface="Courier" charset="0"/>
+                <a:cs typeface="Courier" charset="0"/>
+              </a:rPr>
+              <a:t>()</a:t>
             </a:r>
           </a:p>
           <a:p>
@@ -23031,10 +22949,30 @@
               <a:buNone/>
             </a:pPr>
             <a:r>
+              <a:rPr lang="en-US" sz="1200" dirty="0" smtClean="0">
+                <a:latin typeface="Courier" charset="0"/>
+                <a:ea typeface="Courier" charset="0"/>
+                <a:cs typeface="Courier" charset="0"/>
+              </a:rPr>
+              <a:t>{</a:t>
+            </a:r>
+            <a:r>
               <a:rPr lang="en-US" sz="1200" dirty="0">
-                <a:solidFill>
-                  <a:srgbClr val="0000FF"/>
-                </a:solidFill>
+                <a:latin typeface="Courier" charset="0"/>
+                <a:ea typeface="Courier" charset="0"/>
+                <a:cs typeface="Courier" charset="0"/>
+              </a:rPr>
+              <a:t/>
+            </a:r>
+            <a:br>
+              <a:rPr lang="en-US" sz="1200" dirty="0">
+                <a:latin typeface="Courier" charset="0"/>
+                <a:ea typeface="Courier" charset="0"/>
+                <a:cs typeface="Courier" charset="0"/>
+              </a:rPr>
+            </a:br>
+            <a:r>
+              <a:rPr lang="en-US" sz="1200" dirty="0" smtClean="0">
                 <a:latin typeface="Courier" charset="0"/>
                 <a:ea typeface="Courier" charset="0"/>
                 <a:cs typeface="Courier" charset="0"/>
@@ -23153,7 +23091,15 @@
                 <a:ea typeface="Courier" charset="0"/>
                 <a:cs typeface="Courier" charset="0"/>
               </a:rPr>
-              <a:t> {</a:t>
+              <a:t> </a:t>
+            </a:r>
+            <a:r>
+              <a:rPr lang="en-US" sz="1200" dirty="0" smtClean="0">
+                <a:latin typeface="Courier" charset="0"/>
+                <a:ea typeface="Courier" charset="0"/>
+                <a:cs typeface="Courier" charset="0"/>
+              </a:rPr>
+              <a:t>{</a:t>
             </a:r>
           </a:p>
           <a:p>
@@ -23188,13 +23134,51 @@
             <a:r>
               <a:rPr lang="en-US" sz="1200" dirty="0" err="1" smtClean="0">
                 <a:solidFill>
+                  <a:srgbClr val="0000FF"/>
+                </a:solidFill>
+                <a:latin typeface="Courier" charset="0"/>
+                <a:ea typeface="Courier" charset="0"/>
+                <a:cs typeface="Courier" charset="0"/>
+              </a:rPr>
+              <a:t>var</a:t>
+            </a:r>
+            <a:r>
+              <a:rPr lang="en-US" sz="1200" dirty="0" smtClean="0">
+                <a:solidFill>
+                  <a:srgbClr val="0000FF"/>
+                </a:solidFill>
+                <a:latin typeface="Courier" charset="0"/>
+                <a:ea typeface="Courier" charset="0"/>
+                <a:cs typeface="Courier" charset="0"/>
+              </a:rPr>
+              <a:t> </a:t>
+            </a:r>
+            <a:r>
+              <a:rPr lang="en-US" sz="1200" dirty="0" smtClean="0">
+                <a:latin typeface="Courier" charset="0"/>
+                <a:ea typeface="Courier" charset="0"/>
+                <a:cs typeface="Courier" charset="0"/>
+              </a:rPr>
+              <a:t>deflated</a:t>
+            </a:r>
+            <a:r>
+              <a:rPr lang="en-US" sz="1200" dirty="0" smtClean="0">
+                <a:solidFill>
                   <a:srgbClr val="408080"/>
                 </a:solidFill>
                 <a:latin typeface="Courier" charset="0"/>
                 <a:ea typeface="Courier" charset="0"/>
                 <a:cs typeface="Courier" charset="0"/>
               </a:rPr>
-              <a:t>var</a:t>
+              <a:t> </a:t>
+            </a:r>
+            <a:r>
+              <a:rPr lang="en-US" sz="1200" dirty="0" smtClean="0">
+                <a:latin typeface="Courier" charset="0"/>
+                <a:ea typeface="Courier" charset="0"/>
+                <a:cs typeface="Courier" charset="0"/>
+              </a:rPr>
+              <a:t>=</a:t>
             </a:r>
             <a:r>
               <a:rPr lang="en-US" sz="1200" dirty="0" smtClean="0">
@@ -23205,7 +23189,7 @@
                 <a:ea typeface="Courier" charset="0"/>
                 <a:cs typeface="Courier" charset="0"/>
               </a:rPr>
-              <a:t> deflated = </a:t>
+              <a:t> </a:t>
             </a:r>
             <a:r>
               <a:rPr lang="en-US" sz="1200" dirty="0" err="1">
@@ -23256,13 +23240,51 @@
             <a:r>
               <a:rPr lang="en-US" sz="1200" dirty="0" err="1" smtClean="0">
                 <a:solidFill>
+                  <a:srgbClr val="0000FF"/>
+                </a:solidFill>
+                <a:latin typeface="Courier" charset="0"/>
+                <a:ea typeface="Courier" charset="0"/>
+                <a:cs typeface="Courier" charset="0"/>
+              </a:rPr>
+              <a:t>var</a:t>
+            </a:r>
+            <a:r>
+              <a:rPr lang="en-US" sz="1200" dirty="0" smtClean="0">
+                <a:solidFill>
+                  <a:srgbClr val="0000FF"/>
+                </a:solidFill>
+                <a:latin typeface="Courier" charset="0"/>
+                <a:ea typeface="Courier" charset="0"/>
+                <a:cs typeface="Courier" charset="0"/>
+              </a:rPr>
+              <a:t> </a:t>
+            </a:r>
+            <a:r>
+              <a:rPr lang="en-US" sz="1200" dirty="0" smtClean="0">
+                <a:latin typeface="Courier" charset="0"/>
+                <a:ea typeface="Courier" charset="0"/>
+                <a:cs typeface="Courier" charset="0"/>
+              </a:rPr>
+              <a:t>inflated</a:t>
+            </a:r>
+            <a:r>
+              <a:rPr lang="en-US" sz="1200" dirty="0" smtClean="0">
+                <a:solidFill>
                   <a:srgbClr val="408080"/>
                 </a:solidFill>
                 <a:latin typeface="Courier" charset="0"/>
                 <a:ea typeface="Courier" charset="0"/>
                 <a:cs typeface="Courier" charset="0"/>
               </a:rPr>
-              <a:t>var</a:t>
+              <a:t> </a:t>
+            </a:r>
+            <a:r>
+              <a:rPr lang="en-US" sz="1200" dirty="0" smtClean="0">
+                <a:latin typeface="Courier" charset="0"/>
+                <a:ea typeface="Courier" charset="0"/>
+                <a:cs typeface="Courier" charset="0"/>
+              </a:rPr>
+              <a:t>=</a:t>
             </a:r>
             <a:r>
               <a:rPr lang="en-US" sz="1200" dirty="0" smtClean="0">
@@ -23273,7 +23295,7 @@
                 <a:ea typeface="Courier" charset="0"/>
                 <a:cs typeface="Courier" charset="0"/>
               </a:rPr>
-              <a:t> inflated = </a:t>
+              <a:t> </a:t>
             </a:r>
             <a:r>
               <a:rPr lang="en-US" sz="1200" dirty="0" err="1" smtClean="0">
@@ -23324,7 +23346,26 @@
                 <a:ea typeface="Courier" charset="0"/>
                 <a:cs typeface="Courier" charset="0"/>
               </a:rPr>
-              <a:t>   return </a:t>
+              <a:t>   </a:t>
+            </a:r>
+            <a:r>
+              <a:rPr lang="en-US" sz="1200" dirty="0" smtClean="0">
+                <a:solidFill>
+                  <a:srgbClr val="0000FF"/>
+                </a:solidFill>
+                <a:latin typeface="Courier" charset="0"/>
+                <a:ea typeface="Courier" charset="0"/>
+                <a:cs typeface="Courier" charset="0"/>
+              </a:rPr>
+              <a:t>return</a:t>
+            </a:r>
+            <a:r>
+              <a:rPr lang="en-US" sz="1200" dirty="0" smtClean="0">
+                <a:latin typeface="Courier" charset="0"/>
+                <a:ea typeface="Courier" charset="0"/>
+                <a:cs typeface="Courier" charset="0"/>
+              </a:rPr>
+              <a:t> </a:t>
             </a:r>
             <a:r>
               <a:rPr lang="en-US" sz="1200" dirty="0" err="1" smtClean="0">
@@ -23332,15 +23373,7 @@
                 <a:ea typeface="Courier" charset="0"/>
                 <a:cs typeface="Courier" charset="0"/>
               </a:rPr>
-              <a:t>inflated.</a:t>
-            </a:r>
-            <a:r>
-              <a:rPr lang="en-US" sz="1200" dirty="0" err="1" smtClean="0">
-                <a:latin typeface="Courier" charset="0"/>
-                <a:ea typeface="Courier" charset="0"/>
-                <a:cs typeface="Courier" charset="0"/>
-              </a:rPr>
-              <a:t>Equals</a:t>
+              <a:t>inflated.Equals</a:t>
             </a:r>
             <a:r>
               <a:rPr lang="en-US" sz="1200" dirty="0" smtClean="0">
@@ -23383,8 +23416,21 @@
                 <a:ea typeface="Courier" charset="0"/>
                 <a:cs typeface="Courier" charset="0"/>
               </a:rPr>
-              <a:t>  }</a:t>
-            </a:r>
+              <a:t>  </a:t>
+            </a:r>
+            <a:r>
+              <a:rPr lang="en-US" sz="1200" dirty="0" smtClean="0">
+                <a:latin typeface="Courier" charset="0"/>
+                <a:ea typeface="Courier" charset="0"/>
+                <a:cs typeface="Courier" charset="0"/>
+              </a:rPr>
+              <a:t>}</a:t>
+            </a:r>
+            <a:endParaRPr lang="en-US" sz="1200" dirty="0" smtClean="0">
+              <a:latin typeface="Courier" charset="0"/>
+              <a:ea typeface="Courier" charset="0"/>
+              <a:cs typeface="Courier" charset="0"/>
+            </a:endParaRPr>
           </a:p>
           <a:p>
             <a:pPr marL="0" indent="0">
@@ -23393,6 +23439,17 @@
               </a:lnSpc>
               <a:buNone/>
             </a:pPr>
+            <a:r>
+              <a:rPr lang="en-US" sz="1200" dirty="0" smtClean="0">
+                <a:solidFill>
+                  <a:srgbClr val="0000FF"/>
+                </a:solidFill>
+                <a:latin typeface="Courier" charset="0"/>
+                <a:ea typeface="Courier" charset="0"/>
+                <a:cs typeface="Courier" charset="0"/>
+              </a:rPr>
+              <a:t> </a:t>
+            </a:r>
             <a:endParaRPr lang="en-US" sz="1200" dirty="0" smtClean="0">
               <a:solidFill>
                 <a:srgbClr val="0000FF"/>
@@ -23418,7 +23475,7 @@
                 <a:ea typeface="Courier" charset="0"/>
                 <a:cs typeface="Courier" charset="0"/>
               </a:rPr>
-              <a:t>  </a:t>
+              <a:t> </a:t>
             </a:r>
             <a:r>
               <a:rPr lang="en-US" sz="1200" dirty="0" smtClean="0">
@@ -23513,7 +23570,45 @@
                 <a:ea typeface="Courier" charset="0"/>
                 <a:cs typeface="Courier" charset="0"/>
               </a:rPr>
-              <a:t>(from z in </a:t>
+              <a:t>(</a:t>
+            </a:r>
+            <a:r>
+              <a:rPr lang="en-US" sz="1200" dirty="0">
+                <a:solidFill>
+                  <a:srgbClr val="0000FF"/>
+                </a:solidFill>
+                <a:latin typeface="Courier" charset="0"/>
+                <a:ea typeface="Courier" charset="0"/>
+                <a:cs typeface="Courier" charset="0"/>
+              </a:rPr>
+              <a:t>from</a:t>
+            </a:r>
+            <a:r>
+              <a:rPr lang="en-US" sz="1200" dirty="0">
+                <a:latin typeface="Courier" charset="0"/>
+                <a:ea typeface="Courier" charset="0"/>
+                <a:cs typeface="Courier" charset="0"/>
+              </a:rPr>
+              <a:t> z </a:t>
+            </a:r>
+            <a:r>
+              <a:rPr lang="en-US" sz="1200" dirty="0">
+                <a:solidFill>
+                  <a:srgbClr val="0000FF"/>
+                </a:solidFill>
+                <a:latin typeface="Courier" charset="0"/>
+                <a:ea typeface="Courier" charset="0"/>
+                <a:cs typeface="Courier" charset="0"/>
+              </a:rPr>
+              <a:t>in</a:t>
+            </a:r>
+            <a:r>
+              <a:rPr lang="en-US" sz="1200" dirty="0">
+                <a:latin typeface="Courier" charset="0"/>
+                <a:ea typeface="Courier" charset="0"/>
+                <a:cs typeface="Courier" charset="0"/>
+              </a:rPr>
+              <a:t> </a:t>
             </a:r>
             <a:r>
               <a:rPr lang="en-US" sz="1200" dirty="0" err="1">
@@ -23540,7 +23635,26 @@
                 <a:ea typeface="Courier" charset="0"/>
                 <a:cs typeface="Courier" charset="0"/>
               </a:rPr>
-              <a:t>() select z).</a:t>
+              <a:t>() </a:t>
+            </a:r>
+            <a:r>
+              <a:rPr lang="en-US" sz="1200" dirty="0">
+                <a:solidFill>
+                  <a:srgbClr val="0000FF"/>
+                </a:solidFill>
+                <a:latin typeface="Courier" charset="0"/>
+                <a:ea typeface="Courier" charset="0"/>
+                <a:cs typeface="Courier" charset="0"/>
+              </a:rPr>
+              <a:t>select</a:t>
+            </a:r>
+            <a:r>
+              <a:rPr lang="en-US" sz="1200" dirty="0">
+                <a:latin typeface="Courier" charset="0"/>
+                <a:ea typeface="Courier" charset="0"/>
+                <a:cs typeface="Courier" charset="0"/>
+              </a:rPr>
+              <a:t> z).</a:t>
             </a:r>
             <a:r>
               <a:rPr lang="en-US" sz="1200" dirty="0" err="1">
@@ -23575,7 +23689,7 @@
               <a:buNone/>
             </a:pPr>
             <a:r>
-              <a:rPr lang="en-US" sz="1200" dirty="0" smtClean="0">
+              <a:rPr lang="en-US" sz="1200" dirty="0">
                 <a:solidFill>
                   <a:srgbClr val="0000FF"/>
                 </a:solidFill>
@@ -23583,18 +23697,10 @@
                 <a:ea typeface="Courier" charset="0"/>
                 <a:cs typeface="Courier" charset="0"/>
               </a:rPr>
-              <a:t>  </a:t>
-            </a:r>
-          </a:p>
-          <a:p>
-            <a:pPr marL="0" indent="0">
-              <a:lnSpc>
-                <a:spcPct val="100000"/>
-              </a:lnSpc>
-              <a:buNone/>
-            </a:pPr>
-            <a:r>
-              <a:rPr lang="en-US" sz="1200" dirty="0">
+              <a:t> </a:t>
+            </a:r>
+            <a:r>
+              <a:rPr lang="en-US" sz="1200" dirty="0" smtClean="0">
                 <a:solidFill>
                   <a:srgbClr val="0000FF"/>
                 </a:solidFill>
@@ -23607,35 +23713,13 @@
             <a:r>
               <a:rPr lang="en-US" sz="1200" dirty="0" smtClean="0">
                 <a:solidFill>
-                  <a:srgbClr val="0000FF"/>
-                </a:solidFill>
-                <a:latin typeface="Courier" charset="0"/>
-                <a:ea typeface="Courier" charset="0"/>
-                <a:cs typeface="Courier" charset="0"/>
-              </a:rPr>
-              <a:t> </a:t>
-            </a:r>
-            <a:r>
-              <a:rPr lang="en-US" sz="1200" dirty="0" smtClean="0">
-                <a:solidFill>
                   <a:srgbClr val="008000"/>
                 </a:solidFill>
                 <a:latin typeface="Courier" charset="0"/>
                 <a:ea typeface="Courier" charset="0"/>
                 <a:cs typeface="Courier" charset="0"/>
               </a:rPr>
-              <a:t>// </a:t>
-            </a:r>
-            <a:r>
-              <a:rPr lang="en-US" sz="1200" dirty="0" smtClean="0">
-                <a:solidFill>
-                  <a:srgbClr val="008000"/>
-                </a:solidFill>
-                <a:latin typeface="Courier" charset="0"/>
-                <a:ea typeface="Courier" charset="0"/>
-                <a:cs typeface="Courier" charset="0"/>
-              </a:rPr>
-              <a:t>"for all" zones, run a test...</a:t>
+              <a:t>// "for all" zones, run a test...</a:t>
             </a:r>
             <a:endParaRPr lang="en-US" sz="1200" dirty="0" smtClean="0">
               <a:solidFill>
@@ -23677,11 +23761,22 @@
             </a:r>
             <a:r>
               <a:rPr lang="en-US" sz="1200" dirty="0">
-                <a:latin typeface="Courier" charset="0"/>
-                <a:ea typeface="Courier" charset="0"/>
-                <a:cs typeface="Courier" charset="0"/>
-              </a:rPr>
-              <a:t>return </a:t>
+                <a:solidFill>
+                  <a:srgbClr val="0000FF"/>
+                </a:solidFill>
+                <a:latin typeface="Courier" charset="0"/>
+                <a:ea typeface="Courier" charset="0"/>
+                <a:cs typeface="Courier" charset="0"/>
+              </a:rPr>
+              <a:t>return</a:t>
+            </a:r>
+            <a:r>
+              <a:rPr lang="en-US" sz="1200" dirty="0">
+                <a:latin typeface="Courier" charset="0"/>
+                <a:ea typeface="Courier" charset="0"/>
+                <a:cs typeface="Courier" charset="0"/>
+              </a:rPr>
+              <a:t> </a:t>
             </a:r>
             <a:r>
               <a:rPr lang="en-US" sz="1200" dirty="0" err="1">
@@ -23716,7 +23811,31 @@
                 <a:ea typeface="Courier" charset="0"/>
                 <a:cs typeface="Courier" charset="0"/>
               </a:rPr>
-              <a:t>check);</a:t>
+              <a:t>check</a:t>
+            </a:r>
+            <a:r>
+              <a:rPr lang="en-US" sz="1200" dirty="0" smtClean="0">
+                <a:latin typeface="Courier" charset="0"/>
+                <a:ea typeface="Courier" charset="0"/>
+                <a:cs typeface="Courier" charset="0"/>
+              </a:rPr>
+              <a:t>);</a:t>
+            </a:r>
+          </a:p>
+          <a:p>
+            <a:pPr marL="0" indent="0">
+              <a:lnSpc>
+                <a:spcPct val="100000"/>
+              </a:lnSpc>
+              <a:buNone/>
+            </a:pPr>
+            <a:r>
+              <a:rPr lang="en-US" sz="1200" dirty="0">
+                <a:latin typeface="Courier" charset="0"/>
+                <a:ea typeface="Courier" charset="0"/>
+                <a:cs typeface="Courier" charset="0"/>
+              </a:rPr>
+              <a:t>}</a:t>
             </a:r>
             <a:endParaRPr lang="en-US" sz="1200" dirty="0">
               <a:latin typeface="Courier" charset="0"/>
@@ -23934,10 +24053,10 @@
         </p:nvGrpSpPr>
         <p:grpSpPr>
           <a:xfrm>
-            <a:off x="1033481" y="4655999"/>
-            <a:ext cx="7953765" cy="1253298"/>
-            <a:chOff x="4947209" y="2058074"/>
-            <a:chExt cx="7953765" cy="1253298"/>
+            <a:off x="1033481" y="4865007"/>
+            <a:ext cx="7953765" cy="913660"/>
+            <a:chOff x="4947209" y="2267082"/>
+            <a:chExt cx="7953765" cy="913660"/>
           </a:xfrm>
         </p:grpSpPr>
         <p:sp>
@@ -23948,8 +24067,8 @@
           </p:nvSpPr>
           <p:spPr>
             <a:xfrm>
-              <a:off x="4947209" y="2058074"/>
-              <a:ext cx="7953765" cy="352696"/>
+              <a:off x="4947209" y="2267082"/>
+              <a:ext cx="7953765" cy="307885"/>
             </a:xfrm>
             <a:prstGeom prst="rect">
               <a:avLst/>
@@ -23998,7 +24117,7 @@
           </p:nvSpPr>
           <p:spPr>
             <a:xfrm>
-              <a:off x="4947209" y="3011662"/>
+              <a:off x="4947209" y="2881032"/>
               <a:ext cx="3198886" cy="299710"/>
             </a:xfrm>
             <a:prstGeom prst="rect">

--- a/media/quickpbt.pptx
+++ b/media/quickpbt.pptx
@@ -11,8 +11,8 @@
     <p:sldId id="256" r:id="rId2"/>
     <p:sldId id="257" r:id="rId3"/>
     <p:sldId id="258" r:id="rId4"/>
-    <p:sldId id="259" r:id="rId5"/>
-    <p:sldId id="277" r:id="rId6"/>
+    <p:sldId id="277" r:id="rId5"/>
+    <p:sldId id="259" r:id="rId6"/>
     <p:sldId id="261" r:id="rId7"/>
     <p:sldId id="260" r:id="rId8"/>
     <p:sldId id="262" r:id="rId9"/>
@@ -446,11 +446,11 @@
         </c:dLbls>
         <c:gapWidth val="80"/>
         <c:overlap val="40"/>
-        <c:axId val="1838639728"/>
-        <c:axId val="1838660240"/>
+        <c:axId val="-2027414992"/>
+        <c:axId val="-2027413216"/>
       </c:barChart>
       <c:catAx>
-        <c:axId val="1838639728"/>
+        <c:axId val="-2027414992"/>
         <c:scaling>
           <c:orientation val="minMax"/>
         </c:scaling>
@@ -495,7 +495,7 @@
             <a:endParaRPr lang="en-US"/>
           </a:p>
         </c:txPr>
-        <c:crossAx val="1838660240"/>
+        <c:crossAx val="-2027413216"/>
         <c:crosses val="autoZero"/>
         <c:auto val="0"/>
         <c:lblAlgn val="ctr"/>
@@ -504,7 +504,7 @@
         <c:noMultiLvlLbl val="0"/>
       </c:catAx>
       <c:valAx>
-        <c:axId val="1838660240"/>
+        <c:axId val="-2027413216"/>
         <c:scaling>
           <c:orientation val="minMax"/>
         </c:scaling>
@@ -513,7 +513,7 @@
         <c:majorTickMark val="none"/>
         <c:minorTickMark val="none"/>
         <c:tickLblPos val="nextTo"/>
-        <c:crossAx val="1838639728"/>
+        <c:crossAx val="-2027414992"/>
         <c:crosses val="autoZero"/>
         <c:crossBetween val="between"/>
       </c:valAx>
@@ -862,11 +862,11 @@
         </c:dLbls>
         <c:gapWidth val="80"/>
         <c:overlap val="40"/>
-        <c:axId val="1838782608"/>
-        <c:axId val="1838797968"/>
+        <c:axId val="-2025757376"/>
+        <c:axId val="-2025755056"/>
       </c:barChart>
       <c:catAx>
-        <c:axId val="1838782608"/>
+        <c:axId val="-2025757376"/>
         <c:scaling>
           <c:orientation val="minMax"/>
         </c:scaling>
@@ -911,7 +911,7 @@
             <a:endParaRPr lang="en-US"/>
           </a:p>
         </c:txPr>
-        <c:crossAx val="1838797968"/>
+        <c:crossAx val="-2025755056"/>
         <c:crosses val="autoZero"/>
         <c:auto val="0"/>
         <c:lblAlgn val="ctr"/>
@@ -920,7 +920,7 @@
         <c:noMultiLvlLbl val="0"/>
       </c:catAx>
       <c:valAx>
-        <c:axId val="1838797968"/>
+        <c:axId val="-2025755056"/>
         <c:scaling>
           <c:orientation val="minMax"/>
         </c:scaling>
@@ -930,7 +930,7 @@
         <c:majorTickMark val="none"/>
         <c:minorTickMark val="none"/>
         <c:tickLblPos val="nextTo"/>
-        <c:crossAx val="1838782608"/>
+        <c:crossAx val="-2025757376"/>
         <c:crosses val="autoZero"/>
         <c:crossBetween val="between"/>
       </c:valAx>
@@ -8732,11 +8732,7 @@
             </a:pPr>
             <a:r>
               <a:rPr lang="en-US" sz="1200" smtClean="0"/>
-              <a:t>Expecting </a:t>
-            </a:r>
-            <a:r>
-              <a:rPr lang="en-US" sz="1200" smtClean="0"/>
-              <a:t>exceptions</a:t>
+              <a:t>Expecting exceptions</a:t>
             </a:r>
             <a:r>
               <a:rPr lang="en-US" sz="1200" baseline="0" smtClean="0"/>
@@ -9129,245 +9125,40 @@
           <a:p>
             <a:r>
               <a:rPr lang="en-US" dirty="0" smtClean="0"/>
-              <a:t>Introducing</a:t>
+              <a:t>NOTE: code may appear slightly differently in the repo than</a:t>
             </a:r>
             <a:r>
               <a:rPr lang="en-US" baseline="0" dirty="0" smtClean="0"/>
-              <a:t> </a:t>
-            </a:r>
-            <a:r>
-              <a:rPr lang="en-US" baseline="0" dirty="0" err="1" smtClean="0"/>
-              <a:t>FsCheck</a:t>
-            </a:r>
-            <a:endParaRPr lang="en-US" baseline="0" dirty="0" smtClean="0"/>
-          </a:p>
-          <a:p>
-            <a:endParaRPr lang="en-US" baseline="0" dirty="0" smtClean="0"/>
-          </a:p>
-          <a:p>
-            <a:pPr marL="171450" marR="0" indent="-171450" algn="l" defTabSz="457200" rtl="0" eaLnBrk="1" fontAlgn="auto" latinLnBrk="0" hangingPunct="1">
-              <a:lnSpc>
-                <a:spcPct val="100000"/>
-              </a:lnSpc>
-              <a:spcBef>
-                <a:spcPts val="0"/>
-              </a:spcBef>
-              <a:spcAft>
-                <a:spcPts val="0"/>
-              </a:spcAft>
-              <a:buClrTx/>
-              <a:buSzTx/>
-              <a:buFont typeface="Arial"/>
-              <a:buChar char="•"/>
-              <a:tabLst/>
-              <a:defRPr/>
-            </a:pPr>
-            <a:r>
-              <a:rPr lang="en-US" sz="1200" dirty="0" smtClean="0"/>
-              <a:t>Uses random data and logical propositions to prove or disprove behavior</a:t>
-            </a:r>
-          </a:p>
-          <a:p>
-            <a:pPr marL="171450" marR="0" indent="-171450" algn="l" defTabSz="457200" rtl="0" eaLnBrk="1" fontAlgn="auto" latinLnBrk="0" hangingPunct="1">
-              <a:lnSpc>
-                <a:spcPct val="100000"/>
-              </a:lnSpc>
-              <a:spcBef>
-                <a:spcPts val="0"/>
-              </a:spcBef>
-              <a:spcAft>
-                <a:spcPts val="0"/>
-              </a:spcAft>
-              <a:buClrTx/>
-              <a:buSzTx/>
-              <a:buFont typeface="Arial"/>
-              <a:buChar char="•"/>
-              <a:tabLst/>
-              <a:defRPr/>
-            </a:pPr>
-            <a:r>
-              <a:rPr lang="en-US" sz="1200" dirty="0" smtClean="0"/>
-              <a:t>Simple </a:t>
-            </a:r>
-            <a:r>
-              <a:rPr lang="en-US" sz="1200" dirty="0" err="1" smtClean="0"/>
-              <a:t>eDSL</a:t>
-            </a:r>
-            <a:r>
-              <a:rPr lang="en-US" sz="1200" dirty="0" smtClean="0"/>
-              <a:t> for logical propositions</a:t>
-            </a:r>
-          </a:p>
-          <a:p>
-            <a:pPr marL="171450" marR="0" indent="-171450" algn="l" defTabSz="457200" rtl="0" eaLnBrk="1" fontAlgn="auto" latinLnBrk="0" hangingPunct="1">
-              <a:lnSpc>
-                <a:spcPct val="100000"/>
-              </a:lnSpc>
-              <a:spcBef>
-                <a:spcPts val="0"/>
-              </a:spcBef>
-              <a:spcAft>
-                <a:spcPts val="0"/>
-              </a:spcAft>
-              <a:buClrTx/>
-              <a:buSzTx/>
-              <a:buFont typeface="Arial"/>
-              <a:buChar char="•"/>
-              <a:tabLst/>
-              <a:defRPr/>
-            </a:pPr>
-            <a:r>
-              <a:rPr lang="en-US" sz="1200" dirty="0" smtClean="0"/>
-              <a:t>API for steering data generation</a:t>
-            </a:r>
-          </a:p>
-          <a:p>
-            <a:pPr marL="171450" marR="0" indent="-171450" algn="l" defTabSz="457200" rtl="0" eaLnBrk="1" fontAlgn="auto" latinLnBrk="0" hangingPunct="1">
-              <a:lnSpc>
-                <a:spcPct val="100000"/>
-              </a:lnSpc>
-              <a:spcBef>
-                <a:spcPts val="0"/>
-              </a:spcBef>
-              <a:spcAft>
-                <a:spcPts val="0"/>
-              </a:spcAft>
-              <a:buClrTx/>
-              <a:buSzTx/>
-              <a:buFont typeface="Arial"/>
-              <a:buChar char="•"/>
-              <a:tabLst/>
-              <a:defRPr/>
-            </a:pPr>
-            <a:r>
-              <a:rPr lang="en-US" sz="1200" dirty="0" smtClean="0"/>
-              <a:t>API for observing distributions of generated data</a:t>
-            </a:r>
-          </a:p>
-          <a:p>
-            <a:pPr marL="171450" marR="0" indent="-171450" algn="l" defTabSz="457200" rtl="0" eaLnBrk="1" fontAlgn="auto" latinLnBrk="0" hangingPunct="1">
-              <a:lnSpc>
-                <a:spcPct val="100000"/>
-              </a:lnSpc>
-              <a:spcBef>
-                <a:spcPts val="0"/>
-              </a:spcBef>
-              <a:spcAft>
-                <a:spcPts val="0"/>
-              </a:spcAft>
-              <a:buClrTx/>
-              <a:buSzTx/>
-              <a:buFont typeface="Arial"/>
-              <a:buChar char="•"/>
-              <a:tabLst/>
-              <a:defRPr/>
-            </a:pPr>
-            <a:endParaRPr lang="en-US" sz="1200" dirty="0" smtClean="0"/>
-          </a:p>
-          <a:p>
-            <a:pPr marL="171450" marR="0" indent="-171450" algn="l" defTabSz="457200" rtl="0" eaLnBrk="1" fontAlgn="auto" latinLnBrk="0" hangingPunct="1">
-              <a:lnSpc>
-                <a:spcPct val="100000"/>
-              </a:lnSpc>
-              <a:spcBef>
-                <a:spcPts val="0"/>
-              </a:spcBef>
-              <a:spcAft>
-                <a:spcPts val="0"/>
-              </a:spcAft>
-              <a:buClrTx/>
-              <a:buSzTx/>
-              <a:buFont typeface="Arial"/>
-              <a:buChar char="•"/>
-              <a:tabLst/>
-              <a:defRPr/>
-            </a:pPr>
-            <a:r>
-              <a:rPr lang="en-US" sz="1200" dirty="0" smtClean="0"/>
-              <a:t>With or without other testing tools</a:t>
-            </a:r>
-          </a:p>
-          <a:p>
-            <a:pPr marL="628650" marR="0" lvl="1" indent="-171450" algn="l" defTabSz="457200" rtl="0" eaLnBrk="1" fontAlgn="auto" latinLnBrk="0" hangingPunct="1">
-              <a:lnSpc>
-                <a:spcPct val="100000"/>
-              </a:lnSpc>
-              <a:spcBef>
-                <a:spcPts val="0"/>
-              </a:spcBef>
-              <a:spcAft>
-                <a:spcPts val="0"/>
-              </a:spcAft>
-              <a:buClrTx/>
-              <a:buSzTx/>
-              <a:buFont typeface="Arial"/>
-              <a:buChar char="•"/>
-              <a:tabLst/>
-              <a:defRPr/>
-            </a:pPr>
-            <a:r>
-              <a:rPr lang="en-US" sz="1200" dirty="0" smtClean="0"/>
-              <a:t>Failing tests can raise exceptions,</a:t>
-            </a:r>
-            <a:r>
-              <a:rPr lang="en-US" sz="1200" baseline="0" dirty="0" smtClean="0"/>
-              <a:t> providing compatibility with: </a:t>
-            </a:r>
-            <a:r>
-              <a:rPr lang="en-US" sz="1200" baseline="0" dirty="0" err="1" smtClean="0"/>
-              <a:t>xUnit</a:t>
-            </a:r>
-            <a:r>
-              <a:rPr lang="en-US" sz="1200" baseline="0" dirty="0" smtClean="0"/>
-              <a:t>, </a:t>
-            </a:r>
-            <a:r>
-              <a:rPr lang="en-US" sz="1200" baseline="0" dirty="0" err="1" smtClean="0"/>
-              <a:t>Nunit</a:t>
-            </a:r>
-            <a:r>
-              <a:rPr lang="en-US" sz="1200" baseline="0" dirty="0" smtClean="0"/>
-              <a:t>, et cetera </a:t>
-            </a:r>
-          </a:p>
-          <a:p>
-            <a:pPr marL="628650" marR="0" lvl="1" indent="-171450" algn="l" defTabSz="457200" rtl="0" eaLnBrk="1" fontAlgn="auto" latinLnBrk="0" hangingPunct="1">
-              <a:lnSpc>
-                <a:spcPct val="100000"/>
-              </a:lnSpc>
-              <a:spcBef>
-                <a:spcPts val="0"/>
-              </a:spcBef>
-              <a:spcAft>
-                <a:spcPts val="0"/>
-              </a:spcAft>
-              <a:buClrTx/>
-              <a:buSzTx/>
-              <a:buFont typeface="Arial"/>
-              <a:buChar char="•"/>
-              <a:tabLst/>
-              <a:defRPr/>
-            </a:pPr>
-            <a:r>
-              <a:rPr lang="en-US" sz="1200" baseline="0" dirty="0" smtClean="0"/>
-              <a:t>Does not obviate the need for other types of testing</a:t>
-            </a:r>
-            <a:endParaRPr lang="en-US" sz="1200" dirty="0" smtClean="0"/>
-          </a:p>
-          <a:p>
+              <a:t> in the presentation (i.e. space constraints necessitate reformatting, renaming). Also, in some cases, redundant type information has been added (to the slides) for clarity.</a:t>
+            </a:r>
             <a:endParaRPr lang="en-US" dirty="0" smtClean="0"/>
           </a:p>
           <a:p>
-            <a:pPr marL="171450" indent="-171450">
-              <a:buFont typeface="Arial"/>
-              <a:buChar char="•"/>
-            </a:pPr>
+            <a:endParaRPr lang="en-US" dirty="0" smtClean="0"/>
+          </a:p>
+          <a:p>
             <a:r>
               <a:rPr lang="en-US" dirty="0" smtClean="0"/>
-              <a:t>TDD works with specific examples, while PBT works with universal properties</a:t>
-            </a:r>
-          </a:p>
-          <a:p>
+              <a:t>---</a:t>
+            </a:r>
+          </a:p>
+          <a:p>
+            <a:endParaRPr lang="en-US" dirty="0" smtClean="0"/>
+          </a:p>
+          <a:p>
+            <a:r>
+              <a:rPr lang="en-US" dirty="0" smtClean="0"/>
+              <a:t>I like aliases because I get lazy typing out full class names, and short names are easier to fit on slides.</a:t>
+            </a:r>
+          </a:p>
+          <a:p>
+            <a:endParaRPr lang="en-US" dirty="0" smtClean="0"/>
+          </a:p>
+          <a:p>
+            <a:r>
+              <a:rPr lang="en-US" dirty="0" smtClean="0"/>
+              <a:t>:-D</a:t>
+            </a:r>
             <a:endParaRPr lang="en-US" dirty="0"/>
           </a:p>
         </p:txBody>
@@ -9398,7 +9189,7 @@
     </p:spTree>
     <p:extLst>
       <p:ext uri="{BB962C8B-B14F-4D97-AF65-F5344CB8AC3E}">
-        <p14:creationId xmlns:p14="http://schemas.microsoft.com/office/powerpoint/2010/main" val="1416342224"/>
+        <p14:creationId xmlns:p14="http://schemas.microsoft.com/office/powerpoint/2010/main" val="1755015420"/>
       </p:ext>
     </p:extLst>
   </p:cSld>
@@ -9454,40 +9245,245 @@
           <a:p>
             <a:r>
               <a:rPr lang="en-US" dirty="0" smtClean="0"/>
-              <a:t>NOTE: code may appear slightly differently in the repo than</a:t>
+              <a:t>Introducing</a:t>
             </a:r>
             <a:r>
               <a:rPr lang="en-US" baseline="0" dirty="0" smtClean="0"/>
-              <a:t> in the presentation (i.e. space constraints necessitate reformatting, renaming). Also, in some cases, redundant type information has been added (to the slides) for clarity.</a:t>
-            </a:r>
+              <a:t> </a:t>
+            </a:r>
+            <a:r>
+              <a:rPr lang="en-US" baseline="0" dirty="0" err="1" smtClean="0"/>
+              <a:t>FsCheck</a:t>
+            </a:r>
+            <a:endParaRPr lang="en-US" baseline="0" dirty="0" smtClean="0"/>
+          </a:p>
+          <a:p>
+            <a:endParaRPr lang="en-US" baseline="0" dirty="0" smtClean="0"/>
+          </a:p>
+          <a:p>
+            <a:pPr marL="171450" marR="0" indent="-171450" algn="l" defTabSz="457200" rtl="0" eaLnBrk="1" fontAlgn="auto" latinLnBrk="0" hangingPunct="1">
+              <a:lnSpc>
+                <a:spcPct val="100000"/>
+              </a:lnSpc>
+              <a:spcBef>
+                <a:spcPts val="0"/>
+              </a:spcBef>
+              <a:spcAft>
+                <a:spcPts val="0"/>
+              </a:spcAft>
+              <a:buClrTx/>
+              <a:buSzTx/>
+              <a:buFont typeface="Arial"/>
+              <a:buChar char="•"/>
+              <a:tabLst/>
+              <a:defRPr/>
+            </a:pPr>
+            <a:r>
+              <a:rPr lang="en-US" sz="1200" dirty="0" smtClean="0"/>
+              <a:t>Uses random data and logical propositions to prove or disprove behavior</a:t>
+            </a:r>
+          </a:p>
+          <a:p>
+            <a:pPr marL="171450" marR="0" indent="-171450" algn="l" defTabSz="457200" rtl="0" eaLnBrk="1" fontAlgn="auto" latinLnBrk="0" hangingPunct="1">
+              <a:lnSpc>
+                <a:spcPct val="100000"/>
+              </a:lnSpc>
+              <a:spcBef>
+                <a:spcPts val="0"/>
+              </a:spcBef>
+              <a:spcAft>
+                <a:spcPts val="0"/>
+              </a:spcAft>
+              <a:buClrTx/>
+              <a:buSzTx/>
+              <a:buFont typeface="Arial"/>
+              <a:buChar char="•"/>
+              <a:tabLst/>
+              <a:defRPr/>
+            </a:pPr>
+            <a:r>
+              <a:rPr lang="en-US" sz="1200" dirty="0" smtClean="0"/>
+              <a:t>Simple </a:t>
+            </a:r>
+            <a:r>
+              <a:rPr lang="en-US" sz="1200" dirty="0" err="1" smtClean="0"/>
+              <a:t>eDSL</a:t>
+            </a:r>
+            <a:r>
+              <a:rPr lang="en-US" sz="1200" dirty="0" smtClean="0"/>
+              <a:t> for logical propositions</a:t>
+            </a:r>
+          </a:p>
+          <a:p>
+            <a:pPr marL="171450" marR="0" indent="-171450" algn="l" defTabSz="457200" rtl="0" eaLnBrk="1" fontAlgn="auto" latinLnBrk="0" hangingPunct="1">
+              <a:lnSpc>
+                <a:spcPct val="100000"/>
+              </a:lnSpc>
+              <a:spcBef>
+                <a:spcPts val="0"/>
+              </a:spcBef>
+              <a:spcAft>
+                <a:spcPts val="0"/>
+              </a:spcAft>
+              <a:buClrTx/>
+              <a:buSzTx/>
+              <a:buFont typeface="Arial"/>
+              <a:buChar char="•"/>
+              <a:tabLst/>
+              <a:defRPr/>
+            </a:pPr>
+            <a:r>
+              <a:rPr lang="en-US" sz="1200" dirty="0" smtClean="0"/>
+              <a:t>API for steering data generation</a:t>
+            </a:r>
+          </a:p>
+          <a:p>
+            <a:pPr marL="171450" marR="0" indent="-171450" algn="l" defTabSz="457200" rtl="0" eaLnBrk="1" fontAlgn="auto" latinLnBrk="0" hangingPunct="1">
+              <a:lnSpc>
+                <a:spcPct val="100000"/>
+              </a:lnSpc>
+              <a:spcBef>
+                <a:spcPts val="0"/>
+              </a:spcBef>
+              <a:spcAft>
+                <a:spcPts val="0"/>
+              </a:spcAft>
+              <a:buClrTx/>
+              <a:buSzTx/>
+              <a:buFont typeface="Arial"/>
+              <a:buChar char="•"/>
+              <a:tabLst/>
+              <a:defRPr/>
+            </a:pPr>
+            <a:r>
+              <a:rPr lang="en-US" sz="1200" dirty="0" smtClean="0"/>
+              <a:t>API for observing distributions of generated data</a:t>
+            </a:r>
+          </a:p>
+          <a:p>
+            <a:pPr marL="171450" marR="0" indent="-171450" algn="l" defTabSz="457200" rtl="0" eaLnBrk="1" fontAlgn="auto" latinLnBrk="0" hangingPunct="1">
+              <a:lnSpc>
+                <a:spcPct val="100000"/>
+              </a:lnSpc>
+              <a:spcBef>
+                <a:spcPts val="0"/>
+              </a:spcBef>
+              <a:spcAft>
+                <a:spcPts val="0"/>
+              </a:spcAft>
+              <a:buClrTx/>
+              <a:buSzTx/>
+              <a:buFont typeface="Arial"/>
+              <a:buChar char="•"/>
+              <a:tabLst/>
+              <a:defRPr/>
+            </a:pPr>
+            <a:endParaRPr lang="en-US" sz="1200" dirty="0" smtClean="0"/>
+          </a:p>
+          <a:p>
+            <a:pPr marL="171450" marR="0" indent="-171450" algn="l" defTabSz="457200" rtl="0" eaLnBrk="1" fontAlgn="auto" latinLnBrk="0" hangingPunct="1">
+              <a:lnSpc>
+                <a:spcPct val="100000"/>
+              </a:lnSpc>
+              <a:spcBef>
+                <a:spcPts val="0"/>
+              </a:spcBef>
+              <a:spcAft>
+                <a:spcPts val="0"/>
+              </a:spcAft>
+              <a:buClrTx/>
+              <a:buSzTx/>
+              <a:buFont typeface="Arial"/>
+              <a:buChar char="•"/>
+              <a:tabLst/>
+              <a:defRPr/>
+            </a:pPr>
+            <a:r>
+              <a:rPr lang="en-US" sz="1200" dirty="0" smtClean="0"/>
+              <a:t>With or without other testing tools</a:t>
+            </a:r>
+          </a:p>
+          <a:p>
+            <a:pPr marL="628650" marR="0" lvl="1" indent="-171450" algn="l" defTabSz="457200" rtl="0" eaLnBrk="1" fontAlgn="auto" latinLnBrk="0" hangingPunct="1">
+              <a:lnSpc>
+                <a:spcPct val="100000"/>
+              </a:lnSpc>
+              <a:spcBef>
+                <a:spcPts val="0"/>
+              </a:spcBef>
+              <a:spcAft>
+                <a:spcPts val="0"/>
+              </a:spcAft>
+              <a:buClrTx/>
+              <a:buSzTx/>
+              <a:buFont typeface="Arial"/>
+              <a:buChar char="•"/>
+              <a:tabLst/>
+              <a:defRPr/>
+            </a:pPr>
+            <a:r>
+              <a:rPr lang="en-US" sz="1200" dirty="0" smtClean="0"/>
+              <a:t>Failing tests can raise exceptions,</a:t>
+            </a:r>
+            <a:r>
+              <a:rPr lang="en-US" sz="1200" baseline="0" dirty="0" smtClean="0"/>
+              <a:t> providing compatibility with: </a:t>
+            </a:r>
+            <a:r>
+              <a:rPr lang="en-US" sz="1200" baseline="0" dirty="0" err="1" smtClean="0"/>
+              <a:t>xUnit</a:t>
+            </a:r>
+            <a:r>
+              <a:rPr lang="en-US" sz="1200" baseline="0" dirty="0" smtClean="0"/>
+              <a:t>, </a:t>
+            </a:r>
+            <a:r>
+              <a:rPr lang="en-US" sz="1200" baseline="0" dirty="0" err="1" smtClean="0"/>
+              <a:t>Nunit</a:t>
+            </a:r>
+            <a:r>
+              <a:rPr lang="en-US" sz="1200" baseline="0" dirty="0" smtClean="0"/>
+              <a:t>, et cetera </a:t>
+            </a:r>
+          </a:p>
+          <a:p>
+            <a:pPr marL="628650" marR="0" lvl="1" indent="-171450" algn="l" defTabSz="457200" rtl="0" eaLnBrk="1" fontAlgn="auto" latinLnBrk="0" hangingPunct="1">
+              <a:lnSpc>
+                <a:spcPct val="100000"/>
+              </a:lnSpc>
+              <a:spcBef>
+                <a:spcPts val="0"/>
+              </a:spcBef>
+              <a:spcAft>
+                <a:spcPts val="0"/>
+              </a:spcAft>
+              <a:buClrTx/>
+              <a:buSzTx/>
+              <a:buFont typeface="Arial"/>
+              <a:buChar char="•"/>
+              <a:tabLst/>
+              <a:defRPr/>
+            </a:pPr>
+            <a:r>
+              <a:rPr lang="en-US" sz="1200" baseline="0" dirty="0" smtClean="0"/>
+              <a:t>Does not obviate the need for other types of testing</a:t>
+            </a:r>
+            <a:endParaRPr lang="en-US" sz="1200" dirty="0" smtClean="0"/>
+          </a:p>
+          <a:p>
             <a:endParaRPr lang="en-US" dirty="0" smtClean="0"/>
           </a:p>
           <a:p>
-            <a:endParaRPr lang="en-US" dirty="0" smtClean="0"/>
-          </a:p>
-          <a:p>
+            <a:pPr marL="171450" indent="-171450">
+              <a:buFont typeface="Arial"/>
+              <a:buChar char="•"/>
+            </a:pPr>
             <a:r>
               <a:rPr lang="en-US" dirty="0" smtClean="0"/>
-              <a:t>---</a:t>
-            </a:r>
-          </a:p>
-          <a:p>
-            <a:endParaRPr lang="en-US" dirty="0" smtClean="0"/>
-          </a:p>
-          <a:p>
-            <a:r>
-              <a:rPr lang="en-US" dirty="0" smtClean="0"/>
-              <a:t>I like aliases because I get lazy typing out full class names, and short names are easier to fit on slides.</a:t>
-            </a:r>
-          </a:p>
-          <a:p>
-            <a:endParaRPr lang="en-US" dirty="0" smtClean="0"/>
-          </a:p>
-          <a:p>
-            <a:r>
-              <a:rPr lang="en-US" dirty="0" smtClean="0"/>
-              <a:t>:-D</a:t>
-            </a:r>
+              <a:t>TDD works with specific examples, while PBT works with universal properties</a:t>
+            </a:r>
+          </a:p>
+          <a:p>
             <a:endParaRPr lang="en-US" dirty="0"/>
           </a:p>
         </p:txBody>
@@ -9518,7 +9514,7 @@
     </p:spTree>
     <p:extLst>
       <p:ext uri="{BB962C8B-B14F-4D97-AF65-F5344CB8AC3E}">
-        <p14:creationId xmlns:p14="http://schemas.microsoft.com/office/powerpoint/2010/main" val="1755015420"/>
+        <p14:creationId xmlns:p14="http://schemas.microsoft.com/office/powerpoint/2010/main" val="1416342224"/>
       </p:ext>
     </p:extLst>
   </p:cSld>
@@ -12774,47 +12770,77 @@
               <a:t>public </a:t>
             </a:r>
             <a:r>
+              <a:rPr lang="en-US" sz="1200" dirty="0" smtClean="0">
+                <a:solidFill>
+                  <a:srgbClr val="408080"/>
+                </a:solidFill>
+                <a:latin typeface="Courier" charset="0"/>
+                <a:ea typeface="Courier" charset="0"/>
+                <a:cs typeface="Courier" charset="0"/>
+              </a:rPr>
+              <a:t>Property </a:t>
+            </a:r>
+            <a:r>
+              <a:rPr lang="en-US" sz="1200" dirty="0" err="1" smtClean="0">
+                <a:latin typeface="Courier" charset="0"/>
+                <a:ea typeface="Courier" charset="0"/>
+                <a:cs typeface="Courier" charset="0"/>
+              </a:rPr>
+              <a:t>zone_conversion_is_not_affected_by_detours</a:t>
+            </a:r>
+            <a:r>
+              <a:rPr lang="en-US" sz="1200" dirty="0" smtClean="0">
+                <a:latin typeface="Courier" charset="0"/>
+                <a:ea typeface="Courier" charset="0"/>
+                <a:cs typeface="Courier" charset="0"/>
+              </a:rPr>
+              <a:t>(</a:t>
+            </a:r>
+            <a:r>
+              <a:rPr lang="en-US" sz="1200" dirty="0" smtClean="0">
+                <a:solidFill>
+                  <a:srgbClr val="408080"/>
+                </a:solidFill>
+                <a:latin typeface="Courier" charset="0"/>
+                <a:ea typeface="Courier" charset="0"/>
+                <a:cs typeface="Courier" charset="0"/>
+              </a:rPr>
+              <a:t>Date</a:t>
+            </a:r>
+            <a:r>
+              <a:rPr lang="en-US" sz="1200" dirty="0" smtClean="0">
+                <a:latin typeface="Courier" charset="0"/>
+                <a:ea typeface="Courier" charset="0"/>
+                <a:cs typeface="Courier" charset="0"/>
+              </a:rPr>
+              <a:t> </a:t>
+            </a:r>
+            <a:r>
+              <a:rPr lang="en-US" sz="1200" dirty="0" err="1">
+                <a:latin typeface="Courier" charset="0"/>
+                <a:ea typeface="Courier" charset="0"/>
+                <a:cs typeface="Courier" charset="0"/>
+              </a:rPr>
+              <a:t>anyDate</a:t>
+            </a:r>
+            <a:r>
               <a:rPr lang="en-US" sz="1200" dirty="0">
-                <a:solidFill>
-                  <a:srgbClr val="0000FF"/>
-                </a:solidFill>
-                <a:latin typeface="Courier" charset="0"/>
-                <a:ea typeface="Courier" charset="0"/>
-                <a:cs typeface="Courier" charset="0"/>
-              </a:rPr>
-              <a:t>bool</a:t>
+                <a:latin typeface="Courier" charset="0"/>
+                <a:ea typeface="Courier" charset="0"/>
+                <a:cs typeface="Courier" charset="0"/>
+              </a:rPr>
+              <a:t>, </a:t>
             </a:r>
             <a:r>
               <a:rPr lang="en-US" sz="1200" dirty="0">
-                <a:latin typeface="Courier" charset="0"/>
-                <a:ea typeface="Courier" charset="0"/>
-                <a:cs typeface="Courier" charset="0"/>
-              </a:rPr>
-              <a:t> </a:t>
-            </a:r>
-            <a:r>
-              <a:rPr lang="en-US" sz="1200" dirty="0" err="1" smtClean="0">
-                <a:latin typeface="Courier" charset="0"/>
-                <a:ea typeface="Courier" charset="0"/>
-                <a:cs typeface="Courier" charset="0"/>
-              </a:rPr>
-              <a:t>zone_conversion_is_not_affected_by_detours</a:t>
-            </a:r>
-            <a:r>
-              <a:rPr lang="en-US" sz="1200" dirty="0" smtClean="0">
-                <a:latin typeface="Courier" charset="0"/>
-                <a:ea typeface="Courier" charset="0"/>
-                <a:cs typeface="Courier" charset="0"/>
-              </a:rPr>
-              <a:t>(Date </a:t>
-            </a:r>
-            <a:r>
-              <a:rPr lang="en-US" sz="1200" dirty="0" err="1">
-                <a:latin typeface="Courier" charset="0"/>
-                <a:ea typeface="Courier" charset="0"/>
-                <a:cs typeface="Courier" charset="0"/>
-              </a:rPr>
-              <a:t>anyDate</a:t>
+                <a:solidFill>
+                  <a:srgbClr val="408080"/>
+                </a:solidFill>
+                <a:latin typeface="Courier" charset="0"/>
+                <a:ea typeface="Courier" charset="0"/>
+                <a:cs typeface="Courier" charset="0"/>
+              </a:rPr>
+              <a:t>Zone</a:t>
             </a:r>
             <a:r>
               <a:rPr lang="en-US" sz="1200" dirty="0">
@@ -12822,7 +12848,26 @@
                 <a:ea typeface="Courier" charset="0"/>
                 <a:cs typeface="Courier" charset="0"/>
               </a:rPr>
-              <a:t>, Zone zone1, Zone zone2</a:t>
+              <a:t> zone1, </a:t>
+            </a:r>
+            <a:r>
+              <a:rPr lang="en-US" sz="1200" dirty="0">
+                <a:solidFill>
+                  <a:srgbClr val="408080"/>
+                </a:solidFill>
+                <a:latin typeface="Courier" charset="0"/>
+                <a:ea typeface="Courier" charset="0"/>
+                <a:cs typeface="Courier" charset="0"/>
+              </a:rPr>
+              <a:t>Zone</a:t>
+            </a:r>
+            <a:r>
+              <a:rPr lang="en-US" sz="1200" dirty="0">
+                <a:latin typeface="Courier" charset="0"/>
+                <a:ea typeface="Courier" charset="0"/>
+                <a:cs typeface="Courier" charset="0"/>
+              </a:rPr>
+              <a:t> zone2</a:t>
             </a:r>
             <a:r>
               <a:rPr lang="en-US" sz="1200" dirty="0" smtClean="0">
@@ -12885,11 +12930,22 @@
             </a:r>
             <a:r>
               <a:rPr lang="en-US" sz="1200" dirty="0" err="1">
-                <a:latin typeface="Courier" charset="0"/>
-                <a:ea typeface="Courier" charset="0"/>
-                <a:cs typeface="Courier" charset="0"/>
-              </a:rPr>
-              <a:t>Zone.ConvertTime</a:t>
+                <a:solidFill>
+                  <a:srgbClr val="408080"/>
+                </a:solidFill>
+                <a:latin typeface="Courier" charset="0"/>
+                <a:ea typeface="Courier" charset="0"/>
+                <a:cs typeface="Courier" charset="0"/>
+              </a:rPr>
+              <a:t>Zone</a:t>
+            </a:r>
+            <a:r>
+              <a:rPr lang="en-US" sz="1200" dirty="0" err="1">
+                <a:latin typeface="Courier" charset="0"/>
+                <a:ea typeface="Courier" charset="0"/>
+                <a:cs typeface="Courier" charset="0"/>
+              </a:rPr>
+              <a:t>.ConvertTime</a:t>
             </a:r>
             <a:r>
               <a:rPr lang="en-US" sz="1200" dirty="0">
@@ -12901,11 +12957,22 @@
             </a:r>
             <a:r>
               <a:rPr lang="en-US" sz="1200" dirty="0" err="1">
-                <a:latin typeface="Courier" charset="0"/>
-                <a:ea typeface="Courier" charset="0"/>
-                <a:cs typeface="Courier" charset="0"/>
-              </a:rPr>
-              <a:t>Zone.ConvertTime</a:t>
+                <a:solidFill>
+                  <a:srgbClr val="408080"/>
+                </a:solidFill>
+                <a:latin typeface="Courier" charset="0"/>
+                <a:ea typeface="Courier" charset="0"/>
+                <a:cs typeface="Courier" charset="0"/>
+              </a:rPr>
+              <a:t>Zone</a:t>
+            </a:r>
+            <a:r>
+              <a:rPr lang="en-US" sz="1200" dirty="0" err="1">
+                <a:latin typeface="Courier" charset="0"/>
+                <a:ea typeface="Courier" charset="0"/>
+                <a:cs typeface="Courier" charset="0"/>
+              </a:rPr>
+              <a:t>.ConvertTime</a:t>
             </a:r>
             <a:r>
               <a:rPr lang="en-US" sz="1200" dirty="0">
@@ -12979,11 +13046,22 @@
             </a:r>
             <a:r>
               <a:rPr lang="en-US" sz="1200" dirty="0" err="1">
-                <a:latin typeface="Courier" charset="0"/>
-                <a:ea typeface="Courier" charset="0"/>
-                <a:cs typeface="Courier" charset="0"/>
-              </a:rPr>
-              <a:t>Zone.ConvertTime</a:t>
+                <a:solidFill>
+                  <a:srgbClr val="408080"/>
+                </a:solidFill>
+                <a:latin typeface="Courier" charset="0"/>
+                <a:ea typeface="Courier" charset="0"/>
+                <a:cs typeface="Courier" charset="0"/>
+              </a:rPr>
+              <a:t>Zone</a:t>
+            </a:r>
+            <a:r>
+              <a:rPr lang="en-US" sz="1200" dirty="0" err="1">
+                <a:latin typeface="Courier" charset="0"/>
+                <a:ea typeface="Courier" charset="0"/>
+                <a:cs typeface="Courier" charset="0"/>
+              </a:rPr>
+              <a:t>.ConvertTime</a:t>
             </a:r>
             <a:r>
               <a:rPr lang="en-US" sz="1200" dirty="0">
@@ -14360,15 +14438,42 @@
                 <a:ea typeface="Courier" charset="0"/>
                 <a:cs typeface="Courier" charset="0"/>
               </a:rPr>
-              <a:t>aDate</a:t>
-            </a:r>
-            <a:r>
-              <a:rPr lang="en-US" sz="1200" dirty="0" smtClean="0">
-                <a:latin typeface="Courier" charset="0"/>
-                <a:ea typeface="Courier" charset="0"/>
-                <a:cs typeface="Courier" charset="0"/>
-              </a:rPr>
-              <a:t> :Date) (</a:t>
+              <a:t>anyDate</a:t>
+            </a:r>
+            <a:r>
+              <a:rPr lang="en-US" sz="1200" dirty="0" smtClean="0">
+                <a:latin typeface="Courier" charset="0"/>
+                <a:ea typeface="Courier" charset="0"/>
+                <a:cs typeface="Courier" charset="0"/>
+              </a:rPr>
+              <a:t> </a:t>
+            </a:r>
+            <a:r>
+              <a:rPr lang="en-US" sz="1200" dirty="0" smtClean="0">
+                <a:latin typeface="Courier" charset="0"/>
+                <a:ea typeface="Courier" charset="0"/>
+                <a:cs typeface="Courier" charset="0"/>
+              </a:rPr>
+              <a:t>:</a:t>
+            </a:r>
+            <a:r>
+              <a:rPr lang="en-US" sz="1200" dirty="0" smtClean="0">
+                <a:solidFill>
+                  <a:srgbClr val="408080"/>
+                </a:solidFill>
+                <a:latin typeface="Courier" charset="0"/>
+                <a:ea typeface="Courier" charset="0"/>
+                <a:cs typeface="Courier" charset="0"/>
+              </a:rPr>
+              <a:t>Date</a:t>
+            </a:r>
+            <a:r>
+              <a:rPr lang="en-US" sz="1200" dirty="0" smtClean="0">
+                <a:latin typeface="Courier" charset="0"/>
+                <a:ea typeface="Courier" charset="0"/>
+                <a:cs typeface="Courier" charset="0"/>
+              </a:rPr>
+              <a:t>) (</a:t>
             </a:r>
             <a:r>
               <a:rPr lang="en-US" sz="1200" dirty="0" err="1" smtClean="0">
@@ -14376,15 +14481,42 @@
                 <a:ea typeface="Courier" charset="0"/>
                 <a:cs typeface="Courier" charset="0"/>
               </a:rPr>
-              <a:t>aZone</a:t>
-            </a:r>
-            <a:r>
-              <a:rPr lang="en-US" sz="1200" dirty="0" smtClean="0">
-                <a:latin typeface="Courier" charset="0"/>
-                <a:ea typeface="Courier" charset="0"/>
-                <a:cs typeface="Courier" charset="0"/>
-              </a:rPr>
-              <a:t> :Zone) (</a:t>
+              <a:t>anyZone</a:t>
+            </a:r>
+            <a:r>
+              <a:rPr lang="en-US" sz="1200" dirty="0" smtClean="0">
+                <a:latin typeface="Courier" charset="0"/>
+                <a:ea typeface="Courier" charset="0"/>
+                <a:cs typeface="Courier" charset="0"/>
+              </a:rPr>
+              <a:t> </a:t>
+            </a:r>
+            <a:r>
+              <a:rPr lang="en-US" sz="1200" dirty="0" smtClean="0">
+                <a:latin typeface="Courier" charset="0"/>
+                <a:ea typeface="Courier" charset="0"/>
+                <a:cs typeface="Courier" charset="0"/>
+              </a:rPr>
+              <a:t>:</a:t>
+            </a:r>
+            <a:r>
+              <a:rPr lang="en-US" sz="1200" dirty="0" smtClean="0">
+                <a:solidFill>
+                  <a:srgbClr val="408080"/>
+                </a:solidFill>
+                <a:latin typeface="Courier" charset="0"/>
+                <a:ea typeface="Courier" charset="0"/>
+                <a:cs typeface="Courier" charset="0"/>
+              </a:rPr>
+              <a:t>Zone</a:t>
+            </a:r>
+            <a:r>
+              <a:rPr lang="en-US" sz="1200" dirty="0" smtClean="0">
+                <a:latin typeface="Courier" charset="0"/>
+                <a:ea typeface="Courier" charset="0"/>
+                <a:cs typeface="Courier" charset="0"/>
+              </a:rPr>
+              <a:t>) (</a:t>
             </a:r>
             <a:r>
               <a:rPr lang="en-US" sz="1200" dirty="0" err="1" smtClean="0">
@@ -14400,8 +14532,40 @@
                 <a:ea typeface="Courier" charset="0"/>
                 <a:cs typeface="Courier" charset="0"/>
               </a:rPr>
-              <a:t> total) =</a:t>
-            </a:r>
+              <a:t> total) </a:t>
+            </a:r>
+            <a:r>
+              <a:rPr lang="en-US" sz="1200" dirty="0" smtClean="0">
+                <a:latin typeface="Courier" charset="0"/>
+                <a:ea typeface="Courier" charset="0"/>
+                <a:cs typeface="Courier" charset="0"/>
+              </a:rPr>
+              <a:t>:</a:t>
+            </a:r>
+            <a:r>
+              <a:rPr lang="en-US" sz="1200" dirty="0" smtClean="0">
+                <a:solidFill>
+                  <a:srgbClr val="408080"/>
+                </a:solidFill>
+                <a:latin typeface="Courier" charset="0"/>
+                <a:ea typeface="Courier" charset="0"/>
+                <a:cs typeface="Courier" charset="0"/>
+              </a:rPr>
+              <a:t>Property</a:t>
+            </a:r>
+            <a:r>
+              <a:rPr lang="en-US" sz="1200" dirty="0" smtClean="0">
+                <a:latin typeface="Courier" charset="0"/>
+                <a:ea typeface="Courier" charset="0"/>
+                <a:cs typeface="Courier" charset="0"/>
+              </a:rPr>
+              <a:t> =</a:t>
+            </a:r>
+            <a:endParaRPr lang="en-US" sz="1200" dirty="0" smtClean="0">
+              <a:latin typeface="Courier" charset="0"/>
+              <a:ea typeface="Courier" charset="0"/>
+              <a:cs typeface="Courier" charset="0"/>
+            </a:endParaRPr>
           </a:p>
           <a:p>
             <a:pPr marL="0" indent="0">
@@ -14460,11 +14624,22 @@
             </a:r>
             <a:r>
               <a:rPr lang="en-US" sz="1200" dirty="0" err="1" smtClean="0">
-                <a:latin typeface="Courier" charset="0"/>
-                <a:ea typeface="Courier" charset="0"/>
-                <a:cs typeface="Courier" charset="0"/>
-              </a:rPr>
-              <a:t>Time.FromDays</a:t>
+                <a:solidFill>
+                  <a:srgbClr val="408080"/>
+                </a:solidFill>
+                <a:latin typeface="Courier" charset="0"/>
+                <a:ea typeface="Courier" charset="0"/>
+                <a:cs typeface="Courier" charset="0"/>
+              </a:rPr>
+              <a:t>Time</a:t>
+            </a:r>
+            <a:r>
+              <a:rPr lang="en-US" sz="1200" dirty="0" err="1" smtClean="0">
+                <a:latin typeface="Courier" charset="0"/>
+                <a:ea typeface="Courier" charset="0"/>
+                <a:cs typeface="Courier" charset="0"/>
+              </a:rPr>
+              <a:t>.FromDays</a:t>
             </a:r>
             <a:r>
               <a:rPr lang="en-US" sz="1200" dirty="0" smtClean="0">
@@ -14535,11 +14710,22 @@
             </a:r>
             <a:r>
               <a:rPr lang="en-US" sz="1200" dirty="0" err="1" smtClean="0">
-                <a:latin typeface="Courier" charset="0"/>
-                <a:ea typeface="Courier" charset="0"/>
-                <a:cs typeface="Courier" charset="0"/>
-              </a:rPr>
-              <a:t>Zone.ConvertTime</a:t>
+                <a:solidFill>
+                  <a:srgbClr val="408080"/>
+                </a:solidFill>
+                <a:latin typeface="Courier" charset="0"/>
+                <a:ea typeface="Courier" charset="0"/>
+                <a:cs typeface="Courier" charset="0"/>
+              </a:rPr>
+              <a:t>Zone</a:t>
+            </a:r>
+            <a:r>
+              <a:rPr lang="en-US" sz="1200" dirty="0" err="1" smtClean="0">
+                <a:latin typeface="Courier" charset="0"/>
+                <a:ea typeface="Courier" charset="0"/>
+                <a:cs typeface="Courier" charset="0"/>
+              </a:rPr>
+              <a:t>.ConvertTime</a:t>
             </a:r>
             <a:r>
               <a:rPr lang="en-US" sz="1200" dirty="0" smtClean="0">
@@ -14555,15 +14741,31 @@
                 <a:ea typeface="Courier" charset="0"/>
                 <a:cs typeface="Courier" charset="0"/>
               </a:rPr>
-              <a:t>aDate</a:t>
-            </a:r>
-            <a:r>
-              <a:rPr lang="en-US" sz="1200" dirty="0" smtClean="0">
-                <a:latin typeface="Courier" charset="0"/>
-                <a:ea typeface="Courier" charset="0"/>
-                <a:cs typeface="Courier" charset="0"/>
-              </a:rPr>
-              <a:t> + </a:t>
+              <a:t>anyDate</a:t>
+            </a:r>
+            <a:r>
+              <a:rPr lang="en-US" sz="1200" dirty="0" smtClean="0">
+                <a:latin typeface="Courier" charset="0"/>
+                <a:ea typeface="Courier" charset="0"/>
+                <a:cs typeface="Courier" charset="0"/>
+              </a:rPr>
+              <a:t> </a:t>
+            </a:r>
+            <a:r>
+              <a:rPr lang="en-US" sz="1200" dirty="0" smtClean="0">
+                <a:latin typeface="Courier" charset="0"/>
+                <a:ea typeface="Courier" charset="0"/>
+                <a:cs typeface="Courier" charset="0"/>
+              </a:rPr>
+              <a:t>+ </a:t>
+            </a:r>
+            <a:r>
+              <a:rPr lang="en-US" sz="1200" dirty="0" smtClean="0">
+                <a:latin typeface="Courier" charset="0"/>
+                <a:ea typeface="Courier" charset="0"/>
+                <a:cs typeface="Courier" charset="0"/>
+              </a:rPr>
+              <a:t>days, </a:t>
             </a:r>
             <a:r>
               <a:rPr lang="en-US" sz="1200" dirty="0" err="1" smtClean="0">
@@ -14571,7 +14773,7 @@
                 <a:ea typeface="Courier" charset="0"/>
                 <a:cs typeface="Courier" charset="0"/>
               </a:rPr>
-              <a:t>days,aZone</a:t>
+              <a:t>anyZone</a:t>
             </a:r>
             <a:r>
               <a:rPr lang="en-US" sz="1200" dirty="0" smtClean="0">
@@ -14642,11 +14844,22 @@
             </a:r>
             <a:r>
               <a:rPr lang="en-US" sz="1200" dirty="0" err="1" smtClean="0">
-                <a:latin typeface="Courier" charset="0"/>
-                <a:ea typeface="Courier" charset="0"/>
-                <a:cs typeface="Courier" charset="0"/>
-              </a:rPr>
-              <a:t>Zone.ConvertTime</a:t>
+                <a:solidFill>
+                  <a:srgbClr val="408080"/>
+                </a:solidFill>
+                <a:latin typeface="Courier" charset="0"/>
+                <a:ea typeface="Courier" charset="0"/>
+                <a:cs typeface="Courier" charset="0"/>
+              </a:rPr>
+              <a:t>Zone</a:t>
+            </a:r>
+            <a:r>
+              <a:rPr lang="en-US" sz="1200" dirty="0" err="1" smtClean="0">
+                <a:latin typeface="Courier" charset="0"/>
+                <a:ea typeface="Courier" charset="0"/>
+                <a:cs typeface="Courier" charset="0"/>
+              </a:rPr>
+              <a:t>.ConvertTime</a:t>
             </a:r>
             <a:r>
               <a:rPr lang="en-US" sz="1200" dirty="0" smtClean="0">
@@ -14662,7 +14875,23 @@
                 <a:ea typeface="Courier" charset="0"/>
                 <a:cs typeface="Courier" charset="0"/>
               </a:rPr>
-              <a:t>aDate,aZone</a:t>
+              <a:t>anyDate</a:t>
+            </a:r>
+            <a:r>
+              <a:rPr lang="en-US" sz="1200" dirty="0" smtClean="0">
+                <a:latin typeface="Courier" charset="0"/>
+                <a:ea typeface="Courier" charset="0"/>
+                <a:cs typeface="Courier" charset="0"/>
+              </a:rPr>
+              <a:t>, </a:t>
+            </a:r>
+            <a:r>
+              <a:rPr lang="en-US" sz="1200" dirty="0" err="1" smtClean="0">
+                <a:latin typeface="Courier" charset="0"/>
+                <a:ea typeface="Courier" charset="0"/>
+                <a:cs typeface="Courier" charset="0"/>
+              </a:rPr>
+              <a:t>aZone</a:t>
             </a:r>
             <a:r>
               <a:rPr lang="en-US" sz="1200" dirty="0" smtClean="0">
@@ -14762,11 +14991,22 @@
             </a:r>
             <a:r>
               <a:rPr lang="en-US" sz="1200" dirty="0" err="1" smtClean="0">
-                <a:latin typeface="Courier" charset="0"/>
-                <a:ea typeface="Courier" charset="0"/>
-                <a:cs typeface="Courier" charset="0"/>
-              </a:rPr>
-              <a:t>Prop.trivial</a:t>
+                <a:solidFill>
+                  <a:srgbClr val="408080"/>
+                </a:solidFill>
+                <a:latin typeface="Courier" charset="0"/>
+                <a:ea typeface="Courier" charset="0"/>
+                <a:cs typeface="Courier" charset="0"/>
+              </a:rPr>
+              <a:t>Prop</a:t>
+            </a:r>
+            <a:r>
+              <a:rPr lang="en-US" sz="1200" dirty="0" err="1" smtClean="0">
+                <a:latin typeface="Courier" charset="0"/>
+                <a:ea typeface="Courier" charset="0"/>
+                <a:cs typeface="Courier" charset="0"/>
+              </a:rPr>
+              <a:t>.trivial</a:t>
             </a:r>
             <a:r>
               <a:rPr lang="en-US" sz="1200" dirty="0" smtClean="0">
@@ -15580,7 +15820,26 @@
                 <a:ea typeface="Courier" charset="0"/>
                 <a:cs typeface="Courier" charset="0"/>
               </a:rPr>
-              <a:t> Dated, </a:t>
+              <a:t> </a:t>
+            </a:r>
+            <a:r>
+              <a:rPr lang="en-US" sz="1200" dirty="0" smtClean="0">
+                <a:solidFill>
+                  <a:srgbClr val="408080"/>
+                </a:solidFill>
+                <a:latin typeface="Courier" charset="0"/>
+                <a:ea typeface="Courier" charset="0"/>
+                <a:cs typeface="Courier" charset="0"/>
+              </a:rPr>
+              <a:t>Dated</a:t>
+            </a:r>
+            <a:r>
+              <a:rPr lang="en-US" sz="1200" dirty="0" smtClean="0">
+                <a:latin typeface="Courier" charset="0"/>
+                <a:ea typeface="Courier" charset="0"/>
+                <a:cs typeface="Courier" charset="0"/>
+              </a:rPr>
+              <a:t>, </a:t>
             </a:r>
             <a:r>
               <a:rPr lang="en-US" sz="1200" dirty="0" err="1" smtClean="0">
@@ -15618,20 +15877,61 @@
               <a:t> </a:t>
             </a:r>
             <a:r>
+              <a:rPr lang="en-US" sz="1200" dirty="0" smtClean="0">
+                <a:solidFill>
+                  <a:srgbClr val="408080"/>
+                </a:solidFill>
+                <a:latin typeface="Courier" charset="0"/>
+                <a:ea typeface="Courier" charset="0"/>
+                <a:cs typeface="Courier" charset="0"/>
+              </a:rPr>
+              <a:t>Zoned</a:t>
+            </a:r>
+            <a:r>
+              <a:rPr lang="en-US" sz="1200" dirty="0" smtClean="0">
+                <a:latin typeface="Courier" charset="0"/>
+                <a:ea typeface="Courier" charset="0"/>
+                <a:cs typeface="Courier" charset="0"/>
+              </a:rPr>
+              <a:t>, total </a:t>
+            </a:r>
+            <a:r>
+              <a:rPr lang="en-US" sz="1200" dirty="0" smtClean="0">
+                <a:solidFill>
+                  <a:srgbClr val="0000FF"/>
+                </a:solidFill>
+                <a:latin typeface="Courier" charset="0"/>
+                <a:ea typeface="Courier" charset="0"/>
+                <a:cs typeface="Courier" charset="0"/>
+              </a:rPr>
+              <a:t>As</a:t>
+            </a:r>
+            <a:r>
+              <a:rPr lang="en-US" sz="1200" dirty="0" smtClean="0">
+                <a:latin typeface="Courier" charset="0"/>
+                <a:ea typeface="Courier" charset="0"/>
+                <a:cs typeface="Courier" charset="0"/>
+              </a:rPr>
+              <a:t> </a:t>
+            </a:r>
+            <a:r>
               <a:rPr lang="en-US" sz="1200" dirty="0" err="1" smtClean="0">
-                <a:latin typeface="Courier" charset="0"/>
-                <a:ea typeface="Courier" charset="0"/>
-                <a:cs typeface="Courier" charset="0"/>
-              </a:rPr>
-              <a:t>ZOned</a:t>
-            </a:r>
-            <a:r>
-              <a:rPr lang="en-US" sz="1200" dirty="0" smtClean="0">
-                <a:latin typeface="Courier" charset="0"/>
-                <a:ea typeface="Courier" charset="0"/>
-                <a:cs typeface="Courier" charset="0"/>
-              </a:rPr>
-              <a:t>, total </a:t>
+                <a:solidFill>
+                  <a:srgbClr val="408080"/>
+                </a:solidFill>
+                <a:latin typeface="Courier" charset="0"/>
+                <a:ea typeface="Courier" charset="0"/>
+                <a:cs typeface="Courier" charset="0"/>
+              </a:rPr>
+              <a:t>NonNegativeInt</a:t>
+            </a:r>
+            <a:r>
+              <a:rPr lang="en-US" sz="1200" dirty="0" smtClean="0">
+                <a:latin typeface="Courier" charset="0"/>
+                <a:ea typeface="Courier" charset="0"/>
+                <a:cs typeface="Courier" charset="0"/>
+              </a:rPr>
+              <a:t>) </a:t>
             </a:r>
             <a:r>
               <a:rPr lang="en-US" sz="1200" dirty="0" smtClean="0">
@@ -15653,39 +15953,15 @@
               <a:t> </a:t>
             </a:r>
             <a:r>
-              <a:rPr lang="en-US" sz="1200" dirty="0" err="1" smtClean="0">
-                <a:latin typeface="Courier" charset="0"/>
-                <a:ea typeface="Courier" charset="0"/>
-                <a:cs typeface="Courier" charset="0"/>
-              </a:rPr>
-              <a:t>NonNegativeInt</a:t>
-            </a:r>
-            <a:r>
-              <a:rPr lang="en-US" sz="1200" dirty="0" smtClean="0">
-                <a:latin typeface="Courier" charset="0"/>
-                <a:ea typeface="Courier" charset="0"/>
-                <a:cs typeface="Courier" charset="0"/>
-              </a:rPr>
-              <a:t>) </a:t>
-            </a:r>
-            <a:r>
-              <a:rPr lang="en-US" sz="1200" dirty="0" smtClean="0">
-                <a:solidFill>
-                  <a:srgbClr val="0000FF"/>
-                </a:solidFill>
-                <a:latin typeface="Courier" charset="0"/>
-                <a:ea typeface="Courier" charset="0"/>
-                <a:cs typeface="Courier" charset="0"/>
-              </a:rPr>
-              <a:t>As</a:t>
-            </a:r>
-            <a:r>
-              <a:rPr lang="en-US" sz="1200" dirty="0" smtClean="0">
-                <a:latin typeface="Courier" charset="0"/>
-                <a:ea typeface="Courier" charset="0"/>
-                <a:cs typeface="Courier" charset="0"/>
-              </a:rPr>
-              <a:t> [Property]</a:t>
+              <a:rPr lang="en-US" sz="1200" dirty="0" smtClean="0">
+                <a:solidFill>
+                  <a:srgbClr val="408080"/>
+                </a:solidFill>
+                <a:latin typeface="Courier" charset="0"/>
+                <a:ea typeface="Courier" charset="0"/>
+                <a:cs typeface="Courier" charset="0"/>
+              </a:rPr>
+              <a:t>[Property]</a:t>
             </a:r>
           </a:p>
           <a:p>
@@ -15746,11 +16022,22 @@
             </a:r>
             <a:r>
               <a:rPr lang="en-US" sz="1200" dirty="0" err="1" smtClean="0">
-                <a:latin typeface="Courier" charset="0"/>
-                <a:ea typeface="Courier" charset="0"/>
-                <a:cs typeface="Courier" charset="0"/>
-              </a:rPr>
-              <a:t>Timed.FromDays</a:t>
+                <a:solidFill>
+                  <a:srgbClr val="408080"/>
+                </a:solidFill>
+                <a:latin typeface="Courier" charset="0"/>
+                <a:ea typeface="Courier" charset="0"/>
+                <a:cs typeface="Courier" charset="0"/>
+              </a:rPr>
+              <a:t>Timed</a:t>
+            </a:r>
+            <a:r>
+              <a:rPr lang="en-US" sz="1200" dirty="0" err="1" smtClean="0">
+                <a:latin typeface="Courier" charset="0"/>
+                <a:ea typeface="Courier" charset="0"/>
+                <a:cs typeface="Courier" charset="0"/>
+              </a:rPr>
+              <a:t>.FromDays</a:t>
             </a:r>
             <a:r>
               <a:rPr lang="en-US" sz="1200" dirty="0" smtClean="0">
@@ -15816,11 +16103,22 @@
             </a:r>
             <a:r>
               <a:rPr lang="en-US" sz="1200" dirty="0" err="1" smtClean="0">
-                <a:latin typeface="Courier" charset="0"/>
-                <a:ea typeface="Courier" charset="0"/>
-                <a:cs typeface="Courier" charset="0"/>
-              </a:rPr>
-              <a:t>Zoned.ConvertTime</a:t>
+                <a:solidFill>
+                  <a:srgbClr val="408080"/>
+                </a:solidFill>
+                <a:latin typeface="Courier" charset="0"/>
+                <a:ea typeface="Courier" charset="0"/>
+                <a:cs typeface="Courier" charset="0"/>
+              </a:rPr>
+              <a:t>Zoned</a:t>
+            </a:r>
+            <a:r>
+              <a:rPr lang="en-US" sz="1200" dirty="0" err="1" smtClean="0">
+                <a:latin typeface="Courier" charset="0"/>
+                <a:ea typeface="Courier" charset="0"/>
+                <a:cs typeface="Courier" charset="0"/>
+              </a:rPr>
+              <a:t>.ConvertTime</a:t>
             </a:r>
             <a:r>
               <a:rPr lang="en-US" sz="1200" dirty="0" smtClean="0">
@@ -15921,11 +16219,22 @@
             </a:r>
             <a:r>
               <a:rPr lang="en-US" sz="1200" dirty="0" err="1" smtClean="0">
-                <a:latin typeface="Courier" charset="0"/>
-                <a:ea typeface="Courier" charset="0"/>
-                <a:cs typeface="Courier" charset="0"/>
-              </a:rPr>
-              <a:t>Zoned.ConvertTime</a:t>
+                <a:solidFill>
+                  <a:srgbClr val="408080"/>
+                </a:solidFill>
+                <a:latin typeface="Courier" charset="0"/>
+                <a:ea typeface="Courier" charset="0"/>
+                <a:cs typeface="Courier" charset="0"/>
+              </a:rPr>
+              <a:t>Zoned</a:t>
+            </a:r>
+            <a:r>
+              <a:rPr lang="en-US" sz="1200" dirty="0" err="1" smtClean="0">
+                <a:latin typeface="Courier" charset="0"/>
+                <a:ea typeface="Courier" charset="0"/>
+                <a:cs typeface="Courier" charset="0"/>
+              </a:rPr>
+              <a:t>.ConvertTime</a:t>
             </a:r>
             <a:r>
               <a:rPr lang="en-US" sz="1200" dirty="0" smtClean="0">
@@ -16065,8 +16374,13 @@
                 <a:ea typeface="Courier" charset="0"/>
                 <a:cs typeface="Courier" charset="0"/>
               </a:rPr>
-              <a:t>)_</a:t>
-            </a:r>
+              <a:t>) _</a:t>
+            </a:r>
+            <a:endParaRPr lang="en-US" sz="1200" dirty="0" smtClean="0">
+              <a:latin typeface="Courier" charset="0"/>
+              <a:ea typeface="Courier" charset="0"/>
+              <a:cs typeface="Courier" charset="0"/>
+            </a:endParaRPr>
           </a:p>
           <a:p>
             <a:pPr marL="0" indent="0">
@@ -16101,11 +16415,22 @@
             </a:r>
             <a:r>
               <a:rPr lang="en-US" sz="1200" dirty="0" err="1" smtClean="0">
-                <a:latin typeface="Courier" charset="0"/>
-                <a:ea typeface="Courier" charset="0"/>
-                <a:cs typeface="Courier" charset="0"/>
-              </a:rPr>
-              <a:t>Timed.Zero</a:t>
+                <a:solidFill>
+                  <a:srgbClr val="408080"/>
+                </a:solidFill>
+                <a:latin typeface="Courier" charset="0"/>
+                <a:ea typeface="Courier" charset="0"/>
+                <a:cs typeface="Courier" charset="0"/>
+              </a:rPr>
+              <a:t>Timed</a:t>
+            </a:r>
+            <a:r>
+              <a:rPr lang="en-US" sz="1200" dirty="0" err="1" smtClean="0">
+                <a:latin typeface="Courier" charset="0"/>
+                <a:ea typeface="Courier" charset="0"/>
+                <a:cs typeface="Courier" charset="0"/>
+              </a:rPr>
+              <a:t>.Zero</a:t>
             </a:r>
             <a:r>
               <a:rPr lang="en-US" sz="1200" dirty="0" smtClean="0">
@@ -16124,16 +16449,32 @@
                 <a:ea typeface="Courier" charset="0"/>
                 <a:cs typeface="Courier" charset="0"/>
               </a:rPr>
-              <a:t>"&lt; GMT"</a:t>
-            </a:r>
-            <a:r>
-              <a:rPr lang="en-US" sz="1200" dirty="0" smtClean="0">
-                <a:latin typeface="Courier" charset="0"/>
-                <a:ea typeface="Courier" charset="0"/>
-                <a:cs typeface="Courier" charset="0"/>
-              </a:rPr>
-              <a:t>)_</a:t>
-            </a:r>
+              <a:t>"&lt; GMT</a:t>
+            </a:r>
+            <a:r>
+              <a:rPr lang="en-US" sz="1200" dirty="0" smtClean="0">
+                <a:solidFill>
+                  <a:srgbClr val="800000"/>
+                </a:solidFill>
+                <a:latin typeface="Courier" charset="0"/>
+                <a:ea typeface="Courier" charset="0"/>
+                <a:cs typeface="Courier" charset="0"/>
+              </a:rPr>
+              <a:t>"</a:t>
+            </a:r>
+            <a:r>
+              <a:rPr lang="en-US" sz="1200" dirty="0" smtClean="0">
+                <a:latin typeface="Courier" charset="0"/>
+                <a:ea typeface="Courier" charset="0"/>
+                <a:cs typeface="Courier" charset="0"/>
+              </a:rPr>
+              <a:t>) _</a:t>
+            </a:r>
+            <a:endParaRPr lang="en-US" sz="1200" dirty="0" smtClean="0">
+              <a:latin typeface="Courier" charset="0"/>
+              <a:ea typeface="Courier" charset="0"/>
+              <a:cs typeface="Courier" charset="0"/>
+            </a:endParaRPr>
           </a:p>
           <a:p>
             <a:pPr marL="0" indent="0">
@@ -16168,11 +16509,22 @@
             </a:r>
             <a:r>
               <a:rPr lang="en-US" sz="1200" dirty="0" err="1" smtClean="0">
-                <a:latin typeface="Courier" charset="0"/>
-                <a:ea typeface="Courier" charset="0"/>
-                <a:cs typeface="Courier" charset="0"/>
-              </a:rPr>
-              <a:t>Timed.Zero</a:t>
+                <a:solidFill>
+                  <a:srgbClr val="408080"/>
+                </a:solidFill>
+                <a:latin typeface="Courier" charset="0"/>
+                <a:ea typeface="Courier" charset="0"/>
+                <a:cs typeface="Courier" charset="0"/>
+              </a:rPr>
+              <a:t>Timed</a:t>
+            </a:r>
+            <a:r>
+              <a:rPr lang="en-US" sz="1200" dirty="0" err="1" smtClean="0">
+                <a:latin typeface="Courier" charset="0"/>
+                <a:ea typeface="Courier" charset="0"/>
+                <a:cs typeface="Courier" charset="0"/>
+              </a:rPr>
+              <a:t>.Zero</a:t>
             </a:r>
             <a:r>
               <a:rPr lang="en-US" sz="1200" dirty="0" smtClean="0">
@@ -16191,16 +16543,32 @@
                 <a:ea typeface="Courier" charset="0"/>
                 <a:cs typeface="Courier" charset="0"/>
               </a:rPr>
-              <a:t>"|GMT|"</a:t>
-            </a:r>
-            <a:r>
-              <a:rPr lang="en-US" sz="1200" dirty="0" smtClean="0">
-                <a:latin typeface="Courier" charset="0"/>
-                <a:ea typeface="Courier" charset="0"/>
-                <a:cs typeface="Courier" charset="0"/>
-              </a:rPr>
-              <a:t>)_</a:t>
-            </a:r>
+              <a:t>"|GMT</a:t>
+            </a:r>
+            <a:r>
+              <a:rPr lang="en-US" sz="1200" dirty="0" smtClean="0">
+                <a:solidFill>
+                  <a:srgbClr val="800000"/>
+                </a:solidFill>
+                <a:latin typeface="Courier" charset="0"/>
+                <a:ea typeface="Courier" charset="0"/>
+                <a:cs typeface="Courier" charset="0"/>
+              </a:rPr>
+              <a:t>|"</a:t>
+            </a:r>
+            <a:r>
+              <a:rPr lang="en-US" sz="1200" dirty="0" smtClean="0">
+                <a:latin typeface="Courier" charset="0"/>
+                <a:ea typeface="Courier" charset="0"/>
+                <a:cs typeface="Courier" charset="0"/>
+              </a:rPr>
+              <a:t>) _</a:t>
+            </a:r>
+            <a:endParaRPr lang="en-US" sz="1200" dirty="0" smtClean="0">
+              <a:latin typeface="Courier" charset="0"/>
+              <a:ea typeface="Courier" charset="0"/>
+              <a:cs typeface="Courier" charset="0"/>
+            </a:endParaRPr>
           </a:p>
           <a:p>
             <a:pPr marL="0" indent="0">
@@ -16235,11 +16603,22 @@
             </a:r>
             <a:r>
               <a:rPr lang="en-US" sz="1200" dirty="0" err="1" smtClean="0">
-                <a:latin typeface="Courier" charset="0"/>
-                <a:ea typeface="Courier" charset="0"/>
-                <a:cs typeface="Courier" charset="0"/>
-              </a:rPr>
-              <a:t>Timed.Zero</a:t>
+                <a:solidFill>
+                  <a:srgbClr val="408080"/>
+                </a:solidFill>
+                <a:latin typeface="Courier" charset="0"/>
+                <a:ea typeface="Courier" charset="0"/>
+                <a:cs typeface="Courier" charset="0"/>
+              </a:rPr>
+              <a:t>Timed</a:t>
+            </a:r>
+            <a:r>
+              <a:rPr lang="en-US" sz="1200" dirty="0" err="1" smtClean="0">
+                <a:latin typeface="Courier" charset="0"/>
+                <a:ea typeface="Courier" charset="0"/>
+                <a:cs typeface="Courier" charset="0"/>
+              </a:rPr>
+              <a:t>.Zero</a:t>
             </a:r>
             <a:r>
               <a:rPr lang="en-US" sz="1200" dirty="0" smtClean="0">
@@ -17152,7 +17531,26 @@
                 <a:ea typeface="Courier" charset="0"/>
                 <a:cs typeface="Courier" charset="0"/>
               </a:rPr>
-              <a:t> Property </a:t>
+              <a:t> </a:t>
+            </a:r>
+            <a:r>
+              <a:rPr lang="en-US" sz="1200" dirty="0" smtClean="0">
+                <a:solidFill>
+                  <a:srgbClr val="408080"/>
+                </a:solidFill>
+                <a:latin typeface="Courier" charset="0"/>
+                <a:ea typeface="Courier" charset="0"/>
+                <a:cs typeface="Courier" charset="0"/>
+              </a:rPr>
+              <a:t>Property</a:t>
+            </a:r>
+            <a:r>
+              <a:rPr lang="en-US" sz="1200" dirty="0" smtClean="0">
+                <a:latin typeface="Courier" charset="0"/>
+                <a:ea typeface="Courier" charset="0"/>
+                <a:cs typeface="Courier" charset="0"/>
+              </a:rPr>
+              <a:t> </a:t>
             </a:r>
             <a:r>
               <a:rPr lang="en-US" sz="1200" dirty="0" err="1" smtClean="0">
@@ -17168,7 +17566,26 @@
                 <a:ea typeface="Courier" charset="0"/>
                 <a:cs typeface="Courier" charset="0"/>
               </a:rPr>
-              <a:t>(Date </a:t>
+              <a:t>(</a:t>
+            </a:r>
+            <a:r>
+              <a:rPr lang="en-US" sz="1200" dirty="0" smtClean="0">
+                <a:solidFill>
+                  <a:srgbClr val="408080"/>
+                </a:solidFill>
+                <a:latin typeface="Courier" charset="0"/>
+                <a:ea typeface="Courier" charset="0"/>
+                <a:cs typeface="Courier" charset="0"/>
+              </a:rPr>
+              <a:t>Date</a:t>
+            </a:r>
+            <a:r>
+              <a:rPr lang="en-US" sz="1200" dirty="0" smtClean="0">
+                <a:latin typeface="Courier" charset="0"/>
+                <a:ea typeface="Courier" charset="0"/>
+                <a:cs typeface="Courier" charset="0"/>
+              </a:rPr>
+              <a:t> </a:t>
             </a:r>
             <a:r>
               <a:rPr lang="en-US" sz="1200" dirty="0" err="1" smtClean="0">
@@ -17176,15 +17593,34 @@
                 <a:ea typeface="Courier" charset="0"/>
                 <a:cs typeface="Courier" charset="0"/>
               </a:rPr>
-              <a:t>aDate</a:t>
-            </a:r>
-            <a:r>
-              <a:rPr lang="en-US" sz="1200" dirty="0" smtClean="0">
-                <a:latin typeface="Courier" charset="0"/>
-                <a:ea typeface="Courier" charset="0"/>
-                <a:cs typeface="Courier" charset="0"/>
-              </a:rPr>
-              <a:t>, Zone </a:t>
+              <a:t>anyDate</a:t>
+            </a:r>
+            <a:r>
+              <a:rPr lang="en-US" sz="1200" dirty="0" smtClean="0">
+                <a:latin typeface="Courier" charset="0"/>
+                <a:ea typeface="Courier" charset="0"/>
+                <a:cs typeface="Courier" charset="0"/>
+              </a:rPr>
+              <a:t>, </a:t>
+            </a:r>
+            <a:r>
+              <a:rPr lang="en-US" sz="1200" dirty="0" smtClean="0">
+                <a:solidFill>
+                  <a:srgbClr val="408080"/>
+                </a:solidFill>
+                <a:latin typeface="Courier" charset="0"/>
+                <a:ea typeface="Courier" charset="0"/>
+                <a:cs typeface="Courier" charset="0"/>
+              </a:rPr>
+              <a:t>Zone</a:t>
+            </a:r>
+            <a:r>
+              <a:rPr lang="en-US" sz="1200" dirty="0" smtClean="0">
+                <a:latin typeface="Courier" charset="0"/>
+                <a:ea typeface="Courier" charset="0"/>
+                <a:cs typeface="Courier" charset="0"/>
+              </a:rPr>
+              <a:t> </a:t>
             </a:r>
             <a:r>
               <a:rPr lang="en-US" sz="1200" dirty="0" err="1" smtClean="0">
@@ -17192,7 +17628,7 @@
                 <a:ea typeface="Courier" charset="0"/>
                 <a:cs typeface="Courier" charset="0"/>
               </a:rPr>
-              <a:t>aZone</a:t>
+              <a:t>anyZone</a:t>
             </a:r>
             <a:r>
               <a:rPr lang="en-US" sz="1200" dirty="0" smtClean="0">
@@ -17204,6 +17640,9 @@
             </a:r>
             <a:r>
               <a:rPr lang="en-US" sz="1200" dirty="0" err="1" smtClean="0">
+                <a:solidFill>
+                  <a:srgbClr val="408080"/>
+                </a:solidFill>
                 <a:latin typeface="Courier" charset="0"/>
                 <a:ea typeface="Courier" charset="0"/>
                 <a:cs typeface="Courier" charset="0"/>
@@ -17290,11 +17729,22 @@
             </a:r>
             <a:r>
               <a:rPr lang="en-US" sz="1200" dirty="0" err="1" smtClean="0">
-                <a:latin typeface="Courier" charset="0"/>
-                <a:ea typeface="Courier" charset="0"/>
-                <a:cs typeface="Courier" charset="0"/>
-              </a:rPr>
-              <a:t>Time.FromDays</a:t>
+                <a:solidFill>
+                  <a:srgbClr val="408080"/>
+                </a:solidFill>
+                <a:latin typeface="Courier" charset="0"/>
+                <a:ea typeface="Courier" charset="0"/>
+                <a:cs typeface="Courier" charset="0"/>
+              </a:rPr>
+              <a:t>Time</a:t>
+            </a:r>
+            <a:r>
+              <a:rPr lang="en-US" sz="1200" dirty="0" err="1" smtClean="0">
+                <a:latin typeface="Courier" charset="0"/>
+                <a:ea typeface="Courier" charset="0"/>
+                <a:cs typeface="Courier" charset="0"/>
+              </a:rPr>
+              <a:t>.FromDays</a:t>
             </a:r>
             <a:r>
               <a:rPr lang="en-US" sz="1200" dirty="0" smtClean="0">
@@ -17379,11 +17829,22 @@
             </a:r>
             <a:r>
               <a:rPr lang="en-US" sz="1200" dirty="0" err="1" smtClean="0">
-                <a:latin typeface="Courier" charset="0"/>
-                <a:ea typeface="Courier" charset="0"/>
-                <a:cs typeface="Courier" charset="0"/>
-              </a:rPr>
-              <a:t>Zone.ConvertTime</a:t>
+                <a:solidFill>
+                  <a:srgbClr val="408080"/>
+                </a:solidFill>
+                <a:latin typeface="Courier" charset="0"/>
+                <a:ea typeface="Courier" charset="0"/>
+                <a:cs typeface="Courier" charset="0"/>
+              </a:rPr>
+              <a:t>Zone</a:t>
+            </a:r>
+            <a:r>
+              <a:rPr lang="en-US" sz="1200" dirty="0" err="1" smtClean="0">
+                <a:latin typeface="Courier" charset="0"/>
+                <a:ea typeface="Courier" charset="0"/>
+                <a:cs typeface="Courier" charset="0"/>
+              </a:rPr>
+              <a:t>.ConvertTime</a:t>
             </a:r>
             <a:r>
               <a:rPr lang="en-US" sz="1200" dirty="0" smtClean="0">
@@ -17399,15 +17860,23 @@
                 <a:ea typeface="Courier" charset="0"/>
                 <a:cs typeface="Courier" charset="0"/>
               </a:rPr>
-              <a:t>aDate</a:t>
-            </a:r>
-            <a:r>
-              <a:rPr lang="en-US" sz="1200" dirty="0" smtClean="0">
-                <a:latin typeface="Courier" charset="0"/>
-                <a:ea typeface="Courier" charset="0"/>
-                <a:cs typeface="Courier" charset="0"/>
-              </a:rPr>
-              <a:t> + days, </a:t>
+              <a:t>anyDate</a:t>
+            </a:r>
+            <a:r>
+              <a:rPr lang="en-US" sz="1200" dirty="0" smtClean="0">
+                <a:latin typeface="Courier" charset="0"/>
+                <a:ea typeface="Courier" charset="0"/>
+                <a:cs typeface="Courier" charset="0"/>
+              </a:rPr>
+              <a:t> </a:t>
+            </a:r>
+            <a:r>
+              <a:rPr lang="en-US" sz="1200" dirty="0" smtClean="0">
+                <a:latin typeface="Courier" charset="0"/>
+                <a:ea typeface="Courier" charset="0"/>
+                <a:cs typeface="Courier" charset="0"/>
+              </a:rPr>
+              <a:t>+ days, </a:t>
             </a:r>
             <a:r>
               <a:rPr lang="en-US" sz="1200" dirty="0" err="1" smtClean="0">
@@ -17415,7 +17884,7 @@
                 <a:ea typeface="Courier" charset="0"/>
                 <a:cs typeface="Courier" charset="0"/>
               </a:rPr>
-              <a:t>aZone</a:t>
+              <a:t>anyZone</a:t>
             </a:r>
             <a:r>
               <a:rPr lang="en-US" sz="1200" dirty="0" smtClean="0">
@@ -17481,11 +17950,22 @@
             </a:r>
             <a:r>
               <a:rPr lang="en-US" sz="1200" dirty="0" err="1" smtClean="0">
-                <a:latin typeface="Courier" charset="0"/>
-                <a:ea typeface="Courier" charset="0"/>
-                <a:cs typeface="Courier" charset="0"/>
-              </a:rPr>
-              <a:t>Zone.ConvertTime</a:t>
+                <a:solidFill>
+                  <a:srgbClr val="408080"/>
+                </a:solidFill>
+                <a:latin typeface="Courier" charset="0"/>
+                <a:ea typeface="Courier" charset="0"/>
+                <a:cs typeface="Courier" charset="0"/>
+              </a:rPr>
+              <a:t>Zone</a:t>
+            </a:r>
+            <a:r>
+              <a:rPr lang="en-US" sz="1200" dirty="0" err="1" smtClean="0">
+                <a:latin typeface="Courier" charset="0"/>
+                <a:ea typeface="Courier" charset="0"/>
+                <a:cs typeface="Courier" charset="0"/>
+              </a:rPr>
+              <a:t>.ConvertTime</a:t>
             </a:r>
             <a:r>
               <a:rPr lang="en-US" sz="1200" dirty="0" smtClean="0">
@@ -17501,7 +17981,7 @@
                 <a:ea typeface="Courier" charset="0"/>
                 <a:cs typeface="Courier" charset="0"/>
               </a:rPr>
-              <a:t>aDate</a:t>
+              <a:t>anyDate</a:t>
             </a:r>
             <a:r>
               <a:rPr lang="en-US" sz="1200" dirty="0" smtClean="0">
@@ -17517,7 +17997,7 @@
                 <a:ea typeface="Courier" charset="0"/>
                 <a:cs typeface="Courier" charset="0"/>
               </a:rPr>
-              <a:t>aZone</a:t>
+              <a:t>anyZone</a:t>
             </a:r>
             <a:r>
               <a:rPr lang="en-US" sz="1200" dirty="0" smtClean="0">
@@ -18491,15 +18971,42 @@
                 <a:ea typeface="Courier" charset="0"/>
                 <a:cs typeface="Courier" charset="0"/>
               </a:rPr>
-              <a:t>aDate</a:t>
-            </a:r>
-            <a:r>
-              <a:rPr lang="en-US" sz="1200" dirty="0" smtClean="0">
-                <a:latin typeface="Courier" charset="0"/>
-                <a:ea typeface="Courier" charset="0"/>
-                <a:cs typeface="Courier" charset="0"/>
-              </a:rPr>
-              <a:t> :Date) (</a:t>
+              <a:t>anyDate</a:t>
+            </a:r>
+            <a:r>
+              <a:rPr lang="en-US" sz="1200" dirty="0" smtClean="0">
+                <a:latin typeface="Courier" charset="0"/>
+                <a:ea typeface="Courier" charset="0"/>
+                <a:cs typeface="Courier" charset="0"/>
+              </a:rPr>
+              <a:t> </a:t>
+            </a:r>
+            <a:r>
+              <a:rPr lang="en-US" sz="1200" dirty="0" smtClean="0">
+                <a:latin typeface="Courier" charset="0"/>
+                <a:ea typeface="Courier" charset="0"/>
+                <a:cs typeface="Courier" charset="0"/>
+              </a:rPr>
+              <a:t>:</a:t>
+            </a:r>
+            <a:r>
+              <a:rPr lang="en-US" sz="1200" dirty="0" smtClean="0">
+                <a:solidFill>
+                  <a:srgbClr val="408080"/>
+                </a:solidFill>
+                <a:latin typeface="Courier" charset="0"/>
+                <a:ea typeface="Courier" charset="0"/>
+                <a:cs typeface="Courier" charset="0"/>
+              </a:rPr>
+              <a:t>Date</a:t>
+            </a:r>
+            <a:r>
+              <a:rPr lang="en-US" sz="1200" dirty="0" smtClean="0">
+                <a:latin typeface="Courier" charset="0"/>
+                <a:ea typeface="Courier" charset="0"/>
+                <a:cs typeface="Courier" charset="0"/>
+              </a:rPr>
+              <a:t>) (</a:t>
             </a:r>
             <a:r>
               <a:rPr lang="en-US" sz="1200" dirty="0" err="1" smtClean="0">
@@ -18507,15 +19014,42 @@
                 <a:ea typeface="Courier" charset="0"/>
                 <a:cs typeface="Courier" charset="0"/>
               </a:rPr>
-              <a:t>aZone</a:t>
-            </a:r>
-            <a:r>
-              <a:rPr lang="en-US" sz="1200" dirty="0" smtClean="0">
-                <a:latin typeface="Courier" charset="0"/>
-                <a:ea typeface="Courier" charset="0"/>
-                <a:cs typeface="Courier" charset="0"/>
-              </a:rPr>
-              <a:t> :Zone) (</a:t>
+              <a:t>anyZone</a:t>
+            </a:r>
+            <a:r>
+              <a:rPr lang="en-US" sz="1200" dirty="0" smtClean="0">
+                <a:latin typeface="Courier" charset="0"/>
+                <a:ea typeface="Courier" charset="0"/>
+                <a:cs typeface="Courier" charset="0"/>
+              </a:rPr>
+              <a:t> </a:t>
+            </a:r>
+            <a:r>
+              <a:rPr lang="en-US" sz="1200" dirty="0" smtClean="0">
+                <a:latin typeface="Courier" charset="0"/>
+                <a:ea typeface="Courier" charset="0"/>
+                <a:cs typeface="Courier" charset="0"/>
+              </a:rPr>
+              <a:t>:</a:t>
+            </a:r>
+            <a:r>
+              <a:rPr lang="en-US" sz="1200" dirty="0" smtClean="0">
+                <a:solidFill>
+                  <a:srgbClr val="408080"/>
+                </a:solidFill>
+                <a:latin typeface="Courier" charset="0"/>
+                <a:ea typeface="Courier" charset="0"/>
+                <a:cs typeface="Courier" charset="0"/>
+              </a:rPr>
+              <a:t>Zone</a:t>
+            </a:r>
+            <a:r>
+              <a:rPr lang="en-US" sz="1200" dirty="0" smtClean="0">
+                <a:latin typeface="Courier" charset="0"/>
+                <a:ea typeface="Courier" charset="0"/>
+                <a:cs typeface="Courier" charset="0"/>
+              </a:rPr>
+              <a:t>) (</a:t>
             </a:r>
             <a:r>
               <a:rPr lang="en-US" sz="1200" dirty="0" err="1" smtClean="0">
@@ -18531,8 +19065,40 @@
                 <a:ea typeface="Courier" charset="0"/>
                 <a:cs typeface="Courier" charset="0"/>
               </a:rPr>
-              <a:t> total) =</a:t>
-            </a:r>
+              <a:t> total) </a:t>
+            </a:r>
+            <a:r>
+              <a:rPr lang="en-US" sz="1200" dirty="0" smtClean="0">
+                <a:latin typeface="Courier" charset="0"/>
+                <a:ea typeface="Courier" charset="0"/>
+                <a:cs typeface="Courier" charset="0"/>
+              </a:rPr>
+              <a:t>:</a:t>
+            </a:r>
+            <a:r>
+              <a:rPr lang="en-US" sz="1200" dirty="0" smtClean="0">
+                <a:solidFill>
+                  <a:srgbClr val="408080"/>
+                </a:solidFill>
+                <a:latin typeface="Courier" charset="0"/>
+                <a:ea typeface="Courier" charset="0"/>
+                <a:cs typeface="Courier" charset="0"/>
+              </a:rPr>
+              <a:t>Property</a:t>
+            </a:r>
+            <a:r>
+              <a:rPr lang="en-US" sz="1200" dirty="0" smtClean="0">
+                <a:latin typeface="Courier" charset="0"/>
+                <a:ea typeface="Courier" charset="0"/>
+                <a:cs typeface="Courier" charset="0"/>
+              </a:rPr>
+              <a:t> =</a:t>
+            </a:r>
+            <a:endParaRPr lang="en-US" sz="1200" dirty="0" smtClean="0">
+              <a:latin typeface="Courier" charset="0"/>
+              <a:ea typeface="Courier" charset="0"/>
+              <a:cs typeface="Courier" charset="0"/>
+            </a:endParaRPr>
           </a:p>
           <a:p>
             <a:pPr marL="0" indent="0">
@@ -18591,11 +19157,22 @@
             </a:r>
             <a:r>
               <a:rPr lang="en-US" sz="1200" dirty="0" err="1" smtClean="0">
-                <a:latin typeface="Courier" charset="0"/>
-                <a:ea typeface="Courier" charset="0"/>
-                <a:cs typeface="Courier" charset="0"/>
-              </a:rPr>
-              <a:t>Time.FromDays</a:t>
+                <a:solidFill>
+                  <a:srgbClr val="408080"/>
+                </a:solidFill>
+                <a:latin typeface="Courier" charset="0"/>
+                <a:ea typeface="Courier" charset="0"/>
+                <a:cs typeface="Courier" charset="0"/>
+              </a:rPr>
+              <a:t>Time</a:t>
+            </a:r>
+            <a:r>
+              <a:rPr lang="en-US" sz="1200" dirty="0" err="1" smtClean="0">
+                <a:latin typeface="Courier" charset="0"/>
+                <a:ea typeface="Courier" charset="0"/>
+                <a:cs typeface="Courier" charset="0"/>
+              </a:rPr>
+              <a:t>.FromDays</a:t>
             </a:r>
             <a:r>
               <a:rPr lang="en-US" sz="1200" dirty="0" smtClean="0">
@@ -18666,11 +19243,22 @@
             </a:r>
             <a:r>
               <a:rPr lang="en-US" sz="1200" dirty="0" err="1" smtClean="0">
-                <a:latin typeface="Courier" charset="0"/>
-                <a:ea typeface="Courier" charset="0"/>
-                <a:cs typeface="Courier" charset="0"/>
-              </a:rPr>
-              <a:t>Zone.ConvertTime</a:t>
+                <a:solidFill>
+                  <a:srgbClr val="408080"/>
+                </a:solidFill>
+                <a:latin typeface="Courier" charset="0"/>
+                <a:ea typeface="Courier" charset="0"/>
+                <a:cs typeface="Courier" charset="0"/>
+              </a:rPr>
+              <a:t>Zone</a:t>
+            </a:r>
+            <a:r>
+              <a:rPr lang="en-US" sz="1200" dirty="0" err="1" smtClean="0">
+                <a:latin typeface="Courier" charset="0"/>
+                <a:ea typeface="Courier" charset="0"/>
+                <a:cs typeface="Courier" charset="0"/>
+              </a:rPr>
+              <a:t>.ConvertTime</a:t>
             </a:r>
             <a:r>
               <a:rPr lang="en-US" sz="1200" dirty="0" smtClean="0">
@@ -18686,15 +19274,31 @@
                 <a:ea typeface="Courier" charset="0"/>
                 <a:cs typeface="Courier" charset="0"/>
               </a:rPr>
-              <a:t>aDate</a:t>
-            </a:r>
-            <a:r>
-              <a:rPr lang="en-US" sz="1200" dirty="0" smtClean="0">
-                <a:latin typeface="Courier" charset="0"/>
-                <a:ea typeface="Courier" charset="0"/>
-                <a:cs typeface="Courier" charset="0"/>
-              </a:rPr>
-              <a:t> + </a:t>
+              <a:t>anyDate</a:t>
+            </a:r>
+            <a:r>
+              <a:rPr lang="en-US" sz="1200" dirty="0" smtClean="0">
+                <a:latin typeface="Courier" charset="0"/>
+                <a:ea typeface="Courier" charset="0"/>
+                <a:cs typeface="Courier" charset="0"/>
+              </a:rPr>
+              <a:t> </a:t>
+            </a:r>
+            <a:r>
+              <a:rPr lang="en-US" sz="1200" dirty="0" smtClean="0">
+                <a:latin typeface="Courier" charset="0"/>
+                <a:ea typeface="Courier" charset="0"/>
+                <a:cs typeface="Courier" charset="0"/>
+              </a:rPr>
+              <a:t>+ days</a:t>
+            </a:r>
+            <a:r>
+              <a:rPr lang="en-US" sz="1200" dirty="0" smtClean="0">
+                <a:latin typeface="Courier" charset="0"/>
+                <a:ea typeface="Courier" charset="0"/>
+                <a:cs typeface="Courier" charset="0"/>
+              </a:rPr>
+              <a:t>, </a:t>
             </a:r>
             <a:r>
               <a:rPr lang="en-US" sz="1200" dirty="0" err="1" smtClean="0">
@@ -18702,7 +19306,7 @@
                 <a:ea typeface="Courier" charset="0"/>
                 <a:cs typeface="Courier" charset="0"/>
               </a:rPr>
-              <a:t>days,aZone</a:t>
+              <a:t>anyZone</a:t>
             </a:r>
             <a:r>
               <a:rPr lang="en-US" sz="1200" dirty="0" smtClean="0">
@@ -18773,11 +19377,22 @@
             </a:r>
             <a:r>
               <a:rPr lang="en-US" sz="1200" dirty="0" err="1" smtClean="0">
-                <a:latin typeface="Courier" charset="0"/>
-                <a:ea typeface="Courier" charset="0"/>
-                <a:cs typeface="Courier" charset="0"/>
-              </a:rPr>
-              <a:t>Zone.ConvertTime</a:t>
+                <a:solidFill>
+                  <a:srgbClr val="408080"/>
+                </a:solidFill>
+                <a:latin typeface="Courier" charset="0"/>
+                <a:ea typeface="Courier" charset="0"/>
+                <a:cs typeface="Courier" charset="0"/>
+              </a:rPr>
+              <a:t>Zone</a:t>
+            </a:r>
+            <a:r>
+              <a:rPr lang="en-US" sz="1200" dirty="0" err="1" smtClean="0">
+                <a:latin typeface="Courier" charset="0"/>
+                <a:ea typeface="Courier" charset="0"/>
+                <a:cs typeface="Courier" charset="0"/>
+              </a:rPr>
+              <a:t>.ConvertTime</a:t>
             </a:r>
             <a:r>
               <a:rPr lang="en-US" sz="1200" dirty="0" smtClean="0">
@@ -18793,7 +19408,23 @@
                 <a:ea typeface="Courier" charset="0"/>
                 <a:cs typeface="Courier" charset="0"/>
               </a:rPr>
-              <a:t>aDate,aZone</a:t>
+              <a:t>anyDate</a:t>
+            </a:r>
+            <a:r>
+              <a:rPr lang="en-US" sz="1200" dirty="0" smtClean="0">
+                <a:latin typeface="Courier" charset="0"/>
+                <a:ea typeface="Courier" charset="0"/>
+                <a:cs typeface="Courier" charset="0"/>
+              </a:rPr>
+              <a:t>, </a:t>
+            </a:r>
+            <a:r>
+              <a:rPr lang="en-US" sz="1200" dirty="0" err="1" smtClean="0">
+                <a:latin typeface="Courier" charset="0"/>
+                <a:ea typeface="Courier" charset="0"/>
+                <a:cs typeface="Courier" charset="0"/>
+              </a:rPr>
+              <a:t>anyZone</a:t>
             </a:r>
             <a:r>
               <a:rPr lang="en-US" sz="1200" dirty="0" smtClean="0">
@@ -18893,11 +19524,22 @@
             </a:r>
             <a:r>
               <a:rPr lang="en-US" sz="1200" dirty="0" err="1" smtClean="0">
-                <a:latin typeface="Courier" charset="0"/>
-                <a:ea typeface="Courier" charset="0"/>
-                <a:cs typeface="Courier" charset="0"/>
-              </a:rPr>
-              <a:t>Prop.trivial</a:t>
+                <a:solidFill>
+                  <a:srgbClr val="408080"/>
+                </a:solidFill>
+                <a:latin typeface="Courier" charset="0"/>
+                <a:ea typeface="Courier" charset="0"/>
+                <a:cs typeface="Courier" charset="0"/>
+              </a:rPr>
+              <a:t>Prop</a:t>
+            </a:r>
+            <a:r>
+              <a:rPr lang="en-US" sz="1200" dirty="0" err="1" smtClean="0">
+                <a:latin typeface="Courier" charset="0"/>
+                <a:ea typeface="Courier" charset="0"/>
+                <a:cs typeface="Courier" charset="0"/>
+              </a:rPr>
+              <a:t>.trivial</a:t>
             </a:r>
             <a:r>
               <a:rPr lang="en-US" sz="1200" dirty="0" smtClean="0">
@@ -18938,11 +19580,22 @@
             </a:r>
             <a:r>
               <a:rPr lang="en-US" sz="1200" dirty="0" err="1" smtClean="0">
-                <a:latin typeface="Courier" charset="0"/>
-                <a:ea typeface="Courier" charset="0"/>
-                <a:cs typeface="Courier" charset="0"/>
-              </a:rPr>
-              <a:t>Prop.classify</a:t>
+                <a:solidFill>
+                  <a:srgbClr val="408080"/>
+                </a:solidFill>
+                <a:latin typeface="Courier" charset="0"/>
+                <a:ea typeface="Courier" charset="0"/>
+                <a:cs typeface="Courier" charset="0"/>
+              </a:rPr>
+              <a:t>Prop</a:t>
+            </a:r>
+            <a:r>
+              <a:rPr lang="en-US" sz="1200" dirty="0" err="1" smtClean="0">
+                <a:latin typeface="Courier" charset="0"/>
+                <a:ea typeface="Courier" charset="0"/>
+                <a:cs typeface="Courier" charset="0"/>
+              </a:rPr>
+              <a:t>.classify</a:t>
             </a:r>
             <a:r>
               <a:rPr lang="en-US" sz="1200" dirty="0" smtClean="0">
@@ -19029,11 +19682,22 @@
             </a:r>
             <a:r>
               <a:rPr lang="en-US" sz="1200" dirty="0" err="1" smtClean="0">
-                <a:latin typeface="Courier" charset="0"/>
-                <a:ea typeface="Courier" charset="0"/>
-                <a:cs typeface="Courier" charset="0"/>
-              </a:rPr>
-              <a:t>Prop.classify</a:t>
+                <a:solidFill>
+                  <a:srgbClr val="408080"/>
+                </a:solidFill>
+                <a:latin typeface="Courier" charset="0"/>
+                <a:ea typeface="Courier" charset="0"/>
+                <a:cs typeface="Courier" charset="0"/>
+              </a:rPr>
+              <a:t>Prop</a:t>
+            </a:r>
+            <a:r>
+              <a:rPr lang="en-US" sz="1200" dirty="0" err="1" smtClean="0">
+                <a:latin typeface="Courier" charset="0"/>
+                <a:ea typeface="Courier" charset="0"/>
+                <a:cs typeface="Courier" charset="0"/>
+              </a:rPr>
+              <a:t>.classify</a:t>
             </a:r>
             <a:r>
               <a:rPr lang="en-US" sz="1200" dirty="0" smtClean="0">
@@ -19120,11 +19784,22 @@
             </a:r>
             <a:r>
               <a:rPr lang="en-US" sz="1200" dirty="0" err="1" smtClean="0">
-                <a:latin typeface="Courier" charset="0"/>
-                <a:ea typeface="Courier" charset="0"/>
-                <a:cs typeface="Courier" charset="0"/>
-              </a:rPr>
-              <a:t>Prop.classify</a:t>
+                <a:solidFill>
+                  <a:srgbClr val="408080"/>
+                </a:solidFill>
+                <a:latin typeface="Courier" charset="0"/>
+                <a:ea typeface="Courier" charset="0"/>
+                <a:cs typeface="Courier" charset="0"/>
+              </a:rPr>
+              <a:t>Prop</a:t>
+            </a:r>
+            <a:r>
+              <a:rPr lang="en-US" sz="1200" dirty="0" err="1" smtClean="0">
+                <a:latin typeface="Courier" charset="0"/>
+                <a:ea typeface="Courier" charset="0"/>
+                <a:cs typeface="Courier" charset="0"/>
+              </a:rPr>
+              <a:t>.classify</a:t>
             </a:r>
             <a:r>
               <a:rPr lang="en-US" sz="1200" dirty="0" smtClean="0">
@@ -19211,11 +19886,22 @@
             </a:r>
             <a:r>
               <a:rPr lang="en-US" sz="1200" dirty="0" err="1" smtClean="0">
-                <a:latin typeface="Courier" charset="0"/>
-                <a:ea typeface="Courier" charset="0"/>
-                <a:cs typeface="Courier" charset="0"/>
-              </a:rPr>
-              <a:t>Prop.collect</a:t>
+                <a:solidFill>
+                  <a:srgbClr val="408080"/>
+                </a:solidFill>
+                <a:latin typeface="Courier" charset="0"/>
+                <a:ea typeface="Courier" charset="0"/>
+                <a:cs typeface="Courier" charset="0"/>
+              </a:rPr>
+              <a:t>Prop</a:t>
+            </a:r>
+            <a:r>
+              <a:rPr lang="en-US" sz="1200" dirty="0" err="1" smtClean="0">
+                <a:latin typeface="Courier" charset="0"/>
+                <a:ea typeface="Courier" charset="0"/>
+                <a:cs typeface="Courier" charset="0"/>
+              </a:rPr>
+              <a:t>.collect</a:t>
             </a:r>
             <a:r>
               <a:rPr lang="en-US" sz="1200" dirty="0" smtClean="0">
@@ -20191,7 +20877,26 @@
                 <a:ea typeface="Courier" charset="0"/>
                 <a:cs typeface="Courier" charset="0"/>
               </a:rPr>
-              <a:t> Dated) </a:t>
+              <a:t> </a:t>
+            </a:r>
+            <a:r>
+              <a:rPr lang="en-US" sz="1200" dirty="0" smtClean="0">
+                <a:solidFill>
+                  <a:srgbClr val="408080"/>
+                </a:solidFill>
+                <a:latin typeface="Courier" charset="0"/>
+                <a:ea typeface="Courier" charset="0"/>
+                <a:cs typeface="Courier" charset="0"/>
+              </a:rPr>
+              <a:t>Dated</a:t>
+            </a:r>
+            <a:r>
+              <a:rPr lang="en-US" sz="1200" dirty="0" smtClean="0">
+                <a:latin typeface="Courier" charset="0"/>
+                <a:ea typeface="Courier" charset="0"/>
+                <a:cs typeface="Courier" charset="0"/>
+              </a:rPr>
+              <a:t>) </a:t>
             </a:r>
             <a:r>
               <a:rPr lang="en-US" sz="1200" dirty="0" smtClean="0">
@@ -20210,7 +20915,18 @@
                 <a:ea typeface="Courier" charset="0"/>
                 <a:cs typeface="Courier" charset="0"/>
               </a:rPr>
-              <a:t> Boolean</a:t>
+              <a:t> </a:t>
+            </a:r>
+            <a:r>
+              <a:rPr lang="en-US" sz="1200" dirty="0" smtClean="0">
+                <a:solidFill>
+                  <a:srgbClr val="0000FF"/>
+                </a:solidFill>
+                <a:latin typeface="Courier" charset="0"/>
+                <a:ea typeface="Courier" charset="0"/>
+                <a:cs typeface="Courier" charset="0"/>
+              </a:rPr>
+              <a:t>Boolean</a:t>
             </a:r>
           </a:p>
           <a:p>
@@ -20298,11 +21014,22 @@
             </a:r>
             <a:r>
               <a:rPr lang="en-US" sz="1200" dirty="0" err="1" smtClean="0">
-                <a:latin typeface="Courier" charset="0"/>
-                <a:ea typeface="Courier" charset="0"/>
-                <a:cs typeface="Courier" charset="0"/>
-              </a:rPr>
-              <a:t>Zoned.FindSystemTimeZoneById</a:t>
+                <a:solidFill>
+                  <a:srgbClr val="408080"/>
+                </a:solidFill>
+                <a:latin typeface="Courier" charset="0"/>
+                <a:ea typeface="Courier" charset="0"/>
+                <a:cs typeface="Courier" charset="0"/>
+              </a:rPr>
+              <a:t>Zoned</a:t>
+            </a:r>
+            <a:r>
+              <a:rPr lang="en-US" sz="1200" dirty="0" err="1" smtClean="0">
+                <a:latin typeface="Courier" charset="0"/>
+                <a:ea typeface="Courier" charset="0"/>
+                <a:cs typeface="Courier" charset="0"/>
+              </a:rPr>
+              <a:t>.FindSystemTimeZoneById</a:t>
             </a:r>
             <a:r>
               <a:rPr lang="en-US" sz="1200" dirty="0" smtClean="0">
@@ -20389,11 +21116,22 @@
             </a:r>
             <a:r>
               <a:rPr lang="en-US" sz="1200" dirty="0" err="1" smtClean="0">
-                <a:latin typeface="Courier" charset="0"/>
-                <a:ea typeface="Courier" charset="0"/>
-                <a:cs typeface="Courier" charset="0"/>
-              </a:rPr>
-              <a:t>Zoned.ConvertTime</a:t>
+                <a:solidFill>
+                  <a:srgbClr val="408080"/>
+                </a:solidFill>
+                <a:latin typeface="Courier" charset="0"/>
+                <a:ea typeface="Courier" charset="0"/>
+                <a:cs typeface="Courier" charset="0"/>
+              </a:rPr>
+              <a:t>Zoned</a:t>
+            </a:r>
+            <a:r>
+              <a:rPr lang="en-US" sz="1200" dirty="0" err="1" smtClean="0">
+                <a:latin typeface="Courier" charset="0"/>
+                <a:ea typeface="Courier" charset="0"/>
+                <a:cs typeface="Courier" charset="0"/>
+              </a:rPr>
+              <a:t>.ConvertTime</a:t>
             </a:r>
             <a:r>
               <a:rPr lang="en-US" sz="1200" dirty="0" smtClean="0">
@@ -20469,11 +21207,22 @@
             </a:r>
             <a:r>
               <a:rPr lang="en-US" sz="1200" dirty="0" err="1" smtClean="0">
-                <a:latin typeface="Courier" charset="0"/>
-                <a:ea typeface="Courier" charset="0"/>
-                <a:cs typeface="Courier" charset="0"/>
-              </a:rPr>
-              <a:t>Zone.InUnitedStatesDaylightTime</a:t>
+                <a:solidFill>
+                  <a:srgbClr val="408080"/>
+                </a:solidFill>
+                <a:latin typeface="Courier" charset="0"/>
+                <a:ea typeface="Courier" charset="0"/>
+                <a:cs typeface="Courier" charset="0"/>
+              </a:rPr>
+              <a:t>Zone</a:t>
+            </a:r>
+            <a:r>
+              <a:rPr lang="en-US" sz="1200" dirty="0" err="1" smtClean="0">
+                <a:latin typeface="Courier" charset="0"/>
+                <a:ea typeface="Courier" charset="0"/>
+                <a:cs typeface="Courier" charset="0"/>
+              </a:rPr>
+              <a:t>.InUnitedStatesDaylightTime</a:t>
             </a:r>
             <a:r>
               <a:rPr lang="en-US" sz="1200" dirty="0" smtClean="0">
@@ -21417,7 +22166,26 @@
                 <a:ea typeface="Courier" charset="0"/>
                 <a:cs typeface="Courier" charset="0"/>
               </a:rPr>
-              <a:t> Dated) </a:t>
+              <a:t> </a:t>
+            </a:r>
+            <a:r>
+              <a:rPr lang="en-US" sz="1200" dirty="0" smtClean="0">
+                <a:solidFill>
+                  <a:srgbClr val="408080"/>
+                </a:solidFill>
+                <a:latin typeface="Courier" charset="0"/>
+                <a:ea typeface="Courier" charset="0"/>
+                <a:cs typeface="Courier" charset="0"/>
+              </a:rPr>
+              <a:t>Dated</a:t>
+            </a:r>
+            <a:r>
+              <a:rPr lang="en-US" sz="1200" dirty="0" smtClean="0">
+                <a:latin typeface="Courier" charset="0"/>
+                <a:ea typeface="Courier" charset="0"/>
+                <a:cs typeface="Courier" charset="0"/>
+              </a:rPr>
+              <a:t>) </a:t>
             </a:r>
             <a:r>
               <a:rPr lang="en-US" sz="1200" dirty="0" smtClean="0">
@@ -21436,7 +22204,18 @@
                 <a:ea typeface="Courier" charset="0"/>
                 <a:cs typeface="Courier" charset="0"/>
               </a:rPr>
-              <a:t> Boolean</a:t>
+              <a:t> </a:t>
+            </a:r>
+            <a:r>
+              <a:rPr lang="en-US" sz="1200" dirty="0" smtClean="0">
+                <a:solidFill>
+                  <a:srgbClr val="0000FF"/>
+                </a:solidFill>
+                <a:latin typeface="Courier" charset="0"/>
+                <a:ea typeface="Courier" charset="0"/>
+                <a:cs typeface="Courier" charset="0"/>
+              </a:rPr>
+              <a:t>Boolean</a:t>
             </a:r>
           </a:p>
           <a:p>
@@ -21467,11 +22246,22 @@
             </a:r>
             <a:r>
               <a:rPr lang="en-US" sz="1200" dirty="0" err="1" smtClean="0">
-                <a:latin typeface="Courier" charset="0"/>
-                <a:ea typeface="Courier" charset="0"/>
-                <a:cs typeface="Courier" charset="0"/>
-              </a:rPr>
-              <a:t>Zoned.FindSystemTimeZoneById</a:t>
+                <a:solidFill>
+                  <a:srgbClr val="408080"/>
+                </a:solidFill>
+                <a:latin typeface="Courier" charset="0"/>
+                <a:ea typeface="Courier" charset="0"/>
+                <a:cs typeface="Courier" charset="0"/>
+              </a:rPr>
+              <a:t>Zoned</a:t>
+            </a:r>
+            <a:r>
+              <a:rPr lang="en-US" sz="1200" dirty="0" err="1" smtClean="0">
+                <a:latin typeface="Courier" charset="0"/>
+                <a:ea typeface="Courier" charset="0"/>
+                <a:cs typeface="Courier" charset="0"/>
+              </a:rPr>
+              <a:t>.FindSystemTimeZoneById</a:t>
             </a:r>
             <a:r>
               <a:rPr lang="en-US" sz="1200" dirty="0" smtClean="0">
@@ -21558,11 +22348,22 @@
             </a:r>
             <a:r>
               <a:rPr lang="en-US" sz="1200" dirty="0" err="1" smtClean="0">
-                <a:latin typeface="Courier" charset="0"/>
-                <a:ea typeface="Courier" charset="0"/>
-                <a:cs typeface="Courier" charset="0"/>
-              </a:rPr>
-              <a:t>Zoned.ConvertTime</a:t>
+                <a:solidFill>
+                  <a:srgbClr val="408080"/>
+                </a:solidFill>
+                <a:latin typeface="Courier" charset="0"/>
+                <a:ea typeface="Courier" charset="0"/>
+                <a:cs typeface="Courier" charset="0"/>
+              </a:rPr>
+              <a:t>Zoned</a:t>
+            </a:r>
+            <a:r>
+              <a:rPr lang="en-US" sz="1200" dirty="0" err="1" smtClean="0">
+                <a:latin typeface="Courier" charset="0"/>
+                <a:ea typeface="Courier" charset="0"/>
+                <a:cs typeface="Courier" charset="0"/>
+              </a:rPr>
+              <a:t>.ConvertTime</a:t>
             </a:r>
             <a:r>
               <a:rPr lang="en-US" sz="1200" dirty="0" smtClean="0">
@@ -21641,11 +22442,22 @@
             </a:r>
             <a:r>
               <a:rPr lang="en-US" sz="1200" dirty="0" err="1" smtClean="0">
-                <a:latin typeface="Courier" charset="0"/>
-                <a:ea typeface="Courier" charset="0"/>
-                <a:cs typeface="Courier" charset="0"/>
-              </a:rPr>
-              <a:t>Zone.InUnitedStatesDaylightTime</a:t>
+                <a:solidFill>
+                  <a:srgbClr val="408080"/>
+                </a:solidFill>
+                <a:latin typeface="Courier" charset="0"/>
+                <a:ea typeface="Courier" charset="0"/>
+                <a:cs typeface="Courier" charset="0"/>
+              </a:rPr>
+              <a:t>Zone</a:t>
+            </a:r>
+            <a:r>
+              <a:rPr lang="en-US" sz="1200" dirty="0" err="1" smtClean="0">
+                <a:latin typeface="Courier" charset="0"/>
+                <a:ea typeface="Courier" charset="0"/>
+                <a:cs typeface="Courier" charset="0"/>
+              </a:rPr>
+              <a:t>.InUnitedStatesDaylightTime</a:t>
             </a:r>
             <a:r>
               <a:rPr lang="en-US" sz="1200" dirty="0" smtClean="0">
@@ -21749,6 +22561,9 @@
             </a:r>
             <a:r>
               <a:rPr lang="en-US" sz="1200" dirty="0" err="1" smtClean="0">
+                <a:solidFill>
+                  <a:srgbClr val="0000FF"/>
+                </a:solidFill>
                 <a:latin typeface="Courier" charset="0"/>
                 <a:ea typeface="Courier" charset="0"/>
                 <a:cs typeface="Courier" charset="0"/>
@@ -21757,6 +22572,9 @@
             </a:r>
             <a:r>
               <a:rPr lang="en-US" sz="1200" dirty="0" smtClean="0">
+                <a:solidFill>
+                  <a:srgbClr val="0000FF"/>
+                </a:solidFill>
                 <a:latin typeface="Courier" charset="0"/>
                 <a:ea typeface="Courier" charset="0"/>
                 <a:cs typeface="Courier" charset="0"/>
@@ -22848,18 +23666,7 @@
                 <a:ea typeface="Courier" charset="0"/>
                 <a:cs typeface="Courier" charset="0"/>
               </a:rPr>
-              <a:t>// instead of a conditional property, here we use </a:t>
-            </a:r>
-            <a:r>
-              <a:rPr lang="en-US" sz="1200" dirty="0" smtClean="0">
-                <a:solidFill>
-                  <a:srgbClr val="008000"/>
-                </a:solidFill>
-                <a:latin typeface="Courier" charset="0"/>
-                <a:ea typeface="Courier" charset="0"/>
-                <a:cs typeface="Courier" charset="0"/>
-              </a:rPr>
-              <a:t>an </a:t>
+              <a:t>// instead of a conditional property, here we use an </a:t>
             </a:r>
             <a:r>
               <a:rPr lang="en-US" sz="1200" dirty="0" err="1" smtClean="0">
@@ -23426,11 +24233,6 @@
               </a:rPr>
               <a:t>}</a:t>
             </a:r>
-            <a:endParaRPr lang="en-US" sz="1200" dirty="0" smtClean="0">
-              <a:latin typeface="Courier" charset="0"/>
-              <a:ea typeface="Courier" charset="0"/>
-              <a:cs typeface="Courier" charset="0"/>
-            </a:endParaRPr>
           </a:p>
           <a:p>
             <a:pPr marL="0" indent="0">
@@ -23449,6 +24251,220 @@
                 <a:cs typeface="Courier" charset="0"/>
               </a:rPr>
               <a:t> </a:t>
+            </a:r>
+          </a:p>
+          <a:p>
+            <a:pPr marL="0" indent="0">
+              <a:lnSpc>
+                <a:spcPct val="100000"/>
+              </a:lnSpc>
+              <a:buNone/>
+            </a:pPr>
+            <a:r>
+              <a:rPr lang="en-US" sz="1200" dirty="0" smtClean="0">
+                <a:solidFill>
+                  <a:srgbClr val="0000FF"/>
+                </a:solidFill>
+                <a:latin typeface="Courier" charset="0"/>
+                <a:ea typeface="Courier" charset="0"/>
+                <a:cs typeface="Courier" charset="0"/>
+              </a:rPr>
+              <a:t> </a:t>
+            </a:r>
+            <a:r>
+              <a:rPr lang="en-US" sz="1200" dirty="0" smtClean="0">
+                <a:solidFill>
+                  <a:srgbClr val="008000"/>
+                </a:solidFill>
+                <a:latin typeface="Courier" charset="0"/>
+                <a:ea typeface="Courier" charset="0"/>
+                <a:cs typeface="Courier" charset="0"/>
+              </a:rPr>
+              <a:t>// arbitrary generators can be easily defined</a:t>
+            </a:r>
+          </a:p>
+          <a:p>
+            <a:pPr marL="0" indent="0">
+              <a:lnSpc>
+                <a:spcPct val="100000"/>
+              </a:lnSpc>
+              <a:buNone/>
+            </a:pPr>
+            <a:r>
+              <a:rPr lang="en-US" sz="1200" dirty="0" smtClean="0">
+                <a:solidFill>
+                  <a:srgbClr val="0000FF"/>
+                </a:solidFill>
+                <a:latin typeface="Courier" charset="0"/>
+                <a:ea typeface="Courier" charset="0"/>
+                <a:cs typeface="Courier" charset="0"/>
+              </a:rPr>
+              <a:t>  </a:t>
+            </a:r>
+            <a:r>
+              <a:rPr lang="en-US" sz="1200" dirty="0" err="1" smtClean="0">
+                <a:solidFill>
+                  <a:srgbClr val="0000FF"/>
+                </a:solidFill>
+                <a:latin typeface="Courier" charset="0"/>
+                <a:ea typeface="Courier" charset="0"/>
+                <a:cs typeface="Courier" charset="0"/>
+              </a:rPr>
+              <a:t>var</a:t>
+            </a:r>
+            <a:r>
+              <a:rPr lang="en-US" sz="1200" dirty="0" smtClean="0">
+                <a:solidFill>
+                  <a:srgbClr val="0000FF"/>
+                </a:solidFill>
+                <a:latin typeface="Courier" charset="0"/>
+                <a:ea typeface="Courier" charset="0"/>
+                <a:cs typeface="Courier" charset="0"/>
+              </a:rPr>
+              <a:t> </a:t>
+            </a:r>
+            <a:r>
+              <a:rPr lang="en-US" sz="1200" dirty="0" smtClean="0">
+                <a:latin typeface="Courier" charset="0"/>
+                <a:ea typeface="Courier" charset="0"/>
+                <a:cs typeface="Courier" charset="0"/>
+              </a:rPr>
+              <a:t>zones </a:t>
+            </a:r>
+            <a:r>
+              <a:rPr lang="en-US" sz="1200" dirty="0">
+                <a:latin typeface="Courier" charset="0"/>
+                <a:ea typeface="Courier" charset="0"/>
+                <a:cs typeface="Courier" charset="0"/>
+              </a:rPr>
+              <a:t>= </a:t>
+            </a:r>
+            <a:r>
+              <a:rPr lang="en-US" sz="1200" dirty="0" err="1">
+                <a:solidFill>
+                  <a:srgbClr val="408080"/>
+                </a:solidFill>
+                <a:latin typeface="Courier" charset="0"/>
+                <a:ea typeface="Courier" charset="0"/>
+                <a:cs typeface="Courier" charset="0"/>
+              </a:rPr>
+              <a:t>Gen</a:t>
+            </a:r>
+            <a:r>
+              <a:rPr lang="en-US" sz="1200" dirty="0" err="1">
+                <a:latin typeface="Courier" charset="0"/>
+                <a:ea typeface="Courier" charset="0"/>
+                <a:cs typeface="Courier" charset="0"/>
+              </a:rPr>
+              <a:t>.Elements</a:t>
+            </a:r>
+            <a:r>
+              <a:rPr lang="en-US" sz="1200" dirty="0">
+                <a:latin typeface="Courier" charset="0"/>
+                <a:ea typeface="Courier" charset="0"/>
+                <a:cs typeface="Courier" charset="0"/>
+              </a:rPr>
+              <a:t>(</a:t>
+            </a:r>
+            <a:r>
+              <a:rPr lang="en-US" sz="1200" dirty="0">
+                <a:solidFill>
+                  <a:srgbClr val="0000FF"/>
+                </a:solidFill>
+                <a:latin typeface="Courier" charset="0"/>
+                <a:ea typeface="Courier" charset="0"/>
+                <a:cs typeface="Courier" charset="0"/>
+              </a:rPr>
+              <a:t>from</a:t>
+            </a:r>
+            <a:r>
+              <a:rPr lang="en-US" sz="1200" dirty="0">
+                <a:latin typeface="Courier" charset="0"/>
+                <a:ea typeface="Courier" charset="0"/>
+                <a:cs typeface="Courier" charset="0"/>
+              </a:rPr>
+              <a:t> z </a:t>
+            </a:r>
+            <a:r>
+              <a:rPr lang="en-US" sz="1200" dirty="0">
+                <a:solidFill>
+                  <a:srgbClr val="0000FF"/>
+                </a:solidFill>
+                <a:latin typeface="Courier" charset="0"/>
+                <a:ea typeface="Courier" charset="0"/>
+                <a:cs typeface="Courier" charset="0"/>
+              </a:rPr>
+              <a:t>in</a:t>
+            </a:r>
+            <a:r>
+              <a:rPr lang="en-US" sz="1200" dirty="0">
+                <a:latin typeface="Courier" charset="0"/>
+                <a:ea typeface="Courier" charset="0"/>
+                <a:cs typeface="Courier" charset="0"/>
+              </a:rPr>
+              <a:t> </a:t>
+            </a:r>
+            <a:r>
+              <a:rPr lang="en-US" sz="1200" dirty="0" err="1">
+                <a:solidFill>
+                  <a:srgbClr val="408080"/>
+                </a:solidFill>
+                <a:latin typeface="Courier" charset="0"/>
+                <a:ea typeface="Courier" charset="0"/>
+                <a:cs typeface="Courier" charset="0"/>
+              </a:rPr>
+              <a:t>Zone</a:t>
+            </a:r>
+            <a:r>
+              <a:rPr lang="en-US" sz="1200" dirty="0" err="1">
+                <a:latin typeface="Courier" charset="0"/>
+                <a:ea typeface="Courier" charset="0"/>
+                <a:cs typeface="Courier" charset="0"/>
+              </a:rPr>
+              <a:t>.GetSystemTimeZones</a:t>
+            </a:r>
+            <a:r>
+              <a:rPr lang="en-US" sz="1200" dirty="0">
+                <a:latin typeface="Courier" charset="0"/>
+                <a:ea typeface="Courier" charset="0"/>
+                <a:cs typeface="Courier" charset="0"/>
+              </a:rPr>
+              <a:t>() </a:t>
+            </a:r>
+            <a:r>
+              <a:rPr lang="en-US" sz="1200" dirty="0">
+                <a:solidFill>
+                  <a:srgbClr val="0000FF"/>
+                </a:solidFill>
+                <a:latin typeface="Courier" charset="0"/>
+                <a:ea typeface="Courier" charset="0"/>
+                <a:cs typeface="Courier" charset="0"/>
+              </a:rPr>
+              <a:t>select</a:t>
+            </a:r>
+            <a:r>
+              <a:rPr lang="en-US" sz="1200" dirty="0">
+                <a:latin typeface="Courier" charset="0"/>
+                <a:ea typeface="Courier" charset="0"/>
+                <a:cs typeface="Courier" charset="0"/>
+              </a:rPr>
+              <a:t> z).</a:t>
+            </a:r>
+            <a:r>
+              <a:rPr lang="en-US" sz="1200" dirty="0" err="1">
+                <a:latin typeface="Courier" charset="0"/>
+                <a:ea typeface="Courier" charset="0"/>
+                <a:cs typeface="Courier" charset="0"/>
+              </a:rPr>
+              <a:t>ToArbitrary</a:t>
+            </a:r>
+            <a:r>
+              <a:rPr lang="en-US" sz="1200" dirty="0" smtClean="0">
+                <a:latin typeface="Courier" charset="0"/>
+                <a:ea typeface="Courier" charset="0"/>
+                <a:cs typeface="Courier" charset="0"/>
+              </a:rPr>
+              <a:t>();</a:t>
             </a:r>
             <a:endParaRPr lang="en-US" sz="1200" dirty="0" smtClean="0">
               <a:solidFill>
@@ -23467,7 +24483,7 @@
               <a:buNone/>
             </a:pPr>
             <a:r>
-              <a:rPr lang="en-US" sz="1200" dirty="0" smtClean="0">
+              <a:rPr lang="en-US" sz="1200" dirty="0">
                 <a:solidFill>
                   <a:srgbClr val="0000FF"/>
                 </a:solidFill>
@@ -23480,197 +24496,24 @@
             <a:r>
               <a:rPr lang="en-US" sz="1200" dirty="0" smtClean="0">
                 <a:solidFill>
+                  <a:srgbClr val="0000FF"/>
+                </a:solidFill>
+                <a:latin typeface="Courier" charset="0"/>
+                <a:ea typeface="Courier" charset="0"/>
+                <a:cs typeface="Courier" charset="0"/>
+              </a:rPr>
+              <a:t> </a:t>
+            </a:r>
+            <a:r>
+              <a:rPr lang="en-US" sz="1200" dirty="0" smtClean="0">
+                <a:solidFill>
                   <a:srgbClr val="008000"/>
                 </a:solidFill>
                 <a:latin typeface="Courier" charset="0"/>
                 <a:ea typeface="Courier" charset="0"/>
                 <a:cs typeface="Courier" charset="0"/>
               </a:rPr>
-              <a:t>// arbitrary generators can be easily defined</a:t>
-            </a:r>
-          </a:p>
-          <a:p>
-            <a:pPr marL="0" indent="0">
-              <a:lnSpc>
-                <a:spcPct val="100000"/>
-              </a:lnSpc>
-              <a:buNone/>
-            </a:pPr>
-            <a:r>
-              <a:rPr lang="en-US" sz="1200" dirty="0" smtClean="0">
-                <a:solidFill>
-                  <a:srgbClr val="0000FF"/>
-                </a:solidFill>
-                <a:latin typeface="Courier" charset="0"/>
-                <a:ea typeface="Courier" charset="0"/>
-                <a:cs typeface="Courier" charset="0"/>
-              </a:rPr>
-              <a:t>  </a:t>
-            </a:r>
-            <a:r>
-              <a:rPr lang="en-US" sz="1200" dirty="0" err="1" smtClean="0">
-                <a:solidFill>
-                  <a:srgbClr val="0000FF"/>
-                </a:solidFill>
-                <a:latin typeface="Courier" charset="0"/>
-                <a:ea typeface="Courier" charset="0"/>
-                <a:cs typeface="Courier" charset="0"/>
-              </a:rPr>
-              <a:t>var</a:t>
-            </a:r>
-            <a:r>
-              <a:rPr lang="en-US" sz="1200" dirty="0" smtClean="0">
-                <a:solidFill>
-                  <a:srgbClr val="0000FF"/>
-                </a:solidFill>
-                <a:latin typeface="Courier" charset="0"/>
-                <a:ea typeface="Courier" charset="0"/>
-                <a:cs typeface="Courier" charset="0"/>
-              </a:rPr>
-              <a:t> </a:t>
-            </a:r>
-            <a:r>
-              <a:rPr lang="en-US" sz="1200" dirty="0" smtClean="0">
-                <a:latin typeface="Courier" charset="0"/>
-                <a:ea typeface="Courier" charset="0"/>
-                <a:cs typeface="Courier" charset="0"/>
-              </a:rPr>
-              <a:t>zones </a:t>
-            </a:r>
-            <a:r>
-              <a:rPr lang="en-US" sz="1200" dirty="0">
-                <a:latin typeface="Courier" charset="0"/>
-                <a:ea typeface="Courier" charset="0"/>
-                <a:cs typeface="Courier" charset="0"/>
-              </a:rPr>
-              <a:t>= </a:t>
-            </a:r>
-            <a:r>
-              <a:rPr lang="en-US" sz="1200" dirty="0" err="1">
-                <a:solidFill>
-                  <a:srgbClr val="408080"/>
-                </a:solidFill>
-                <a:latin typeface="Courier" charset="0"/>
-                <a:ea typeface="Courier" charset="0"/>
-                <a:cs typeface="Courier" charset="0"/>
-              </a:rPr>
-              <a:t>Gen</a:t>
-            </a:r>
-            <a:r>
-              <a:rPr lang="en-US" sz="1200" dirty="0" err="1">
-                <a:latin typeface="Courier" charset="0"/>
-                <a:ea typeface="Courier" charset="0"/>
-                <a:cs typeface="Courier" charset="0"/>
-              </a:rPr>
-              <a:t>.Elements</a:t>
-            </a:r>
-            <a:r>
-              <a:rPr lang="en-US" sz="1200" dirty="0">
-                <a:latin typeface="Courier" charset="0"/>
-                <a:ea typeface="Courier" charset="0"/>
-                <a:cs typeface="Courier" charset="0"/>
-              </a:rPr>
-              <a:t>(</a:t>
-            </a:r>
-            <a:r>
-              <a:rPr lang="en-US" sz="1200" dirty="0">
-                <a:solidFill>
-                  <a:srgbClr val="0000FF"/>
-                </a:solidFill>
-                <a:latin typeface="Courier" charset="0"/>
-                <a:ea typeface="Courier" charset="0"/>
-                <a:cs typeface="Courier" charset="0"/>
-              </a:rPr>
-              <a:t>from</a:t>
-            </a:r>
-            <a:r>
-              <a:rPr lang="en-US" sz="1200" dirty="0">
-                <a:latin typeface="Courier" charset="0"/>
-                <a:ea typeface="Courier" charset="0"/>
-                <a:cs typeface="Courier" charset="0"/>
-              </a:rPr>
-              <a:t> z </a:t>
-            </a:r>
-            <a:r>
-              <a:rPr lang="en-US" sz="1200" dirty="0">
-                <a:solidFill>
-                  <a:srgbClr val="0000FF"/>
-                </a:solidFill>
-                <a:latin typeface="Courier" charset="0"/>
-                <a:ea typeface="Courier" charset="0"/>
-                <a:cs typeface="Courier" charset="0"/>
-              </a:rPr>
-              <a:t>in</a:t>
-            </a:r>
-            <a:r>
-              <a:rPr lang="en-US" sz="1200" dirty="0">
-                <a:latin typeface="Courier" charset="0"/>
-                <a:ea typeface="Courier" charset="0"/>
-                <a:cs typeface="Courier" charset="0"/>
-              </a:rPr>
-              <a:t> </a:t>
-            </a:r>
-            <a:r>
-              <a:rPr lang="en-US" sz="1200" dirty="0" err="1">
-                <a:solidFill>
-                  <a:srgbClr val="408080"/>
-                </a:solidFill>
-                <a:latin typeface="Courier" charset="0"/>
-                <a:ea typeface="Courier" charset="0"/>
-                <a:cs typeface="Courier" charset="0"/>
-              </a:rPr>
-              <a:t>Zone</a:t>
-            </a:r>
-            <a:r>
-              <a:rPr lang="en-US" sz="1200" dirty="0" err="1">
-                <a:latin typeface="Courier" charset="0"/>
-                <a:ea typeface="Courier" charset="0"/>
-                <a:cs typeface="Courier" charset="0"/>
-              </a:rPr>
-              <a:t>.GetSystemTimeZones</a:t>
-            </a:r>
-            <a:r>
-              <a:rPr lang="en-US" sz="1200" dirty="0">
-                <a:latin typeface="Courier" charset="0"/>
-                <a:ea typeface="Courier" charset="0"/>
-                <a:cs typeface="Courier" charset="0"/>
-              </a:rPr>
-              <a:t>() </a:t>
-            </a:r>
-            <a:r>
-              <a:rPr lang="en-US" sz="1200" dirty="0">
-                <a:solidFill>
-                  <a:srgbClr val="0000FF"/>
-                </a:solidFill>
-                <a:latin typeface="Courier" charset="0"/>
-                <a:ea typeface="Courier" charset="0"/>
-                <a:cs typeface="Courier" charset="0"/>
-              </a:rPr>
-              <a:t>select</a:t>
-            </a:r>
-            <a:r>
-              <a:rPr lang="en-US" sz="1200" dirty="0">
-                <a:latin typeface="Courier" charset="0"/>
-                <a:ea typeface="Courier" charset="0"/>
-                <a:cs typeface="Courier" charset="0"/>
-              </a:rPr>
-              <a:t> z).</a:t>
-            </a:r>
-            <a:r>
-              <a:rPr lang="en-US" sz="1200" dirty="0" err="1">
-                <a:latin typeface="Courier" charset="0"/>
-                <a:ea typeface="Courier" charset="0"/>
-                <a:cs typeface="Courier" charset="0"/>
-              </a:rPr>
-              <a:t>ToArbitrary</a:t>
-            </a:r>
-            <a:r>
-              <a:rPr lang="en-US" sz="1200" dirty="0" smtClean="0">
-                <a:latin typeface="Courier" charset="0"/>
-                <a:ea typeface="Courier" charset="0"/>
-                <a:cs typeface="Courier" charset="0"/>
-              </a:rPr>
-              <a:t>();</a:t>
+              <a:t>// "for all" zones, run a test...</a:t>
             </a:r>
             <a:endParaRPr lang="en-US" sz="1200" dirty="0" smtClean="0">
               <a:solidFill>
@@ -23711,24 +24554,59 @@
               <a:t> </a:t>
             </a:r>
             <a:r>
-              <a:rPr lang="en-US" sz="1200" dirty="0" smtClean="0">
-                <a:solidFill>
-                  <a:srgbClr val="008000"/>
-                </a:solidFill>
-                <a:latin typeface="Courier" charset="0"/>
-                <a:ea typeface="Courier" charset="0"/>
-                <a:cs typeface="Courier" charset="0"/>
-              </a:rPr>
-              <a:t>// "for all" zones, run a test...</a:t>
-            </a:r>
-            <a:endParaRPr lang="en-US" sz="1200" dirty="0" smtClean="0">
-              <a:solidFill>
-                <a:srgbClr val="0000FF"/>
-              </a:solidFill>
-              <a:latin typeface="Courier" charset="0"/>
-              <a:ea typeface="Courier" charset="0"/>
-              <a:cs typeface="Courier" charset="0"/>
-            </a:endParaRPr>
+              <a:rPr lang="en-US" sz="1200" dirty="0">
+                <a:solidFill>
+                  <a:srgbClr val="0000FF"/>
+                </a:solidFill>
+                <a:latin typeface="Courier" charset="0"/>
+                <a:ea typeface="Courier" charset="0"/>
+                <a:cs typeface="Courier" charset="0"/>
+              </a:rPr>
+              <a:t>return</a:t>
+            </a:r>
+            <a:r>
+              <a:rPr lang="en-US" sz="1200" dirty="0">
+                <a:latin typeface="Courier" charset="0"/>
+                <a:ea typeface="Courier" charset="0"/>
+                <a:cs typeface="Courier" charset="0"/>
+              </a:rPr>
+              <a:t> </a:t>
+            </a:r>
+            <a:r>
+              <a:rPr lang="en-US" sz="1200" dirty="0" err="1">
+                <a:solidFill>
+                  <a:srgbClr val="408080"/>
+                </a:solidFill>
+                <a:latin typeface="Courier" charset="0"/>
+                <a:ea typeface="Courier" charset="0"/>
+                <a:cs typeface="Courier" charset="0"/>
+              </a:rPr>
+              <a:t>Prop</a:t>
+            </a:r>
+            <a:r>
+              <a:rPr lang="en-US" sz="1200" dirty="0" err="1">
+                <a:latin typeface="Courier" charset="0"/>
+                <a:ea typeface="Courier" charset="0"/>
+                <a:cs typeface="Courier" charset="0"/>
+              </a:rPr>
+              <a:t>.ForAll</a:t>
+            </a:r>
+            <a:r>
+              <a:rPr lang="en-US" sz="1200" dirty="0">
+                <a:latin typeface="Courier" charset="0"/>
+                <a:ea typeface="Courier" charset="0"/>
+                <a:cs typeface="Courier" charset="0"/>
+              </a:rPr>
+              <a:t>(zones, </a:t>
+            </a:r>
+            <a:r>
+              <a:rPr lang="en-US" sz="1200" dirty="0" smtClean="0">
+                <a:latin typeface="Courier" charset="0"/>
+                <a:ea typeface="Courier" charset="0"/>
+                <a:cs typeface="Courier" charset="0"/>
+              </a:rPr>
+              <a:t>check);</a:t>
+            </a:r>
           </a:p>
           <a:p>
             <a:pPr marL="0" indent="0">
@@ -23739,109 +24617,12 @@
             </a:pPr>
             <a:r>
               <a:rPr lang="en-US" sz="1200" dirty="0">
-                <a:solidFill>
-                  <a:srgbClr val="0000FF"/>
-                </a:solidFill>
-                <a:latin typeface="Courier" charset="0"/>
-                <a:ea typeface="Courier" charset="0"/>
-                <a:cs typeface="Courier" charset="0"/>
-              </a:rPr>
-              <a:t> </a:t>
-            </a:r>
-            <a:r>
-              <a:rPr lang="en-US" sz="1200" dirty="0" smtClean="0">
-                <a:solidFill>
-                  <a:srgbClr val="0000FF"/>
-                </a:solidFill>
-                <a:latin typeface="Courier" charset="0"/>
-                <a:ea typeface="Courier" charset="0"/>
-                <a:cs typeface="Courier" charset="0"/>
-              </a:rPr>
-              <a:t> </a:t>
-            </a:r>
-            <a:r>
-              <a:rPr lang="en-US" sz="1200" dirty="0">
-                <a:solidFill>
-                  <a:srgbClr val="0000FF"/>
-                </a:solidFill>
-                <a:latin typeface="Courier" charset="0"/>
-                <a:ea typeface="Courier" charset="0"/>
-                <a:cs typeface="Courier" charset="0"/>
-              </a:rPr>
-              <a:t>return</a:t>
-            </a:r>
-            <a:r>
-              <a:rPr lang="en-US" sz="1200" dirty="0">
-                <a:latin typeface="Courier" charset="0"/>
-                <a:ea typeface="Courier" charset="0"/>
-                <a:cs typeface="Courier" charset="0"/>
-              </a:rPr>
-              <a:t> </a:t>
-            </a:r>
-            <a:r>
-              <a:rPr lang="en-US" sz="1200" dirty="0" err="1">
-                <a:solidFill>
-                  <a:srgbClr val="408080"/>
-                </a:solidFill>
-                <a:latin typeface="Courier" charset="0"/>
-                <a:ea typeface="Courier" charset="0"/>
-                <a:cs typeface="Courier" charset="0"/>
-              </a:rPr>
-              <a:t>Prop</a:t>
-            </a:r>
-            <a:r>
-              <a:rPr lang="en-US" sz="1200" dirty="0" err="1">
-                <a:latin typeface="Courier" charset="0"/>
-                <a:ea typeface="Courier" charset="0"/>
-                <a:cs typeface="Courier" charset="0"/>
-              </a:rPr>
-              <a:t>.ForAll</a:t>
-            </a:r>
-            <a:r>
-              <a:rPr lang="en-US" sz="1200" dirty="0">
-                <a:latin typeface="Courier" charset="0"/>
-                <a:ea typeface="Courier" charset="0"/>
-                <a:cs typeface="Courier" charset="0"/>
-              </a:rPr>
-              <a:t>(zones, </a:t>
-            </a:r>
-            <a:r>
-              <a:rPr lang="en-US" sz="1200" dirty="0" smtClean="0">
-                <a:latin typeface="Courier" charset="0"/>
-                <a:ea typeface="Courier" charset="0"/>
-                <a:cs typeface="Courier" charset="0"/>
-              </a:rPr>
-              <a:t>check</a:t>
-            </a:r>
-            <a:r>
-              <a:rPr lang="en-US" sz="1200" dirty="0" smtClean="0">
-                <a:latin typeface="Courier" charset="0"/>
-                <a:ea typeface="Courier" charset="0"/>
-                <a:cs typeface="Courier" charset="0"/>
-              </a:rPr>
-              <a:t>);</a:t>
-            </a:r>
-          </a:p>
-          <a:p>
-            <a:pPr marL="0" indent="0">
-              <a:lnSpc>
-                <a:spcPct val="100000"/>
-              </a:lnSpc>
-              <a:buNone/>
-            </a:pPr>
-            <a:r>
-              <a:rPr lang="en-US" sz="1200" dirty="0">
                 <a:latin typeface="Courier" charset="0"/>
                 <a:ea typeface="Courier" charset="0"/>
                 <a:cs typeface="Courier" charset="0"/>
               </a:rPr>
               <a:t>}</a:t>
             </a:r>
-            <a:endParaRPr lang="en-US" sz="1200" dirty="0">
-              <a:latin typeface="Courier" charset="0"/>
-              <a:ea typeface="Courier" charset="0"/>
-              <a:cs typeface="Courier" charset="0"/>
-            </a:endParaRPr>
           </a:p>
         </p:txBody>
       </p:sp>
@@ -24045,121 +24826,6 @@
           </a:p>
         </p:txBody>
       </p:sp>
-      <p:grpSp>
-        <p:nvGrpSpPr>
-          <p:cNvPr id="13" name="Group 12"/>
-          <p:cNvGrpSpPr/>
-          <p:nvPr/>
-        </p:nvGrpSpPr>
-        <p:grpSpPr>
-          <a:xfrm>
-            <a:off x="1033481" y="4865007"/>
-            <a:ext cx="7953765" cy="913660"/>
-            <a:chOff x="4947209" y="2267082"/>
-            <a:chExt cx="7953765" cy="913660"/>
-          </a:xfrm>
-        </p:grpSpPr>
-        <p:sp>
-          <p:nvSpPr>
-            <p:cNvPr id="14" name="Rectangle 13"/>
-            <p:cNvSpPr/>
-            <p:nvPr/>
-          </p:nvSpPr>
-          <p:spPr>
-            <a:xfrm>
-              <a:off x="4947209" y="2267082"/>
-              <a:ext cx="7953765" cy="307885"/>
-            </a:xfrm>
-            <a:prstGeom prst="rect">
-              <a:avLst/>
-            </a:prstGeom>
-            <a:solidFill>
-              <a:srgbClr val="FFFF00">
-                <a:alpha val="14902"/>
-              </a:srgbClr>
-            </a:solidFill>
-            <a:ln w="28575">
-              <a:solidFill>
-                <a:srgbClr val="FF9300">
-                  <a:alpha val="50196"/>
-                </a:srgbClr>
-              </a:solidFill>
-            </a:ln>
-          </p:spPr>
-          <p:style>
-            <a:lnRef idx="2">
-              <a:schemeClr val="accent2"/>
-            </a:lnRef>
-            <a:fillRef idx="1">
-              <a:schemeClr val="lt1"/>
-            </a:fillRef>
-            <a:effectRef idx="0">
-              <a:schemeClr val="accent2"/>
-            </a:effectRef>
-            <a:fontRef idx="minor">
-              <a:schemeClr val="dk1"/>
-            </a:fontRef>
-          </p:style>
-          <p:txBody>
-            <a:bodyPr rtlCol="0" anchor="ctr"/>
-            <a:lstStyle/>
-            <a:p>
-              <a:pPr algn="ctr"/>
-              <a:endParaRPr lang="en-US"/>
-            </a:p>
-          </p:txBody>
-        </p:sp>
-        <p:sp>
-          <p:nvSpPr>
-            <p:cNvPr id="15" name="Rectangle 14"/>
-            <p:cNvSpPr/>
-            <p:nvPr/>
-          </p:nvSpPr>
-          <p:spPr>
-            <a:xfrm>
-              <a:off x="4947209" y="2881032"/>
-              <a:ext cx="3198886" cy="299710"/>
-            </a:xfrm>
-            <a:prstGeom prst="rect">
-              <a:avLst/>
-            </a:prstGeom>
-            <a:solidFill>
-              <a:srgbClr val="FFFF00">
-                <a:alpha val="14902"/>
-              </a:srgbClr>
-            </a:solidFill>
-            <a:ln w="28575">
-              <a:solidFill>
-                <a:srgbClr val="FF9300">
-                  <a:alpha val="50196"/>
-                </a:srgbClr>
-              </a:solidFill>
-            </a:ln>
-          </p:spPr>
-          <p:style>
-            <a:lnRef idx="2">
-              <a:schemeClr val="accent2"/>
-            </a:lnRef>
-            <a:fillRef idx="1">
-              <a:schemeClr val="lt1"/>
-            </a:fillRef>
-            <a:effectRef idx="0">
-              <a:schemeClr val="accent2"/>
-            </a:effectRef>
-            <a:fontRef idx="minor">
-              <a:schemeClr val="dk1"/>
-            </a:fontRef>
-          </p:style>
-          <p:txBody>
-            <a:bodyPr rtlCol="0" anchor="ctr"/>
-            <a:lstStyle/>
-            <a:p>
-              <a:pPr algn="ctr"/>
-              <a:endParaRPr lang="en-US"/>
-            </a:p>
-          </p:txBody>
-        </p:sp>
-      </p:grpSp>
     </p:spTree>
     <p:extLst>
       <p:ext uri="{BB962C8B-B14F-4D97-AF65-F5344CB8AC3E}">
@@ -24185,176 +24851,7 @@
   <p:timing>
     <p:tnLst>
       <p:par>
-        <p:cTn id="1" dur="indefinite" restart="never" nodeType="tmRoot">
-          <p:childTnLst>
-            <p:seq concurrent="1" nextAc="seek">
-              <p:cTn id="2" dur="indefinite" nodeType="mainSeq">
-                <p:childTnLst>
-                  <p:par>
-                    <p:cTn id="3" fill="hold">
-                      <p:stCondLst>
-                        <p:cond delay="indefinite"/>
-                      </p:stCondLst>
-                      <p:childTnLst>
-                        <p:par>
-                          <p:cTn id="4" fill="hold">
-                            <p:stCondLst>
-                              <p:cond delay="0"/>
-                            </p:stCondLst>
-                            <p:childTnLst>
-                              <p:par>
-                                <p:cTn id="5" presetID="10" presetClass="entr" presetSubtype="0" fill="hold" nodeType="clickEffect">
-                                  <p:stCondLst>
-                                    <p:cond delay="0"/>
-                                  </p:stCondLst>
-                                  <p:childTnLst>
-                                    <p:set>
-                                      <p:cBhvr>
-                                        <p:cTn id="6" dur="1" fill="hold">
-                                          <p:stCondLst>
-                                            <p:cond delay="0"/>
-                                          </p:stCondLst>
-                                        </p:cTn>
-                                        <p:tgtEl>
-                                          <p:spTgt spid="13"/>
-                                        </p:tgtEl>
-                                        <p:attrNameLst>
-                                          <p:attrName>style.visibility</p:attrName>
-                                        </p:attrNameLst>
-                                      </p:cBhvr>
-                                      <p:to>
-                                        <p:strVal val="visible"/>
-                                      </p:to>
-                                    </p:set>
-                                    <p:animEffect transition="in" filter="fade">
-                                      <p:cBhvr>
-                                        <p:cTn id="7" dur="500"/>
-                                        <p:tgtEl>
-                                          <p:spTgt spid="13"/>
-                                        </p:tgtEl>
-                                      </p:cBhvr>
-                                    </p:animEffect>
-                                  </p:childTnLst>
-                                </p:cTn>
-                              </p:par>
-                            </p:childTnLst>
-                          </p:cTn>
-                        </p:par>
-                        <p:par>
-                          <p:cTn id="8" fill="hold">
-                            <p:stCondLst>
-                              <p:cond delay="500"/>
-                            </p:stCondLst>
-                            <p:childTnLst>
-                              <p:par>
-                                <p:cTn id="9" presetID="32" presetClass="emph" presetSubtype="0" fill="hold" nodeType="afterEffect">
-                                  <p:stCondLst>
-                                    <p:cond delay="0"/>
-                                  </p:stCondLst>
-                                  <p:childTnLst>
-                                    <p:animRot by="120000">
-                                      <p:cBhvr>
-                                        <p:cTn id="10" dur="100" fill="hold">
-                                          <p:stCondLst>
-                                            <p:cond delay="0"/>
-                                          </p:stCondLst>
-                                        </p:cTn>
-                                        <p:tgtEl>
-                                          <p:spTgt spid="13"/>
-                                        </p:tgtEl>
-                                        <p:attrNameLst>
-                                          <p:attrName>r</p:attrName>
-                                        </p:attrNameLst>
-                                      </p:cBhvr>
-                                    </p:animRot>
-                                    <p:animRot by="-240000">
-                                      <p:cBhvr>
-                                        <p:cTn id="11" dur="200" fill="hold">
-                                          <p:stCondLst>
-                                            <p:cond delay="200"/>
-                                          </p:stCondLst>
-                                        </p:cTn>
-                                        <p:tgtEl>
-                                          <p:spTgt spid="13"/>
-                                        </p:tgtEl>
-                                        <p:attrNameLst>
-                                          <p:attrName>r</p:attrName>
-                                        </p:attrNameLst>
-                                      </p:cBhvr>
-                                    </p:animRot>
-                                    <p:animRot by="240000">
-                                      <p:cBhvr>
-                                        <p:cTn id="12" dur="200" fill="hold">
-                                          <p:stCondLst>
-                                            <p:cond delay="400"/>
-                                          </p:stCondLst>
-                                        </p:cTn>
-                                        <p:tgtEl>
-                                          <p:spTgt spid="13"/>
-                                        </p:tgtEl>
-                                        <p:attrNameLst>
-                                          <p:attrName>r</p:attrName>
-                                        </p:attrNameLst>
-                                      </p:cBhvr>
-                                    </p:animRot>
-                                    <p:animRot by="-240000">
-                                      <p:cBhvr>
-                                        <p:cTn id="13" dur="200" fill="hold">
-                                          <p:stCondLst>
-                                            <p:cond delay="600"/>
-                                          </p:stCondLst>
-                                        </p:cTn>
-                                        <p:tgtEl>
-                                          <p:spTgt spid="13"/>
-                                        </p:tgtEl>
-                                        <p:attrNameLst>
-                                          <p:attrName>r</p:attrName>
-                                        </p:attrNameLst>
-                                      </p:cBhvr>
-                                    </p:animRot>
-                                    <p:animRot by="120000">
-                                      <p:cBhvr>
-                                        <p:cTn id="14" dur="200" fill="hold">
-                                          <p:stCondLst>
-                                            <p:cond delay="800"/>
-                                          </p:stCondLst>
-                                        </p:cTn>
-                                        <p:tgtEl>
-                                          <p:spTgt spid="13"/>
-                                        </p:tgtEl>
-                                        <p:attrNameLst>
-                                          <p:attrName>r</p:attrName>
-                                        </p:attrNameLst>
-                                      </p:cBhvr>
-                                    </p:animRot>
-                                  </p:childTnLst>
-                                </p:cTn>
-                              </p:par>
-                            </p:childTnLst>
-                          </p:cTn>
-                        </p:par>
-                      </p:childTnLst>
-                    </p:cTn>
-                  </p:par>
-                </p:childTnLst>
-              </p:cTn>
-              <p:prevCondLst>
-                <p:cond evt="onPrev" delay="0">
-                  <p:tgtEl>
-                    <p:sldTgt/>
-                  </p:tgtEl>
-                </p:cond>
-              </p:prevCondLst>
-              <p:nextCondLst>
-                <p:cond evt="onNext" delay="0">
-                  <p:tgtEl>
-                    <p:sldTgt/>
-                  </p:tgtEl>
-                </p:cond>
-              </p:nextCondLst>
-            </p:seq>
-          </p:childTnLst>
-        </p:cTn>
+        <p:cTn id="1" dur="indefinite" restart="never" nodeType="tmRoot"/>
       </p:par>
     </p:tnLst>
   </p:timing>
@@ -29572,11 +30069,22 @@
             </a:r>
             <a:r>
               <a:rPr lang="en-US" sz="1200" dirty="0" err="1" smtClean="0">
-                <a:latin typeface="Courier" charset="0"/>
-                <a:ea typeface="Courier" charset="0"/>
-                <a:cs typeface="Courier" charset="0"/>
-              </a:rPr>
-              <a:t>Time.Zero</a:t>
+                <a:solidFill>
+                  <a:srgbClr val="408080"/>
+                </a:solidFill>
+                <a:latin typeface="Courier" charset="0"/>
+                <a:ea typeface="Courier" charset="0"/>
+                <a:cs typeface="Courier" charset="0"/>
+              </a:rPr>
+              <a:t>Time</a:t>
+            </a:r>
+            <a:r>
+              <a:rPr lang="en-US" sz="1200" dirty="0" err="1" smtClean="0">
+                <a:latin typeface="Courier" charset="0"/>
+                <a:ea typeface="Courier" charset="0"/>
+                <a:cs typeface="Courier" charset="0"/>
+              </a:rPr>
+              <a:t>.Zero</a:t>
             </a:r>
             <a:r>
               <a:rPr lang="en-US" sz="1200" dirty="0" smtClean="0">
@@ -29604,11 +30112,22 @@
             </a:r>
             <a:r>
               <a:rPr lang="en-US" sz="1200" dirty="0" err="1" smtClean="0">
-                <a:latin typeface="Courier" charset="0"/>
-                <a:ea typeface="Courier" charset="0"/>
-                <a:cs typeface="Courier" charset="0"/>
-              </a:rPr>
-              <a:t>Arb.fromGenShrink</a:t>
+                <a:solidFill>
+                  <a:srgbClr val="408080"/>
+                </a:solidFill>
+                <a:latin typeface="Courier" charset="0"/>
+                <a:ea typeface="Courier" charset="0"/>
+                <a:cs typeface="Courier" charset="0"/>
+              </a:rPr>
+              <a:t>Arb</a:t>
+            </a:r>
+            <a:r>
+              <a:rPr lang="en-US" sz="1200" dirty="0" err="1" smtClean="0">
+                <a:latin typeface="Courier" charset="0"/>
+                <a:ea typeface="Courier" charset="0"/>
+                <a:cs typeface="Courier" charset="0"/>
+              </a:rPr>
+              <a:t>.fromGenShrink</a:t>
             </a:r>
             <a:endParaRPr lang="en-US" sz="1200" dirty="0" smtClean="0">
               <a:latin typeface="Courier" charset="0"/>
@@ -29676,19 +30195,49 @@
             </a:r>
             <a:r>
               <a:rPr lang="en-US" sz="1200" dirty="0" err="1" smtClean="0">
-                <a:latin typeface="Courier" charset="0"/>
-                <a:ea typeface="Courier" charset="0"/>
-                <a:cs typeface="Courier" charset="0"/>
-              </a:rPr>
-              <a:t>Arb.generate</a:t>
-            </a:r>
-            <a:r>
-              <a:rPr lang="en-US" sz="1200" dirty="0" smtClean="0">
-                <a:latin typeface="Courier" charset="0"/>
-                <a:ea typeface="Courier" charset="0"/>
-                <a:cs typeface="Courier" charset="0"/>
-              </a:rPr>
-              <a:t>&lt;Time&gt; </a:t>
+                <a:solidFill>
+                  <a:srgbClr val="408080"/>
+                </a:solidFill>
+                <a:latin typeface="Courier" charset="0"/>
+                <a:ea typeface="Courier" charset="0"/>
+                <a:cs typeface="Courier" charset="0"/>
+              </a:rPr>
+              <a:t>Arb</a:t>
+            </a:r>
+            <a:r>
+              <a:rPr lang="en-US" sz="1200" dirty="0" err="1" smtClean="0">
+                <a:latin typeface="Courier" charset="0"/>
+                <a:ea typeface="Courier" charset="0"/>
+                <a:cs typeface="Courier" charset="0"/>
+              </a:rPr>
+              <a:t>.generate</a:t>
+            </a:r>
+            <a:r>
+              <a:rPr lang="en-US" sz="1200" dirty="0" smtClean="0">
+                <a:latin typeface="Courier" charset="0"/>
+                <a:ea typeface="Courier" charset="0"/>
+                <a:cs typeface="Courier" charset="0"/>
+              </a:rPr>
+              <a:t>&lt;</a:t>
+            </a:r>
+            <a:r>
+              <a:rPr lang="en-US" sz="1200" dirty="0" smtClean="0">
+                <a:solidFill>
+                  <a:srgbClr val="408080"/>
+                </a:solidFill>
+                <a:latin typeface="Courier" charset="0"/>
+                <a:ea typeface="Courier" charset="0"/>
+                <a:cs typeface="Courier" charset="0"/>
+              </a:rPr>
+              <a:t>Time</a:t>
+            </a:r>
+            <a:r>
+              <a:rPr lang="en-US" sz="1200" dirty="0" smtClean="0">
+                <a:latin typeface="Courier" charset="0"/>
+                <a:ea typeface="Courier" charset="0"/>
+                <a:cs typeface="Courier" charset="0"/>
+              </a:rPr>
+              <a:t>&gt; </a:t>
             </a:r>
           </a:p>
           <a:p>
@@ -29716,11 +30265,22 @@
             </a:r>
             <a:r>
               <a:rPr lang="en-US" sz="1200" dirty="0" err="1" smtClean="0">
-                <a:latin typeface="Courier" charset="0"/>
-                <a:ea typeface="Courier" charset="0"/>
-                <a:cs typeface="Courier" charset="0"/>
-              </a:rPr>
-              <a:t>Gen.where</a:t>
+                <a:solidFill>
+                  <a:srgbClr val="408080"/>
+                </a:solidFill>
+                <a:latin typeface="Courier" charset="0"/>
+                <a:ea typeface="Courier" charset="0"/>
+                <a:cs typeface="Courier" charset="0"/>
+              </a:rPr>
+              <a:t>Gen</a:t>
+            </a:r>
+            <a:r>
+              <a:rPr lang="en-US" sz="1200" dirty="0" err="1" smtClean="0">
+                <a:latin typeface="Courier" charset="0"/>
+                <a:ea typeface="Courier" charset="0"/>
+                <a:cs typeface="Courier" charset="0"/>
+              </a:rPr>
+              <a:t>.where</a:t>
             </a:r>
             <a:r>
               <a:rPr lang="en-US" sz="1200" dirty="0" smtClean="0">
@@ -29772,11 +30332,22 @@
             </a:r>
             <a:r>
               <a:rPr lang="en-US" sz="1200" dirty="0" err="1" smtClean="0">
-                <a:latin typeface="Courier" charset="0"/>
-                <a:ea typeface="Courier" charset="0"/>
-                <a:cs typeface="Courier" charset="0"/>
-              </a:rPr>
-              <a:t>Gen.map</a:t>
+                <a:solidFill>
+                  <a:srgbClr val="408080"/>
+                </a:solidFill>
+                <a:latin typeface="Courier" charset="0"/>
+                <a:ea typeface="Courier" charset="0"/>
+                <a:cs typeface="Courier" charset="0"/>
+              </a:rPr>
+              <a:t>Gen</a:t>
+            </a:r>
+            <a:r>
+              <a:rPr lang="en-US" sz="1200" dirty="0" err="1" smtClean="0">
+                <a:latin typeface="Courier" charset="0"/>
+                <a:ea typeface="Courier" charset="0"/>
+                <a:cs typeface="Courier" charset="0"/>
+              </a:rPr>
+              <a:t>.map</a:t>
             </a:r>
             <a:r>
               <a:rPr lang="en-US" sz="1200" dirty="0" smtClean="0">
@@ -29909,11 +30480,22 @@
             </a:r>
             <a:r>
               <a:rPr lang="en-US" sz="1200" dirty="0" smtClean="0">
-                <a:latin typeface="Courier" charset="0"/>
-                <a:ea typeface="Courier" charset="0"/>
-                <a:cs typeface="Courier" charset="0"/>
-              </a:rPr>
-              <a:t> t) </a:t>
+                <a:solidFill>
+                  <a:srgbClr val="408080"/>
+                </a:solidFill>
+                <a:latin typeface="Courier" charset="0"/>
+                <a:ea typeface="Courier" charset="0"/>
+                <a:cs typeface="Courier" charset="0"/>
+              </a:rPr>
+              <a:t> </a:t>
+            </a:r>
+            <a:r>
+              <a:rPr lang="en-US" sz="1200" dirty="0" smtClean="0">
+                <a:latin typeface="Courier" charset="0"/>
+                <a:ea typeface="Courier" charset="0"/>
+                <a:cs typeface="Courier" charset="0"/>
+              </a:rPr>
+              <a:t>t) </a:t>
             </a:r>
             <a:r>
               <a:rPr lang="en-US" sz="1200" dirty="0" smtClean="0">
@@ -29960,11 +30542,22 @@
             </a:r>
             <a:r>
               <a:rPr lang="en-US" sz="1200" dirty="0" err="1" smtClean="0">
-                <a:latin typeface="Courier" charset="0"/>
-                <a:ea typeface="Courier" charset="0"/>
-                <a:cs typeface="Courier" charset="0"/>
-              </a:rPr>
-              <a:t>Arb.shrink</a:t>
+                <a:solidFill>
+                  <a:srgbClr val="408080"/>
+                </a:solidFill>
+                <a:latin typeface="Courier" charset="0"/>
+                <a:ea typeface="Courier" charset="0"/>
+                <a:cs typeface="Courier" charset="0"/>
+              </a:rPr>
+              <a:t>Arb</a:t>
+            </a:r>
+            <a:r>
+              <a:rPr lang="en-US" sz="1200" dirty="0" err="1" smtClean="0">
+                <a:latin typeface="Courier" charset="0"/>
+                <a:ea typeface="Courier" charset="0"/>
+                <a:cs typeface="Courier" charset="0"/>
+              </a:rPr>
+              <a:t>.shrink</a:t>
             </a:r>
             <a:r>
               <a:rPr lang="en-US" sz="1200" dirty="0" smtClean="0">
@@ -29992,11 +30585,22 @@
             </a:r>
             <a:r>
               <a:rPr lang="en-US" sz="1200" dirty="0" err="1" smtClean="0">
-                <a:latin typeface="Courier" charset="0"/>
-                <a:ea typeface="Courier" charset="0"/>
-                <a:cs typeface="Courier" charset="0"/>
-              </a:rPr>
-              <a:t>Seq.where</a:t>
+                <a:solidFill>
+                  <a:srgbClr val="408080"/>
+                </a:solidFill>
+                <a:latin typeface="Courier" charset="0"/>
+                <a:ea typeface="Courier" charset="0"/>
+                <a:cs typeface="Courier" charset="0"/>
+              </a:rPr>
+              <a:t>Seq</a:t>
+            </a:r>
+            <a:r>
+              <a:rPr lang="en-US" sz="1200" dirty="0" err="1" smtClean="0">
+                <a:latin typeface="Courier" charset="0"/>
+                <a:ea typeface="Courier" charset="0"/>
+                <a:cs typeface="Courier" charset="0"/>
+              </a:rPr>
+              <a:t>.where</a:t>
             </a:r>
             <a:r>
               <a:rPr lang="en-US" sz="1200" dirty="0" smtClean="0">
@@ -30045,11 +30649,22 @@
             </a:r>
             <a:r>
               <a:rPr lang="en-US" sz="1200" dirty="0" err="1" smtClean="0">
-                <a:latin typeface="Courier" charset="0"/>
-                <a:ea typeface="Courier" charset="0"/>
-                <a:cs typeface="Courier" charset="0"/>
-              </a:rPr>
-              <a:t>Seq.map</a:t>
+                <a:solidFill>
+                  <a:srgbClr val="408080"/>
+                </a:solidFill>
+                <a:latin typeface="Courier" charset="0"/>
+                <a:ea typeface="Courier" charset="0"/>
+                <a:cs typeface="Courier" charset="0"/>
+              </a:rPr>
+              <a:t>Seq</a:t>
+            </a:r>
+            <a:r>
+              <a:rPr lang="en-US" sz="1200" dirty="0" err="1" smtClean="0">
+                <a:latin typeface="Courier" charset="0"/>
+                <a:ea typeface="Courier" charset="0"/>
+                <a:cs typeface="Courier" charset="0"/>
+              </a:rPr>
+              <a:t>.map</a:t>
             </a:r>
             <a:r>
               <a:rPr lang="en-US" sz="1200" dirty="0" smtClean="0">
@@ -30470,6 +31085,9 @@
             </a:r>
             <a:r>
               <a:rPr lang="en-US" sz="1200" dirty="0" err="1" smtClean="0">
+                <a:solidFill>
+                  <a:srgbClr val="408080"/>
+                </a:solidFill>
                 <a:latin typeface="Courier" charset="0"/>
                 <a:ea typeface="Courier" charset="0"/>
                 <a:cs typeface="Courier" charset="0"/>
@@ -30478,11 +31096,22 @@
             </a:r>
             <a:r>
               <a:rPr lang="en-US" sz="1200" dirty="0" smtClean="0">
-                <a:latin typeface="Courier" charset="0"/>
-                <a:ea typeface="Courier" charset="0"/>
-                <a:cs typeface="Courier" charset="0"/>
-              </a:rPr>
-              <a:t> = </a:t>
+                <a:solidFill>
+                  <a:srgbClr val="408080"/>
+                </a:solidFill>
+                <a:latin typeface="Courier" charset="0"/>
+                <a:ea typeface="Courier" charset="0"/>
+                <a:cs typeface="Courier" charset="0"/>
+              </a:rPr>
+              <a:t> </a:t>
+            </a:r>
+            <a:r>
+              <a:rPr lang="en-US" sz="1200" dirty="0" smtClean="0">
+                <a:latin typeface="Courier" charset="0"/>
+                <a:ea typeface="Courier" charset="0"/>
+                <a:cs typeface="Courier" charset="0"/>
+              </a:rPr>
+              <a:t>= </a:t>
             </a:r>
             <a:r>
               <a:rPr lang="en-US" sz="1200" dirty="0" smtClean="0">
@@ -30546,6 +31175,9 @@
             </a:r>
             <a:r>
               <a:rPr lang="en-US" sz="1200" dirty="0" smtClean="0">
+                <a:solidFill>
+                  <a:srgbClr val="408080"/>
+                </a:solidFill>
                 <a:latin typeface="Courier" charset="0"/>
                 <a:ea typeface="Courier" charset="0"/>
                 <a:cs typeface="Courier" charset="0"/>
@@ -30736,11 +31368,22 @@
             </a:r>
             <a:r>
               <a:rPr lang="en-US" sz="1200" dirty="0" err="1" smtClean="0">
-                <a:latin typeface="Courier" charset="0"/>
-                <a:ea typeface="Courier" charset="0"/>
-                <a:cs typeface="Courier" charset="0"/>
-              </a:rPr>
-              <a:t>Time.Zero</a:t>
+                <a:solidFill>
+                  <a:srgbClr val="408080"/>
+                </a:solidFill>
+                <a:latin typeface="Courier" charset="0"/>
+                <a:ea typeface="Courier" charset="0"/>
+                <a:cs typeface="Courier" charset="0"/>
+              </a:rPr>
+              <a:t>Time</a:t>
+            </a:r>
+            <a:r>
+              <a:rPr lang="en-US" sz="1200" dirty="0" err="1" smtClean="0">
+                <a:latin typeface="Courier" charset="0"/>
+                <a:ea typeface="Courier" charset="0"/>
+                <a:cs typeface="Courier" charset="0"/>
+              </a:rPr>
+              <a:t>.Zero</a:t>
             </a:r>
             <a:r>
               <a:rPr lang="en-US" sz="1200" dirty="0" smtClean="0">
@@ -32070,6 +32713,272 @@
           <a:chExt cx="0" cy="0"/>
         </a:xfrm>
       </p:grpSpPr>
+      <p:graphicFrame>
+        <p:nvGraphicFramePr>
+          <p:cNvPr id="2" name="Content Placeholder 1"/>
+          <p:cNvGraphicFramePr>
+            <a:graphicFrameLocks noGrp="1"/>
+          </p:cNvGraphicFramePr>
+          <p:nvPr>
+            <p:ph idx="1"/>
+            <p:extLst>
+              <p:ext uri="{D42A27DB-BD31-4B8C-83A1-F6EECF244321}">
+                <p14:modId xmlns:p14="http://schemas.microsoft.com/office/powerpoint/2010/main" val="1928455050"/>
+              </p:ext>
+            </p:extLst>
+          </p:nvPr>
+        </p:nvGraphicFramePr>
+        <p:xfrm>
+          <a:off x="1432956" y="1538205"/>
+          <a:ext cx="9326088" cy="4358932"/>
+        </p:xfrm>
+        <a:graphic>
+          <a:graphicData uri="http://schemas.openxmlformats.org/drawingml/2006/diagram">
+            <dgm:relIds xmlns:dgm="http://schemas.openxmlformats.org/drawingml/2006/diagram" xmlns:r="http://schemas.openxmlformats.org/officeDocument/2006/relationships" r:dm="rId3" r:lo="rId4" r:qs="rId5" r:cs="rId6"/>
+          </a:graphicData>
+        </a:graphic>
+      </p:graphicFrame>
+      <p:sp>
+        <p:nvSpPr>
+          <p:cNvPr id="4" name="Footer Placeholder 3"/>
+          <p:cNvSpPr>
+            <a:spLocks noGrp="1"/>
+          </p:cNvSpPr>
+          <p:nvPr>
+            <p:ph type="ftr" sz="quarter" idx="11"/>
+          </p:nvPr>
+        </p:nvSpPr>
+        <p:spPr/>
+        <p:txBody>
+          <a:bodyPr/>
+          <a:lstStyle/>
+          <a:p>
+            <a:r>
+              <a:rPr lang="en-US" dirty="0" err="1" smtClean="0"/>
+              <a:t>fscheck.github.io</a:t>
+            </a:r>
+            <a:r>
+              <a:rPr lang="en-US" dirty="0" smtClean="0"/>
+              <a:t>/</a:t>
+            </a:r>
+            <a:r>
+              <a:rPr lang="en-US" b="1" dirty="0" err="1" smtClean="0"/>
+              <a:t>FsCheck</a:t>
+            </a:r>
+            <a:r>
+              <a:rPr lang="en-US" b="1" dirty="0" smtClean="0"/>
+              <a:t> </a:t>
+            </a:r>
+            <a:r>
+              <a:rPr lang="en-US" b="1" dirty="0" smtClean="0">
+                <a:solidFill>
+                  <a:schemeClr val="accent1">
+                    <a:lumMod val="60000"/>
+                    <a:lumOff val="40000"/>
+                  </a:schemeClr>
+                </a:solidFill>
+              </a:rPr>
+              <a:t>|</a:t>
+            </a:r>
+            <a:r>
+              <a:rPr lang="en-US" b="1" dirty="0" smtClean="0"/>
+              <a:t> </a:t>
+            </a:r>
+            <a:r>
+              <a:rPr lang="en-US" dirty="0" err="1" smtClean="0"/>
+              <a:t>github.com</a:t>
+            </a:r>
+            <a:r>
+              <a:rPr lang="en-US" dirty="0" smtClean="0"/>
+              <a:t>/</a:t>
+            </a:r>
+            <a:r>
+              <a:rPr lang="en-US" dirty="0" err="1" smtClean="0"/>
+              <a:t>pblasucci</a:t>
+            </a:r>
+            <a:r>
+              <a:rPr lang="en-US" dirty="0" smtClean="0"/>
+              <a:t>/</a:t>
+            </a:r>
+            <a:r>
+              <a:rPr lang="en-US" b="1" dirty="0" err="1" smtClean="0"/>
+              <a:t>quickpbt</a:t>
+            </a:r>
+            <a:endParaRPr lang="en-US" b="1" dirty="0" smtClean="0"/>
+          </a:p>
+        </p:txBody>
+      </p:sp>
+      <p:sp>
+        <p:nvSpPr>
+          <p:cNvPr id="5" name="Slide Number Placeholder 4"/>
+          <p:cNvSpPr>
+            <a:spLocks noGrp="1"/>
+          </p:cNvSpPr>
+          <p:nvPr>
+            <p:ph type="sldNum" sz="quarter" idx="12"/>
+          </p:nvPr>
+        </p:nvSpPr>
+        <p:spPr/>
+        <p:txBody>
+          <a:bodyPr/>
+          <a:lstStyle/>
+          <a:p>
+            <a:fld id="{BD1DDC88-FFD1-CB4C-90EA-24AE6ABA12F2}" type="slidenum">
+              <a:rPr lang="en-US" smtClean="0"/>
+              <a:t>4</a:t>
+            </a:fld>
+            <a:endParaRPr lang="en-US"/>
+          </a:p>
+        </p:txBody>
+      </p:sp>
+      <p:cxnSp>
+        <p:nvCxnSpPr>
+          <p:cNvPr id="6" name="Straight Connector 5"/>
+          <p:cNvCxnSpPr/>
+          <p:nvPr/>
+        </p:nvCxnSpPr>
+        <p:spPr>
+          <a:xfrm>
+            <a:off x="838200" y="1078994"/>
+            <a:ext cx="10515600" cy="0"/>
+          </a:xfrm>
+          <a:prstGeom prst="line">
+            <a:avLst/>
+          </a:prstGeom>
+          <a:ln w="28575">
+            <a:solidFill>
+              <a:schemeClr val="accent1">
+                <a:lumMod val="60000"/>
+                <a:lumOff val="40000"/>
+              </a:schemeClr>
+            </a:solidFill>
+          </a:ln>
+        </p:spPr>
+        <p:style>
+          <a:lnRef idx="1">
+            <a:schemeClr val="accent1"/>
+          </a:lnRef>
+          <a:fillRef idx="0">
+            <a:schemeClr val="accent1"/>
+          </a:fillRef>
+          <a:effectRef idx="0">
+            <a:schemeClr val="accent1"/>
+          </a:effectRef>
+          <a:fontRef idx="minor">
+            <a:schemeClr val="tx1"/>
+          </a:fontRef>
+        </p:style>
+      </p:cxnSp>
+      <p:sp>
+        <p:nvSpPr>
+          <p:cNvPr id="7" name="Title 1"/>
+          <p:cNvSpPr txBox="1">
+            <a:spLocks/>
+          </p:cNvSpPr>
+          <p:nvPr/>
+        </p:nvSpPr>
+        <p:spPr>
+          <a:xfrm>
+            <a:off x="838200" y="365126"/>
+            <a:ext cx="10515600" cy="713868"/>
+          </a:xfrm>
+          <a:prstGeom prst="rect">
+            <a:avLst/>
+          </a:prstGeom>
+        </p:spPr>
+        <p:txBody>
+          <a:bodyPr vert="horz" lIns="91440" tIns="45720" rIns="91440" bIns="45720" rtlCol="0" anchor="ctr">
+            <a:normAutofit/>
+          </a:bodyPr>
+          <a:lstStyle>
+            <a:lvl1pPr algn="l" defTabSz="914400" rtl="0" eaLnBrk="1" latinLnBrk="0" hangingPunct="1">
+              <a:lnSpc>
+                <a:spcPct val="90000"/>
+              </a:lnSpc>
+              <a:spcBef>
+                <a:spcPct val="0"/>
+              </a:spcBef>
+              <a:buNone/>
+              <a:defRPr sz="4400" b="0" kern="1200">
+                <a:solidFill>
+                  <a:schemeClr val="tx1"/>
+                </a:solidFill>
+                <a:latin typeface="Verdana" charset="0"/>
+                <a:ea typeface="Verdana" charset="0"/>
+                <a:cs typeface="Verdana" charset="0"/>
+              </a:defRPr>
+            </a:lvl1pPr>
+          </a:lstStyle>
+          <a:p>
+            <a:r>
+              <a:rPr lang="en-US" sz="2400" b="1" dirty="0" smtClean="0">
+                <a:solidFill>
+                  <a:schemeClr val="accent1">
+                    <a:lumMod val="75000"/>
+                  </a:schemeClr>
+                </a:solidFill>
+              </a:rPr>
+              <a:t>DOMAIN UNDER TEST</a:t>
+            </a:r>
+            <a:endParaRPr lang="en-US" sz="2400" b="1" dirty="0">
+              <a:solidFill>
+                <a:schemeClr val="accent1">
+                  <a:lumMod val="75000"/>
+                </a:schemeClr>
+              </a:solidFill>
+            </a:endParaRPr>
+          </a:p>
+        </p:txBody>
+      </p:sp>
+    </p:spTree>
+    <p:extLst>
+      <p:ext uri="{BB962C8B-B14F-4D97-AF65-F5344CB8AC3E}">
+        <p14:creationId xmlns:p14="http://schemas.microsoft.com/office/powerpoint/2010/main" val="464380672"/>
+      </p:ext>
+    </p:extLst>
+  </p:cSld>
+  <p:clrMapOvr>
+    <a:masterClrMapping/>
+  </p:clrMapOvr>
+  <mc:AlternateContent xmlns:mc="http://schemas.openxmlformats.org/markup-compatibility/2006" xmlns:p14="http://schemas.microsoft.com/office/powerpoint/2010/main">
+    <mc:Choice Requires="p14">
+      <p:transition spd="med" p14:dur="700">
+        <p:fade/>
+      </p:transition>
+    </mc:Choice>
+    <mc:Fallback xmlns="">
+      <p:transition spd="med">
+        <p:fade/>
+      </p:transition>
+    </mc:Fallback>
+  </mc:AlternateContent>
+  <p:timing>
+    <p:tnLst>
+      <p:par>
+        <p:cTn id="1" dur="indefinite" restart="never" nodeType="tmRoot"/>
+      </p:par>
+    </p:tnLst>
+  </p:timing>
+</p:sld>
+</file>
+
+<file path=ppt/slides/slide5.xml><?xml version="1.0" encoding="utf-8"?>
+<p:sld xmlns:a="http://schemas.openxmlformats.org/drawingml/2006/main" xmlns:r="http://schemas.openxmlformats.org/officeDocument/2006/relationships" xmlns:p="http://schemas.openxmlformats.org/presentationml/2006/main">
+  <p:cSld>
+    <p:spTree>
+      <p:nvGrpSpPr>
+        <p:cNvPr id="1" name=""/>
+        <p:cNvGrpSpPr/>
+        <p:nvPr/>
+      </p:nvGrpSpPr>
+      <p:grpSpPr>
+        <a:xfrm>
+          <a:off x="0" y="0"/>
+          <a:ext cx="0" cy="0"/>
+          <a:chOff x="0" y="0"/>
+          <a:chExt cx="0" cy="0"/>
+        </a:xfrm>
+      </p:grpSpPr>
       <p:sp>
         <p:nvSpPr>
           <p:cNvPr id="2" name="Title 1"/>
@@ -32192,8 +33101,21 @@
                 <a:ea typeface="Courier" charset="0"/>
                 <a:cs typeface="Courier" charset="0"/>
               </a:rPr>
-              <a:t> ``days should equal hours`` () =</a:t>
-            </a:r>
+              <a:t> ``days should equal hours`` () </a:t>
+            </a:r>
+            <a:r>
+              <a:rPr lang="en-US" sz="1200" dirty="0" smtClean="0">
+                <a:latin typeface="Courier" charset="0"/>
+                <a:ea typeface="Courier" charset="0"/>
+                <a:cs typeface="Courier" charset="0"/>
+              </a:rPr>
+              <a:t>=</a:t>
+            </a:r>
+            <a:endParaRPr lang="en-US" sz="1200" dirty="0" smtClean="0">
+              <a:latin typeface="Courier" charset="0"/>
+              <a:ea typeface="Courier" charset="0"/>
+              <a:cs typeface="Courier" charset="0"/>
+            </a:endParaRPr>
           </a:p>
           <a:p>
             <a:pPr marL="0" indent="0">
@@ -32507,8 +33429,8 @@
         </p:nvSpPr>
         <p:spPr>
           <a:xfrm>
-            <a:off x="6275408" y="1170434"/>
-            <a:ext cx="5078392" cy="2475394"/>
+            <a:off x="6071404" y="1170434"/>
+            <a:ext cx="5282396" cy="2475394"/>
           </a:xfrm>
         </p:spPr>
         <p:txBody>
@@ -32575,23 +33497,15 @@
                 <a:ea typeface="Courier" charset="0"/>
                 <a:cs typeface="Courier" charset="0"/>
               </a:rPr>
-              <a:t> ``plus ignores unit of time`` (</a:t>
-            </a:r>
-            <a:r>
-              <a:rPr lang="en-US" sz="1200" dirty="0" err="1" smtClean="0">
-                <a:latin typeface="Courier" charset="0"/>
-                <a:ea typeface="Courier" charset="0"/>
-                <a:cs typeface="Courier" charset="0"/>
-              </a:rPr>
-              <a:t>anyDate</a:t>
-            </a:r>
-            <a:r>
-              <a:rPr lang="en-US" sz="1200" dirty="0" smtClean="0">
-                <a:latin typeface="Courier" charset="0"/>
-                <a:ea typeface="Courier" charset="0"/>
-                <a:cs typeface="Courier" charset="0"/>
-              </a:rPr>
-              <a:t> :</a:t>
+              <a:t> ``plus ignores unit of time`` </a:t>
+            </a:r>
+            <a:r>
+              <a:rPr lang="en-US" sz="1200" dirty="0" smtClean="0">
+                <a:latin typeface="Courier" charset="0"/>
+                <a:ea typeface="Courier" charset="0"/>
+                <a:cs typeface="Courier" charset="0"/>
+              </a:rPr>
+              <a:t>(today :</a:t>
             </a:r>
             <a:r>
               <a:rPr lang="en-US" sz="1200" dirty="0" smtClean="0">
@@ -32610,8 +33524,32 @@
                 <a:ea typeface="Courier" charset="0"/>
                 <a:cs typeface="Courier" charset="0"/>
               </a:rPr>
-              <a:t>) =</a:t>
-            </a:r>
+              <a:t>) :</a:t>
+            </a:r>
+            <a:r>
+              <a:rPr lang="en-US" sz="1200" dirty="0" smtClean="0">
+                <a:solidFill>
+                  <a:srgbClr val="408080"/>
+                </a:solidFill>
+                <a:latin typeface="Courier" charset="0"/>
+                <a:ea typeface="Courier" charset="0"/>
+                <a:cs typeface="Courier" charset="0"/>
+              </a:rPr>
+              <a:t>bool</a:t>
+            </a:r>
+            <a:r>
+              <a:rPr lang="en-US" sz="1200" dirty="0" smtClean="0">
+                <a:latin typeface="Courier" charset="0"/>
+                <a:ea typeface="Courier" charset="0"/>
+                <a:cs typeface="Courier" charset="0"/>
+              </a:rPr>
+              <a:t> =</a:t>
+            </a:r>
+            <a:endParaRPr lang="en-US" sz="1200" dirty="0" smtClean="0">
+              <a:latin typeface="Courier" charset="0"/>
+              <a:ea typeface="Courier" charset="0"/>
+              <a:cs typeface="Courier" charset="0"/>
+            </a:endParaRPr>
           </a:p>
           <a:p>
             <a:pPr marL="0" indent="0">
@@ -32699,20 +33637,20 @@
               <a:t> days  = </a:t>
             </a:r>
             <a:r>
-              <a:rPr lang="en-US" sz="1200" dirty="0" err="1" smtClean="0">
-                <a:latin typeface="Courier" charset="0"/>
-                <a:ea typeface="Courier" charset="0"/>
-                <a:cs typeface="Courier" charset="0"/>
-              </a:rPr>
-              <a:t>anyDate</a:t>
-            </a:r>
-            <a:r>
-              <a:rPr lang="en-US" sz="1200" dirty="0" smtClean="0">
-                <a:latin typeface="Courier" charset="0"/>
-                <a:ea typeface="Courier" charset="0"/>
-                <a:cs typeface="Courier" charset="0"/>
-              </a:rPr>
-              <a:t> + </a:t>
+              <a:rPr lang="en-US" sz="1200" dirty="0" smtClean="0">
+                <a:latin typeface="Courier" charset="0"/>
+                <a:ea typeface="Courier" charset="0"/>
+                <a:cs typeface="Courier" charset="0"/>
+              </a:rPr>
+              <a:t>today </a:t>
+            </a:r>
+            <a:r>
+              <a:rPr lang="en-US" sz="1200" dirty="0" smtClean="0">
+                <a:latin typeface="Courier" charset="0"/>
+                <a:ea typeface="Courier" charset="0"/>
+                <a:cs typeface="Courier" charset="0"/>
+              </a:rPr>
+              <a:t>+ </a:t>
             </a:r>
             <a:r>
               <a:rPr lang="en-US" sz="1200" dirty="0" err="1" smtClean="0">
@@ -32801,20 +33739,20 @@
               <a:t> hours = </a:t>
             </a:r>
             <a:r>
-              <a:rPr lang="en-US" sz="1200" dirty="0" err="1" smtClean="0">
-                <a:latin typeface="Courier" charset="0"/>
-                <a:ea typeface="Courier" charset="0"/>
-                <a:cs typeface="Courier" charset="0"/>
-              </a:rPr>
-              <a:t>anyDate</a:t>
-            </a:r>
-            <a:r>
-              <a:rPr lang="en-US" sz="1200" dirty="0" smtClean="0">
-                <a:latin typeface="Courier" charset="0"/>
-                <a:ea typeface="Courier" charset="0"/>
-                <a:cs typeface="Courier" charset="0"/>
-              </a:rPr>
-              <a:t> + </a:t>
+              <a:rPr lang="en-US" sz="1200" dirty="0" smtClean="0">
+                <a:latin typeface="Courier" charset="0"/>
+                <a:ea typeface="Courier" charset="0"/>
+                <a:cs typeface="Courier" charset="0"/>
+              </a:rPr>
+              <a:t>today </a:t>
+            </a:r>
+            <a:r>
+              <a:rPr lang="en-US" sz="1200" dirty="0" smtClean="0">
+                <a:latin typeface="Courier" charset="0"/>
+                <a:ea typeface="Courier" charset="0"/>
+                <a:cs typeface="Courier" charset="0"/>
+              </a:rPr>
+              <a:t>+ </a:t>
             </a:r>
             <a:r>
               <a:rPr lang="en-US" sz="1200" dirty="0" err="1" smtClean="0">
@@ -32994,7 +33932,7 @@
           <a:p>
             <a:fld id="{BD1DDC88-FFD1-CB4C-90EA-24AE6ABA12F2}" type="slidenum">
               <a:rPr lang="en-US" smtClean="0"/>
-              <a:t>4</a:t>
+              <a:t>5</a:t>
             </a:fld>
             <a:endParaRPr lang="en-US"/>
           </a:p>
@@ -33010,7 +33948,7 @@
         </p:nvSpPr>
         <p:spPr>
           <a:xfrm>
-            <a:off x="6172200" y="365125"/>
+            <a:off x="6071404" y="365126"/>
             <a:ext cx="5181600" cy="713868"/>
           </a:xfrm>
           <a:prstGeom prst="rect">
@@ -33071,8 +34009,8 @@
         </p:nvSpPr>
         <p:spPr>
           <a:xfrm>
-            <a:off x="838200" y="3952806"/>
-            <a:ext cx="5078392" cy="2313394"/>
+            <a:off x="1128346" y="3946743"/>
+            <a:ext cx="4498100" cy="2313394"/>
           </a:xfrm>
           <a:prstGeom prst="roundRect">
             <a:avLst/>
@@ -33461,8 +34399,8 @@
         </p:nvSpPr>
         <p:spPr>
           <a:xfrm>
-            <a:off x="6275408" y="3952806"/>
-            <a:ext cx="5078392" cy="2313394"/>
+            <a:off x="6463552" y="3946743"/>
+            <a:ext cx="4498100" cy="2313394"/>
           </a:xfrm>
           <a:prstGeom prst="roundRect">
             <a:avLst/>
@@ -33819,10 +34757,10 @@
         </p:nvGrpSpPr>
         <p:grpSpPr>
           <a:xfrm>
-            <a:off x="6447304" y="1477412"/>
-            <a:ext cx="4456051" cy="3931117"/>
-            <a:chOff x="6354704" y="1477412"/>
-            <a:chExt cx="4456051" cy="3931117"/>
+            <a:off x="6271459" y="1477412"/>
+            <a:ext cx="4830295" cy="3931117"/>
+            <a:chOff x="6319535" y="1477412"/>
+            <a:chExt cx="4830295" cy="3931117"/>
           </a:xfrm>
         </p:grpSpPr>
         <p:sp>
@@ -33833,8 +34771,8 @@
           </p:nvSpPr>
           <p:spPr>
             <a:xfrm>
-              <a:off x="9350617" y="1477412"/>
-              <a:ext cx="1460138" cy="305089"/>
+              <a:off x="9303725" y="1477412"/>
+              <a:ext cx="1846105" cy="305089"/>
             </a:xfrm>
             <a:prstGeom prst="rect">
               <a:avLst/>
@@ -33883,8 +34821,8 @@
           </p:nvSpPr>
           <p:spPr>
             <a:xfrm>
-              <a:off x="6354704" y="3028017"/>
-              <a:ext cx="1284588" cy="305089"/>
+              <a:off x="6319535" y="3028017"/>
+              <a:ext cx="1243033" cy="305089"/>
             </a:xfrm>
             <a:prstGeom prst="rect">
               <a:avLst/>
@@ -33933,8 +34871,8 @@
           </p:nvSpPr>
           <p:spPr>
             <a:xfrm>
-              <a:off x="6996998" y="5103440"/>
-              <a:ext cx="1460138" cy="305089"/>
+              <a:off x="6996997" y="5103440"/>
+              <a:ext cx="1796494" cy="305089"/>
             </a:xfrm>
             <a:prstGeom prst="rect">
               <a:avLst/>
@@ -34374,272 +35312,6 @@
 </p:sld>
 </file>
 
-<file path=ppt/slides/slide5.xml><?xml version="1.0" encoding="utf-8"?>
-<p:sld xmlns:a="http://schemas.openxmlformats.org/drawingml/2006/main" xmlns:r="http://schemas.openxmlformats.org/officeDocument/2006/relationships" xmlns:p="http://schemas.openxmlformats.org/presentationml/2006/main">
-  <p:cSld>
-    <p:spTree>
-      <p:nvGrpSpPr>
-        <p:cNvPr id="1" name=""/>
-        <p:cNvGrpSpPr/>
-        <p:nvPr/>
-      </p:nvGrpSpPr>
-      <p:grpSpPr>
-        <a:xfrm>
-          <a:off x="0" y="0"/>
-          <a:ext cx="0" cy="0"/>
-          <a:chOff x="0" y="0"/>
-          <a:chExt cx="0" cy="0"/>
-        </a:xfrm>
-      </p:grpSpPr>
-      <p:graphicFrame>
-        <p:nvGraphicFramePr>
-          <p:cNvPr id="2" name="Content Placeholder 1"/>
-          <p:cNvGraphicFramePr>
-            <a:graphicFrameLocks noGrp="1"/>
-          </p:cNvGraphicFramePr>
-          <p:nvPr>
-            <p:ph idx="1"/>
-            <p:extLst>
-              <p:ext uri="{D42A27DB-BD31-4B8C-83A1-F6EECF244321}">
-                <p14:modId xmlns:p14="http://schemas.microsoft.com/office/powerpoint/2010/main" val="1928455050"/>
-              </p:ext>
-            </p:extLst>
-          </p:nvPr>
-        </p:nvGraphicFramePr>
-        <p:xfrm>
-          <a:off x="1432956" y="1538205"/>
-          <a:ext cx="9326088" cy="4358932"/>
-        </p:xfrm>
-        <a:graphic>
-          <a:graphicData uri="http://schemas.openxmlformats.org/drawingml/2006/diagram">
-            <dgm:relIds xmlns:dgm="http://schemas.openxmlformats.org/drawingml/2006/diagram" xmlns:r="http://schemas.openxmlformats.org/officeDocument/2006/relationships" r:dm="rId3" r:lo="rId4" r:qs="rId5" r:cs="rId6"/>
-          </a:graphicData>
-        </a:graphic>
-      </p:graphicFrame>
-      <p:sp>
-        <p:nvSpPr>
-          <p:cNvPr id="4" name="Footer Placeholder 3"/>
-          <p:cNvSpPr>
-            <a:spLocks noGrp="1"/>
-          </p:cNvSpPr>
-          <p:nvPr>
-            <p:ph type="ftr" sz="quarter" idx="11"/>
-          </p:nvPr>
-        </p:nvSpPr>
-        <p:spPr/>
-        <p:txBody>
-          <a:bodyPr/>
-          <a:lstStyle/>
-          <a:p>
-            <a:r>
-              <a:rPr lang="en-US" dirty="0" err="1" smtClean="0"/>
-              <a:t>fscheck.github.io</a:t>
-            </a:r>
-            <a:r>
-              <a:rPr lang="en-US" dirty="0" smtClean="0"/>
-              <a:t>/</a:t>
-            </a:r>
-            <a:r>
-              <a:rPr lang="en-US" b="1" dirty="0" err="1" smtClean="0"/>
-              <a:t>FsCheck</a:t>
-            </a:r>
-            <a:r>
-              <a:rPr lang="en-US" b="1" dirty="0" smtClean="0"/>
-              <a:t> </a:t>
-            </a:r>
-            <a:r>
-              <a:rPr lang="en-US" b="1" dirty="0" smtClean="0">
-                <a:solidFill>
-                  <a:schemeClr val="accent1">
-                    <a:lumMod val="60000"/>
-                    <a:lumOff val="40000"/>
-                  </a:schemeClr>
-                </a:solidFill>
-              </a:rPr>
-              <a:t>|</a:t>
-            </a:r>
-            <a:r>
-              <a:rPr lang="en-US" b="1" dirty="0" smtClean="0"/>
-              <a:t> </a:t>
-            </a:r>
-            <a:r>
-              <a:rPr lang="en-US" dirty="0" err="1" smtClean="0"/>
-              <a:t>github.com</a:t>
-            </a:r>
-            <a:r>
-              <a:rPr lang="en-US" dirty="0" smtClean="0"/>
-              <a:t>/</a:t>
-            </a:r>
-            <a:r>
-              <a:rPr lang="en-US" dirty="0" err="1" smtClean="0"/>
-              <a:t>pblasucci</a:t>
-            </a:r>
-            <a:r>
-              <a:rPr lang="en-US" dirty="0" smtClean="0"/>
-              <a:t>/</a:t>
-            </a:r>
-            <a:r>
-              <a:rPr lang="en-US" b="1" dirty="0" err="1" smtClean="0"/>
-              <a:t>quickpbt</a:t>
-            </a:r>
-            <a:endParaRPr lang="en-US" b="1" dirty="0" smtClean="0"/>
-          </a:p>
-        </p:txBody>
-      </p:sp>
-      <p:sp>
-        <p:nvSpPr>
-          <p:cNvPr id="5" name="Slide Number Placeholder 4"/>
-          <p:cNvSpPr>
-            <a:spLocks noGrp="1"/>
-          </p:cNvSpPr>
-          <p:nvPr>
-            <p:ph type="sldNum" sz="quarter" idx="12"/>
-          </p:nvPr>
-        </p:nvSpPr>
-        <p:spPr/>
-        <p:txBody>
-          <a:bodyPr/>
-          <a:lstStyle/>
-          <a:p>
-            <a:fld id="{BD1DDC88-FFD1-CB4C-90EA-24AE6ABA12F2}" type="slidenum">
-              <a:rPr lang="en-US" smtClean="0"/>
-              <a:t>5</a:t>
-            </a:fld>
-            <a:endParaRPr lang="en-US"/>
-          </a:p>
-        </p:txBody>
-      </p:sp>
-      <p:cxnSp>
-        <p:nvCxnSpPr>
-          <p:cNvPr id="6" name="Straight Connector 5"/>
-          <p:cNvCxnSpPr/>
-          <p:nvPr/>
-        </p:nvCxnSpPr>
-        <p:spPr>
-          <a:xfrm>
-            <a:off x="838200" y="1078994"/>
-            <a:ext cx="10515600" cy="0"/>
-          </a:xfrm>
-          <a:prstGeom prst="line">
-            <a:avLst/>
-          </a:prstGeom>
-          <a:ln w="28575">
-            <a:solidFill>
-              <a:schemeClr val="accent1">
-                <a:lumMod val="60000"/>
-                <a:lumOff val="40000"/>
-              </a:schemeClr>
-            </a:solidFill>
-          </a:ln>
-        </p:spPr>
-        <p:style>
-          <a:lnRef idx="1">
-            <a:schemeClr val="accent1"/>
-          </a:lnRef>
-          <a:fillRef idx="0">
-            <a:schemeClr val="accent1"/>
-          </a:fillRef>
-          <a:effectRef idx="0">
-            <a:schemeClr val="accent1"/>
-          </a:effectRef>
-          <a:fontRef idx="minor">
-            <a:schemeClr val="tx1"/>
-          </a:fontRef>
-        </p:style>
-      </p:cxnSp>
-      <p:sp>
-        <p:nvSpPr>
-          <p:cNvPr id="7" name="Title 1"/>
-          <p:cNvSpPr txBox="1">
-            <a:spLocks/>
-          </p:cNvSpPr>
-          <p:nvPr/>
-        </p:nvSpPr>
-        <p:spPr>
-          <a:xfrm>
-            <a:off x="838200" y="365126"/>
-            <a:ext cx="10515600" cy="713868"/>
-          </a:xfrm>
-          <a:prstGeom prst="rect">
-            <a:avLst/>
-          </a:prstGeom>
-        </p:spPr>
-        <p:txBody>
-          <a:bodyPr vert="horz" lIns="91440" tIns="45720" rIns="91440" bIns="45720" rtlCol="0" anchor="ctr">
-            <a:normAutofit/>
-          </a:bodyPr>
-          <a:lstStyle>
-            <a:lvl1pPr algn="l" defTabSz="914400" rtl="0" eaLnBrk="1" latinLnBrk="0" hangingPunct="1">
-              <a:lnSpc>
-                <a:spcPct val="90000"/>
-              </a:lnSpc>
-              <a:spcBef>
-                <a:spcPct val="0"/>
-              </a:spcBef>
-              <a:buNone/>
-              <a:defRPr sz="4400" b="0" kern="1200">
-                <a:solidFill>
-                  <a:schemeClr val="tx1"/>
-                </a:solidFill>
-                <a:latin typeface="Verdana" charset="0"/>
-                <a:ea typeface="Verdana" charset="0"/>
-                <a:cs typeface="Verdana" charset="0"/>
-              </a:defRPr>
-            </a:lvl1pPr>
-          </a:lstStyle>
-          <a:p>
-            <a:r>
-              <a:rPr lang="en-US" sz="2400" b="1" dirty="0" smtClean="0">
-                <a:solidFill>
-                  <a:schemeClr val="accent1">
-                    <a:lumMod val="75000"/>
-                  </a:schemeClr>
-                </a:solidFill>
-              </a:rPr>
-              <a:t>DOMAIN UNDER TEST</a:t>
-            </a:r>
-            <a:endParaRPr lang="en-US" sz="2400" b="1" dirty="0">
-              <a:solidFill>
-                <a:schemeClr val="accent1">
-                  <a:lumMod val="75000"/>
-                </a:schemeClr>
-              </a:solidFill>
-            </a:endParaRPr>
-          </a:p>
-        </p:txBody>
-      </p:sp>
-    </p:spTree>
-    <p:extLst>
-      <p:ext uri="{BB962C8B-B14F-4D97-AF65-F5344CB8AC3E}">
-        <p14:creationId xmlns:p14="http://schemas.microsoft.com/office/powerpoint/2010/main" val="464380672"/>
-      </p:ext>
-    </p:extLst>
-  </p:cSld>
-  <p:clrMapOvr>
-    <a:masterClrMapping/>
-  </p:clrMapOvr>
-  <mc:AlternateContent xmlns:mc="http://schemas.openxmlformats.org/markup-compatibility/2006" xmlns:p14="http://schemas.microsoft.com/office/powerpoint/2010/main">
-    <mc:Choice Requires="p14">
-      <p:transition spd="med" p14:dur="700">
-        <p:fade/>
-      </p:transition>
-    </mc:Choice>
-    <mc:Fallback xmlns="">
-      <p:transition spd="med">
-        <p:fade/>
-      </p:transition>
-    </mc:Fallback>
-  </mc:AlternateContent>
-  <p:timing>
-    <p:tnLst>
-      <p:par>
-        <p:cTn id="1" dur="indefinite" restart="never" nodeType="tmRoot"/>
-      </p:par>
-    </p:tnLst>
-  </p:timing>
-</p:sld>
-</file>
-
 <file path=ppt/slides/slide6.xml><?xml version="1.0" encoding="utf-8"?>
 <p:sld xmlns:a="http://schemas.openxmlformats.org/drawingml/2006/main" xmlns:r="http://schemas.openxmlformats.org/officeDocument/2006/relationships" xmlns:p="http://schemas.openxmlformats.org/presentationml/2006/main">
   <p:cSld>
@@ -35452,7 +36124,15 @@
                 <a:ea typeface="Courier" charset="0"/>
                 <a:cs typeface="Courier" charset="0"/>
               </a:rPr>
-              <a:t>offset = </a:t>
+              <a:t>offset </a:t>
+            </a:r>
+            <a:r>
+              <a:rPr lang="en-US" sz="1200" dirty="0" smtClean="0">
+                <a:latin typeface="Courier" charset="0"/>
+                <a:ea typeface="Courier" charset="0"/>
+                <a:cs typeface="Courier" charset="0"/>
+              </a:rPr>
+              <a:t>= </a:t>
             </a:r>
             <a:r>
               <a:rPr lang="en-US" sz="1200" dirty="0" err="1">
@@ -37048,11 +37728,22 @@
             </a:r>
             <a:r>
               <a:rPr lang="en-US" sz="1200" dirty="0">
-                <a:latin typeface="Courier" charset="0"/>
-                <a:ea typeface="Courier" charset="0"/>
-                <a:cs typeface="Courier" charset="0"/>
-              </a:rPr>
-              <a:t>Date </a:t>
+                <a:solidFill>
+                  <a:srgbClr val="408080"/>
+                </a:solidFill>
+                <a:latin typeface="Courier" charset="0"/>
+                <a:ea typeface="Courier" charset="0"/>
+                <a:cs typeface="Courier" charset="0"/>
+              </a:rPr>
+              <a:t>Date</a:t>
+            </a:r>
+            <a:r>
+              <a:rPr lang="en-US" sz="1200" dirty="0">
+                <a:latin typeface="Courier" charset="0"/>
+                <a:ea typeface="Courier" charset="0"/>
+                <a:cs typeface="Courier" charset="0"/>
+              </a:rPr>
+              <a:t> </a:t>
             </a:r>
             <a:r>
               <a:rPr lang="en-US" sz="1200" dirty="0" err="1">
@@ -37068,7 +37759,45 @@
                 <a:ea typeface="Courier" charset="0"/>
                 <a:cs typeface="Courier" charset="0"/>
               </a:rPr>
-              <a:t>, Zone zone1, Zone zone2</a:t>
+              <a:t>, </a:t>
+            </a:r>
+            <a:r>
+              <a:rPr lang="en-US" sz="1200" dirty="0">
+                <a:solidFill>
+                  <a:srgbClr val="408080"/>
+                </a:solidFill>
+                <a:latin typeface="Courier" charset="0"/>
+                <a:ea typeface="Courier" charset="0"/>
+                <a:cs typeface="Courier" charset="0"/>
+              </a:rPr>
+              <a:t>Zone</a:t>
+            </a:r>
+            <a:r>
+              <a:rPr lang="en-US" sz="1200" dirty="0">
+                <a:latin typeface="Courier" charset="0"/>
+                <a:ea typeface="Courier" charset="0"/>
+                <a:cs typeface="Courier" charset="0"/>
+              </a:rPr>
+              <a:t> zone1, </a:t>
+            </a:r>
+            <a:r>
+              <a:rPr lang="en-US" sz="1200" dirty="0">
+                <a:solidFill>
+                  <a:srgbClr val="408080"/>
+                </a:solidFill>
+                <a:latin typeface="Courier" charset="0"/>
+                <a:ea typeface="Courier" charset="0"/>
+                <a:cs typeface="Courier" charset="0"/>
+              </a:rPr>
+              <a:t>Zone</a:t>
+            </a:r>
+            <a:r>
+              <a:rPr lang="en-US" sz="1200" dirty="0">
+                <a:latin typeface="Courier" charset="0"/>
+                <a:ea typeface="Courier" charset="0"/>
+                <a:cs typeface="Courier" charset="0"/>
+              </a:rPr>
+              <a:t> zone2</a:t>
             </a:r>
             <a:r>
               <a:rPr lang="en-US" sz="1200" dirty="0" smtClean="0">
@@ -37131,11 +37860,22 @@
             </a:r>
             <a:r>
               <a:rPr lang="en-US" sz="1200" dirty="0" err="1">
-                <a:latin typeface="Courier" charset="0"/>
-                <a:ea typeface="Courier" charset="0"/>
-                <a:cs typeface="Courier" charset="0"/>
-              </a:rPr>
-              <a:t>Zone.ConvertTime</a:t>
+                <a:solidFill>
+                  <a:srgbClr val="408080"/>
+                </a:solidFill>
+                <a:latin typeface="Courier" charset="0"/>
+                <a:ea typeface="Courier" charset="0"/>
+                <a:cs typeface="Courier" charset="0"/>
+              </a:rPr>
+              <a:t>Zone</a:t>
+            </a:r>
+            <a:r>
+              <a:rPr lang="en-US" sz="1200" dirty="0" err="1">
+                <a:latin typeface="Courier" charset="0"/>
+                <a:ea typeface="Courier" charset="0"/>
+                <a:cs typeface="Courier" charset="0"/>
+              </a:rPr>
+              <a:t>.ConvertTime</a:t>
             </a:r>
             <a:r>
               <a:rPr lang="en-US" sz="1200" dirty="0">
@@ -37147,11 +37887,22 @@
             </a:r>
             <a:r>
               <a:rPr lang="en-US" sz="1200" dirty="0" err="1">
-                <a:latin typeface="Courier" charset="0"/>
-                <a:ea typeface="Courier" charset="0"/>
-                <a:cs typeface="Courier" charset="0"/>
-              </a:rPr>
-              <a:t>Zone.ConvertTime</a:t>
+                <a:solidFill>
+                  <a:srgbClr val="408080"/>
+                </a:solidFill>
+                <a:latin typeface="Courier" charset="0"/>
+                <a:ea typeface="Courier" charset="0"/>
+                <a:cs typeface="Courier" charset="0"/>
+              </a:rPr>
+              <a:t>Zone</a:t>
+            </a:r>
+            <a:r>
+              <a:rPr lang="en-US" sz="1200" dirty="0" err="1">
+                <a:latin typeface="Courier" charset="0"/>
+                <a:ea typeface="Courier" charset="0"/>
+                <a:cs typeface="Courier" charset="0"/>
+              </a:rPr>
+              <a:t>.ConvertTime</a:t>
             </a:r>
             <a:r>
               <a:rPr lang="en-US" sz="1200" dirty="0">
@@ -37225,11 +37976,22 @@
             </a:r>
             <a:r>
               <a:rPr lang="en-US" sz="1200" dirty="0" err="1">
-                <a:latin typeface="Courier" charset="0"/>
-                <a:ea typeface="Courier" charset="0"/>
-                <a:cs typeface="Courier" charset="0"/>
-              </a:rPr>
-              <a:t>Zone.ConvertTime</a:t>
+                <a:solidFill>
+                  <a:srgbClr val="408080"/>
+                </a:solidFill>
+                <a:latin typeface="Courier" charset="0"/>
+                <a:ea typeface="Courier" charset="0"/>
+                <a:cs typeface="Courier" charset="0"/>
+              </a:rPr>
+              <a:t>Zone</a:t>
+            </a:r>
+            <a:r>
+              <a:rPr lang="en-US" sz="1200" dirty="0" err="1">
+                <a:latin typeface="Courier" charset="0"/>
+                <a:ea typeface="Courier" charset="0"/>
+                <a:cs typeface="Courier" charset="0"/>
+              </a:rPr>
+              <a:t>.ConvertTime</a:t>
             </a:r>
             <a:r>
               <a:rPr lang="en-US" sz="1200" dirty="0">
@@ -38226,47 +38988,77 @@
               <a:t>public </a:t>
             </a:r>
             <a:r>
+              <a:rPr lang="en-US" sz="1200" dirty="0" smtClean="0">
+                <a:solidFill>
+                  <a:srgbClr val="408080"/>
+                </a:solidFill>
+                <a:latin typeface="Courier" charset="0"/>
+                <a:ea typeface="Courier" charset="0"/>
+                <a:cs typeface="Courier" charset="0"/>
+              </a:rPr>
+              <a:t>Property </a:t>
+            </a:r>
+            <a:r>
+              <a:rPr lang="en-US" sz="1200" dirty="0" err="1" smtClean="0">
+                <a:latin typeface="Courier" charset="0"/>
+                <a:ea typeface="Courier" charset="0"/>
+                <a:cs typeface="Courier" charset="0"/>
+              </a:rPr>
+              <a:t>zone_conversion_is_not_affected_by_detours</a:t>
+            </a:r>
+            <a:r>
+              <a:rPr lang="en-US" sz="1200" dirty="0" smtClean="0">
+                <a:latin typeface="Courier" charset="0"/>
+                <a:ea typeface="Courier" charset="0"/>
+                <a:cs typeface="Courier" charset="0"/>
+              </a:rPr>
+              <a:t>(</a:t>
+            </a:r>
+            <a:r>
+              <a:rPr lang="en-US" sz="1200" dirty="0" smtClean="0">
+                <a:solidFill>
+                  <a:srgbClr val="408080"/>
+                </a:solidFill>
+                <a:latin typeface="Courier" charset="0"/>
+                <a:ea typeface="Courier" charset="0"/>
+                <a:cs typeface="Courier" charset="0"/>
+              </a:rPr>
+              <a:t>Date</a:t>
+            </a:r>
+            <a:r>
+              <a:rPr lang="en-US" sz="1200" dirty="0" smtClean="0">
+                <a:latin typeface="Courier" charset="0"/>
+                <a:ea typeface="Courier" charset="0"/>
+                <a:cs typeface="Courier" charset="0"/>
+              </a:rPr>
+              <a:t> </a:t>
+            </a:r>
+            <a:r>
+              <a:rPr lang="en-US" sz="1200" dirty="0" err="1">
+                <a:latin typeface="Courier" charset="0"/>
+                <a:ea typeface="Courier" charset="0"/>
+                <a:cs typeface="Courier" charset="0"/>
+              </a:rPr>
+              <a:t>anyDate</a:t>
+            </a:r>
+            <a:r>
               <a:rPr lang="en-US" sz="1200" dirty="0">
-                <a:solidFill>
-                  <a:srgbClr val="0000FF"/>
-                </a:solidFill>
-                <a:latin typeface="Courier" charset="0"/>
-                <a:ea typeface="Courier" charset="0"/>
-                <a:cs typeface="Courier" charset="0"/>
-              </a:rPr>
-              <a:t>bool</a:t>
+                <a:latin typeface="Courier" charset="0"/>
+                <a:ea typeface="Courier" charset="0"/>
+                <a:cs typeface="Courier" charset="0"/>
+              </a:rPr>
+              <a:t>, </a:t>
             </a:r>
             <a:r>
               <a:rPr lang="en-US" sz="1200" dirty="0">
-                <a:latin typeface="Courier" charset="0"/>
-                <a:ea typeface="Courier" charset="0"/>
-                <a:cs typeface="Courier" charset="0"/>
-              </a:rPr>
-              <a:t> </a:t>
-            </a:r>
-            <a:r>
-              <a:rPr lang="en-US" sz="1200" dirty="0" err="1" smtClean="0">
-                <a:latin typeface="Courier" charset="0"/>
-                <a:ea typeface="Courier" charset="0"/>
-                <a:cs typeface="Courier" charset="0"/>
-              </a:rPr>
-              <a:t>zone_conversion_is_not_affected_by_detours</a:t>
-            </a:r>
-            <a:r>
-              <a:rPr lang="en-US" sz="1200" dirty="0" smtClean="0">
-                <a:latin typeface="Courier" charset="0"/>
-                <a:ea typeface="Courier" charset="0"/>
-                <a:cs typeface="Courier" charset="0"/>
-              </a:rPr>
-              <a:t>(Date </a:t>
-            </a:r>
-            <a:r>
-              <a:rPr lang="en-US" sz="1200" dirty="0" err="1">
-                <a:latin typeface="Courier" charset="0"/>
-                <a:ea typeface="Courier" charset="0"/>
-                <a:cs typeface="Courier" charset="0"/>
-              </a:rPr>
-              <a:t>anyDate</a:t>
+                <a:solidFill>
+                  <a:srgbClr val="408080"/>
+                </a:solidFill>
+                <a:latin typeface="Courier" charset="0"/>
+                <a:ea typeface="Courier" charset="0"/>
+                <a:cs typeface="Courier" charset="0"/>
+              </a:rPr>
+              <a:t>Zone</a:t>
             </a:r>
             <a:r>
               <a:rPr lang="en-US" sz="1200" dirty="0">
@@ -38274,7 +39066,26 @@
                 <a:ea typeface="Courier" charset="0"/>
                 <a:cs typeface="Courier" charset="0"/>
               </a:rPr>
-              <a:t>, Zone zone1, Zone zone2</a:t>
+              <a:t> zone1, </a:t>
+            </a:r>
+            <a:r>
+              <a:rPr lang="en-US" sz="1200" dirty="0">
+                <a:solidFill>
+                  <a:srgbClr val="408080"/>
+                </a:solidFill>
+                <a:latin typeface="Courier" charset="0"/>
+                <a:ea typeface="Courier" charset="0"/>
+                <a:cs typeface="Courier" charset="0"/>
+              </a:rPr>
+              <a:t>Zone</a:t>
+            </a:r>
+            <a:r>
+              <a:rPr lang="en-US" sz="1200" dirty="0">
+                <a:latin typeface="Courier" charset="0"/>
+                <a:ea typeface="Courier" charset="0"/>
+                <a:cs typeface="Courier" charset="0"/>
+              </a:rPr>
+              <a:t> zone2</a:t>
             </a:r>
             <a:r>
               <a:rPr lang="en-US" sz="1200" dirty="0" smtClean="0">
@@ -38337,11 +39148,22 @@
             </a:r>
             <a:r>
               <a:rPr lang="en-US" sz="1200" dirty="0" err="1">
-                <a:latin typeface="Courier" charset="0"/>
-                <a:ea typeface="Courier" charset="0"/>
-                <a:cs typeface="Courier" charset="0"/>
-              </a:rPr>
-              <a:t>Zone.ConvertTime</a:t>
+                <a:solidFill>
+                  <a:srgbClr val="408080"/>
+                </a:solidFill>
+                <a:latin typeface="Courier" charset="0"/>
+                <a:ea typeface="Courier" charset="0"/>
+                <a:cs typeface="Courier" charset="0"/>
+              </a:rPr>
+              <a:t>Zone</a:t>
+            </a:r>
+            <a:r>
+              <a:rPr lang="en-US" sz="1200" dirty="0" err="1">
+                <a:latin typeface="Courier" charset="0"/>
+                <a:ea typeface="Courier" charset="0"/>
+                <a:cs typeface="Courier" charset="0"/>
+              </a:rPr>
+              <a:t>.ConvertTime</a:t>
             </a:r>
             <a:r>
               <a:rPr lang="en-US" sz="1200" dirty="0">
@@ -38353,11 +39175,22 @@
             </a:r>
             <a:r>
               <a:rPr lang="en-US" sz="1200" dirty="0" err="1">
-                <a:latin typeface="Courier" charset="0"/>
-                <a:ea typeface="Courier" charset="0"/>
-                <a:cs typeface="Courier" charset="0"/>
-              </a:rPr>
-              <a:t>Zone.ConvertTime</a:t>
+                <a:solidFill>
+                  <a:srgbClr val="408080"/>
+                </a:solidFill>
+                <a:latin typeface="Courier" charset="0"/>
+                <a:ea typeface="Courier" charset="0"/>
+                <a:cs typeface="Courier" charset="0"/>
+              </a:rPr>
+              <a:t>Zone</a:t>
+            </a:r>
+            <a:r>
+              <a:rPr lang="en-US" sz="1200" dirty="0" err="1">
+                <a:latin typeface="Courier" charset="0"/>
+                <a:ea typeface="Courier" charset="0"/>
+                <a:cs typeface="Courier" charset="0"/>
+              </a:rPr>
+              <a:t>.ConvertTime</a:t>
             </a:r>
             <a:r>
               <a:rPr lang="en-US" sz="1200" dirty="0">
@@ -38431,11 +39264,22 @@
             </a:r>
             <a:r>
               <a:rPr lang="en-US" sz="1200" dirty="0" err="1">
-                <a:latin typeface="Courier" charset="0"/>
-                <a:ea typeface="Courier" charset="0"/>
-                <a:cs typeface="Courier" charset="0"/>
-              </a:rPr>
-              <a:t>Zone.ConvertTime</a:t>
+                <a:solidFill>
+                  <a:srgbClr val="408080"/>
+                </a:solidFill>
+                <a:latin typeface="Courier" charset="0"/>
+                <a:ea typeface="Courier" charset="0"/>
+                <a:cs typeface="Courier" charset="0"/>
+              </a:rPr>
+              <a:t>Zone</a:t>
+            </a:r>
+            <a:r>
+              <a:rPr lang="en-US" sz="1200" dirty="0" err="1">
+                <a:latin typeface="Courier" charset="0"/>
+                <a:ea typeface="Courier" charset="0"/>
+                <a:cs typeface="Courier" charset="0"/>
+              </a:rPr>
+              <a:t>.ConvertTime</a:t>
             </a:r>
             <a:r>
               <a:rPr lang="en-US" sz="1200" dirty="0">
